--- a/STM32_DOCS/I2C_in_STM32.pptx
+++ b/STM32_DOCS/I2C_in_STM32.pptx
@@ -5,10 +5,10 @@
     <p:sldMasterId id="2147483648" r:id="rId1"/>
   </p:sldMasterIdLst>
   <p:notesMasterIdLst>
-    <p:notesMasterId r:id="rId18"/>
+    <p:notesMasterId r:id="rId23"/>
   </p:notesMasterIdLst>
   <p:handoutMasterIdLst>
-    <p:handoutMasterId r:id="rId19"/>
+    <p:handoutMasterId r:id="rId24"/>
   </p:handoutMasterIdLst>
   <p:sldIdLst>
     <p:sldId id="324" r:id="rId2"/>
@@ -17,16 +17,21 @@
     <p:sldId id="352" r:id="rId5"/>
     <p:sldId id="349" r:id="rId6"/>
     <p:sldId id="350" r:id="rId7"/>
-    <p:sldId id="351" r:id="rId8"/>
+    <p:sldId id="365" r:id="rId8"/>
     <p:sldId id="353" r:id="rId9"/>
-    <p:sldId id="354" r:id="rId10"/>
-    <p:sldId id="355" r:id="rId11"/>
-    <p:sldId id="356" r:id="rId12"/>
-    <p:sldId id="357" r:id="rId13"/>
-    <p:sldId id="358" r:id="rId14"/>
-    <p:sldId id="359" r:id="rId15"/>
-    <p:sldId id="360" r:id="rId16"/>
-    <p:sldId id="361" r:id="rId17"/>
+    <p:sldId id="368" r:id="rId10"/>
+    <p:sldId id="369" r:id="rId11"/>
+    <p:sldId id="354" r:id="rId12"/>
+    <p:sldId id="366" r:id="rId13"/>
+    <p:sldId id="367" r:id="rId14"/>
+    <p:sldId id="355" r:id="rId15"/>
+    <p:sldId id="356" r:id="rId16"/>
+    <p:sldId id="359" r:id="rId17"/>
+    <p:sldId id="364" r:id="rId18"/>
+    <p:sldId id="360" r:id="rId19"/>
+    <p:sldId id="361" r:id="rId20"/>
+    <p:sldId id="362" r:id="rId21"/>
+    <p:sldId id="363" r:id="rId22"/>
   </p:sldIdLst>
   <p:sldSz cx="12192000" cy="6858000"/>
   <p:notesSz cx="6858000" cy="9144000"/>
@@ -215,7 +220,7 @@
           <a:p>
             <a:fld id="{FA960776-DD9C-4CA1-B52F-F69555253B23}" type="datetimeFigureOut">
               <a:rPr lang="en-US" smtClean="0"/>
-              <a:t>7/15/2021</a:t>
+              <a:t>7/17/2021</a:t>
             </a:fld>
             <a:endParaRPr lang="en-US"/>
           </a:p>
@@ -380,7 +385,7 @@
           <a:p>
             <a:fld id="{117B28C9-C092-4B93-8C1C-CCC07276BB7E}" type="datetimeFigureOut">
               <a:rPr lang="en-US" smtClean="0"/>
-              <a:t>7/15/2021</a:t>
+              <a:t>7/17/2021</a:t>
             </a:fld>
             <a:endParaRPr lang="en-US"/>
           </a:p>
@@ -779,7 +784,7 @@
           <a:p>
             <a:fld id="{2A5E2251-59F4-40B9-B589-7FD156F73A80}" type="datetime1">
               <a:rPr lang="en-US" smtClean="0"/>
-              <a:t>7/15/2021</a:t>
+              <a:t>7/17/2021</a:t>
             </a:fld>
             <a:endParaRPr lang="en-US"/>
           </a:p>
@@ -953,7 +958,7 @@
           <a:p>
             <a:fld id="{89CF80C3-0E08-48A5-B726-C01769596925}" type="datetime1">
               <a:rPr lang="en-US" smtClean="0"/>
-              <a:t>7/15/2021</a:t>
+              <a:t>7/17/2021</a:t>
             </a:fld>
             <a:endParaRPr lang="en-US"/>
           </a:p>
@@ -1137,7 +1142,7 @@
           <a:p>
             <a:fld id="{892E424D-94F6-4CEC-A81F-5E779D7413CC}" type="datetime1">
               <a:rPr lang="en-US" smtClean="0"/>
-              <a:t>7/15/2021</a:t>
+              <a:t>7/17/2021</a:t>
             </a:fld>
             <a:endParaRPr lang="en-US"/>
           </a:p>
@@ -1311,7 +1316,7 @@
           <a:p>
             <a:fld id="{97D9D462-B0B7-4ABA-96C7-E930E507E961}" type="datetime1">
               <a:rPr lang="en-US" smtClean="0"/>
-              <a:t>7/15/2021</a:t>
+              <a:t>7/17/2021</a:t>
             </a:fld>
             <a:endParaRPr lang="en-US"/>
           </a:p>
@@ -1561,7 +1566,7 @@
           <a:p>
             <a:fld id="{3918557C-03DF-4711-B723-5E38B3E9A1E7}" type="datetime1">
               <a:rPr lang="en-US" smtClean="0"/>
-              <a:t>7/15/2021</a:t>
+              <a:t>7/17/2021</a:t>
             </a:fld>
             <a:endParaRPr lang="en-US"/>
           </a:p>
@@ -1797,7 +1802,7 @@
           <a:p>
             <a:fld id="{88336EB4-A409-4FAD-9C75-0FDA2532A29E}" type="datetime1">
               <a:rPr lang="en-US" smtClean="0"/>
-              <a:t>7/15/2021</a:t>
+              <a:t>7/17/2021</a:t>
             </a:fld>
             <a:endParaRPr lang="en-US"/>
           </a:p>
@@ -2168,7 +2173,7 @@
           <a:p>
             <a:fld id="{DEDC10B9-38CE-47F4-A584-8AB9D88C77B6}" type="datetime1">
               <a:rPr lang="en-US" smtClean="0"/>
-              <a:t>7/15/2021</a:t>
+              <a:t>7/17/2021</a:t>
             </a:fld>
             <a:endParaRPr lang="en-US"/>
           </a:p>
@@ -2290,7 +2295,7 @@
           <a:p>
             <a:fld id="{3555007C-9379-46F8-979B-5F3BF56E7AAF}" type="datetime1">
               <a:rPr lang="en-US" smtClean="0"/>
-              <a:t>7/15/2021</a:t>
+              <a:t>7/17/2021</a:t>
             </a:fld>
             <a:endParaRPr lang="en-US"/>
           </a:p>
@@ -2389,7 +2394,7 @@
           <a:p>
             <a:fld id="{DF2E3600-6EBA-4BF3-A90C-7AAC98EC2961}" type="datetime1">
               <a:rPr lang="en-US" smtClean="0"/>
-              <a:t>7/15/2021</a:t>
+              <a:t>7/17/2021</a:t>
             </a:fld>
             <a:endParaRPr lang="en-US"/>
           </a:p>
@@ -2670,7 +2675,7 @@
           <a:p>
             <a:fld id="{58C74F0D-A1EF-4991-AA34-322619835400}" type="datetime1">
               <a:rPr lang="en-US" smtClean="0"/>
-              <a:t>7/15/2021</a:t>
+              <a:t>7/17/2021</a:t>
             </a:fld>
             <a:endParaRPr lang="en-US"/>
           </a:p>
@@ -2927,7 +2932,7 @@
           <a:p>
             <a:fld id="{B940BCD2-4171-4350-A35E-E8DC82A10A4D}" type="datetime1">
               <a:rPr lang="en-US" smtClean="0"/>
-              <a:t>7/15/2021</a:t>
+              <a:t>7/17/2021</a:t>
             </a:fld>
             <a:endParaRPr lang="en-US"/>
           </a:p>
@@ -3144,7 +3149,7 @@
           <a:p>
             <a:fld id="{ABA45DF3-9160-4E03-9CC3-848E1257BAC3}" type="datetime1">
               <a:rPr lang="en-US" smtClean="0"/>
-              <a:t>7/15/2021</a:t>
+              <a:t>7/17/2021</a:t>
             </a:fld>
             <a:endParaRPr lang="en-US"/>
           </a:p>
@@ -3619,17 +3624,6 @@
           <a:p>
             <a:pPr algn="ctr"/>
             <a:r>
-              <a:rPr lang="en-US" b="1" dirty="0">
-                <a:solidFill>
-                  <a:schemeClr val="accent1">
-                    <a:lumMod val="75000"/>
-                  </a:schemeClr>
-                </a:solidFill>
-                <a:latin typeface="Facto Bold" panose="00000800000000000000" pitchFamily="50" charset="0"/>
-              </a:rPr>
-              <a:t>I2C Communication </a:t>
-            </a:r>
-            <a:r>
               <a:rPr lang="en-US" b="1" dirty="0" smtClean="0">
                 <a:solidFill>
                   <a:schemeClr val="accent1">
@@ -3638,28 +3632,7 @@
                 </a:solidFill>
                 <a:latin typeface="Facto Bold" panose="00000800000000000000" pitchFamily="50" charset="0"/>
               </a:rPr>
-              <a:t>Protocols</a:t>
-            </a:r>
-            <a:br>
-              <a:rPr lang="en-US" b="1" dirty="0" smtClean="0">
-                <a:solidFill>
-                  <a:schemeClr val="accent1">
-                    <a:lumMod val="75000"/>
-                  </a:schemeClr>
-                </a:solidFill>
-                <a:latin typeface="Facto Bold" panose="00000800000000000000" pitchFamily="50" charset="0"/>
-              </a:rPr>
-            </a:br>
-            <a:r>
-              <a:rPr lang="en-US" b="1" dirty="0" smtClean="0">
-                <a:solidFill>
-                  <a:schemeClr val="accent1">
-                    <a:lumMod val="75000"/>
-                  </a:schemeClr>
-                </a:solidFill>
-                <a:latin typeface="Facto Bold" panose="00000800000000000000" pitchFamily="50" charset="0"/>
-              </a:rPr>
-              <a:t>In STM32</a:t>
+              <a:t>I2C in STM32</a:t>
             </a:r>
             <a:endParaRPr lang="en-US" b="1" dirty="0">
               <a:solidFill>
@@ -3806,7 +3779,7 @@
         </p:nvSpPr>
         <p:spPr>
           <a:xfrm>
-            <a:off x="318311" y="267251"/>
+            <a:off x="318311" y="441143"/>
             <a:ext cx="6636281" cy="399245"/>
           </a:xfrm>
           <a:prstGeom prst="rect">
@@ -3847,14 +3820,62 @@
                 </a:solidFill>
                 <a:latin typeface="Facto Bold" panose="00000800000000000000" pitchFamily="50" charset="0"/>
               </a:rPr>
-              <a:t>I2C block diagram</a:t>
-            </a:r>
+              <a:t>I2C Arbitration</a:t>
+            </a:r>
+          </a:p>
+        </p:txBody>
+      </p:sp>
+      <p:sp>
+        <p:nvSpPr>
+          <p:cNvPr id="6" name="TextBox 5"/>
+          <p:cNvSpPr txBox="1"/>
+          <p:nvPr/>
+        </p:nvSpPr>
+        <p:spPr>
+          <a:xfrm>
+            <a:off x="801660" y="1185704"/>
+            <a:ext cx="11013140" cy="707886"/>
+          </a:xfrm>
+          <a:prstGeom prst="rect">
+            <a:avLst/>
+          </a:prstGeom>
+          <a:noFill/>
+        </p:spPr>
+        <p:txBody>
+          <a:bodyPr wrap="square" rtlCol="0">
+            <a:spAutoFit/>
+          </a:bodyPr>
+          <a:lstStyle/>
+          <a:p>
+            <a:pPr marL="384048" lvl="0" indent="-384048">
+              <a:spcBef>
+                <a:spcPts val="1000"/>
+              </a:spcBef>
+              <a:spcAft>
+                <a:spcPts val="200"/>
+              </a:spcAft>
+              <a:buFont typeface="Wingdings" panose="05000000000000000000" pitchFamily="2" charset="2"/>
+              <a:buChar char="v"/>
+            </a:pPr>
+            <a:r>
+              <a:rPr lang="en-US" sz="2000" dirty="0" smtClean="0"/>
+              <a:t>If two master send data to one slave </a:t>
+            </a:r>
+            <a:r>
+              <a:rPr lang="en-US" sz="2000" dirty="0"/>
+              <a:t>device at same time </a:t>
+            </a:r>
+            <a:r>
+              <a:rPr lang="en-US" sz="2000" dirty="0" smtClean="0"/>
+              <a:t>,depends upon its data logic bits one master will win arbitration (logic low bit have high priority than logic high)</a:t>
+            </a:r>
+            <a:endParaRPr lang="en-US" sz="2000" dirty="0"/>
           </a:p>
         </p:txBody>
       </p:sp>
       <p:pic>
         <p:nvPicPr>
-          <p:cNvPr id="4" name="Picture 3"/>
+          <p:cNvPr id="8" name="Content Placeholder 3"/>
           <p:cNvPicPr>
             <a:picLocks noChangeAspect="1"/>
           </p:cNvPicPr>
@@ -3874,8 +3895,8 @@
         </p:blipFill>
         <p:spPr>
           <a:xfrm>
-            <a:off x="2979044" y="666496"/>
-            <a:ext cx="5837388" cy="5767479"/>
+            <a:off x="1250391" y="2238906"/>
+            <a:ext cx="9685338" cy="3482272"/>
           </a:xfrm>
           <a:prstGeom prst="rect">
             <a:avLst/>
@@ -3885,7 +3906,7 @@
     </p:spTree>
     <p:extLst>
       <p:ext uri="{BB962C8B-B14F-4D97-AF65-F5344CB8AC3E}">
-        <p14:creationId xmlns:p14="http://schemas.microsoft.com/office/powerpoint/2010/main" val="837823484"/>
+        <p14:creationId xmlns:p14="http://schemas.microsoft.com/office/powerpoint/2010/main" val="2153350815"/>
       </p:ext>
     </p:extLst>
   </p:cSld>
@@ -4034,7 +4055,7 @@
                 </a:solidFill>
                 <a:latin typeface="Facto Bold" panose="00000800000000000000" pitchFamily="50" charset="0"/>
               </a:rPr>
-              <a:t>Heading</a:t>
+              <a:t>I2C in STM32</a:t>
             </a:r>
           </a:p>
         </p:txBody>
@@ -4048,7 +4069,7 @@
         <p:spPr>
           <a:xfrm>
             <a:off x="801660" y="1185704"/>
-            <a:ext cx="11013140" cy="400110"/>
+            <a:ext cx="11013140" cy="3323987"/>
           </a:xfrm>
           <a:prstGeom prst="rect">
             <a:avLst/>
@@ -4072,9 +4093,166 @@
               <a:buChar char="v"/>
             </a:pPr>
             <a:r>
-              <a:rPr lang="en-US" sz="2000" dirty="0" err="1" smtClean="0"/>
-              <a:t>conte</a:t>
-            </a:r>
+              <a:rPr lang="en-US" sz="2000" dirty="0"/>
+              <a:t>I2C (inter-integrated circuit) bus Interface serves as an interface between the microcontroller</a:t>
+            </a:r>
+            <a:br>
+              <a:rPr lang="en-US" sz="2000" dirty="0"/>
+            </a:br>
+            <a:r>
+              <a:rPr lang="en-US" sz="2000" dirty="0"/>
+              <a:t>and the serial I2C bus. </a:t>
+            </a:r>
+            <a:endParaRPr lang="en-US" sz="2000" dirty="0" smtClean="0"/>
+          </a:p>
+          <a:p>
+            <a:pPr marL="384048" lvl="0" indent="-384048">
+              <a:spcBef>
+                <a:spcPts val="1000"/>
+              </a:spcBef>
+              <a:spcAft>
+                <a:spcPts val="200"/>
+              </a:spcAft>
+              <a:buFont typeface="Wingdings" panose="05000000000000000000" pitchFamily="2" charset="2"/>
+              <a:buChar char="v"/>
+            </a:pPr>
+            <a:r>
+              <a:rPr lang="en-US" sz="2000" dirty="0" smtClean="0"/>
+              <a:t>It </a:t>
+            </a:r>
+            <a:r>
+              <a:rPr lang="en-US" sz="2000" dirty="0"/>
+              <a:t>provides </a:t>
+            </a:r>
+            <a:r>
+              <a:rPr lang="en-US" sz="2000" dirty="0" err="1"/>
+              <a:t>multimaster</a:t>
+            </a:r>
+            <a:r>
+              <a:rPr lang="en-US" sz="2000" dirty="0"/>
+              <a:t> capability, and controls all I2C </a:t>
+            </a:r>
+            <a:r>
+              <a:rPr lang="en-US" sz="2000" dirty="0" smtClean="0"/>
+              <a:t>bus-specific sequencing</a:t>
+            </a:r>
+            <a:r>
+              <a:rPr lang="en-US" sz="2000" dirty="0"/>
+              <a:t>, protocol, arbitration and timing. It supports the standard mode (</a:t>
+            </a:r>
+            <a:r>
+              <a:rPr lang="en-US" sz="2000" dirty="0" err="1"/>
+              <a:t>Sm</a:t>
+            </a:r>
+            <a:r>
+              <a:rPr lang="en-US" sz="2000" dirty="0"/>
+              <a:t>, up </a:t>
+            </a:r>
+            <a:r>
+              <a:rPr lang="en-US" sz="2000" dirty="0" smtClean="0"/>
+              <a:t>to 100 </a:t>
+            </a:r>
+            <a:r>
+              <a:rPr lang="en-US" sz="2000" dirty="0"/>
+              <a:t>kHz) and </a:t>
+            </a:r>
+            <a:r>
+              <a:rPr lang="en-US" sz="2000" dirty="0" err="1"/>
+              <a:t>Fm</a:t>
+            </a:r>
+            <a:r>
+              <a:rPr lang="en-US" sz="2000" dirty="0"/>
+              <a:t> mode (</a:t>
+            </a:r>
+            <a:r>
+              <a:rPr lang="en-US" sz="2000" dirty="0" err="1"/>
+              <a:t>Fm</a:t>
+            </a:r>
+            <a:r>
+              <a:rPr lang="en-US" sz="2000" dirty="0"/>
+              <a:t>, up to 400 kHz</a:t>
+            </a:r>
+            <a:r>
+              <a:rPr lang="en-US" sz="2000" dirty="0" smtClean="0"/>
+              <a:t>).</a:t>
+            </a:r>
+          </a:p>
+          <a:p>
+            <a:pPr marL="384048" lvl="0" indent="-384048">
+              <a:spcBef>
+                <a:spcPts val="1000"/>
+              </a:spcBef>
+              <a:spcAft>
+                <a:spcPts val="200"/>
+              </a:spcAft>
+              <a:buFont typeface="Wingdings" panose="05000000000000000000" pitchFamily="2" charset="2"/>
+              <a:buChar char="v"/>
+            </a:pPr>
+            <a:r>
+              <a:rPr lang="en-US" sz="2000" dirty="0" smtClean="0"/>
+              <a:t>It </a:t>
+            </a:r>
+            <a:r>
+              <a:rPr lang="en-US" sz="2000" dirty="0"/>
+              <a:t>may be used for a variety of purposes, including CRC generation and verification, </a:t>
+            </a:r>
+            <a:r>
+              <a:rPr lang="en-US" sz="2000" dirty="0" err="1"/>
+              <a:t>SMBus</a:t>
+            </a:r>
+            <a:r>
+              <a:rPr lang="en-US" sz="2000" dirty="0"/>
+              <a:t/>
+            </a:r>
+            <a:br>
+              <a:rPr lang="en-US" sz="2000" dirty="0"/>
+            </a:br>
+            <a:r>
+              <a:rPr lang="en-US" sz="2000" dirty="0"/>
+              <a:t>(system management bus) and </a:t>
+            </a:r>
+            <a:r>
+              <a:rPr lang="en-US" sz="2000" dirty="0" err="1"/>
+              <a:t>PMBus</a:t>
+            </a:r>
+            <a:r>
+              <a:rPr lang="en-US" sz="2000" dirty="0"/>
+              <a:t> (power management bus</a:t>
+            </a:r>
+            <a:r>
+              <a:rPr lang="en-US" sz="2000" dirty="0" smtClean="0"/>
+              <a:t>).</a:t>
+            </a:r>
+          </a:p>
+          <a:p>
+            <a:pPr marL="384048" lvl="0" indent="-384048">
+              <a:spcBef>
+                <a:spcPts val="1000"/>
+              </a:spcBef>
+              <a:spcAft>
+                <a:spcPts val="200"/>
+              </a:spcAft>
+              <a:buFont typeface="Wingdings" panose="05000000000000000000" pitchFamily="2" charset="2"/>
+              <a:buChar char="v"/>
+            </a:pPr>
+            <a:r>
+              <a:rPr lang="en-US" sz="2000" dirty="0" smtClean="0"/>
+              <a:t>Depending </a:t>
+            </a:r>
+            <a:r>
+              <a:rPr lang="en-US" sz="2000" dirty="0"/>
+              <a:t>on specific device implementation DMA capability can be available for reduced</a:t>
+            </a:r>
+            <a:br>
+              <a:rPr lang="en-US" sz="2000" dirty="0"/>
+            </a:br>
+            <a:r>
+              <a:rPr lang="en-US" sz="2000" dirty="0"/>
+              <a:t>CPU overload. </a:t>
+            </a:r>
+            <a:br>
+              <a:rPr lang="en-US" sz="2000" dirty="0"/>
+            </a:br>
             <a:endParaRPr lang="en-US" sz="2000" dirty="0"/>
           </a:p>
         </p:txBody>
@@ -4082,7 +4260,7 @@
     </p:spTree>
     <p:extLst>
       <p:ext uri="{BB962C8B-B14F-4D97-AF65-F5344CB8AC3E}">
-        <p14:creationId xmlns:p14="http://schemas.microsoft.com/office/powerpoint/2010/main" val="4176699038"/>
+        <p14:creationId xmlns:p14="http://schemas.microsoft.com/office/powerpoint/2010/main" val="619045846"/>
       </p:ext>
     </p:extLst>
   </p:cSld>
@@ -4231,55 +4409,53 @@
                 </a:solidFill>
                 <a:latin typeface="Facto Bold" panose="00000800000000000000" pitchFamily="50" charset="0"/>
               </a:rPr>
-              <a:t>Heading</a:t>
-            </a:r>
+              <a:t>Master Transmitter</a:t>
+            </a:r>
+            <a:endParaRPr lang="en-US" sz="2800" b="1" dirty="0" smtClean="0">
+              <a:solidFill>
+                <a:schemeClr val="accent1">
+                  <a:lumMod val="75000"/>
+                </a:schemeClr>
+              </a:solidFill>
+              <a:latin typeface="Facto Bold" panose="00000800000000000000" pitchFamily="50" charset="0"/>
+            </a:endParaRPr>
           </a:p>
         </p:txBody>
       </p:sp>
-      <p:sp>
-        <p:nvSpPr>
-          <p:cNvPr id="6" name="TextBox 5"/>
-          <p:cNvSpPr txBox="1"/>
+      <p:pic>
+        <p:nvPicPr>
+          <p:cNvPr id="7" name="Picture 6"/>
+          <p:cNvPicPr>
+            <a:picLocks noChangeAspect="1"/>
+          </p:cNvPicPr>
           <p:nvPr/>
-        </p:nvSpPr>
+        </p:nvPicPr>
+        <p:blipFill>
+          <a:blip r:embed="rId3">
+            <a:extLst>
+              <a:ext uri="{28A0092B-C50C-407E-A947-70E740481C1C}">
+                <a14:useLocalDpi xmlns:a14="http://schemas.microsoft.com/office/drawing/2010/main" val="0"/>
+              </a:ext>
+            </a:extLst>
+          </a:blip>
+          <a:stretch>
+            <a:fillRect/>
+          </a:stretch>
+        </p:blipFill>
         <p:spPr>
           <a:xfrm>
-            <a:off x="801660" y="1185704"/>
-            <a:ext cx="11013140" cy="400110"/>
+            <a:off x="1428409" y="1093151"/>
+            <a:ext cx="9433179" cy="5100565"/>
           </a:xfrm>
           <a:prstGeom prst="rect">
             <a:avLst/>
           </a:prstGeom>
-          <a:noFill/>
         </p:spPr>
-        <p:txBody>
-          <a:bodyPr wrap="square" rtlCol="0">
-            <a:spAutoFit/>
-          </a:bodyPr>
-          <a:lstStyle/>
-          <a:p>
-            <a:pPr marL="384048" lvl="0" indent="-384048">
-              <a:spcBef>
-                <a:spcPts val="1000"/>
-              </a:spcBef>
-              <a:spcAft>
-                <a:spcPts val="200"/>
-              </a:spcAft>
-              <a:buFont typeface="Wingdings" panose="05000000000000000000" pitchFamily="2" charset="2"/>
-              <a:buChar char="v"/>
-            </a:pPr>
-            <a:r>
-              <a:rPr lang="en-US" sz="2000" dirty="0" err="1" smtClean="0"/>
-              <a:t>conte</a:t>
-            </a:r>
-            <a:endParaRPr lang="en-US" sz="2000" dirty="0"/>
-          </a:p>
-        </p:txBody>
-      </p:sp>
+      </p:pic>
     </p:spTree>
     <p:extLst>
       <p:ext uri="{BB962C8B-B14F-4D97-AF65-F5344CB8AC3E}">
-        <p14:creationId xmlns:p14="http://schemas.microsoft.com/office/powerpoint/2010/main" val="2582649173"/>
+        <p14:creationId xmlns:p14="http://schemas.microsoft.com/office/powerpoint/2010/main" val="710100613"/>
       </p:ext>
     </p:extLst>
   </p:cSld>
@@ -4428,55 +4604,53 @@
                 </a:solidFill>
                 <a:latin typeface="Facto Bold" panose="00000800000000000000" pitchFamily="50" charset="0"/>
               </a:rPr>
-              <a:t>Heading</a:t>
-            </a:r>
+              <a:t>Master receiver</a:t>
+            </a:r>
+            <a:endParaRPr lang="en-US" sz="2800" b="1" dirty="0" smtClean="0">
+              <a:solidFill>
+                <a:schemeClr val="accent1">
+                  <a:lumMod val="75000"/>
+                </a:schemeClr>
+              </a:solidFill>
+              <a:latin typeface="Facto Bold" panose="00000800000000000000" pitchFamily="50" charset="0"/>
+            </a:endParaRPr>
           </a:p>
         </p:txBody>
       </p:sp>
-      <p:sp>
-        <p:nvSpPr>
-          <p:cNvPr id="6" name="TextBox 5"/>
-          <p:cNvSpPr txBox="1"/>
+      <p:pic>
+        <p:nvPicPr>
+          <p:cNvPr id="7" name="Picture 6"/>
+          <p:cNvPicPr>
+            <a:picLocks noChangeAspect="1"/>
+          </p:cNvPicPr>
           <p:nvPr/>
-        </p:nvSpPr>
+        </p:nvPicPr>
+        <p:blipFill>
+          <a:blip r:embed="rId3">
+            <a:extLst>
+              <a:ext uri="{28A0092B-C50C-407E-A947-70E740481C1C}">
+                <a14:useLocalDpi xmlns:a14="http://schemas.microsoft.com/office/drawing/2010/main" val="0"/>
+              </a:ext>
+            </a:extLst>
+          </a:blip>
+          <a:stretch>
+            <a:fillRect/>
+          </a:stretch>
+        </p:blipFill>
         <p:spPr>
           <a:xfrm>
-            <a:off x="801660" y="1185704"/>
-            <a:ext cx="11013140" cy="400110"/>
+            <a:off x="1509243" y="1274898"/>
+            <a:ext cx="9137846" cy="4965264"/>
           </a:xfrm>
           <a:prstGeom prst="rect">
             <a:avLst/>
           </a:prstGeom>
-          <a:noFill/>
         </p:spPr>
-        <p:txBody>
-          <a:bodyPr wrap="square" rtlCol="0">
-            <a:spAutoFit/>
-          </a:bodyPr>
-          <a:lstStyle/>
-          <a:p>
-            <a:pPr marL="384048" lvl="0" indent="-384048">
-              <a:spcBef>
-                <a:spcPts val="1000"/>
-              </a:spcBef>
-              <a:spcAft>
-                <a:spcPts val="200"/>
-              </a:spcAft>
-              <a:buFont typeface="Wingdings" panose="05000000000000000000" pitchFamily="2" charset="2"/>
-              <a:buChar char="v"/>
-            </a:pPr>
-            <a:r>
-              <a:rPr lang="en-US" sz="2000" dirty="0" err="1" smtClean="0"/>
-              <a:t>conte</a:t>
-            </a:r>
-            <a:endParaRPr lang="en-US" sz="2000" dirty="0"/>
-          </a:p>
-        </p:txBody>
-      </p:sp>
+      </p:pic>
     </p:spTree>
     <p:extLst>
       <p:ext uri="{BB962C8B-B14F-4D97-AF65-F5344CB8AC3E}">
-        <p14:creationId xmlns:p14="http://schemas.microsoft.com/office/powerpoint/2010/main" val="1787851863"/>
+        <p14:creationId xmlns:p14="http://schemas.microsoft.com/office/powerpoint/2010/main" val="2431422542"/>
       </p:ext>
     </p:extLst>
   </p:cSld>
@@ -4584,7 +4758,7 @@
         </p:nvSpPr>
         <p:spPr>
           <a:xfrm>
-            <a:off x="318311" y="441143"/>
+            <a:off x="318311" y="267251"/>
             <a:ext cx="6636281" cy="399245"/>
           </a:xfrm>
           <a:prstGeom prst="rect">
@@ -4625,55 +4799,45 @@
                 </a:solidFill>
                 <a:latin typeface="Facto Bold" panose="00000800000000000000" pitchFamily="50" charset="0"/>
               </a:rPr>
-              <a:t>Heading</a:t>
+              <a:t>I2C block diagram</a:t>
             </a:r>
           </a:p>
         </p:txBody>
       </p:sp>
-      <p:sp>
-        <p:nvSpPr>
-          <p:cNvPr id="6" name="TextBox 5"/>
-          <p:cNvSpPr txBox="1"/>
+      <p:pic>
+        <p:nvPicPr>
+          <p:cNvPr id="4" name="Picture 3"/>
+          <p:cNvPicPr>
+            <a:picLocks noChangeAspect="1"/>
+          </p:cNvPicPr>
           <p:nvPr/>
-        </p:nvSpPr>
+        </p:nvPicPr>
+        <p:blipFill>
+          <a:blip r:embed="rId3">
+            <a:extLst>
+              <a:ext uri="{28A0092B-C50C-407E-A947-70E740481C1C}">
+                <a14:useLocalDpi xmlns:a14="http://schemas.microsoft.com/office/drawing/2010/main" val="0"/>
+              </a:ext>
+            </a:extLst>
+          </a:blip>
+          <a:stretch>
+            <a:fillRect/>
+          </a:stretch>
+        </p:blipFill>
         <p:spPr>
           <a:xfrm>
-            <a:off x="801660" y="1185704"/>
-            <a:ext cx="11013140" cy="400110"/>
+            <a:off x="2979044" y="666496"/>
+            <a:ext cx="5837388" cy="5767479"/>
           </a:xfrm>
           <a:prstGeom prst="rect">
             <a:avLst/>
           </a:prstGeom>
-          <a:noFill/>
         </p:spPr>
-        <p:txBody>
-          <a:bodyPr wrap="square" rtlCol="0">
-            <a:spAutoFit/>
-          </a:bodyPr>
-          <a:lstStyle/>
-          <a:p>
-            <a:pPr marL="384048" lvl="0" indent="-384048">
-              <a:spcBef>
-                <a:spcPts val="1000"/>
-              </a:spcBef>
-              <a:spcAft>
-                <a:spcPts val="200"/>
-              </a:spcAft>
-              <a:buFont typeface="Wingdings" panose="05000000000000000000" pitchFamily="2" charset="2"/>
-              <a:buChar char="v"/>
-            </a:pPr>
-            <a:r>
-              <a:rPr lang="en-US" sz="2000" dirty="0" err="1" smtClean="0"/>
-              <a:t>conte</a:t>
-            </a:r>
-            <a:endParaRPr lang="en-US" sz="2000" dirty="0"/>
-          </a:p>
-        </p:txBody>
-      </p:sp>
+      </p:pic>
     </p:spTree>
     <p:extLst>
       <p:ext uri="{BB962C8B-B14F-4D97-AF65-F5344CB8AC3E}">
-        <p14:creationId xmlns:p14="http://schemas.microsoft.com/office/powerpoint/2010/main" val="1234156618"/>
+        <p14:creationId xmlns:p14="http://schemas.microsoft.com/office/powerpoint/2010/main" val="837823484"/>
       </p:ext>
     </p:extLst>
   </p:cSld>
@@ -4781,7 +4945,7 @@
         </p:nvSpPr>
         <p:spPr>
           <a:xfrm>
-            <a:off x="318311" y="441143"/>
+            <a:off x="318311" y="428786"/>
             <a:ext cx="6636281" cy="399245"/>
           </a:xfrm>
           <a:prstGeom prst="rect">
@@ -4822,7 +4986,7 @@
                 </a:solidFill>
                 <a:latin typeface="Facto Bold" panose="00000800000000000000" pitchFamily="50" charset="0"/>
               </a:rPr>
-              <a:t>Heading</a:t>
+              <a:t>I2C Master Clock Calculation</a:t>
             </a:r>
           </a:p>
         </p:txBody>
@@ -4835,8 +4999,8 @@
         </p:nvSpPr>
         <p:spPr>
           <a:xfrm>
-            <a:off x="801660" y="1185704"/>
-            <a:ext cx="11013140" cy="400110"/>
+            <a:off x="711507" y="938577"/>
+            <a:ext cx="11013140" cy="6494085"/>
           </a:xfrm>
           <a:prstGeom prst="rect">
             <a:avLst/>
@@ -4860,9 +5024,282 @@
               <a:buChar char="v"/>
             </a:pPr>
             <a:r>
-              <a:rPr lang="en-US" sz="2000" dirty="0" err="1" smtClean="0"/>
-              <a:t>conte</a:t>
-            </a:r>
+              <a:rPr lang="en-US" dirty="0"/>
+              <a:t>Sm mode or </a:t>
+            </a:r>
+            <a:r>
+              <a:rPr lang="en-US" dirty="0" err="1"/>
+              <a:t>SMBus</a:t>
+            </a:r>
+            <a:r>
+              <a:rPr lang="en-US" dirty="0" smtClean="0"/>
+              <a:t>:</a:t>
+            </a:r>
+            <a:r>
+              <a:rPr lang="en-US" dirty="0"/>
+              <a:t/>
+            </a:r>
+            <a:br>
+              <a:rPr lang="en-US" dirty="0"/>
+            </a:br>
+            <a:r>
+              <a:rPr lang="en-US" dirty="0" smtClean="0">
+                <a:solidFill>
+                  <a:srgbClr val="FF0000"/>
+                </a:solidFill>
+              </a:rPr>
+              <a:t>T-high </a:t>
+            </a:r>
+            <a:r>
+              <a:rPr lang="en-US" dirty="0">
+                <a:solidFill>
+                  <a:srgbClr val="FF0000"/>
+                </a:solidFill>
+              </a:rPr>
+              <a:t>= CCR * TPCLK1</a:t>
+            </a:r>
+            <a:br>
+              <a:rPr lang="en-US" dirty="0">
+                <a:solidFill>
+                  <a:srgbClr val="FF0000"/>
+                </a:solidFill>
+              </a:rPr>
+            </a:br>
+            <a:r>
+              <a:rPr lang="en-US" dirty="0" smtClean="0">
+                <a:solidFill>
+                  <a:srgbClr val="FF0000"/>
+                </a:solidFill>
+              </a:rPr>
+              <a:t>T-low </a:t>
+            </a:r>
+            <a:r>
+              <a:rPr lang="en-US" dirty="0">
+                <a:solidFill>
+                  <a:srgbClr val="FF0000"/>
+                </a:solidFill>
+              </a:rPr>
+              <a:t>= CCR * </a:t>
+            </a:r>
+            <a:r>
+              <a:rPr lang="en-US" dirty="0" smtClean="0">
+                <a:solidFill>
+                  <a:srgbClr val="FF0000"/>
+                </a:solidFill>
+              </a:rPr>
+              <a:t>TPCLK1</a:t>
+            </a:r>
+          </a:p>
+          <a:p>
+            <a:pPr marL="384048" lvl="0" indent="-384048">
+              <a:spcBef>
+                <a:spcPts val="1000"/>
+              </a:spcBef>
+              <a:spcAft>
+                <a:spcPts val="200"/>
+              </a:spcAft>
+              <a:buFont typeface="Wingdings" panose="05000000000000000000" pitchFamily="2" charset="2"/>
+              <a:buChar char="v"/>
+            </a:pPr>
+            <a:r>
+              <a:rPr lang="en-US" dirty="0" err="1" smtClean="0"/>
+              <a:t>Fm</a:t>
+            </a:r>
+            <a:r>
+              <a:rPr lang="en-US" dirty="0" smtClean="0"/>
+              <a:t> </a:t>
+            </a:r>
+            <a:r>
+              <a:rPr lang="en-US" dirty="0"/>
+              <a:t>mode:</a:t>
+            </a:r>
+            <a:br>
+              <a:rPr lang="en-US" dirty="0"/>
+            </a:br>
+            <a:r>
+              <a:rPr lang="en-US" dirty="0" smtClean="0"/>
+              <a:t>If DUTY = 0:</a:t>
+            </a:r>
+            <a:br>
+              <a:rPr lang="en-US" dirty="0" smtClean="0"/>
+            </a:br>
+            <a:r>
+              <a:rPr lang="en-US" dirty="0" smtClean="0"/>
+              <a:t>T-high = CCR * TPCLK1</a:t>
+            </a:r>
+            <a:br>
+              <a:rPr lang="en-US" dirty="0" smtClean="0"/>
+            </a:br>
+            <a:r>
+              <a:rPr lang="en-US" dirty="0" smtClean="0"/>
+              <a:t>T-low = 2 * CCR * TPCLK1</a:t>
+            </a:r>
+          </a:p>
+          <a:p>
+            <a:pPr lvl="1">
+              <a:spcBef>
+                <a:spcPts val="1000"/>
+              </a:spcBef>
+              <a:spcAft>
+                <a:spcPts val="200"/>
+              </a:spcAft>
+            </a:pPr>
+            <a:r>
+              <a:rPr lang="en-US" dirty="0" smtClean="0"/>
+              <a:t>If </a:t>
+            </a:r>
+            <a:r>
+              <a:rPr lang="en-US" dirty="0"/>
+              <a:t>DUTY = 1: (to reach 400 kHz</a:t>
+            </a:r>
+            <a:r>
+              <a:rPr lang="en-US" dirty="0" smtClean="0"/>
+              <a:t>)</a:t>
+            </a:r>
+            <a:r>
+              <a:rPr lang="en-US" dirty="0"/>
+              <a:t/>
+            </a:r>
+            <a:br>
+              <a:rPr lang="en-US" dirty="0"/>
+            </a:br>
+            <a:r>
+              <a:rPr lang="en-US" dirty="0" smtClean="0"/>
+              <a:t>T-high </a:t>
+            </a:r>
+            <a:r>
+              <a:rPr lang="en-US" dirty="0"/>
+              <a:t>= 9 * CCR * TPCLK1</a:t>
+            </a:r>
+            <a:br>
+              <a:rPr lang="en-US" dirty="0"/>
+            </a:br>
+            <a:r>
+              <a:rPr lang="en-US" dirty="0" smtClean="0"/>
+              <a:t>T-low </a:t>
+            </a:r>
+            <a:r>
+              <a:rPr lang="en-US" dirty="0"/>
+              <a:t>= 16 * CCR * </a:t>
+            </a:r>
+            <a:r>
+              <a:rPr lang="en-US" dirty="0" smtClean="0"/>
+              <a:t>TPCLK1</a:t>
+            </a:r>
+          </a:p>
+          <a:p>
+            <a:pPr marL="384048" lvl="0" indent="-384048">
+              <a:spcBef>
+                <a:spcPts val="1000"/>
+              </a:spcBef>
+              <a:spcAft>
+                <a:spcPts val="200"/>
+              </a:spcAft>
+              <a:buFont typeface="Wingdings" panose="05000000000000000000" pitchFamily="2" charset="2"/>
+              <a:buChar char="v"/>
+            </a:pPr>
+            <a:r>
+              <a:rPr lang="en-US" dirty="0" smtClean="0"/>
+              <a:t>For </a:t>
+            </a:r>
+            <a:r>
+              <a:rPr lang="en-US" dirty="0"/>
+              <a:t>instance: in Sm mode, to generate a 100 kHz SCL frequency:</a:t>
+            </a:r>
+            <a:br>
+              <a:rPr lang="en-US" dirty="0"/>
+            </a:br>
+            <a:r>
+              <a:rPr lang="en-US" dirty="0"/>
+              <a:t>If FREQR = 08, TPCLK1 = 125 ns so CCR must be programmed with 0x28</a:t>
+            </a:r>
+            <a:br>
+              <a:rPr lang="en-US" dirty="0"/>
+            </a:br>
+            <a:r>
+              <a:rPr lang="en-US" dirty="0"/>
+              <a:t>(0x28 &lt;=&gt; 40d x 125 ns = 5000 ns</a:t>
+            </a:r>
+            <a:r>
+              <a:rPr lang="en-US" dirty="0" smtClean="0"/>
+              <a:t>.)</a:t>
+            </a:r>
+            <a:endParaRPr lang="en-US" i="1" dirty="0" smtClean="0"/>
+          </a:p>
+          <a:p>
+            <a:pPr marL="384048" lvl="0" indent="-384048">
+              <a:spcBef>
+                <a:spcPts val="1000"/>
+              </a:spcBef>
+              <a:spcAft>
+                <a:spcPts val="200"/>
+              </a:spcAft>
+              <a:buFont typeface="Wingdings" panose="05000000000000000000" pitchFamily="2" charset="2"/>
+              <a:buChar char="v"/>
+            </a:pPr>
+            <a:r>
+              <a:rPr lang="en-US" i="1" dirty="0" smtClean="0"/>
+              <a:t>The </a:t>
+            </a:r>
+            <a:r>
+              <a:rPr lang="en-US" i="1" dirty="0"/>
+              <a:t>CCR register must be configured only when the I2C is disabled (PE = 0</a:t>
+            </a:r>
+            <a:r>
+              <a:rPr lang="en-US" i="1" dirty="0" smtClean="0"/>
+              <a:t>).</a:t>
+            </a:r>
+          </a:p>
+          <a:p>
+            <a:pPr marL="384048" lvl="0" indent="-384048">
+              <a:spcBef>
+                <a:spcPts val="1000"/>
+              </a:spcBef>
+              <a:spcAft>
+                <a:spcPts val="200"/>
+              </a:spcAft>
+              <a:buFont typeface="Wingdings" panose="05000000000000000000" pitchFamily="2" charset="2"/>
+              <a:buChar char="v"/>
+            </a:pPr>
+            <a:r>
+              <a:rPr lang="en-US" dirty="0"/>
+              <a:t>For instance: in Sm mode, the maximum allowed SCL rise time is 1000 ns.</a:t>
+            </a:r>
+            <a:br>
+              <a:rPr lang="en-US" dirty="0"/>
+            </a:br>
+            <a:r>
+              <a:rPr lang="en-US" dirty="0"/>
+              <a:t>If, in the I2C_CR2 register, the value of FREQ[5:0] bits is equal to 0x08 and TPCLK1 = 125 ns</a:t>
+            </a:r>
+            <a:br>
+              <a:rPr lang="en-US" dirty="0"/>
+            </a:br>
+            <a:r>
+              <a:rPr lang="en-US" dirty="0"/>
+              <a:t>therefore the TRISE[5:0] bits must be programmed with 09h.</a:t>
+            </a:r>
+            <a:br>
+              <a:rPr lang="en-US" dirty="0"/>
+            </a:br>
+            <a:r>
+              <a:rPr lang="en-US" dirty="0"/>
+              <a:t>(1000 ns / 125 ns = 8 + 1)</a:t>
+            </a:r>
+            <a:r>
+              <a:rPr lang="en-US" sz="2000" dirty="0"/>
+              <a:t> </a:t>
+            </a:r>
+            <a:br>
+              <a:rPr lang="en-US" sz="2000" dirty="0"/>
+            </a:br>
+            <a:r>
+              <a:rPr lang="en-US" sz="2000" dirty="0"/>
+              <a:t> </a:t>
+            </a:r>
+            <a:br>
+              <a:rPr lang="en-US" sz="2000" dirty="0"/>
+            </a:br>
             <a:endParaRPr lang="en-US" sz="2000" dirty="0"/>
           </a:p>
         </p:txBody>
@@ -4870,7 +5307,7 @@
     </p:spTree>
     <p:extLst>
       <p:ext uri="{BB962C8B-B14F-4D97-AF65-F5344CB8AC3E}">
-        <p14:creationId xmlns:p14="http://schemas.microsoft.com/office/powerpoint/2010/main" val="2676600501"/>
+        <p14:creationId xmlns:p14="http://schemas.microsoft.com/office/powerpoint/2010/main" val="4176699038"/>
       </p:ext>
     </p:extLst>
   </p:cSld>
@@ -5019,7 +5456,7 @@
                 </a:solidFill>
                 <a:latin typeface="Facto Bold" panose="00000800000000000000" pitchFamily="50" charset="0"/>
               </a:rPr>
-              <a:t>Heading</a:t>
+              <a:t>I2C Registers</a:t>
             </a:r>
           </a:p>
         </p:txBody>
@@ -5033,7 +5470,7 @@
         <p:spPr>
           <a:xfrm>
             <a:off x="801660" y="1185704"/>
-            <a:ext cx="11013140" cy="400110"/>
+            <a:ext cx="11013140" cy="5786199"/>
           </a:xfrm>
           <a:prstGeom prst="rect">
             <a:avLst/>
@@ -5057,10 +5494,2538 @@
               <a:buChar char="v"/>
             </a:pPr>
             <a:r>
-              <a:rPr lang="en-US" sz="2000" dirty="0" err="1" smtClean="0"/>
-              <a:t>conte</a:t>
-            </a:r>
+              <a:rPr lang="it-IT" dirty="0"/>
+              <a:t>I2C Control register 1 (</a:t>
+            </a:r>
+            <a:r>
+              <a:rPr lang="it-IT" dirty="0">
+                <a:solidFill>
+                  <a:srgbClr val="FF0000"/>
+                </a:solidFill>
+              </a:rPr>
+              <a:t>I2C_CR1</a:t>
+            </a:r>
+            <a:r>
+              <a:rPr lang="it-IT" dirty="0" smtClean="0"/>
+              <a:t>)</a:t>
+            </a:r>
+          </a:p>
+          <a:p>
+            <a:pPr marL="384048" lvl="0" indent="-384048">
+              <a:spcBef>
+                <a:spcPts val="1000"/>
+              </a:spcBef>
+              <a:spcAft>
+                <a:spcPts val="200"/>
+              </a:spcAft>
+              <a:buFont typeface="Wingdings" panose="05000000000000000000" pitchFamily="2" charset="2"/>
+              <a:buChar char="v"/>
+            </a:pPr>
+            <a:r>
+              <a:rPr lang="it-IT" dirty="0"/>
+              <a:t>I2C Control register </a:t>
+            </a:r>
+            <a:r>
+              <a:rPr lang="it-IT" dirty="0" smtClean="0"/>
+              <a:t>2 </a:t>
+            </a:r>
+            <a:r>
+              <a:rPr lang="it-IT" dirty="0"/>
+              <a:t>(</a:t>
+            </a:r>
+            <a:r>
+              <a:rPr lang="it-IT" dirty="0" smtClean="0">
+                <a:solidFill>
+                  <a:srgbClr val="FF0000"/>
+                </a:solidFill>
+              </a:rPr>
+              <a:t>I2C_CR2</a:t>
+            </a:r>
+            <a:r>
+              <a:rPr lang="it-IT" dirty="0" smtClean="0"/>
+              <a:t>)</a:t>
+            </a:r>
+          </a:p>
+          <a:p>
+            <a:pPr marL="384048" lvl="0" indent="-384048">
+              <a:spcBef>
+                <a:spcPts val="1000"/>
+              </a:spcBef>
+              <a:spcAft>
+                <a:spcPts val="200"/>
+              </a:spcAft>
+              <a:buFont typeface="Wingdings" panose="05000000000000000000" pitchFamily="2" charset="2"/>
+              <a:buChar char="v"/>
+            </a:pPr>
+            <a:r>
+              <a:rPr lang="it-IT" sz="2000" dirty="0" smtClean="0"/>
+              <a:t> </a:t>
+            </a:r>
+            <a:r>
+              <a:rPr lang="en-US" dirty="0"/>
+              <a:t>I2C Own address register 1 (</a:t>
+            </a:r>
+            <a:r>
+              <a:rPr lang="en-US" dirty="0" smtClean="0">
+                <a:solidFill>
+                  <a:srgbClr val="FF0000"/>
+                </a:solidFill>
+              </a:rPr>
+              <a:t>I2C_OAR1</a:t>
+            </a:r>
+            <a:r>
+              <a:rPr lang="en-US" dirty="0" smtClean="0"/>
+              <a:t>)</a:t>
+            </a:r>
+          </a:p>
+          <a:p>
+            <a:pPr marL="384048" lvl="0" indent="-384048">
+              <a:spcBef>
+                <a:spcPts val="1000"/>
+              </a:spcBef>
+              <a:spcAft>
+                <a:spcPts val="200"/>
+              </a:spcAft>
+              <a:buFont typeface="Wingdings" panose="05000000000000000000" pitchFamily="2" charset="2"/>
+              <a:buChar char="v"/>
+            </a:pPr>
+            <a:r>
+              <a:rPr lang="en-US" dirty="0"/>
+              <a:t>I2C Data register (</a:t>
+            </a:r>
+            <a:r>
+              <a:rPr lang="en-US" dirty="0">
+                <a:solidFill>
+                  <a:srgbClr val="FF0000"/>
+                </a:solidFill>
+              </a:rPr>
+              <a:t>I2C_DR</a:t>
+            </a:r>
+            <a:r>
+              <a:rPr lang="en-US" dirty="0"/>
+              <a:t>) </a:t>
+            </a:r>
+            <a:endParaRPr lang="en-US" dirty="0" smtClean="0"/>
+          </a:p>
+          <a:p>
+            <a:pPr marL="384048" lvl="0" indent="-384048">
+              <a:spcBef>
+                <a:spcPts val="1000"/>
+              </a:spcBef>
+              <a:spcAft>
+                <a:spcPts val="200"/>
+              </a:spcAft>
+              <a:buFont typeface="Wingdings" panose="05000000000000000000" pitchFamily="2" charset="2"/>
+              <a:buChar char="v"/>
+            </a:pPr>
+            <a:r>
+              <a:rPr lang="en-US" dirty="0" smtClean="0"/>
+              <a:t>I2C Status Register 1 (</a:t>
+            </a:r>
+            <a:r>
+              <a:rPr lang="en-US" dirty="0" smtClean="0">
+                <a:solidFill>
+                  <a:srgbClr val="FF0000"/>
+                </a:solidFill>
+              </a:rPr>
+              <a:t>I2C_SR2</a:t>
+            </a:r>
+            <a:r>
+              <a:rPr lang="en-US" dirty="0" smtClean="0"/>
+              <a:t>)</a:t>
+            </a:r>
+          </a:p>
+          <a:p>
+            <a:pPr marL="384048" indent="-384048">
+              <a:spcBef>
+                <a:spcPts val="1000"/>
+              </a:spcBef>
+              <a:spcAft>
+                <a:spcPts val="200"/>
+              </a:spcAft>
+              <a:buFont typeface="Wingdings" panose="05000000000000000000" pitchFamily="2" charset="2"/>
+              <a:buChar char="v"/>
+            </a:pPr>
+            <a:r>
+              <a:rPr lang="en-US" dirty="0"/>
+              <a:t>I2C Status Register </a:t>
+            </a:r>
+            <a:r>
+              <a:rPr lang="en-US" dirty="0" smtClean="0"/>
+              <a:t>2 (</a:t>
+            </a:r>
+            <a:r>
+              <a:rPr lang="en-US" dirty="0" smtClean="0">
+                <a:solidFill>
+                  <a:srgbClr val="FF0000"/>
+                </a:solidFill>
+              </a:rPr>
+              <a:t>I2C_SR2</a:t>
+            </a:r>
+            <a:r>
+              <a:rPr lang="en-US" dirty="0" smtClean="0"/>
+              <a:t>)</a:t>
+            </a:r>
+            <a:endParaRPr lang="en-US" dirty="0"/>
+          </a:p>
+          <a:p>
+            <a:pPr marL="384048" lvl="0" indent="-384048">
+              <a:spcBef>
+                <a:spcPts val="1000"/>
+              </a:spcBef>
+              <a:spcAft>
+                <a:spcPts val="200"/>
+              </a:spcAft>
+              <a:buFont typeface="Wingdings" panose="05000000000000000000" pitchFamily="2" charset="2"/>
+              <a:buChar char="v"/>
+            </a:pPr>
+            <a:r>
+              <a:rPr lang="en-US" dirty="0" smtClean="0"/>
+              <a:t>I2C Clock Control Register (</a:t>
+            </a:r>
+            <a:r>
+              <a:rPr lang="en-US" dirty="0" smtClean="0">
+                <a:solidFill>
+                  <a:srgbClr val="FF0000"/>
+                </a:solidFill>
+              </a:rPr>
+              <a:t>I2C_CCR</a:t>
+            </a:r>
+            <a:r>
+              <a:rPr lang="en-US" dirty="0" smtClean="0"/>
+              <a:t>)</a:t>
+            </a:r>
+          </a:p>
+          <a:p>
+            <a:pPr marL="384048" lvl="0" indent="-384048">
+              <a:spcBef>
+                <a:spcPts val="1000"/>
+              </a:spcBef>
+              <a:spcAft>
+                <a:spcPts val="200"/>
+              </a:spcAft>
+              <a:buFont typeface="Wingdings" panose="05000000000000000000" pitchFamily="2" charset="2"/>
+              <a:buChar char="v"/>
+            </a:pPr>
+            <a:r>
+              <a:rPr lang="en-US" dirty="0"/>
+              <a:t>I2C TRISE register (</a:t>
+            </a:r>
+            <a:r>
+              <a:rPr lang="en-US" dirty="0">
+                <a:solidFill>
+                  <a:srgbClr val="FF0000"/>
+                </a:solidFill>
+              </a:rPr>
+              <a:t>I2C_TRISE</a:t>
+            </a:r>
+            <a:r>
+              <a:rPr lang="en-US" dirty="0"/>
+              <a:t>) </a:t>
+            </a:r>
+            <a:br>
+              <a:rPr lang="en-US" dirty="0"/>
+            </a:br>
+            <a:r>
+              <a:rPr lang="en-US" dirty="0"/>
+              <a:t/>
+            </a:r>
+            <a:br>
+              <a:rPr lang="en-US" dirty="0"/>
+            </a:br>
+            <a:r>
+              <a:rPr lang="en-US" dirty="0"/>
+              <a:t/>
+            </a:r>
+            <a:br>
+              <a:rPr lang="en-US" dirty="0"/>
+            </a:br>
+            <a:r>
+              <a:rPr lang="en-US" dirty="0"/>
+              <a:t/>
+            </a:r>
+            <a:br>
+              <a:rPr lang="en-US" dirty="0"/>
+            </a:br>
+            <a:r>
+              <a:rPr lang="en-US" sz="2000" dirty="0"/>
+              <a:t/>
+            </a:r>
+            <a:br>
+              <a:rPr lang="en-US" sz="2000" dirty="0"/>
+            </a:br>
+            <a:r>
+              <a:rPr lang="en-US" sz="2000" dirty="0"/>
+              <a:t> </a:t>
+            </a:r>
+            <a:br>
+              <a:rPr lang="en-US" sz="2000" dirty="0"/>
+            </a:br>
+            <a:r>
+              <a:rPr lang="it-IT" sz="2000" dirty="0"/>
+              <a:t/>
+            </a:r>
+            <a:br>
+              <a:rPr lang="it-IT" sz="2000" dirty="0"/>
+            </a:br>
+            <a:r>
+              <a:rPr lang="it-IT" sz="2000" dirty="0"/>
+              <a:t> </a:t>
+            </a:r>
+            <a:br>
+              <a:rPr lang="it-IT" sz="2000" dirty="0"/>
+            </a:br>
             <a:endParaRPr lang="en-US" sz="2000" dirty="0"/>
+          </a:p>
+        </p:txBody>
+      </p:sp>
+      <p:sp>
+        <p:nvSpPr>
+          <p:cNvPr id="21" name="Rectangle 8"/>
+          <p:cNvSpPr>
+            <a:spLocks noChangeArrowheads="1"/>
+          </p:cNvSpPr>
+          <p:nvPr/>
+        </p:nvSpPr>
+        <p:spPr bwMode="auto">
+          <a:xfrm>
+            <a:off x="3543300" y="3863975"/>
+            <a:ext cx="12192000" cy="0"/>
+          </a:xfrm>
+          <a:prstGeom prst="rect">
+            <a:avLst/>
+          </a:prstGeom>
+          <a:noFill/>
+          <a:ln>
+            <a:noFill/>
+          </a:ln>
+          <a:effectLst/>
+          <a:extLst>
+            <a:ext uri="{909E8E84-426E-40DD-AFC4-6F175D3DCCD1}">
+              <a14:hiddenFill xmlns:a14="http://schemas.microsoft.com/office/drawing/2010/main">
+                <a:solidFill>
+                  <a:schemeClr val="accent1"/>
+                </a:solidFill>
+              </a14:hiddenFill>
+            </a:ext>
+            <a:ext uri="{91240B29-F687-4F45-9708-019B960494DF}">
+              <a14:hiddenLine xmlns:a14="http://schemas.microsoft.com/office/drawing/2010/main" w="9525">
+                <a:solidFill>
+                  <a:schemeClr val="tx1"/>
+                </a:solidFill>
+                <a:miter lim="800000"/>
+                <a:headEnd/>
+                <a:tailEnd/>
+              </a14:hiddenLine>
+            </a:ext>
+            <a:ext uri="{AF507438-7753-43E0-B8FC-AC1667EBCBE1}">
+              <a14:hiddenEffects xmlns:a14="http://schemas.microsoft.com/office/drawing/2010/main">
+                <a:effectLst>
+                  <a:outerShdw dist="35921" dir="2700000" algn="ctr" rotWithShape="0">
+                    <a:schemeClr val="bg2"/>
+                  </a:outerShdw>
+                </a:effectLst>
+              </a14:hiddenEffects>
+            </a:ext>
+          </a:extLst>
+        </p:spPr>
+        <p:txBody>
+          <a:bodyPr vert="horz" wrap="none" lIns="91440" tIns="45720" rIns="91440" bIns="45720" numCol="1" anchor="ctr" anchorCtr="0" compatLnSpc="1">
+            <a:prstTxWarp prst="textNoShape">
+              <a:avLst/>
+            </a:prstTxWarp>
+            <a:spAutoFit/>
+          </a:bodyPr>
+          <a:lstStyle/>
+          <a:p>
+            <a:pPr marL="0" marR="0" lvl="0" indent="0" algn="l" defTabSz="914400" rtl="0" eaLnBrk="0" fontAlgn="base" latinLnBrk="0" hangingPunct="0">
+              <a:lnSpc>
+                <a:spcPct val="100000"/>
+              </a:lnSpc>
+              <a:spcBef>
+                <a:spcPct val="0"/>
+              </a:spcBef>
+              <a:spcAft>
+                <a:spcPct val="0"/>
+              </a:spcAft>
+              <a:buClrTx/>
+              <a:buSzTx/>
+              <a:buFontTx/>
+              <a:buNone/>
+              <a:tabLst/>
+            </a:pPr>
+            <a:r>
+              <a:rPr kumimoji="0" lang="en-US" altLang="en-US" sz="1800" b="0" i="0" u="none" strike="noStrike" cap="none" normalizeH="0" baseline="0" smtClean="0">
+                <a:ln>
+                  <a:noFill/>
+                </a:ln>
+                <a:solidFill>
+                  <a:schemeClr val="tx1"/>
+                </a:solidFill>
+                <a:effectLst/>
+                <a:latin typeface="Arial" panose="020B0604020202020204" pitchFamily="34" charset="0"/>
+              </a:rPr>
+              <a:t/>
+            </a:r>
+            <a:br>
+              <a:rPr kumimoji="0" lang="en-US" altLang="en-US" sz="1800" b="0" i="0" u="none" strike="noStrike" cap="none" normalizeH="0" baseline="0" smtClean="0">
+                <a:ln>
+                  <a:noFill/>
+                </a:ln>
+                <a:solidFill>
+                  <a:schemeClr val="tx1"/>
+                </a:solidFill>
+                <a:effectLst/>
+                <a:latin typeface="Arial" panose="020B0604020202020204" pitchFamily="34" charset="0"/>
+              </a:rPr>
+            </a:br>
+            <a:endParaRPr kumimoji="0" lang="en-US" altLang="en-US" sz="1800" b="0" i="0" u="none" strike="noStrike" cap="none" normalizeH="0" baseline="0" smtClean="0">
+              <a:ln>
+                <a:noFill/>
+              </a:ln>
+              <a:solidFill>
+                <a:schemeClr val="tx1"/>
+              </a:solidFill>
+              <a:effectLst/>
+              <a:latin typeface="Arial" panose="020B0604020202020204" pitchFamily="34" charset="0"/>
+            </a:endParaRPr>
+          </a:p>
+        </p:txBody>
+      </p:sp>
+    </p:spTree>
+    <p:extLst>
+      <p:ext uri="{BB962C8B-B14F-4D97-AF65-F5344CB8AC3E}">
+        <p14:creationId xmlns:p14="http://schemas.microsoft.com/office/powerpoint/2010/main" val="1234156618"/>
+      </p:ext>
+    </p:extLst>
+  </p:cSld>
+  <p:clrMapOvr>
+    <a:masterClrMapping/>
+  </p:clrMapOvr>
+  <p:timing>
+    <p:tnLst>
+      <p:par>
+        <p:cTn id="1" dur="indefinite" restart="never" nodeType="tmRoot"/>
+      </p:par>
+    </p:tnLst>
+  </p:timing>
+</p:sld>
+</file>
+
+<file path=ppt/slides/slide17.xml><?xml version="1.0" encoding="utf-8"?>
+<p:sld xmlns:a="http://schemas.openxmlformats.org/drawingml/2006/main" xmlns:r="http://schemas.openxmlformats.org/officeDocument/2006/relationships" xmlns:p="http://schemas.openxmlformats.org/presentationml/2006/main">
+  <p:cSld>
+    <p:spTree>
+      <p:nvGrpSpPr>
+        <p:cNvPr id="1" name=""/>
+        <p:cNvGrpSpPr/>
+        <p:nvPr/>
+      </p:nvGrpSpPr>
+      <p:grpSpPr>
+        <a:xfrm>
+          <a:off x="0" y="0"/>
+          <a:ext cx="0" cy="0"/>
+          <a:chOff x="0" y="0"/>
+          <a:chExt cx="0" cy="0"/>
+        </a:xfrm>
+      </p:grpSpPr>
+      <p:pic>
+        <p:nvPicPr>
+          <p:cNvPr id="2" name="Picture 2" descr="Azetech Solutions | LinkedIn"/>
+          <p:cNvPicPr>
+            <a:picLocks noChangeAspect="1" noChangeArrowheads="1"/>
+          </p:cNvPicPr>
+          <p:nvPr/>
+        </p:nvPicPr>
+        <p:blipFill>
+          <a:blip r:embed="rId2" cstate="print">
+            <a:extLst>
+              <a:ext uri="{28A0092B-C50C-407E-A947-70E740481C1C}">
+                <a14:useLocalDpi xmlns:a14="http://schemas.microsoft.com/office/drawing/2010/main" val="0"/>
+              </a:ext>
+            </a:extLst>
+          </a:blip>
+          <a:srcRect/>
+          <a:stretch>
+            <a:fillRect/>
+          </a:stretch>
+        </p:blipFill>
+        <p:spPr bwMode="auto">
+          <a:xfrm>
+            <a:off x="11456223" y="129648"/>
+            <a:ext cx="536848" cy="536848"/>
+          </a:xfrm>
+          <a:prstGeom prst="rect">
+            <a:avLst/>
+          </a:prstGeom>
+          <a:noFill/>
+          <a:extLst>
+            <a:ext uri="{909E8E84-426E-40DD-AFC4-6F175D3DCCD1}">
+              <a14:hiddenFill xmlns:a14="http://schemas.microsoft.com/office/drawing/2010/main">
+                <a:solidFill>
+                  <a:srgbClr val="FFFFFF"/>
+                </a:solidFill>
+              </a14:hiddenFill>
+            </a:ext>
+          </a:extLst>
+        </p:spPr>
+      </p:pic>
+      <p:sp>
+        <p:nvSpPr>
+          <p:cNvPr id="3" name="Footer Placeholder 2"/>
+          <p:cNvSpPr>
+            <a:spLocks noGrp="1"/>
+          </p:cNvSpPr>
+          <p:nvPr>
+            <p:ph type="ftr" sz="quarter" idx="11"/>
+          </p:nvPr>
+        </p:nvSpPr>
+        <p:spPr/>
+        <p:txBody>
+          <a:bodyPr/>
+          <a:lstStyle/>
+          <a:p>
+            <a:r>
+              <a:rPr lang="en-US" smtClean="0"/>
+              <a:t>Azetech Solution, Coimbatore</a:t>
+            </a:r>
+            <a:endParaRPr lang="en-US"/>
+          </a:p>
+        </p:txBody>
+      </p:sp>
+      <p:sp>
+        <p:nvSpPr>
+          <p:cNvPr id="5" name="Title 4"/>
+          <p:cNvSpPr txBox="1">
+            <a:spLocks/>
+          </p:cNvSpPr>
+          <p:nvPr/>
+        </p:nvSpPr>
+        <p:spPr>
+          <a:xfrm>
+            <a:off x="318311" y="441143"/>
+            <a:ext cx="6636281" cy="399245"/>
+          </a:xfrm>
+          <a:prstGeom prst="rect">
+            <a:avLst/>
+          </a:prstGeom>
+        </p:spPr>
+        <p:txBody>
+          <a:bodyPr vert="horz" lIns="91440" tIns="45720" rIns="91440" bIns="45720" rtlCol="0" anchor="b">
+            <a:noAutofit/>
+          </a:bodyPr>
+          <a:lstStyle>
+            <a:lvl1pPr algn="ctr" defTabSz="914400" rtl="0" eaLnBrk="1" latinLnBrk="0" hangingPunct="1">
+              <a:lnSpc>
+                <a:spcPct val="90000"/>
+              </a:lnSpc>
+              <a:spcBef>
+                <a:spcPct val="0"/>
+              </a:spcBef>
+              <a:buNone/>
+              <a:defRPr sz="6000" kern="1200">
+                <a:solidFill>
+                  <a:schemeClr val="tx1"/>
+                </a:solidFill>
+                <a:latin typeface="+mj-lt"/>
+                <a:ea typeface="+mj-ea"/>
+                <a:cs typeface="+mj-cs"/>
+              </a:defRPr>
+            </a:lvl1pPr>
+          </a:lstStyle>
+          <a:p>
+            <a:pPr algn="l"/>
+            <a:r>
+              <a:rPr lang="en-US" sz="2800" b="1" dirty="0" smtClean="0">
+                <a:solidFill>
+                  <a:schemeClr val="accent1">
+                    <a:lumMod val="75000"/>
+                  </a:schemeClr>
+                </a:solidFill>
+                <a:latin typeface="Facto Bold" panose="00000800000000000000" pitchFamily="50" charset="0"/>
+              </a:rPr>
+              <a:t>I2C interface</a:t>
+            </a:r>
+          </a:p>
+        </p:txBody>
+      </p:sp>
+      <p:sp>
+        <p:nvSpPr>
+          <p:cNvPr id="6" name="TextBox 5"/>
+          <p:cNvSpPr txBox="1"/>
+          <p:nvPr/>
+        </p:nvSpPr>
+        <p:spPr>
+          <a:xfrm>
+            <a:off x="801660" y="1185704"/>
+            <a:ext cx="11013140" cy="2739211"/>
+          </a:xfrm>
+          <a:prstGeom prst="rect">
+            <a:avLst/>
+          </a:prstGeom>
+          <a:noFill/>
+        </p:spPr>
+        <p:txBody>
+          <a:bodyPr wrap="square" rtlCol="0">
+            <a:spAutoFit/>
+          </a:bodyPr>
+          <a:lstStyle/>
+          <a:p>
+            <a:pPr marL="384048" lvl="0" indent="-384048">
+              <a:spcBef>
+                <a:spcPts val="1000"/>
+              </a:spcBef>
+              <a:spcAft>
+                <a:spcPts val="200"/>
+              </a:spcAft>
+              <a:buFont typeface="Wingdings" panose="05000000000000000000" pitchFamily="2" charset="2"/>
+              <a:buChar char="v"/>
+            </a:pPr>
+            <a:r>
+              <a:rPr lang="en-US" dirty="0" smtClean="0"/>
+              <a:t>content</a:t>
+            </a:r>
+            <a:r>
+              <a:rPr lang="en-US" dirty="0"/>
+              <a:t/>
+            </a:r>
+            <a:br>
+              <a:rPr lang="en-US" dirty="0"/>
+            </a:br>
+            <a:r>
+              <a:rPr lang="en-US" dirty="0"/>
+              <a:t/>
+            </a:r>
+            <a:br>
+              <a:rPr lang="en-US" dirty="0"/>
+            </a:br>
+            <a:r>
+              <a:rPr lang="en-US" dirty="0"/>
+              <a:t/>
+            </a:r>
+            <a:br>
+              <a:rPr lang="en-US" dirty="0"/>
+            </a:br>
+            <a:r>
+              <a:rPr lang="en-US" dirty="0"/>
+              <a:t/>
+            </a:r>
+            <a:br>
+              <a:rPr lang="en-US" dirty="0"/>
+            </a:br>
+            <a:r>
+              <a:rPr lang="en-US" sz="2000" dirty="0"/>
+              <a:t/>
+            </a:r>
+            <a:br>
+              <a:rPr lang="en-US" sz="2000" dirty="0"/>
+            </a:br>
+            <a:r>
+              <a:rPr lang="en-US" sz="2000" dirty="0"/>
+              <a:t> </a:t>
+            </a:r>
+            <a:br>
+              <a:rPr lang="en-US" sz="2000" dirty="0"/>
+            </a:br>
+            <a:r>
+              <a:rPr lang="it-IT" sz="2000" dirty="0"/>
+              <a:t/>
+            </a:r>
+            <a:br>
+              <a:rPr lang="it-IT" sz="2000" dirty="0"/>
+            </a:br>
+            <a:r>
+              <a:rPr lang="it-IT" sz="2000" dirty="0"/>
+              <a:t> </a:t>
+            </a:r>
+            <a:br>
+              <a:rPr lang="it-IT" sz="2000" dirty="0"/>
+            </a:br>
+            <a:endParaRPr lang="en-US" sz="2000" dirty="0"/>
+          </a:p>
+        </p:txBody>
+      </p:sp>
+      <p:sp>
+        <p:nvSpPr>
+          <p:cNvPr id="21" name="Rectangle 8"/>
+          <p:cNvSpPr>
+            <a:spLocks noChangeArrowheads="1"/>
+          </p:cNvSpPr>
+          <p:nvPr/>
+        </p:nvSpPr>
+        <p:spPr bwMode="auto">
+          <a:xfrm>
+            <a:off x="3543300" y="3863975"/>
+            <a:ext cx="12192000" cy="0"/>
+          </a:xfrm>
+          <a:prstGeom prst="rect">
+            <a:avLst/>
+          </a:prstGeom>
+          <a:noFill/>
+          <a:ln>
+            <a:noFill/>
+          </a:ln>
+          <a:effectLst/>
+          <a:extLst>
+            <a:ext uri="{909E8E84-426E-40DD-AFC4-6F175D3DCCD1}">
+              <a14:hiddenFill xmlns:a14="http://schemas.microsoft.com/office/drawing/2010/main">
+                <a:solidFill>
+                  <a:schemeClr val="accent1"/>
+                </a:solidFill>
+              </a14:hiddenFill>
+            </a:ext>
+            <a:ext uri="{91240B29-F687-4F45-9708-019B960494DF}">
+              <a14:hiddenLine xmlns:a14="http://schemas.microsoft.com/office/drawing/2010/main" w="9525">
+                <a:solidFill>
+                  <a:schemeClr val="tx1"/>
+                </a:solidFill>
+                <a:miter lim="800000"/>
+                <a:headEnd/>
+                <a:tailEnd/>
+              </a14:hiddenLine>
+            </a:ext>
+            <a:ext uri="{AF507438-7753-43E0-B8FC-AC1667EBCBE1}">
+              <a14:hiddenEffects xmlns:a14="http://schemas.microsoft.com/office/drawing/2010/main">
+                <a:effectLst>
+                  <a:outerShdw dist="35921" dir="2700000" algn="ctr" rotWithShape="0">
+                    <a:schemeClr val="bg2"/>
+                  </a:outerShdw>
+                </a:effectLst>
+              </a14:hiddenEffects>
+            </a:ext>
+          </a:extLst>
+        </p:spPr>
+        <p:txBody>
+          <a:bodyPr vert="horz" wrap="none" lIns="91440" tIns="45720" rIns="91440" bIns="45720" numCol="1" anchor="ctr" anchorCtr="0" compatLnSpc="1">
+            <a:prstTxWarp prst="textNoShape">
+              <a:avLst/>
+            </a:prstTxWarp>
+            <a:spAutoFit/>
+          </a:bodyPr>
+          <a:lstStyle/>
+          <a:p>
+            <a:pPr marL="0" marR="0" lvl="0" indent="0" algn="l" defTabSz="914400" rtl="0" eaLnBrk="0" fontAlgn="base" latinLnBrk="0" hangingPunct="0">
+              <a:lnSpc>
+                <a:spcPct val="100000"/>
+              </a:lnSpc>
+              <a:spcBef>
+                <a:spcPct val="0"/>
+              </a:spcBef>
+              <a:spcAft>
+                <a:spcPct val="0"/>
+              </a:spcAft>
+              <a:buClrTx/>
+              <a:buSzTx/>
+              <a:buFontTx/>
+              <a:buNone/>
+              <a:tabLst/>
+            </a:pPr>
+            <a:r>
+              <a:rPr kumimoji="0" lang="en-US" altLang="en-US" sz="1800" b="0" i="0" u="none" strike="noStrike" cap="none" normalizeH="0" baseline="0" smtClean="0">
+                <a:ln>
+                  <a:noFill/>
+                </a:ln>
+                <a:solidFill>
+                  <a:schemeClr val="tx1"/>
+                </a:solidFill>
+                <a:effectLst/>
+                <a:latin typeface="Arial" panose="020B0604020202020204" pitchFamily="34" charset="0"/>
+              </a:rPr>
+              <a:t/>
+            </a:r>
+            <a:br>
+              <a:rPr kumimoji="0" lang="en-US" altLang="en-US" sz="1800" b="0" i="0" u="none" strike="noStrike" cap="none" normalizeH="0" baseline="0" smtClean="0">
+                <a:ln>
+                  <a:noFill/>
+                </a:ln>
+                <a:solidFill>
+                  <a:schemeClr val="tx1"/>
+                </a:solidFill>
+                <a:effectLst/>
+                <a:latin typeface="Arial" panose="020B0604020202020204" pitchFamily="34" charset="0"/>
+              </a:rPr>
+            </a:br>
+            <a:endParaRPr kumimoji="0" lang="en-US" altLang="en-US" sz="1800" b="0" i="0" u="none" strike="noStrike" cap="none" normalizeH="0" baseline="0" smtClean="0">
+              <a:ln>
+                <a:noFill/>
+              </a:ln>
+              <a:solidFill>
+                <a:schemeClr val="tx1"/>
+              </a:solidFill>
+              <a:effectLst/>
+              <a:latin typeface="Arial" panose="020B0604020202020204" pitchFamily="34" charset="0"/>
+            </a:endParaRPr>
+          </a:p>
+        </p:txBody>
+      </p:sp>
+    </p:spTree>
+    <p:extLst>
+      <p:ext uri="{BB962C8B-B14F-4D97-AF65-F5344CB8AC3E}">
+        <p14:creationId xmlns:p14="http://schemas.microsoft.com/office/powerpoint/2010/main" val="4128785564"/>
+      </p:ext>
+    </p:extLst>
+  </p:cSld>
+  <p:clrMapOvr>
+    <a:masterClrMapping/>
+  </p:clrMapOvr>
+  <p:timing>
+    <p:tnLst>
+      <p:par>
+        <p:cTn id="1" dur="indefinite" restart="never" nodeType="tmRoot"/>
+      </p:par>
+    </p:tnLst>
+  </p:timing>
+</p:sld>
+</file>
+
+<file path=ppt/slides/slide18.xml><?xml version="1.0" encoding="utf-8"?>
+<p:sld xmlns:a="http://schemas.openxmlformats.org/drawingml/2006/main" xmlns:r="http://schemas.openxmlformats.org/officeDocument/2006/relationships" xmlns:p="http://schemas.openxmlformats.org/presentationml/2006/main">
+  <p:cSld>
+    <p:spTree>
+      <p:nvGrpSpPr>
+        <p:cNvPr id="1" name=""/>
+        <p:cNvGrpSpPr/>
+        <p:nvPr/>
+      </p:nvGrpSpPr>
+      <p:grpSpPr>
+        <a:xfrm>
+          <a:off x="0" y="0"/>
+          <a:ext cx="0" cy="0"/>
+          <a:chOff x="0" y="0"/>
+          <a:chExt cx="0" cy="0"/>
+        </a:xfrm>
+      </p:grpSpPr>
+      <p:pic>
+        <p:nvPicPr>
+          <p:cNvPr id="2" name="Picture 2" descr="Azetech Solutions | LinkedIn"/>
+          <p:cNvPicPr>
+            <a:picLocks noChangeAspect="1" noChangeArrowheads="1"/>
+          </p:cNvPicPr>
+          <p:nvPr/>
+        </p:nvPicPr>
+        <p:blipFill>
+          <a:blip r:embed="rId2" cstate="print">
+            <a:extLst>
+              <a:ext uri="{28A0092B-C50C-407E-A947-70E740481C1C}">
+                <a14:useLocalDpi xmlns:a14="http://schemas.microsoft.com/office/drawing/2010/main" val="0"/>
+              </a:ext>
+            </a:extLst>
+          </a:blip>
+          <a:srcRect/>
+          <a:stretch>
+            <a:fillRect/>
+          </a:stretch>
+        </p:blipFill>
+        <p:spPr bwMode="auto">
+          <a:xfrm>
+            <a:off x="11456223" y="129648"/>
+            <a:ext cx="536848" cy="536848"/>
+          </a:xfrm>
+          <a:prstGeom prst="rect">
+            <a:avLst/>
+          </a:prstGeom>
+          <a:noFill/>
+          <a:extLst>
+            <a:ext uri="{909E8E84-426E-40DD-AFC4-6F175D3DCCD1}">
+              <a14:hiddenFill xmlns:a14="http://schemas.microsoft.com/office/drawing/2010/main">
+                <a:solidFill>
+                  <a:srgbClr val="FFFFFF"/>
+                </a:solidFill>
+              </a14:hiddenFill>
+            </a:ext>
+          </a:extLst>
+        </p:spPr>
+      </p:pic>
+      <p:sp>
+        <p:nvSpPr>
+          <p:cNvPr id="3" name="Footer Placeholder 2"/>
+          <p:cNvSpPr>
+            <a:spLocks noGrp="1"/>
+          </p:cNvSpPr>
+          <p:nvPr>
+            <p:ph type="ftr" sz="quarter" idx="11"/>
+          </p:nvPr>
+        </p:nvSpPr>
+        <p:spPr/>
+        <p:txBody>
+          <a:bodyPr/>
+          <a:lstStyle/>
+          <a:p>
+            <a:r>
+              <a:rPr lang="en-US" smtClean="0"/>
+              <a:t>Azetech Solution, Coimbatore</a:t>
+            </a:r>
+            <a:endParaRPr lang="en-US"/>
+          </a:p>
+        </p:txBody>
+      </p:sp>
+      <p:sp>
+        <p:nvSpPr>
+          <p:cNvPr id="5" name="Title 4"/>
+          <p:cNvSpPr txBox="1">
+            <a:spLocks/>
+          </p:cNvSpPr>
+          <p:nvPr/>
+        </p:nvSpPr>
+        <p:spPr>
+          <a:xfrm>
+            <a:off x="231813" y="129648"/>
+            <a:ext cx="6636281" cy="399245"/>
+          </a:xfrm>
+          <a:prstGeom prst="rect">
+            <a:avLst/>
+          </a:prstGeom>
+        </p:spPr>
+        <p:txBody>
+          <a:bodyPr vert="horz" lIns="91440" tIns="45720" rIns="91440" bIns="45720" rtlCol="0" anchor="b">
+            <a:noAutofit/>
+          </a:bodyPr>
+          <a:lstStyle>
+            <a:lvl1pPr algn="ctr" defTabSz="914400" rtl="0" eaLnBrk="1" latinLnBrk="0" hangingPunct="1">
+              <a:lnSpc>
+                <a:spcPct val="90000"/>
+              </a:lnSpc>
+              <a:spcBef>
+                <a:spcPct val="0"/>
+              </a:spcBef>
+              <a:buNone/>
+              <a:defRPr sz="6000" kern="1200">
+                <a:solidFill>
+                  <a:schemeClr val="tx1"/>
+                </a:solidFill>
+                <a:latin typeface="+mj-lt"/>
+                <a:ea typeface="+mj-ea"/>
+                <a:cs typeface="+mj-cs"/>
+              </a:defRPr>
+            </a:lvl1pPr>
+          </a:lstStyle>
+          <a:p>
+            <a:pPr algn="l"/>
+            <a:r>
+              <a:rPr lang="en-US" sz="2800" b="1" dirty="0" smtClean="0">
+                <a:solidFill>
+                  <a:schemeClr val="accent1">
+                    <a:lumMod val="75000"/>
+                  </a:schemeClr>
+                </a:solidFill>
+                <a:latin typeface="Facto Bold" panose="00000800000000000000" pitchFamily="50" charset="0"/>
+              </a:rPr>
+              <a:t>I2C Program</a:t>
+            </a:r>
+          </a:p>
+        </p:txBody>
+      </p:sp>
+      <p:sp>
+        <p:nvSpPr>
+          <p:cNvPr id="6" name="TextBox 5"/>
+          <p:cNvSpPr txBox="1"/>
+          <p:nvPr/>
+        </p:nvSpPr>
+        <p:spPr>
+          <a:xfrm>
+            <a:off x="589430" y="666496"/>
+            <a:ext cx="11013140" cy="7104509"/>
+          </a:xfrm>
+          <a:prstGeom prst="rect">
+            <a:avLst/>
+          </a:prstGeom>
+          <a:noFill/>
+        </p:spPr>
+        <p:txBody>
+          <a:bodyPr wrap="square" numCol="2" rtlCol="0">
+            <a:spAutoFit/>
+          </a:bodyPr>
+          <a:lstStyle/>
+          <a:p>
+            <a:pPr lvl="0">
+              <a:spcBef>
+                <a:spcPts val="1000"/>
+              </a:spcBef>
+              <a:spcAft>
+                <a:spcPts val="200"/>
+              </a:spcAft>
+            </a:pPr>
+            <a:r>
+              <a:rPr lang="en-US" sz="1400" dirty="0">
+                <a:latin typeface="Consolas" panose="020B0609020204030204" pitchFamily="49" charset="0"/>
+              </a:rPr>
+              <a:t>#include "stm32f10x.h"   </a:t>
+            </a:r>
+            <a:r>
+              <a:rPr lang="en-US" sz="1400" dirty="0" smtClean="0">
+                <a:latin typeface="Consolas" panose="020B0609020204030204" pitchFamily="49" charset="0"/>
+              </a:rPr>
+              <a:t>// </a:t>
+            </a:r>
+            <a:r>
+              <a:rPr lang="en-US" sz="1400" dirty="0">
+                <a:latin typeface="Consolas" panose="020B0609020204030204" pitchFamily="49" charset="0"/>
+              </a:rPr>
+              <a:t>Device header</a:t>
+            </a:r>
+          </a:p>
+          <a:p>
+            <a:pPr lvl="0">
+              <a:spcBef>
+                <a:spcPts val="1000"/>
+              </a:spcBef>
+              <a:spcAft>
+                <a:spcPts val="200"/>
+              </a:spcAft>
+            </a:pPr>
+            <a:r>
+              <a:rPr lang="en-US" sz="1400" dirty="0">
+                <a:latin typeface="Consolas" panose="020B0609020204030204" pitchFamily="49" charset="0"/>
+              </a:rPr>
+              <a:t>#include&lt;</a:t>
+            </a:r>
+            <a:r>
+              <a:rPr lang="en-US" sz="1400" dirty="0" err="1">
+                <a:latin typeface="Consolas" panose="020B0609020204030204" pitchFamily="49" charset="0"/>
+              </a:rPr>
+              <a:t>string.h</a:t>
+            </a:r>
+            <a:r>
+              <a:rPr lang="en-US" sz="1400" dirty="0">
+                <a:latin typeface="Consolas" panose="020B0609020204030204" pitchFamily="49" charset="0"/>
+              </a:rPr>
+              <a:t>&gt;</a:t>
+            </a:r>
+          </a:p>
+          <a:p>
+            <a:pPr lvl="0">
+              <a:spcBef>
+                <a:spcPts val="1000"/>
+              </a:spcBef>
+              <a:spcAft>
+                <a:spcPts val="200"/>
+              </a:spcAft>
+            </a:pPr>
+            <a:endParaRPr lang="en-US" sz="1400" dirty="0">
+              <a:latin typeface="Consolas" panose="020B0609020204030204" pitchFamily="49" charset="0"/>
+            </a:endParaRPr>
+          </a:p>
+          <a:p>
+            <a:pPr lvl="0">
+              <a:spcBef>
+                <a:spcPts val="1000"/>
+              </a:spcBef>
+              <a:spcAft>
+                <a:spcPts val="200"/>
+              </a:spcAft>
+            </a:pPr>
+            <a:r>
+              <a:rPr lang="en-US" sz="1400" dirty="0">
+                <a:latin typeface="Consolas" panose="020B0609020204030204" pitchFamily="49" charset="0"/>
+              </a:rPr>
+              <a:t>void i2c_gpio_init(void);</a:t>
+            </a:r>
+          </a:p>
+          <a:p>
+            <a:pPr lvl="0">
+              <a:spcBef>
+                <a:spcPts val="1000"/>
+              </a:spcBef>
+              <a:spcAft>
+                <a:spcPts val="200"/>
+              </a:spcAft>
+            </a:pPr>
+            <a:r>
+              <a:rPr lang="en-US" sz="1400" dirty="0">
+                <a:latin typeface="Consolas" panose="020B0609020204030204" pitchFamily="49" charset="0"/>
+              </a:rPr>
+              <a:t>void i2c_init(void);</a:t>
+            </a:r>
+          </a:p>
+          <a:p>
+            <a:pPr lvl="0">
+              <a:spcBef>
+                <a:spcPts val="1000"/>
+              </a:spcBef>
+              <a:spcAft>
+                <a:spcPts val="200"/>
+              </a:spcAft>
+            </a:pPr>
+            <a:r>
+              <a:rPr lang="en-US" sz="1400" dirty="0">
+                <a:latin typeface="Consolas" panose="020B0609020204030204" pitchFamily="49" charset="0"/>
+              </a:rPr>
+              <a:t>void i2c_start(void);</a:t>
+            </a:r>
+          </a:p>
+          <a:p>
+            <a:pPr lvl="0">
+              <a:spcBef>
+                <a:spcPts val="1000"/>
+              </a:spcBef>
+              <a:spcAft>
+                <a:spcPts val="200"/>
+              </a:spcAft>
+            </a:pPr>
+            <a:r>
+              <a:rPr lang="en-US" sz="1400" dirty="0">
+                <a:latin typeface="Consolas" panose="020B0609020204030204" pitchFamily="49" charset="0"/>
+              </a:rPr>
+              <a:t>void i2c_slave_address(unsigned char data);</a:t>
+            </a:r>
+          </a:p>
+          <a:p>
+            <a:pPr lvl="0">
+              <a:spcBef>
+                <a:spcPts val="1000"/>
+              </a:spcBef>
+              <a:spcAft>
+                <a:spcPts val="200"/>
+              </a:spcAft>
+            </a:pPr>
+            <a:r>
+              <a:rPr lang="en-US" sz="1400" dirty="0">
+                <a:latin typeface="Consolas" panose="020B0609020204030204" pitchFamily="49" charset="0"/>
+              </a:rPr>
+              <a:t>void i2c_write(unsigned char data);</a:t>
+            </a:r>
+          </a:p>
+          <a:p>
+            <a:pPr lvl="0">
+              <a:spcBef>
+                <a:spcPts val="1000"/>
+              </a:spcBef>
+              <a:spcAft>
+                <a:spcPts val="200"/>
+              </a:spcAft>
+            </a:pPr>
+            <a:r>
+              <a:rPr lang="en-US" sz="1400" dirty="0">
+                <a:latin typeface="Consolas" panose="020B0609020204030204" pitchFamily="49" charset="0"/>
+              </a:rPr>
+              <a:t>void i2c_clearAddr(void);</a:t>
+            </a:r>
+          </a:p>
+          <a:p>
+            <a:pPr lvl="0">
+              <a:spcBef>
+                <a:spcPts val="1000"/>
+              </a:spcBef>
+              <a:spcAft>
+                <a:spcPts val="200"/>
+              </a:spcAft>
+            </a:pPr>
+            <a:r>
+              <a:rPr lang="en-US" sz="1400" dirty="0">
+                <a:latin typeface="Consolas" panose="020B0609020204030204" pitchFamily="49" charset="0"/>
+              </a:rPr>
+              <a:t>void i2c_write_string(unsigned char *data);</a:t>
+            </a:r>
+          </a:p>
+          <a:p>
+            <a:pPr lvl="0">
+              <a:spcBef>
+                <a:spcPts val="1000"/>
+              </a:spcBef>
+              <a:spcAft>
+                <a:spcPts val="200"/>
+              </a:spcAft>
+            </a:pPr>
+            <a:r>
+              <a:rPr lang="en-US" sz="1400" dirty="0">
+                <a:latin typeface="Consolas" panose="020B0609020204030204" pitchFamily="49" charset="0"/>
+              </a:rPr>
+              <a:t>void i2c_stop(void);</a:t>
+            </a:r>
+          </a:p>
+          <a:p>
+            <a:pPr lvl="0">
+              <a:spcBef>
+                <a:spcPts val="1000"/>
+              </a:spcBef>
+              <a:spcAft>
+                <a:spcPts val="200"/>
+              </a:spcAft>
+            </a:pPr>
+            <a:r>
+              <a:rPr lang="en-US" sz="1400" dirty="0">
+                <a:latin typeface="Consolas" panose="020B0609020204030204" pitchFamily="49" charset="0"/>
+              </a:rPr>
+              <a:t>void delay(void);</a:t>
+            </a:r>
+          </a:p>
+          <a:p>
+            <a:pPr lvl="0">
+              <a:spcBef>
+                <a:spcPts val="1000"/>
+              </a:spcBef>
+              <a:spcAft>
+                <a:spcPts val="200"/>
+              </a:spcAft>
+            </a:pPr>
+            <a:endParaRPr lang="en-US" sz="1400" dirty="0">
+              <a:latin typeface="Consolas" panose="020B0609020204030204" pitchFamily="49" charset="0"/>
+            </a:endParaRPr>
+          </a:p>
+          <a:p>
+            <a:pPr lvl="0">
+              <a:spcBef>
+                <a:spcPts val="1000"/>
+              </a:spcBef>
+              <a:spcAft>
+                <a:spcPts val="200"/>
+              </a:spcAft>
+            </a:pPr>
+            <a:r>
+              <a:rPr lang="en-US" sz="1400" dirty="0">
+                <a:latin typeface="Consolas" panose="020B0609020204030204" pitchFamily="49" charset="0"/>
+              </a:rPr>
+              <a:t>unsigned char * </a:t>
+            </a:r>
+            <a:r>
+              <a:rPr lang="en-US" sz="1400" dirty="0" err="1">
+                <a:latin typeface="Consolas" panose="020B0609020204030204" pitchFamily="49" charset="0"/>
+              </a:rPr>
+              <a:t>msg</a:t>
+            </a:r>
+            <a:r>
+              <a:rPr lang="en-US" sz="1400" dirty="0">
+                <a:latin typeface="Consolas" panose="020B0609020204030204" pitchFamily="49" charset="0"/>
+              </a:rPr>
+              <a:t>=(unsigned char *) "hello embedded world";</a:t>
+            </a:r>
+          </a:p>
+          <a:p>
+            <a:pPr lvl="0">
+              <a:spcBef>
+                <a:spcPts val="1000"/>
+              </a:spcBef>
+              <a:spcAft>
+                <a:spcPts val="200"/>
+              </a:spcAft>
+            </a:pPr>
+            <a:r>
+              <a:rPr lang="en-US" sz="1400" dirty="0">
+                <a:latin typeface="Consolas" panose="020B0609020204030204" pitchFamily="49" charset="0"/>
+              </a:rPr>
+              <a:t>unsigned short </a:t>
+            </a:r>
+            <a:r>
+              <a:rPr lang="en-US" sz="1400" dirty="0" err="1">
+                <a:latin typeface="Consolas" panose="020B0609020204030204" pitchFamily="49" charset="0"/>
+              </a:rPr>
+              <a:t>int</a:t>
+            </a:r>
+            <a:r>
+              <a:rPr lang="en-US" sz="1400" dirty="0">
+                <a:latin typeface="Consolas" panose="020B0609020204030204" pitchFamily="49" charset="0"/>
+              </a:rPr>
+              <a:t> </a:t>
+            </a:r>
+            <a:r>
+              <a:rPr lang="en-US" sz="1400" dirty="0" err="1">
+                <a:latin typeface="Consolas" panose="020B0609020204030204" pitchFamily="49" charset="0"/>
+              </a:rPr>
+              <a:t>dummy_read</a:t>
+            </a:r>
+            <a:r>
+              <a:rPr lang="en-US" sz="1400" dirty="0">
+                <a:latin typeface="Consolas" panose="020B0609020204030204" pitchFamily="49" charset="0"/>
+              </a:rPr>
+              <a:t>=0x0000;</a:t>
+            </a:r>
+          </a:p>
+          <a:p>
+            <a:pPr lvl="0">
+              <a:spcBef>
+                <a:spcPts val="1000"/>
+              </a:spcBef>
+              <a:spcAft>
+                <a:spcPts val="200"/>
+              </a:spcAft>
+            </a:pPr>
+            <a:endParaRPr lang="en-US" sz="1400" dirty="0" smtClean="0">
+              <a:latin typeface="Consolas" panose="020B0609020204030204" pitchFamily="49" charset="0"/>
+            </a:endParaRPr>
+          </a:p>
+          <a:p>
+            <a:pPr lvl="0">
+              <a:spcBef>
+                <a:spcPts val="1000"/>
+              </a:spcBef>
+              <a:spcAft>
+                <a:spcPts val="200"/>
+              </a:spcAft>
+            </a:pPr>
+            <a:endParaRPr lang="en-US" sz="1400" dirty="0">
+              <a:latin typeface="Consolas" panose="020B0609020204030204" pitchFamily="49" charset="0"/>
+            </a:endParaRPr>
+          </a:p>
+          <a:p>
+            <a:pPr lvl="0">
+              <a:spcBef>
+                <a:spcPts val="1000"/>
+              </a:spcBef>
+              <a:spcAft>
+                <a:spcPts val="200"/>
+              </a:spcAft>
+            </a:pPr>
+            <a:endParaRPr lang="en-US" sz="1400" dirty="0" smtClean="0">
+              <a:latin typeface="Consolas" panose="020B0609020204030204" pitchFamily="49" charset="0"/>
+            </a:endParaRPr>
+          </a:p>
+          <a:p>
+            <a:pPr lvl="0">
+              <a:spcBef>
+                <a:spcPts val="1000"/>
+              </a:spcBef>
+              <a:spcAft>
+                <a:spcPts val="200"/>
+              </a:spcAft>
+            </a:pPr>
+            <a:endParaRPr lang="en-US" sz="1400" dirty="0">
+              <a:latin typeface="Consolas" panose="020B0609020204030204" pitchFamily="49" charset="0"/>
+            </a:endParaRPr>
+          </a:p>
+          <a:p>
+            <a:pPr lvl="0">
+              <a:spcBef>
+                <a:spcPts val="1000"/>
+              </a:spcBef>
+              <a:spcAft>
+                <a:spcPts val="200"/>
+              </a:spcAft>
+            </a:pPr>
+            <a:r>
+              <a:rPr lang="en-US" sz="1400" dirty="0" err="1">
+                <a:latin typeface="Consolas" panose="020B0609020204030204" pitchFamily="49" charset="0"/>
+              </a:rPr>
+              <a:t>int</a:t>
+            </a:r>
+            <a:r>
+              <a:rPr lang="en-US" sz="1400" dirty="0">
+                <a:latin typeface="Consolas" panose="020B0609020204030204" pitchFamily="49" charset="0"/>
+              </a:rPr>
+              <a:t> main(void)</a:t>
+            </a:r>
+          </a:p>
+          <a:p>
+            <a:pPr lvl="0">
+              <a:spcBef>
+                <a:spcPts val="1000"/>
+              </a:spcBef>
+              <a:spcAft>
+                <a:spcPts val="200"/>
+              </a:spcAft>
+            </a:pPr>
+            <a:r>
+              <a:rPr lang="en-US" sz="1400" dirty="0">
+                <a:latin typeface="Consolas" panose="020B0609020204030204" pitchFamily="49" charset="0"/>
+              </a:rPr>
+              <a:t>{</a:t>
+            </a:r>
+          </a:p>
+          <a:p>
+            <a:pPr lvl="0">
+              <a:spcBef>
+                <a:spcPts val="1000"/>
+              </a:spcBef>
+              <a:spcAft>
+                <a:spcPts val="200"/>
+              </a:spcAft>
+            </a:pPr>
+            <a:r>
+              <a:rPr lang="en-US" sz="1400" dirty="0">
+                <a:latin typeface="Consolas" panose="020B0609020204030204" pitchFamily="49" charset="0"/>
+              </a:rPr>
+              <a:t>	i2c_gpio_init();//delay();			</a:t>
+            </a:r>
+          </a:p>
+          <a:p>
+            <a:pPr lvl="0">
+              <a:spcBef>
+                <a:spcPts val="1000"/>
+              </a:spcBef>
+              <a:spcAft>
+                <a:spcPts val="200"/>
+              </a:spcAft>
+            </a:pPr>
+            <a:r>
+              <a:rPr lang="en-US" sz="1400" dirty="0">
+                <a:latin typeface="Consolas" panose="020B0609020204030204" pitchFamily="49" charset="0"/>
+              </a:rPr>
+              <a:t>	i2c_init();//delay();			</a:t>
+            </a:r>
+          </a:p>
+          <a:p>
+            <a:pPr lvl="0">
+              <a:spcBef>
+                <a:spcPts val="1000"/>
+              </a:spcBef>
+              <a:spcAft>
+                <a:spcPts val="200"/>
+              </a:spcAft>
+            </a:pPr>
+            <a:r>
+              <a:rPr lang="en-US" sz="1400" dirty="0">
+                <a:latin typeface="Consolas" panose="020B0609020204030204" pitchFamily="49" charset="0"/>
+              </a:rPr>
+              <a:t>	i2c_start();</a:t>
+            </a:r>
+          </a:p>
+          <a:p>
+            <a:pPr lvl="0">
+              <a:spcBef>
+                <a:spcPts val="1000"/>
+              </a:spcBef>
+              <a:spcAft>
+                <a:spcPts val="200"/>
+              </a:spcAft>
+            </a:pPr>
+            <a:r>
+              <a:rPr lang="en-US" sz="1400" dirty="0">
+                <a:latin typeface="Consolas" panose="020B0609020204030204" pitchFamily="49" charset="0"/>
+              </a:rPr>
+              <a:t>	i2c_slave_address(0xA0);	</a:t>
+            </a:r>
+          </a:p>
+          <a:p>
+            <a:pPr lvl="0">
+              <a:spcBef>
+                <a:spcPts val="1000"/>
+              </a:spcBef>
+              <a:spcAft>
+                <a:spcPts val="200"/>
+              </a:spcAft>
+            </a:pPr>
+            <a:r>
+              <a:rPr lang="en-US" sz="1400" dirty="0">
+                <a:latin typeface="Consolas" panose="020B0609020204030204" pitchFamily="49" charset="0"/>
+              </a:rPr>
+              <a:t>	i2c_write_string(</a:t>
+            </a:r>
+            <a:r>
+              <a:rPr lang="en-US" sz="1400" dirty="0" err="1">
+                <a:latin typeface="Consolas" panose="020B0609020204030204" pitchFamily="49" charset="0"/>
+              </a:rPr>
+              <a:t>msg</a:t>
+            </a:r>
+            <a:r>
+              <a:rPr lang="en-US" sz="1400" dirty="0">
+                <a:latin typeface="Consolas" panose="020B0609020204030204" pitchFamily="49" charset="0"/>
+              </a:rPr>
+              <a:t>);</a:t>
+            </a:r>
+          </a:p>
+          <a:p>
+            <a:pPr lvl="0">
+              <a:spcBef>
+                <a:spcPts val="1000"/>
+              </a:spcBef>
+              <a:spcAft>
+                <a:spcPts val="200"/>
+              </a:spcAft>
+            </a:pPr>
+            <a:r>
+              <a:rPr lang="en-US" sz="1400" dirty="0">
+                <a:latin typeface="Consolas" panose="020B0609020204030204" pitchFamily="49" charset="0"/>
+              </a:rPr>
+              <a:t>	i2c_stop();</a:t>
+            </a:r>
+          </a:p>
+          <a:p>
+            <a:pPr lvl="0">
+              <a:spcBef>
+                <a:spcPts val="1000"/>
+              </a:spcBef>
+              <a:spcAft>
+                <a:spcPts val="200"/>
+              </a:spcAft>
+            </a:pPr>
+            <a:r>
+              <a:rPr lang="en-US" sz="1400" dirty="0">
+                <a:latin typeface="Consolas" panose="020B0609020204030204" pitchFamily="49" charset="0"/>
+              </a:rPr>
+              <a:t>	return 0;</a:t>
+            </a:r>
+          </a:p>
+          <a:p>
+            <a:pPr lvl="0">
+              <a:spcBef>
+                <a:spcPts val="1000"/>
+              </a:spcBef>
+              <a:spcAft>
+                <a:spcPts val="200"/>
+              </a:spcAft>
+            </a:pPr>
+            <a:r>
+              <a:rPr lang="en-US" sz="1400" dirty="0">
+                <a:latin typeface="Consolas" panose="020B0609020204030204" pitchFamily="49" charset="0"/>
+              </a:rPr>
+              <a:t>}</a:t>
+            </a:r>
+          </a:p>
+          <a:p>
+            <a:pPr lvl="0">
+              <a:spcBef>
+                <a:spcPts val="1000"/>
+              </a:spcBef>
+              <a:spcAft>
+                <a:spcPts val="200"/>
+              </a:spcAft>
+            </a:pPr>
+            <a:endParaRPr lang="en-US" sz="1400" dirty="0">
+              <a:latin typeface="Consolas" panose="020B0609020204030204" pitchFamily="49" charset="0"/>
+            </a:endParaRPr>
+          </a:p>
+        </p:txBody>
+      </p:sp>
+    </p:spTree>
+    <p:extLst>
+      <p:ext uri="{BB962C8B-B14F-4D97-AF65-F5344CB8AC3E}">
+        <p14:creationId xmlns:p14="http://schemas.microsoft.com/office/powerpoint/2010/main" val="2676600501"/>
+      </p:ext>
+    </p:extLst>
+  </p:cSld>
+  <p:clrMapOvr>
+    <a:masterClrMapping/>
+  </p:clrMapOvr>
+  <p:timing>
+    <p:tnLst>
+      <p:par>
+        <p:cTn id="1" dur="indefinite" restart="never" nodeType="tmRoot"/>
+      </p:par>
+    </p:tnLst>
+  </p:timing>
+</p:sld>
+</file>
+
+<file path=ppt/slides/slide19.xml><?xml version="1.0" encoding="utf-8"?>
+<p:sld xmlns:a="http://schemas.openxmlformats.org/drawingml/2006/main" xmlns:r="http://schemas.openxmlformats.org/officeDocument/2006/relationships" xmlns:p="http://schemas.openxmlformats.org/presentationml/2006/main">
+  <p:cSld>
+    <p:spTree>
+      <p:nvGrpSpPr>
+        <p:cNvPr id="1" name=""/>
+        <p:cNvGrpSpPr/>
+        <p:nvPr/>
+      </p:nvGrpSpPr>
+      <p:grpSpPr>
+        <a:xfrm>
+          <a:off x="0" y="0"/>
+          <a:ext cx="0" cy="0"/>
+          <a:chOff x="0" y="0"/>
+          <a:chExt cx="0" cy="0"/>
+        </a:xfrm>
+      </p:grpSpPr>
+      <p:pic>
+        <p:nvPicPr>
+          <p:cNvPr id="2" name="Picture 2" descr="Azetech Solutions | LinkedIn"/>
+          <p:cNvPicPr>
+            <a:picLocks noChangeAspect="1" noChangeArrowheads="1"/>
+          </p:cNvPicPr>
+          <p:nvPr/>
+        </p:nvPicPr>
+        <p:blipFill>
+          <a:blip r:embed="rId2" cstate="print">
+            <a:extLst>
+              <a:ext uri="{28A0092B-C50C-407E-A947-70E740481C1C}">
+                <a14:useLocalDpi xmlns:a14="http://schemas.microsoft.com/office/drawing/2010/main" val="0"/>
+              </a:ext>
+            </a:extLst>
+          </a:blip>
+          <a:srcRect/>
+          <a:stretch>
+            <a:fillRect/>
+          </a:stretch>
+        </p:blipFill>
+        <p:spPr bwMode="auto">
+          <a:xfrm>
+            <a:off x="11456223" y="129648"/>
+            <a:ext cx="536848" cy="536848"/>
+          </a:xfrm>
+          <a:prstGeom prst="rect">
+            <a:avLst/>
+          </a:prstGeom>
+          <a:noFill/>
+          <a:extLst>
+            <a:ext uri="{909E8E84-426E-40DD-AFC4-6F175D3DCCD1}">
+              <a14:hiddenFill xmlns:a14="http://schemas.microsoft.com/office/drawing/2010/main">
+                <a:solidFill>
+                  <a:srgbClr val="FFFFFF"/>
+                </a:solidFill>
+              </a14:hiddenFill>
+            </a:ext>
+          </a:extLst>
+        </p:spPr>
+      </p:pic>
+      <p:sp>
+        <p:nvSpPr>
+          <p:cNvPr id="3" name="Footer Placeholder 2"/>
+          <p:cNvSpPr>
+            <a:spLocks noGrp="1"/>
+          </p:cNvSpPr>
+          <p:nvPr>
+            <p:ph type="ftr" sz="quarter" idx="11"/>
+          </p:nvPr>
+        </p:nvSpPr>
+        <p:spPr/>
+        <p:txBody>
+          <a:bodyPr/>
+          <a:lstStyle/>
+          <a:p>
+            <a:r>
+              <a:rPr lang="en-US" smtClean="0"/>
+              <a:t>Azetech Solution, Coimbatore</a:t>
+            </a:r>
+            <a:endParaRPr lang="en-US"/>
+          </a:p>
+        </p:txBody>
+      </p:sp>
+      <p:sp>
+        <p:nvSpPr>
+          <p:cNvPr id="5" name="Title 4"/>
+          <p:cNvSpPr txBox="1">
+            <a:spLocks/>
+          </p:cNvSpPr>
+          <p:nvPr/>
+        </p:nvSpPr>
+        <p:spPr>
+          <a:xfrm>
+            <a:off x="318311" y="441143"/>
+            <a:ext cx="6636281" cy="399245"/>
+          </a:xfrm>
+          <a:prstGeom prst="rect">
+            <a:avLst/>
+          </a:prstGeom>
+        </p:spPr>
+        <p:txBody>
+          <a:bodyPr vert="horz" lIns="91440" tIns="45720" rIns="91440" bIns="45720" rtlCol="0" anchor="b">
+            <a:noAutofit/>
+          </a:bodyPr>
+          <a:lstStyle>
+            <a:lvl1pPr algn="ctr" defTabSz="914400" rtl="0" eaLnBrk="1" latinLnBrk="0" hangingPunct="1">
+              <a:lnSpc>
+                <a:spcPct val="90000"/>
+              </a:lnSpc>
+              <a:spcBef>
+                <a:spcPct val="0"/>
+              </a:spcBef>
+              <a:buNone/>
+              <a:defRPr sz="6000" kern="1200">
+                <a:solidFill>
+                  <a:schemeClr val="tx1"/>
+                </a:solidFill>
+                <a:latin typeface="+mj-lt"/>
+                <a:ea typeface="+mj-ea"/>
+                <a:cs typeface="+mj-cs"/>
+              </a:defRPr>
+            </a:lvl1pPr>
+          </a:lstStyle>
+          <a:p>
+            <a:pPr algn="l"/>
+            <a:endParaRPr lang="en-US" sz="2800" b="1" dirty="0" smtClean="0">
+              <a:solidFill>
+                <a:schemeClr val="accent1">
+                  <a:lumMod val="75000"/>
+                </a:schemeClr>
+              </a:solidFill>
+              <a:latin typeface="Facto Bold" panose="00000800000000000000" pitchFamily="50" charset="0"/>
+            </a:endParaRPr>
+          </a:p>
+        </p:txBody>
+      </p:sp>
+      <p:sp>
+        <p:nvSpPr>
+          <p:cNvPr id="6" name="TextBox 5"/>
+          <p:cNvSpPr txBox="1"/>
+          <p:nvPr/>
+        </p:nvSpPr>
+        <p:spPr>
+          <a:xfrm>
+            <a:off x="443083" y="198017"/>
+            <a:ext cx="11013140" cy="7781617"/>
+          </a:xfrm>
+          <a:prstGeom prst="rect">
+            <a:avLst/>
+          </a:prstGeom>
+          <a:noFill/>
+        </p:spPr>
+        <p:txBody>
+          <a:bodyPr wrap="square" numCol="2" rtlCol="0">
+            <a:spAutoFit/>
+          </a:bodyPr>
+          <a:lstStyle/>
+          <a:p>
+            <a:pPr lvl="0">
+              <a:spcBef>
+                <a:spcPts val="1000"/>
+              </a:spcBef>
+              <a:spcAft>
+                <a:spcPts val="200"/>
+              </a:spcAft>
+            </a:pPr>
+            <a:r>
+              <a:rPr lang="en-US" sz="1200" dirty="0">
+                <a:latin typeface="Consolas" panose="020B0609020204030204" pitchFamily="49" charset="0"/>
+              </a:rPr>
+              <a:t>void delay(void)</a:t>
+            </a:r>
+          </a:p>
+          <a:p>
+            <a:pPr lvl="0">
+              <a:spcBef>
+                <a:spcPts val="1000"/>
+              </a:spcBef>
+              <a:spcAft>
+                <a:spcPts val="200"/>
+              </a:spcAft>
+            </a:pPr>
+            <a:r>
+              <a:rPr lang="en-US" sz="1200" dirty="0">
+                <a:latin typeface="Consolas" panose="020B0609020204030204" pitchFamily="49" charset="0"/>
+              </a:rPr>
+              <a:t>{</a:t>
+            </a:r>
+          </a:p>
+          <a:p>
+            <a:pPr lvl="0">
+              <a:spcBef>
+                <a:spcPts val="1000"/>
+              </a:spcBef>
+              <a:spcAft>
+                <a:spcPts val="200"/>
+              </a:spcAft>
+            </a:pPr>
+            <a:r>
+              <a:rPr lang="en-US" sz="1200" dirty="0">
+                <a:latin typeface="Consolas" panose="020B0609020204030204" pitchFamily="49" charset="0"/>
+              </a:rPr>
+              <a:t>	unsigned </a:t>
+            </a:r>
+            <a:r>
+              <a:rPr lang="en-US" sz="1200" dirty="0" err="1">
+                <a:latin typeface="Consolas" panose="020B0609020204030204" pitchFamily="49" charset="0"/>
+              </a:rPr>
+              <a:t>int</a:t>
+            </a:r>
+            <a:r>
+              <a:rPr lang="en-US" sz="1200" dirty="0">
+                <a:latin typeface="Consolas" panose="020B0609020204030204" pitchFamily="49" charset="0"/>
+              </a:rPr>
+              <a:t> </a:t>
+            </a:r>
+            <a:r>
+              <a:rPr lang="en-US" sz="1200" dirty="0" err="1">
+                <a:latin typeface="Consolas" panose="020B0609020204030204" pitchFamily="49" charset="0"/>
+              </a:rPr>
+              <a:t>i</a:t>
+            </a:r>
+            <a:r>
+              <a:rPr lang="en-US" sz="1200" dirty="0">
+                <a:latin typeface="Consolas" panose="020B0609020204030204" pitchFamily="49" charset="0"/>
+              </a:rPr>
+              <a:t>;</a:t>
+            </a:r>
+          </a:p>
+          <a:p>
+            <a:pPr lvl="0">
+              <a:spcBef>
+                <a:spcPts val="1000"/>
+              </a:spcBef>
+              <a:spcAft>
+                <a:spcPts val="200"/>
+              </a:spcAft>
+            </a:pPr>
+            <a:r>
+              <a:rPr lang="en-US" sz="1200" dirty="0">
+                <a:latin typeface="Consolas" panose="020B0609020204030204" pitchFamily="49" charset="0"/>
+              </a:rPr>
+              <a:t>	for(</a:t>
+            </a:r>
+            <a:r>
+              <a:rPr lang="en-US" sz="1200" dirty="0" err="1">
+                <a:latin typeface="Consolas" panose="020B0609020204030204" pitchFamily="49" charset="0"/>
+              </a:rPr>
+              <a:t>i</a:t>
+            </a:r>
+            <a:r>
+              <a:rPr lang="en-US" sz="1200" dirty="0">
+                <a:latin typeface="Consolas" panose="020B0609020204030204" pitchFamily="49" charset="0"/>
+              </a:rPr>
+              <a:t>=0;i&lt;1000;i++);</a:t>
+            </a:r>
+          </a:p>
+          <a:p>
+            <a:pPr lvl="0">
+              <a:spcBef>
+                <a:spcPts val="1000"/>
+              </a:spcBef>
+              <a:spcAft>
+                <a:spcPts val="200"/>
+              </a:spcAft>
+            </a:pPr>
+            <a:r>
+              <a:rPr lang="en-US" sz="1200" dirty="0">
+                <a:latin typeface="Consolas" panose="020B0609020204030204" pitchFamily="49" charset="0"/>
+              </a:rPr>
+              <a:t>	for(</a:t>
+            </a:r>
+            <a:r>
+              <a:rPr lang="en-US" sz="1200" dirty="0" err="1">
+                <a:latin typeface="Consolas" panose="020B0609020204030204" pitchFamily="49" charset="0"/>
+              </a:rPr>
+              <a:t>i</a:t>
+            </a:r>
+            <a:r>
+              <a:rPr lang="en-US" sz="1200" dirty="0">
+                <a:latin typeface="Consolas" panose="020B0609020204030204" pitchFamily="49" charset="0"/>
+              </a:rPr>
+              <a:t>=0;i&lt;1000;i++);</a:t>
+            </a:r>
+          </a:p>
+          <a:p>
+            <a:pPr lvl="0">
+              <a:spcBef>
+                <a:spcPts val="1000"/>
+              </a:spcBef>
+              <a:spcAft>
+                <a:spcPts val="200"/>
+              </a:spcAft>
+            </a:pPr>
+            <a:r>
+              <a:rPr lang="en-US" sz="1200" dirty="0" smtClean="0">
+                <a:latin typeface="Consolas" panose="020B0609020204030204" pitchFamily="49" charset="0"/>
+              </a:rPr>
+              <a:t>}</a:t>
+            </a:r>
+            <a:endParaRPr lang="en-US" sz="1200" dirty="0">
+              <a:latin typeface="Consolas" panose="020B0609020204030204" pitchFamily="49" charset="0"/>
+            </a:endParaRPr>
+          </a:p>
+          <a:p>
+            <a:pPr lvl="0">
+              <a:spcBef>
+                <a:spcPts val="1000"/>
+              </a:spcBef>
+              <a:spcAft>
+                <a:spcPts val="200"/>
+              </a:spcAft>
+            </a:pPr>
+            <a:r>
+              <a:rPr lang="en-US" sz="1200" dirty="0">
+                <a:latin typeface="Consolas" panose="020B0609020204030204" pitchFamily="49" charset="0"/>
+              </a:rPr>
+              <a:t>void i2c_gpio_init(void)</a:t>
+            </a:r>
+          </a:p>
+          <a:p>
+            <a:pPr lvl="0">
+              <a:spcBef>
+                <a:spcPts val="1000"/>
+              </a:spcBef>
+              <a:spcAft>
+                <a:spcPts val="200"/>
+              </a:spcAft>
+            </a:pPr>
+            <a:r>
+              <a:rPr lang="en-US" sz="1200" dirty="0">
+                <a:latin typeface="Consolas" panose="020B0609020204030204" pitchFamily="49" charset="0"/>
+              </a:rPr>
+              <a:t>{</a:t>
+            </a:r>
+          </a:p>
+          <a:p>
+            <a:pPr lvl="0">
+              <a:spcBef>
+                <a:spcPts val="1000"/>
+              </a:spcBef>
+              <a:spcAft>
+                <a:spcPts val="200"/>
+              </a:spcAft>
+            </a:pPr>
+            <a:r>
+              <a:rPr lang="en-US" sz="1200" dirty="0">
+                <a:latin typeface="Consolas" panose="020B0609020204030204" pitchFamily="49" charset="0"/>
+              </a:rPr>
+              <a:t>	//i2c and port </a:t>
+            </a:r>
+            <a:r>
+              <a:rPr lang="en-US" sz="1200" dirty="0" err="1">
+                <a:latin typeface="Consolas" panose="020B0609020204030204" pitchFamily="49" charset="0"/>
+              </a:rPr>
+              <a:t>clk</a:t>
+            </a:r>
+            <a:r>
+              <a:rPr lang="en-US" sz="1200" dirty="0">
+                <a:latin typeface="Consolas" panose="020B0609020204030204" pitchFamily="49" charset="0"/>
+              </a:rPr>
+              <a:t> enable</a:t>
+            </a:r>
+          </a:p>
+          <a:p>
+            <a:pPr lvl="0">
+              <a:spcBef>
+                <a:spcPts val="1000"/>
+              </a:spcBef>
+              <a:spcAft>
+                <a:spcPts val="200"/>
+              </a:spcAft>
+            </a:pPr>
+            <a:r>
+              <a:rPr lang="en-US" sz="1200" dirty="0">
+                <a:latin typeface="Consolas" panose="020B0609020204030204" pitchFamily="49" charset="0"/>
+              </a:rPr>
+              <a:t>	RCC-&gt;APB1ENR &amp;= 0x00000000;</a:t>
+            </a:r>
+          </a:p>
+          <a:p>
+            <a:pPr lvl="0">
+              <a:spcBef>
+                <a:spcPts val="1000"/>
+              </a:spcBef>
+              <a:spcAft>
+                <a:spcPts val="200"/>
+              </a:spcAft>
+            </a:pPr>
+            <a:r>
+              <a:rPr lang="en-US" sz="1200" dirty="0">
+                <a:latin typeface="Consolas" panose="020B0609020204030204" pitchFamily="49" charset="0"/>
+              </a:rPr>
+              <a:t>	RCC-&gt;APB2ENR &amp;= 0x00000000;	</a:t>
+            </a:r>
+          </a:p>
+          <a:p>
+            <a:pPr lvl="0">
+              <a:spcBef>
+                <a:spcPts val="1000"/>
+              </a:spcBef>
+              <a:spcAft>
+                <a:spcPts val="200"/>
+              </a:spcAft>
+            </a:pPr>
+            <a:r>
+              <a:rPr lang="en-US" sz="1200" dirty="0">
+                <a:latin typeface="Consolas" panose="020B0609020204030204" pitchFamily="49" charset="0"/>
+              </a:rPr>
+              <a:t>	RCC-&gt;APB1ENR |= (1&lt;&lt;21); //enable i2c </a:t>
+            </a:r>
+            <a:r>
+              <a:rPr lang="en-US" sz="1200" dirty="0" err="1">
+                <a:latin typeface="Consolas" panose="020B0609020204030204" pitchFamily="49" charset="0"/>
+              </a:rPr>
+              <a:t>clk</a:t>
+            </a:r>
+            <a:endParaRPr lang="en-US" sz="1200" dirty="0">
+              <a:latin typeface="Consolas" panose="020B0609020204030204" pitchFamily="49" charset="0"/>
+            </a:endParaRPr>
+          </a:p>
+          <a:p>
+            <a:pPr lvl="0">
+              <a:spcBef>
+                <a:spcPts val="1000"/>
+              </a:spcBef>
+              <a:spcAft>
+                <a:spcPts val="200"/>
+              </a:spcAft>
+            </a:pPr>
+            <a:r>
+              <a:rPr lang="en-US" sz="1200" dirty="0">
+                <a:latin typeface="Consolas" panose="020B0609020204030204" pitchFamily="49" charset="0"/>
+              </a:rPr>
+              <a:t>	RCC-&gt;APB2ENR |= (1&lt;&lt;3);  //enable </a:t>
+            </a:r>
+            <a:r>
+              <a:rPr lang="en-US" sz="1200" dirty="0" err="1">
+                <a:latin typeface="Consolas" panose="020B0609020204030204" pitchFamily="49" charset="0"/>
+              </a:rPr>
+              <a:t>portb</a:t>
+            </a:r>
+            <a:r>
+              <a:rPr lang="en-US" sz="1200" dirty="0">
+                <a:latin typeface="Consolas" panose="020B0609020204030204" pitchFamily="49" charset="0"/>
+              </a:rPr>
+              <a:t> </a:t>
+            </a:r>
+            <a:r>
+              <a:rPr lang="en-US" sz="1200" dirty="0" err="1">
+                <a:latin typeface="Consolas" panose="020B0609020204030204" pitchFamily="49" charset="0"/>
+              </a:rPr>
+              <a:t>clk</a:t>
+            </a:r>
+            <a:endParaRPr lang="en-US" sz="1200" dirty="0">
+              <a:latin typeface="Consolas" panose="020B0609020204030204" pitchFamily="49" charset="0"/>
+            </a:endParaRPr>
+          </a:p>
+          <a:p>
+            <a:pPr lvl="0">
+              <a:spcBef>
+                <a:spcPts val="1000"/>
+              </a:spcBef>
+              <a:spcAft>
+                <a:spcPts val="200"/>
+              </a:spcAft>
+            </a:pPr>
+            <a:r>
+              <a:rPr lang="en-US" sz="1200" dirty="0">
+                <a:latin typeface="Consolas" panose="020B0609020204030204" pitchFamily="49" charset="0"/>
+              </a:rPr>
+              <a:t>	//alternate function </a:t>
+            </a:r>
+            <a:r>
+              <a:rPr lang="en-US" sz="1200" dirty="0" err="1">
+                <a:latin typeface="Consolas" panose="020B0609020204030204" pitchFamily="49" charset="0"/>
+              </a:rPr>
+              <a:t>clk</a:t>
+            </a:r>
+            <a:r>
+              <a:rPr lang="en-US" sz="1200" dirty="0">
+                <a:latin typeface="Consolas" panose="020B0609020204030204" pitchFamily="49" charset="0"/>
+              </a:rPr>
+              <a:t> enable	</a:t>
+            </a:r>
+            <a:endParaRPr lang="en-US" sz="1200" dirty="0" smtClean="0">
+              <a:latin typeface="Consolas" panose="020B0609020204030204" pitchFamily="49" charset="0"/>
+            </a:endParaRPr>
+          </a:p>
+          <a:p>
+            <a:pPr lvl="0">
+              <a:spcBef>
+                <a:spcPts val="1000"/>
+              </a:spcBef>
+              <a:spcAft>
+                <a:spcPts val="200"/>
+              </a:spcAft>
+            </a:pPr>
+            <a:r>
+              <a:rPr lang="en-US" sz="1200" dirty="0">
+                <a:latin typeface="Consolas" panose="020B0609020204030204" pitchFamily="49" charset="0"/>
+              </a:rPr>
+              <a:t>	</a:t>
+            </a:r>
+            <a:r>
+              <a:rPr lang="en-US" sz="1200" dirty="0" smtClean="0">
+                <a:latin typeface="Consolas" panose="020B0609020204030204" pitchFamily="49" charset="0"/>
+              </a:rPr>
+              <a:t>//</a:t>
+            </a:r>
+            <a:r>
+              <a:rPr lang="en-US" sz="1200" dirty="0">
+                <a:latin typeface="Consolas" panose="020B0609020204030204" pitchFamily="49" charset="0"/>
+              </a:rPr>
+              <a:t>RCC-&gt;APB2ENR |=(1&lt;&lt;0);  </a:t>
+            </a:r>
+          </a:p>
+          <a:p>
+            <a:pPr lvl="0">
+              <a:spcBef>
+                <a:spcPts val="1000"/>
+              </a:spcBef>
+              <a:spcAft>
+                <a:spcPts val="200"/>
+              </a:spcAft>
+            </a:pPr>
+            <a:r>
+              <a:rPr lang="en-US" sz="1200" dirty="0">
+                <a:latin typeface="Consolas" panose="020B0609020204030204" pitchFamily="49" charset="0"/>
+              </a:rPr>
+              <a:t>	GPIOB-&gt;CRL &amp;=0x00000000;	</a:t>
+            </a:r>
+          </a:p>
+          <a:p>
+            <a:pPr lvl="0">
+              <a:spcBef>
+                <a:spcPts val="1000"/>
+              </a:spcBef>
+              <a:spcAft>
+                <a:spcPts val="200"/>
+              </a:spcAft>
+            </a:pPr>
+            <a:r>
+              <a:rPr lang="en-US" sz="1200" dirty="0">
+                <a:latin typeface="Consolas" panose="020B0609020204030204" pitchFamily="49" charset="0"/>
+              </a:rPr>
+              <a:t>	//</a:t>
+            </a:r>
+            <a:r>
+              <a:rPr lang="en-US" sz="1200" dirty="0" err="1">
+                <a:latin typeface="Consolas" panose="020B0609020204030204" pitchFamily="49" charset="0"/>
+              </a:rPr>
+              <a:t>scl</a:t>
+            </a:r>
+            <a:r>
+              <a:rPr lang="en-US" sz="1200" dirty="0">
+                <a:latin typeface="Consolas" panose="020B0609020204030204" pitchFamily="49" charset="0"/>
+              </a:rPr>
+              <a:t>	</a:t>
+            </a:r>
+          </a:p>
+          <a:p>
+            <a:pPr lvl="0">
+              <a:spcBef>
+                <a:spcPts val="1000"/>
+              </a:spcBef>
+              <a:spcAft>
+                <a:spcPts val="200"/>
+              </a:spcAft>
+            </a:pPr>
+            <a:r>
+              <a:rPr lang="en-US" sz="1200" dirty="0">
+                <a:latin typeface="Consolas" panose="020B0609020204030204" pitchFamily="49" charset="0"/>
+              </a:rPr>
+              <a:t>	GPIOB-&gt;CRL |= (3&lt;&lt;24);  //pb6-output</a:t>
+            </a:r>
+          </a:p>
+          <a:p>
+            <a:pPr lvl="0">
+              <a:spcBef>
+                <a:spcPts val="1000"/>
+              </a:spcBef>
+              <a:spcAft>
+                <a:spcPts val="200"/>
+              </a:spcAft>
+            </a:pPr>
+            <a:r>
+              <a:rPr lang="en-US" sz="1200" dirty="0">
+                <a:latin typeface="Consolas" panose="020B0609020204030204" pitchFamily="49" charset="0"/>
+              </a:rPr>
+              <a:t>	GPIOB-&gt;CRL |= (3&lt;&lt;26);  //pb6-alterante open </a:t>
+            </a:r>
+            <a:r>
+              <a:rPr lang="en-US" sz="1200" dirty="0" smtClean="0">
+                <a:latin typeface="Consolas" panose="020B0609020204030204" pitchFamily="49" charset="0"/>
+              </a:rPr>
+              <a:t>drain</a:t>
+            </a:r>
+          </a:p>
+          <a:p>
+            <a:pPr lvl="0">
+              <a:spcBef>
+                <a:spcPts val="1000"/>
+              </a:spcBef>
+              <a:spcAft>
+                <a:spcPts val="200"/>
+              </a:spcAft>
+            </a:pPr>
+            <a:endParaRPr lang="en-US" sz="1200" dirty="0">
+              <a:latin typeface="Consolas" panose="020B0609020204030204" pitchFamily="49" charset="0"/>
+            </a:endParaRPr>
+          </a:p>
+          <a:p>
+            <a:pPr lvl="0">
+              <a:spcBef>
+                <a:spcPts val="1000"/>
+              </a:spcBef>
+              <a:spcAft>
+                <a:spcPts val="200"/>
+              </a:spcAft>
+            </a:pPr>
+            <a:endParaRPr lang="en-US" sz="1200" dirty="0" smtClean="0">
+              <a:latin typeface="Consolas" panose="020B0609020204030204" pitchFamily="49" charset="0"/>
+            </a:endParaRPr>
+          </a:p>
+          <a:p>
+            <a:pPr lvl="0">
+              <a:spcBef>
+                <a:spcPts val="1000"/>
+              </a:spcBef>
+              <a:spcAft>
+                <a:spcPts val="200"/>
+              </a:spcAft>
+            </a:pPr>
+            <a:endParaRPr lang="en-US" sz="1200" dirty="0">
+              <a:latin typeface="Consolas" panose="020B0609020204030204" pitchFamily="49" charset="0"/>
+            </a:endParaRPr>
+          </a:p>
+          <a:p>
+            <a:pPr lvl="0">
+              <a:spcBef>
+                <a:spcPts val="1000"/>
+              </a:spcBef>
+              <a:spcAft>
+                <a:spcPts val="200"/>
+              </a:spcAft>
+            </a:pPr>
+            <a:endParaRPr lang="en-US" sz="1200" dirty="0" smtClean="0">
+              <a:latin typeface="Consolas" panose="020B0609020204030204" pitchFamily="49" charset="0"/>
+            </a:endParaRPr>
+          </a:p>
+          <a:p>
+            <a:pPr lvl="0">
+              <a:spcBef>
+                <a:spcPts val="1000"/>
+              </a:spcBef>
+              <a:spcAft>
+                <a:spcPts val="200"/>
+              </a:spcAft>
+            </a:pPr>
+            <a:endParaRPr lang="en-US" sz="1200" dirty="0">
+              <a:latin typeface="Consolas" panose="020B0609020204030204" pitchFamily="49" charset="0"/>
+            </a:endParaRPr>
+          </a:p>
+          <a:p>
+            <a:pPr lvl="0">
+              <a:spcBef>
+                <a:spcPts val="1000"/>
+              </a:spcBef>
+              <a:spcAft>
+                <a:spcPts val="200"/>
+              </a:spcAft>
+            </a:pPr>
+            <a:r>
+              <a:rPr lang="en-US" sz="1200" dirty="0">
+                <a:latin typeface="Consolas" panose="020B0609020204030204" pitchFamily="49" charset="0"/>
+              </a:rPr>
+              <a:t>	//</a:t>
+            </a:r>
+            <a:r>
+              <a:rPr lang="en-US" sz="1200" dirty="0" err="1">
+                <a:latin typeface="Consolas" panose="020B0609020204030204" pitchFamily="49" charset="0"/>
+              </a:rPr>
+              <a:t>sda</a:t>
+            </a:r>
+            <a:endParaRPr lang="en-US" sz="1200" dirty="0">
+              <a:latin typeface="Consolas" panose="020B0609020204030204" pitchFamily="49" charset="0"/>
+            </a:endParaRPr>
+          </a:p>
+          <a:p>
+            <a:pPr lvl="0">
+              <a:spcBef>
+                <a:spcPts val="1000"/>
+              </a:spcBef>
+              <a:spcAft>
+                <a:spcPts val="200"/>
+              </a:spcAft>
+            </a:pPr>
+            <a:r>
+              <a:rPr lang="en-US" sz="1200" dirty="0">
+                <a:latin typeface="Consolas" panose="020B0609020204030204" pitchFamily="49" charset="0"/>
+              </a:rPr>
+              <a:t>	GPIOB-&gt;CRL |= (3&lt;&lt;28);  //pb7-output</a:t>
+            </a:r>
+          </a:p>
+          <a:p>
+            <a:pPr lvl="0">
+              <a:spcBef>
+                <a:spcPts val="1000"/>
+              </a:spcBef>
+              <a:spcAft>
+                <a:spcPts val="200"/>
+              </a:spcAft>
+            </a:pPr>
+            <a:r>
+              <a:rPr lang="en-US" sz="1200" dirty="0">
+                <a:latin typeface="Consolas" panose="020B0609020204030204" pitchFamily="49" charset="0"/>
+              </a:rPr>
+              <a:t>	GPIOB-&gt;CRL |= (3&lt;&lt;30);  //pb7-alterante open drain</a:t>
+            </a:r>
+          </a:p>
+          <a:p>
+            <a:pPr lvl="0">
+              <a:spcBef>
+                <a:spcPts val="1000"/>
+              </a:spcBef>
+              <a:spcAft>
+                <a:spcPts val="200"/>
+              </a:spcAft>
+            </a:pPr>
+            <a:r>
+              <a:rPr lang="en-US" sz="1200" dirty="0">
+                <a:latin typeface="Consolas" panose="020B0609020204030204" pitchFamily="49" charset="0"/>
+              </a:rPr>
+              <a:t>	</a:t>
+            </a:r>
+          </a:p>
+          <a:p>
+            <a:pPr lvl="0">
+              <a:spcBef>
+                <a:spcPts val="1000"/>
+              </a:spcBef>
+              <a:spcAft>
+                <a:spcPts val="200"/>
+              </a:spcAft>
+            </a:pPr>
+            <a:r>
+              <a:rPr lang="en-US" sz="1200" dirty="0" smtClean="0">
+                <a:latin typeface="Consolas" panose="020B0609020204030204" pitchFamily="49" charset="0"/>
+              </a:rPr>
+              <a:t>}</a:t>
+            </a:r>
+            <a:endParaRPr lang="en-US" sz="1200" dirty="0">
+              <a:latin typeface="Consolas" panose="020B0609020204030204" pitchFamily="49" charset="0"/>
+            </a:endParaRPr>
+          </a:p>
+          <a:p>
+            <a:pPr lvl="0">
+              <a:spcBef>
+                <a:spcPts val="1000"/>
+              </a:spcBef>
+              <a:spcAft>
+                <a:spcPts val="200"/>
+              </a:spcAft>
+            </a:pPr>
+            <a:r>
+              <a:rPr lang="en-US" sz="1200" dirty="0">
+                <a:latin typeface="Consolas" panose="020B0609020204030204" pitchFamily="49" charset="0"/>
+              </a:rPr>
+              <a:t>void i2c_init(void)</a:t>
+            </a:r>
+          </a:p>
+          <a:p>
+            <a:pPr lvl="0">
+              <a:spcBef>
+                <a:spcPts val="1000"/>
+              </a:spcBef>
+              <a:spcAft>
+                <a:spcPts val="200"/>
+              </a:spcAft>
+            </a:pPr>
+            <a:r>
+              <a:rPr lang="en-US" sz="1200" dirty="0">
+                <a:latin typeface="Consolas" panose="020B0609020204030204" pitchFamily="49" charset="0"/>
+              </a:rPr>
+              <a:t>{</a:t>
+            </a:r>
+          </a:p>
+          <a:p>
+            <a:pPr lvl="0">
+              <a:spcBef>
+                <a:spcPts val="1000"/>
+              </a:spcBef>
+              <a:spcAft>
+                <a:spcPts val="200"/>
+              </a:spcAft>
+            </a:pPr>
+            <a:r>
+              <a:rPr lang="en-US" sz="1200" dirty="0">
+                <a:latin typeface="Consolas" panose="020B0609020204030204" pitchFamily="49" charset="0"/>
+              </a:rPr>
+              <a:t>	//i2c master mode</a:t>
+            </a:r>
+          </a:p>
+          <a:p>
+            <a:pPr lvl="0">
+              <a:spcBef>
+                <a:spcPts val="1000"/>
+              </a:spcBef>
+              <a:spcAft>
+                <a:spcPts val="200"/>
+              </a:spcAft>
+            </a:pPr>
+            <a:r>
+              <a:rPr lang="en-US" sz="1200" dirty="0">
+                <a:latin typeface="Consolas" panose="020B0609020204030204" pitchFamily="49" charset="0"/>
+              </a:rPr>
+              <a:t>	I2C1-&gt;CR1 &amp;=0x0000;</a:t>
+            </a:r>
+          </a:p>
+          <a:p>
+            <a:pPr lvl="0">
+              <a:spcBef>
+                <a:spcPts val="1000"/>
+              </a:spcBef>
+              <a:spcAft>
+                <a:spcPts val="200"/>
+              </a:spcAft>
+            </a:pPr>
+            <a:r>
+              <a:rPr lang="en-US" sz="1200" dirty="0">
+                <a:latin typeface="Consolas" panose="020B0609020204030204" pitchFamily="49" charset="0"/>
+              </a:rPr>
+              <a:t>	I2C1-&gt;CR2 &amp;=0x0000</a:t>
+            </a:r>
+            <a:r>
+              <a:rPr lang="en-US" sz="1200" dirty="0" smtClean="0">
+                <a:latin typeface="Consolas" panose="020B0609020204030204" pitchFamily="49" charset="0"/>
+              </a:rPr>
+              <a:t>;</a:t>
+            </a:r>
+            <a:r>
+              <a:rPr lang="en-US" sz="1200" dirty="0">
+                <a:latin typeface="Consolas" panose="020B0609020204030204" pitchFamily="49" charset="0"/>
+              </a:rPr>
+              <a:t>	</a:t>
+            </a:r>
+          </a:p>
+          <a:p>
+            <a:pPr lvl="0">
+              <a:spcBef>
+                <a:spcPts val="1000"/>
+              </a:spcBef>
+              <a:spcAft>
+                <a:spcPts val="200"/>
+              </a:spcAft>
+            </a:pPr>
+            <a:r>
+              <a:rPr lang="en-US" sz="1200" dirty="0">
+                <a:latin typeface="Consolas" panose="020B0609020204030204" pitchFamily="49" charset="0"/>
+              </a:rPr>
+              <a:t>	I2C1-&gt;CR1 |= (1&lt;&lt;10);  //</a:t>
+            </a:r>
+            <a:r>
+              <a:rPr lang="en-US" sz="1200" dirty="0" err="1">
+                <a:latin typeface="Consolas" panose="020B0609020204030204" pitchFamily="49" charset="0"/>
+              </a:rPr>
+              <a:t>ack</a:t>
+            </a:r>
+            <a:r>
+              <a:rPr lang="en-US" sz="1200" dirty="0">
+                <a:latin typeface="Consolas" panose="020B0609020204030204" pitchFamily="49" charset="0"/>
+              </a:rPr>
+              <a:t> enable	</a:t>
+            </a:r>
+          </a:p>
+          <a:p>
+            <a:pPr lvl="0">
+              <a:spcBef>
+                <a:spcPts val="1000"/>
+              </a:spcBef>
+              <a:spcAft>
+                <a:spcPts val="200"/>
+              </a:spcAft>
+            </a:pPr>
+            <a:r>
+              <a:rPr lang="en-US" sz="1200" dirty="0">
+                <a:latin typeface="Consolas" panose="020B0609020204030204" pitchFamily="49" charset="0"/>
+              </a:rPr>
+              <a:t>	I2C1-&gt;CR2 |= 8&lt;&lt;0;  //</a:t>
+            </a:r>
+            <a:r>
+              <a:rPr lang="en-US" sz="1200" dirty="0" err="1">
+                <a:latin typeface="Consolas" panose="020B0609020204030204" pitchFamily="49" charset="0"/>
+              </a:rPr>
+              <a:t>freq</a:t>
+            </a:r>
+            <a:r>
+              <a:rPr lang="en-US" sz="1200" dirty="0">
+                <a:latin typeface="Consolas" panose="020B0609020204030204" pitchFamily="49" charset="0"/>
+              </a:rPr>
+              <a:t> :8mhz	</a:t>
+            </a:r>
+          </a:p>
+          <a:p>
+            <a:pPr lvl="0">
+              <a:spcBef>
+                <a:spcPts val="1000"/>
+              </a:spcBef>
+              <a:spcAft>
+                <a:spcPts val="200"/>
+              </a:spcAft>
+            </a:pPr>
+            <a:r>
+              <a:rPr lang="en-US" sz="1200" dirty="0">
+                <a:latin typeface="Consolas" panose="020B0609020204030204" pitchFamily="49" charset="0"/>
+              </a:rPr>
+              <a:t>	I2C1-&gt;CCR =0x28;  //100khz	</a:t>
+            </a:r>
+          </a:p>
+          <a:p>
+            <a:pPr lvl="0">
+              <a:spcBef>
+                <a:spcPts val="1000"/>
+              </a:spcBef>
+              <a:spcAft>
+                <a:spcPts val="200"/>
+              </a:spcAft>
+            </a:pPr>
+            <a:r>
+              <a:rPr lang="en-US" sz="1200" dirty="0">
+                <a:latin typeface="Consolas" panose="020B0609020204030204" pitchFamily="49" charset="0"/>
+              </a:rPr>
+              <a:t>	I2C1-&gt;TRISE &amp;=0x0000;</a:t>
+            </a:r>
+          </a:p>
+          <a:p>
+            <a:pPr lvl="0">
+              <a:spcBef>
+                <a:spcPts val="1000"/>
+              </a:spcBef>
+              <a:spcAft>
+                <a:spcPts val="200"/>
+              </a:spcAft>
+            </a:pPr>
+            <a:r>
+              <a:rPr lang="en-US" sz="1200" dirty="0">
+                <a:latin typeface="Consolas" panose="020B0609020204030204" pitchFamily="49" charset="0"/>
+              </a:rPr>
+              <a:t>	I2C1-&gt;TRISE |=9;  //</a:t>
+            </a:r>
+            <a:r>
+              <a:rPr lang="en-US" sz="1200" dirty="0" err="1">
+                <a:latin typeface="Consolas" panose="020B0609020204030204" pitchFamily="49" charset="0"/>
+              </a:rPr>
+              <a:t>scal</a:t>
+            </a:r>
+            <a:r>
+              <a:rPr lang="en-US" sz="1200" dirty="0">
+                <a:latin typeface="Consolas" panose="020B0609020204030204" pitchFamily="49" charset="0"/>
+              </a:rPr>
+              <a:t> rise time </a:t>
+            </a:r>
+            <a:r>
+              <a:rPr lang="en-US" sz="1200" dirty="0" err="1">
+                <a:latin typeface="Consolas" panose="020B0609020204030204" pitchFamily="49" charset="0"/>
+              </a:rPr>
+              <a:t>config</a:t>
+            </a:r>
+            <a:r>
+              <a:rPr lang="en-US" sz="1200" dirty="0">
+                <a:latin typeface="Consolas" panose="020B0609020204030204" pitchFamily="49" charset="0"/>
+              </a:rPr>
+              <a:t>	</a:t>
+            </a:r>
+          </a:p>
+          <a:p>
+            <a:pPr lvl="0">
+              <a:spcBef>
+                <a:spcPts val="1000"/>
+              </a:spcBef>
+              <a:spcAft>
+                <a:spcPts val="200"/>
+              </a:spcAft>
+            </a:pPr>
+            <a:r>
+              <a:rPr lang="en-US" sz="1200" dirty="0">
+                <a:latin typeface="Consolas" panose="020B0609020204030204" pitchFamily="49" charset="0"/>
+              </a:rPr>
+              <a:t>	I2C1-&gt;CR1 |= (1&lt;&lt;0); //i2c peripheral enable</a:t>
+            </a:r>
+          </a:p>
+          <a:p>
+            <a:pPr lvl="0">
+              <a:spcBef>
+                <a:spcPts val="1000"/>
+              </a:spcBef>
+              <a:spcAft>
+                <a:spcPts val="200"/>
+              </a:spcAft>
+            </a:pPr>
+            <a:r>
+              <a:rPr lang="en-US" sz="1200" dirty="0">
+                <a:latin typeface="Consolas" panose="020B0609020204030204" pitchFamily="49" charset="0"/>
+              </a:rPr>
+              <a:t>}</a:t>
+            </a:r>
+          </a:p>
+          <a:p>
+            <a:pPr lvl="0">
+              <a:spcBef>
+                <a:spcPts val="1000"/>
+              </a:spcBef>
+              <a:spcAft>
+                <a:spcPts val="200"/>
+              </a:spcAft>
+            </a:pPr>
+            <a:endParaRPr lang="en-US" sz="1200" dirty="0">
+              <a:latin typeface="Consolas" panose="020B0609020204030204" pitchFamily="49" charset="0"/>
+            </a:endParaRPr>
+          </a:p>
+          <a:p>
+            <a:pPr lvl="0">
+              <a:spcBef>
+                <a:spcPts val="1000"/>
+              </a:spcBef>
+              <a:spcAft>
+                <a:spcPts val="200"/>
+              </a:spcAft>
+            </a:pPr>
+            <a:endParaRPr lang="en-US" sz="1200" dirty="0">
+              <a:latin typeface="Consolas" panose="020B0609020204030204" pitchFamily="49" charset="0"/>
+            </a:endParaRPr>
           </a:p>
         </p:txBody>
       </p:sp>
@@ -5340,6 +8305,1158 @@
     <p:extLst>
       <p:ext uri="{BB962C8B-B14F-4D97-AF65-F5344CB8AC3E}">
         <p14:creationId xmlns:p14="http://schemas.microsoft.com/office/powerpoint/2010/main" val="3292730531"/>
+      </p:ext>
+    </p:extLst>
+  </p:cSld>
+  <p:clrMapOvr>
+    <a:masterClrMapping/>
+  </p:clrMapOvr>
+  <p:timing>
+    <p:tnLst>
+      <p:par>
+        <p:cTn id="1" dur="indefinite" restart="never" nodeType="tmRoot"/>
+      </p:par>
+    </p:tnLst>
+  </p:timing>
+</p:sld>
+</file>
+
+<file path=ppt/slides/slide20.xml><?xml version="1.0" encoding="utf-8"?>
+<p:sld xmlns:a="http://schemas.openxmlformats.org/drawingml/2006/main" xmlns:r="http://schemas.openxmlformats.org/officeDocument/2006/relationships" xmlns:p="http://schemas.openxmlformats.org/presentationml/2006/main">
+  <p:cSld>
+    <p:spTree>
+      <p:nvGrpSpPr>
+        <p:cNvPr id="1" name=""/>
+        <p:cNvGrpSpPr/>
+        <p:nvPr/>
+      </p:nvGrpSpPr>
+      <p:grpSpPr>
+        <a:xfrm>
+          <a:off x="0" y="0"/>
+          <a:ext cx="0" cy="0"/>
+          <a:chOff x="0" y="0"/>
+          <a:chExt cx="0" cy="0"/>
+        </a:xfrm>
+      </p:grpSpPr>
+      <p:pic>
+        <p:nvPicPr>
+          <p:cNvPr id="2" name="Picture 2" descr="Azetech Solutions | LinkedIn"/>
+          <p:cNvPicPr>
+            <a:picLocks noChangeAspect="1" noChangeArrowheads="1"/>
+          </p:cNvPicPr>
+          <p:nvPr/>
+        </p:nvPicPr>
+        <p:blipFill>
+          <a:blip r:embed="rId2" cstate="print">
+            <a:extLst>
+              <a:ext uri="{28A0092B-C50C-407E-A947-70E740481C1C}">
+                <a14:useLocalDpi xmlns:a14="http://schemas.microsoft.com/office/drawing/2010/main" val="0"/>
+              </a:ext>
+            </a:extLst>
+          </a:blip>
+          <a:srcRect/>
+          <a:stretch>
+            <a:fillRect/>
+          </a:stretch>
+        </p:blipFill>
+        <p:spPr bwMode="auto">
+          <a:xfrm>
+            <a:off x="11456223" y="129648"/>
+            <a:ext cx="536848" cy="536848"/>
+          </a:xfrm>
+          <a:prstGeom prst="rect">
+            <a:avLst/>
+          </a:prstGeom>
+          <a:noFill/>
+          <a:extLst>
+            <a:ext uri="{909E8E84-426E-40DD-AFC4-6F175D3DCCD1}">
+              <a14:hiddenFill xmlns:a14="http://schemas.microsoft.com/office/drawing/2010/main">
+                <a:solidFill>
+                  <a:srgbClr val="FFFFFF"/>
+                </a:solidFill>
+              </a14:hiddenFill>
+            </a:ext>
+          </a:extLst>
+        </p:spPr>
+      </p:pic>
+      <p:sp>
+        <p:nvSpPr>
+          <p:cNvPr id="3" name="Footer Placeholder 2"/>
+          <p:cNvSpPr>
+            <a:spLocks noGrp="1"/>
+          </p:cNvSpPr>
+          <p:nvPr>
+            <p:ph type="ftr" sz="quarter" idx="11"/>
+          </p:nvPr>
+        </p:nvSpPr>
+        <p:spPr/>
+        <p:txBody>
+          <a:bodyPr/>
+          <a:lstStyle/>
+          <a:p>
+            <a:r>
+              <a:rPr lang="en-US" smtClean="0"/>
+              <a:t>Azetech Solution, Coimbatore</a:t>
+            </a:r>
+            <a:endParaRPr lang="en-US"/>
+          </a:p>
+        </p:txBody>
+      </p:sp>
+      <p:sp>
+        <p:nvSpPr>
+          <p:cNvPr id="6" name="TextBox 5"/>
+          <p:cNvSpPr txBox="1"/>
+          <p:nvPr/>
+        </p:nvSpPr>
+        <p:spPr>
+          <a:xfrm>
+            <a:off x="494270" y="398072"/>
+            <a:ext cx="11108300" cy="5811847"/>
+          </a:xfrm>
+          <a:prstGeom prst="rect">
+            <a:avLst/>
+          </a:prstGeom>
+          <a:noFill/>
+        </p:spPr>
+        <p:txBody>
+          <a:bodyPr wrap="square" numCol="2" rtlCol="0">
+            <a:spAutoFit/>
+          </a:bodyPr>
+          <a:lstStyle/>
+          <a:p>
+            <a:pPr lvl="0">
+              <a:spcBef>
+                <a:spcPts val="1000"/>
+              </a:spcBef>
+              <a:spcAft>
+                <a:spcPts val="200"/>
+              </a:spcAft>
+            </a:pPr>
+            <a:r>
+              <a:rPr lang="en-US" sz="1600" dirty="0">
+                <a:latin typeface="Consolas" panose="020B0609020204030204" pitchFamily="49" charset="0"/>
+              </a:rPr>
+              <a:t>void i2c_start()</a:t>
+            </a:r>
+          </a:p>
+          <a:p>
+            <a:pPr lvl="0">
+              <a:spcBef>
+                <a:spcPts val="1000"/>
+              </a:spcBef>
+              <a:spcAft>
+                <a:spcPts val="200"/>
+              </a:spcAft>
+            </a:pPr>
+            <a:r>
+              <a:rPr lang="en-US" sz="1600" dirty="0">
+                <a:latin typeface="Consolas" panose="020B0609020204030204" pitchFamily="49" charset="0"/>
+              </a:rPr>
+              <a:t>{</a:t>
+            </a:r>
+          </a:p>
+          <a:p>
+            <a:pPr lvl="0">
+              <a:spcBef>
+                <a:spcPts val="1000"/>
+              </a:spcBef>
+              <a:spcAft>
+                <a:spcPts val="200"/>
+              </a:spcAft>
+            </a:pPr>
+            <a:r>
+              <a:rPr lang="en-US" sz="1600" dirty="0">
+                <a:latin typeface="Consolas" panose="020B0609020204030204" pitchFamily="49" charset="0"/>
+              </a:rPr>
+              <a:t>	//1.i2c start</a:t>
+            </a:r>
+          </a:p>
+          <a:p>
+            <a:pPr lvl="0">
+              <a:spcBef>
+                <a:spcPts val="1000"/>
+              </a:spcBef>
+              <a:spcAft>
+                <a:spcPts val="200"/>
+              </a:spcAft>
+            </a:pPr>
+            <a:r>
+              <a:rPr lang="en-US" sz="1600" dirty="0">
+                <a:latin typeface="Consolas" panose="020B0609020204030204" pitchFamily="49" charset="0"/>
+              </a:rPr>
+              <a:t>	I2C1-&gt;CR1 |= (1&lt;&lt;8); 	</a:t>
+            </a:r>
+          </a:p>
+          <a:p>
+            <a:pPr lvl="0">
+              <a:spcBef>
+                <a:spcPts val="1000"/>
+              </a:spcBef>
+              <a:spcAft>
+                <a:spcPts val="200"/>
+              </a:spcAft>
+            </a:pPr>
+            <a:r>
+              <a:rPr lang="en-US" sz="1600" dirty="0">
+                <a:latin typeface="Consolas" panose="020B0609020204030204" pitchFamily="49" charset="0"/>
+              </a:rPr>
+              <a:t>	while( ! (I2C1-&gt;SR1 &amp; (1&lt;&lt;0)));</a:t>
+            </a:r>
+          </a:p>
+          <a:p>
+            <a:pPr lvl="0">
+              <a:spcBef>
+                <a:spcPts val="1000"/>
+              </a:spcBef>
+              <a:spcAft>
+                <a:spcPts val="200"/>
+              </a:spcAft>
+            </a:pPr>
+            <a:r>
+              <a:rPr lang="en-US" sz="1600" dirty="0">
+                <a:latin typeface="Consolas" panose="020B0609020204030204" pitchFamily="49" charset="0"/>
+              </a:rPr>
+              <a:t>	</a:t>
+            </a:r>
+            <a:r>
+              <a:rPr lang="en-US" sz="1600" dirty="0" err="1">
+                <a:latin typeface="Consolas" panose="020B0609020204030204" pitchFamily="49" charset="0"/>
+              </a:rPr>
+              <a:t>dummy_read</a:t>
+            </a:r>
+            <a:r>
+              <a:rPr lang="en-US" sz="1600" dirty="0">
+                <a:latin typeface="Consolas" panose="020B0609020204030204" pitchFamily="49" charset="0"/>
+              </a:rPr>
+              <a:t>=I2C1-&gt;SR1;</a:t>
+            </a:r>
+          </a:p>
+          <a:p>
+            <a:pPr lvl="0">
+              <a:spcBef>
+                <a:spcPts val="1000"/>
+              </a:spcBef>
+              <a:spcAft>
+                <a:spcPts val="200"/>
+              </a:spcAft>
+            </a:pPr>
+            <a:r>
+              <a:rPr lang="en-US" sz="1600" dirty="0">
+                <a:latin typeface="Consolas" panose="020B0609020204030204" pitchFamily="49" charset="0"/>
+              </a:rPr>
+              <a:t>	(void)</a:t>
+            </a:r>
+            <a:r>
+              <a:rPr lang="en-US" sz="1600" dirty="0" err="1">
+                <a:latin typeface="Consolas" panose="020B0609020204030204" pitchFamily="49" charset="0"/>
+              </a:rPr>
+              <a:t>dummy_read</a:t>
+            </a:r>
+            <a:r>
+              <a:rPr lang="en-US" sz="1600" dirty="0">
+                <a:latin typeface="Consolas" panose="020B0609020204030204" pitchFamily="49" charset="0"/>
+              </a:rPr>
+              <a:t>;</a:t>
+            </a:r>
+          </a:p>
+          <a:p>
+            <a:pPr lvl="0">
+              <a:spcBef>
+                <a:spcPts val="1000"/>
+              </a:spcBef>
+              <a:spcAft>
+                <a:spcPts val="200"/>
+              </a:spcAft>
+            </a:pPr>
+            <a:r>
+              <a:rPr lang="en-US" sz="1600" dirty="0">
+                <a:latin typeface="Consolas" panose="020B0609020204030204" pitchFamily="49" charset="0"/>
+              </a:rPr>
+              <a:t>	</a:t>
+            </a:r>
+          </a:p>
+          <a:p>
+            <a:pPr lvl="0">
+              <a:spcBef>
+                <a:spcPts val="1000"/>
+              </a:spcBef>
+              <a:spcAft>
+                <a:spcPts val="200"/>
+              </a:spcAft>
+            </a:pPr>
+            <a:r>
+              <a:rPr lang="en-US" sz="1600" dirty="0">
+                <a:latin typeface="Consolas" panose="020B0609020204030204" pitchFamily="49" charset="0"/>
+              </a:rPr>
+              <a:t>}</a:t>
+            </a:r>
+          </a:p>
+          <a:p>
+            <a:pPr lvl="0">
+              <a:spcBef>
+                <a:spcPts val="1000"/>
+              </a:spcBef>
+              <a:spcAft>
+                <a:spcPts val="200"/>
+              </a:spcAft>
+            </a:pPr>
+            <a:endParaRPr lang="en-US" sz="1600" dirty="0">
+              <a:latin typeface="Consolas" panose="020B0609020204030204" pitchFamily="49" charset="0"/>
+            </a:endParaRPr>
+          </a:p>
+          <a:p>
+            <a:pPr lvl="0">
+              <a:spcBef>
+                <a:spcPts val="1000"/>
+              </a:spcBef>
+              <a:spcAft>
+                <a:spcPts val="200"/>
+              </a:spcAft>
+            </a:pPr>
+            <a:r>
+              <a:rPr lang="en-US" sz="1600" dirty="0">
+                <a:latin typeface="Consolas" panose="020B0609020204030204" pitchFamily="49" charset="0"/>
+              </a:rPr>
+              <a:t>void i2c_slave_address(unsigned char data)</a:t>
+            </a:r>
+          </a:p>
+          <a:p>
+            <a:pPr lvl="0">
+              <a:spcBef>
+                <a:spcPts val="1000"/>
+              </a:spcBef>
+              <a:spcAft>
+                <a:spcPts val="200"/>
+              </a:spcAft>
+            </a:pPr>
+            <a:r>
+              <a:rPr lang="en-US" sz="1600" dirty="0">
+                <a:latin typeface="Consolas" panose="020B0609020204030204" pitchFamily="49" charset="0"/>
+              </a:rPr>
+              <a:t>{</a:t>
+            </a:r>
+          </a:p>
+          <a:p>
+            <a:pPr lvl="0">
+              <a:spcBef>
+                <a:spcPts val="1000"/>
+              </a:spcBef>
+              <a:spcAft>
+                <a:spcPts val="200"/>
+              </a:spcAft>
+            </a:pPr>
+            <a:r>
+              <a:rPr lang="en-US" sz="1600" dirty="0">
+                <a:latin typeface="Consolas" panose="020B0609020204030204" pitchFamily="49" charset="0"/>
+              </a:rPr>
+              <a:t>	//2.i2c slave </a:t>
+            </a:r>
+            <a:r>
+              <a:rPr lang="en-US" sz="1600" dirty="0" err="1">
+                <a:latin typeface="Consolas" panose="020B0609020204030204" pitchFamily="49" charset="0"/>
+              </a:rPr>
+              <a:t>address+write</a:t>
+            </a:r>
+            <a:endParaRPr lang="en-US" sz="1600" dirty="0">
+              <a:latin typeface="Consolas" panose="020B0609020204030204" pitchFamily="49" charset="0"/>
+            </a:endParaRPr>
+          </a:p>
+          <a:p>
+            <a:pPr lvl="0">
+              <a:spcBef>
+                <a:spcPts val="1000"/>
+              </a:spcBef>
+              <a:spcAft>
+                <a:spcPts val="200"/>
+              </a:spcAft>
+            </a:pPr>
+            <a:r>
+              <a:rPr lang="en-US" sz="1600" dirty="0">
+                <a:latin typeface="Consolas" panose="020B0609020204030204" pitchFamily="49" charset="0"/>
+              </a:rPr>
+              <a:t>	I2C1-&gt;DR = data;//delay();		</a:t>
+            </a:r>
+          </a:p>
+          <a:p>
+            <a:pPr lvl="0">
+              <a:spcBef>
+                <a:spcPts val="1000"/>
+              </a:spcBef>
+              <a:spcAft>
+                <a:spcPts val="200"/>
+              </a:spcAft>
+            </a:pPr>
+            <a:r>
+              <a:rPr lang="en-US" sz="1600" dirty="0">
+                <a:latin typeface="Consolas" panose="020B0609020204030204" pitchFamily="49" charset="0"/>
+              </a:rPr>
+              <a:t>	i2c_clearAddr();</a:t>
+            </a:r>
+          </a:p>
+          <a:p>
+            <a:pPr lvl="0">
+              <a:spcBef>
+                <a:spcPts val="1000"/>
+              </a:spcBef>
+              <a:spcAft>
+                <a:spcPts val="200"/>
+              </a:spcAft>
+            </a:pPr>
+            <a:r>
+              <a:rPr lang="en-US" sz="1600" dirty="0">
+                <a:latin typeface="Consolas" panose="020B0609020204030204" pitchFamily="49" charset="0"/>
+              </a:rPr>
+              <a:t>}</a:t>
+            </a:r>
+          </a:p>
+          <a:p>
+            <a:pPr lvl="0">
+              <a:spcBef>
+                <a:spcPts val="1000"/>
+              </a:spcBef>
+              <a:spcAft>
+                <a:spcPts val="200"/>
+              </a:spcAft>
+            </a:pPr>
+            <a:endParaRPr lang="en-US" sz="1600" dirty="0">
+              <a:latin typeface="Consolas" panose="020B0609020204030204" pitchFamily="49" charset="0"/>
+            </a:endParaRPr>
+          </a:p>
+          <a:p>
+            <a:pPr lvl="0">
+              <a:spcBef>
+                <a:spcPts val="1000"/>
+              </a:spcBef>
+              <a:spcAft>
+                <a:spcPts val="200"/>
+              </a:spcAft>
+            </a:pPr>
+            <a:r>
+              <a:rPr lang="en-US" sz="1600" dirty="0">
+                <a:latin typeface="Consolas" panose="020B0609020204030204" pitchFamily="49" charset="0"/>
+              </a:rPr>
+              <a:t>void i2c_clearAddr()</a:t>
+            </a:r>
+          </a:p>
+          <a:p>
+            <a:pPr lvl="0">
+              <a:spcBef>
+                <a:spcPts val="1000"/>
+              </a:spcBef>
+              <a:spcAft>
+                <a:spcPts val="200"/>
+              </a:spcAft>
+            </a:pPr>
+            <a:r>
+              <a:rPr lang="en-US" sz="1600" dirty="0">
+                <a:latin typeface="Consolas" panose="020B0609020204030204" pitchFamily="49" charset="0"/>
+              </a:rPr>
+              <a:t>{		</a:t>
+            </a:r>
+          </a:p>
+          <a:p>
+            <a:pPr lvl="0">
+              <a:spcBef>
+                <a:spcPts val="1000"/>
+              </a:spcBef>
+              <a:spcAft>
+                <a:spcPts val="200"/>
+              </a:spcAft>
+            </a:pPr>
+            <a:r>
+              <a:rPr lang="en-US" sz="1600" dirty="0">
+                <a:latin typeface="Consolas" panose="020B0609020204030204" pitchFamily="49" charset="0"/>
+              </a:rPr>
+              <a:t>	//2.a) check </a:t>
+            </a:r>
+            <a:r>
+              <a:rPr lang="en-US" sz="1600" dirty="0" err="1">
+                <a:latin typeface="Consolas" panose="020B0609020204030204" pitchFamily="49" charset="0"/>
+              </a:rPr>
+              <a:t>addr</a:t>
+            </a:r>
+            <a:r>
+              <a:rPr lang="en-US" sz="1600" dirty="0">
+                <a:latin typeface="Consolas" panose="020B0609020204030204" pitchFamily="49" charset="0"/>
+              </a:rPr>
+              <a:t> clear</a:t>
+            </a:r>
+          </a:p>
+          <a:p>
+            <a:pPr lvl="0">
+              <a:spcBef>
+                <a:spcPts val="1000"/>
+              </a:spcBef>
+              <a:spcAft>
+                <a:spcPts val="200"/>
+              </a:spcAft>
+            </a:pPr>
+            <a:r>
+              <a:rPr lang="en-US" sz="1600" dirty="0">
+                <a:latin typeface="Consolas" panose="020B0609020204030204" pitchFamily="49" charset="0"/>
+              </a:rPr>
+              <a:t>	while( ! (I2C1-&gt;SR1 &amp; (1&lt;&lt;1)));</a:t>
+            </a:r>
+          </a:p>
+          <a:p>
+            <a:pPr lvl="0">
+              <a:spcBef>
+                <a:spcPts val="1000"/>
+              </a:spcBef>
+              <a:spcAft>
+                <a:spcPts val="200"/>
+              </a:spcAft>
+            </a:pPr>
+            <a:r>
+              <a:rPr lang="en-US" sz="1600" dirty="0">
+                <a:latin typeface="Consolas" panose="020B0609020204030204" pitchFamily="49" charset="0"/>
+              </a:rPr>
+              <a:t>	</a:t>
+            </a:r>
+            <a:r>
+              <a:rPr lang="en-US" sz="1600" dirty="0" err="1">
+                <a:latin typeface="Consolas" panose="020B0609020204030204" pitchFamily="49" charset="0"/>
+              </a:rPr>
+              <a:t>dummy_read</a:t>
+            </a:r>
+            <a:r>
+              <a:rPr lang="en-US" sz="1600" dirty="0">
+                <a:latin typeface="Consolas" panose="020B0609020204030204" pitchFamily="49" charset="0"/>
+              </a:rPr>
+              <a:t>=I2C1-&gt;SR1;</a:t>
+            </a:r>
+          </a:p>
+          <a:p>
+            <a:pPr lvl="0">
+              <a:spcBef>
+                <a:spcPts val="1000"/>
+              </a:spcBef>
+              <a:spcAft>
+                <a:spcPts val="200"/>
+              </a:spcAft>
+            </a:pPr>
+            <a:r>
+              <a:rPr lang="en-US" sz="1600" dirty="0">
+                <a:latin typeface="Consolas" panose="020B0609020204030204" pitchFamily="49" charset="0"/>
+              </a:rPr>
+              <a:t>	</a:t>
+            </a:r>
+            <a:r>
+              <a:rPr lang="en-US" sz="1600" dirty="0" err="1">
+                <a:latin typeface="Consolas" panose="020B0609020204030204" pitchFamily="49" charset="0"/>
+              </a:rPr>
+              <a:t>dummy_read</a:t>
+            </a:r>
+            <a:r>
+              <a:rPr lang="en-US" sz="1600" dirty="0">
+                <a:latin typeface="Consolas" panose="020B0609020204030204" pitchFamily="49" charset="0"/>
+              </a:rPr>
+              <a:t>=I2C1-&gt;SR2;</a:t>
+            </a:r>
+          </a:p>
+          <a:p>
+            <a:pPr lvl="0">
+              <a:spcBef>
+                <a:spcPts val="1000"/>
+              </a:spcBef>
+              <a:spcAft>
+                <a:spcPts val="200"/>
+              </a:spcAft>
+            </a:pPr>
+            <a:r>
+              <a:rPr lang="en-US" sz="1600" dirty="0">
+                <a:latin typeface="Consolas" panose="020B0609020204030204" pitchFamily="49" charset="0"/>
+              </a:rPr>
+              <a:t>	(void)</a:t>
+            </a:r>
+            <a:r>
+              <a:rPr lang="en-US" sz="1600" dirty="0" err="1">
+                <a:latin typeface="Consolas" panose="020B0609020204030204" pitchFamily="49" charset="0"/>
+              </a:rPr>
+              <a:t>dummy_read</a:t>
+            </a:r>
+            <a:r>
+              <a:rPr lang="en-US" sz="1600" dirty="0">
+                <a:latin typeface="Consolas" panose="020B0609020204030204" pitchFamily="49" charset="0"/>
+              </a:rPr>
+              <a:t>;</a:t>
+            </a:r>
+          </a:p>
+          <a:p>
+            <a:pPr lvl="0">
+              <a:spcBef>
+                <a:spcPts val="1000"/>
+              </a:spcBef>
+              <a:spcAft>
+                <a:spcPts val="200"/>
+              </a:spcAft>
+            </a:pPr>
+            <a:r>
+              <a:rPr lang="en-US" sz="1600" dirty="0">
+                <a:latin typeface="Consolas" panose="020B0609020204030204" pitchFamily="49" charset="0"/>
+              </a:rPr>
+              <a:t>	</a:t>
+            </a:r>
+          </a:p>
+          <a:p>
+            <a:pPr lvl="0">
+              <a:spcBef>
+                <a:spcPts val="1000"/>
+              </a:spcBef>
+              <a:spcAft>
+                <a:spcPts val="200"/>
+              </a:spcAft>
+            </a:pPr>
+            <a:r>
+              <a:rPr lang="en-US" sz="1600" dirty="0">
+                <a:latin typeface="Consolas" panose="020B0609020204030204" pitchFamily="49" charset="0"/>
+              </a:rPr>
+              <a:t>}</a:t>
+            </a:r>
+          </a:p>
+          <a:p>
+            <a:pPr lvl="0">
+              <a:spcBef>
+                <a:spcPts val="1000"/>
+              </a:spcBef>
+              <a:spcAft>
+                <a:spcPts val="200"/>
+              </a:spcAft>
+            </a:pPr>
+            <a:endParaRPr lang="en-US" sz="1600" dirty="0">
+              <a:latin typeface="Consolas" panose="020B0609020204030204" pitchFamily="49" charset="0"/>
+            </a:endParaRPr>
+          </a:p>
+        </p:txBody>
+      </p:sp>
+    </p:spTree>
+    <p:extLst>
+      <p:ext uri="{BB962C8B-B14F-4D97-AF65-F5344CB8AC3E}">
+        <p14:creationId xmlns:p14="http://schemas.microsoft.com/office/powerpoint/2010/main" val="3269563531"/>
+      </p:ext>
+    </p:extLst>
+  </p:cSld>
+  <p:clrMapOvr>
+    <a:masterClrMapping/>
+  </p:clrMapOvr>
+  <p:timing>
+    <p:tnLst>
+      <p:par>
+        <p:cTn id="1" dur="indefinite" restart="never" nodeType="tmRoot"/>
+      </p:par>
+    </p:tnLst>
+  </p:timing>
+</p:sld>
+</file>
+
+<file path=ppt/slides/slide21.xml><?xml version="1.0" encoding="utf-8"?>
+<p:sld xmlns:a="http://schemas.openxmlformats.org/drawingml/2006/main" xmlns:r="http://schemas.openxmlformats.org/officeDocument/2006/relationships" xmlns:p="http://schemas.openxmlformats.org/presentationml/2006/main">
+  <p:cSld>
+    <p:spTree>
+      <p:nvGrpSpPr>
+        <p:cNvPr id="1" name=""/>
+        <p:cNvGrpSpPr/>
+        <p:nvPr/>
+      </p:nvGrpSpPr>
+      <p:grpSpPr>
+        <a:xfrm>
+          <a:off x="0" y="0"/>
+          <a:ext cx="0" cy="0"/>
+          <a:chOff x="0" y="0"/>
+          <a:chExt cx="0" cy="0"/>
+        </a:xfrm>
+      </p:grpSpPr>
+      <p:pic>
+        <p:nvPicPr>
+          <p:cNvPr id="2" name="Picture 2" descr="Azetech Solutions | LinkedIn"/>
+          <p:cNvPicPr>
+            <a:picLocks noChangeAspect="1" noChangeArrowheads="1"/>
+          </p:cNvPicPr>
+          <p:nvPr/>
+        </p:nvPicPr>
+        <p:blipFill>
+          <a:blip r:embed="rId2" cstate="print">
+            <a:extLst>
+              <a:ext uri="{28A0092B-C50C-407E-A947-70E740481C1C}">
+                <a14:useLocalDpi xmlns:a14="http://schemas.microsoft.com/office/drawing/2010/main" val="0"/>
+              </a:ext>
+            </a:extLst>
+          </a:blip>
+          <a:srcRect/>
+          <a:stretch>
+            <a:fillRect/>
+          </a:stretch>
+        </p:blipFill>
+        <p:spPr bwMode="auto">
+          <a:xfrm>
+            <a:off x="11456223" y="129648"/>
+            <a:ext cx="536848" cy="536848"/>
+          </a:xfrm>
+          <a:prstGeom prst="rect">
+            <a:avLst/>
+          </a:prstGeom>
+          <a:noFill/>
+          <a:extLst>
+            <a:ext uri="{909E8E84-426E-40DD-AFC4-6F175D3DCCD1}">
+              <a14:hiddenFill xmlns:a14="http://schemas.microsoft.com/office/drawing/2010/main">
+                <a:solidFill>
+                  <a:srgbClr val="FFFFFF"/>
+                </a:solidFill>
+              </a14:hiddenFill>
+            </a:ext>
+          </a:extLst>
+        </p:spPr>
+      </p:pic>
+      <p:sp>
+        <p:nvSpPr>
+          <p:cNvPr id="3" name="Footer Placeholder 2"/>
+          <p:cNvSpPr>
+            <a:spLocks noGrp="1"/>
+          </p:cNvSpPr>
+          <p:nvPr>
+            <p:ph type="ftr" sz="quarter" idx="11"/>
+          </p:nvPr>
+        </p:nvSpPr>
+        <p:spPr/>
+        <p:txBody>
+          <a:bodyPr/>
+          <a:lstStyle/>
+          <a:p>
+            <a:r>
+              <a:rPr lang="en-US" smtClean="0"/>
+              <a:t>Azetech Solution, Coimbatore</a:t>
+            </a:r>
+            <a:endParaRPr lang="en-US"/>
+          </a:p>
+        </p:txBody>
+      </p:sp>
+      <p:sp>
+        <p:nvSpPr>
+          <p:cNvPr id="5" name="Title 4"/>
+          <p:cNvSpPr txBox="1">
+            <a:spLocks/>
+          </p:cNvSpPr>
+          <p:nvPr/>
+        </p:nvSpPr>
+        <p:spPr>
+          <a:xfrm>
+            <a:off x="318311" y="441143"/>
+            <a:ext cx="6636281" cy="399245"/>
+          </a:xfrm>
+          <a:prstGeom prst="rect">
+            <a:avLst/>
+          </a:prstGeom>
+        </p:spPr>
+        <p:txBody>
+          <a:bodyPr vert="horz" lIns="91440" tIns="45720" rIns="91440" bIns="45720" rtlCol="0" anchor="b">
+            <a:noAutofit/>
+          </a:bodyPr>
+          <a:lstStyle>
+            <a:lvl1pPr algn="ctr" defTabSz="914400" rtl="0" eaLnBrk="1" latinLnBrk="0" hangingPunct="1">
+              <a:lnSpc>
+                <a:spcPct val="90000"/>
+              </a:lnSpc>
+              <a:spcBef>
+                <a:spcPct val="0"/>
+              </a:spcBef>
+              <a:buNone/>
+              <a:defRPr sz="6000" kern="1200">
+                <a:solidFill>
+                  <a:schemeClr val="tx1"/>
+                </a:solidFill>
+                <a:latin typeface="+mj-lt"/>
+                <a:ea typeface="+mj-ea"/>
+                <a:cs typeface="+mj-cs"/>
+              </a:defRPr>
+            </a:lvl1pPr>
+          </a:lstStyle>
+          <a:p>
+            <a:pPr algn="l"/>
+            <a:endParaRPr lang="en-US" sz="2800" b="1" dirty="0" smtClean="0">
+              <a:solidFill>
+                <a:schemeClr val="accent1">
+                  <a:lumMod val="75000"/>
+                </a:schemeClr>
+              </a:solidFill>
+              <a:latin typeface="Facto Bold" panose="00000800000000000000" pitchFamily="50" charset="0"/>
+            </a:endParaRPr>
+          </a:p>
+        </p:txBody>
+      </p:sp>
+      <p:sp>
+        <p:nvSpPr>
+          <p:cNvPr id="6" name="TextBox 5"/>
+          <p:cNvSpPr txBox="1"/>
+          <p:nvPr/>
+        </p:nvSpPr>
+        <p:spPr>
+          <a:xfrm>
+            <a:off x="506627" y="903274"/>
+            <a:ext cx="11095943" cy="5651034"/>
+          </a:xfrm>
+          <a:prstGeom prst="rect">
+            <a:avLst/>
+          </a:prstGeom>
+          <a:noFill/>
+        </p:spPr>
+        <p:txBody>
+          <a:bodyPr wrap="square" numCol="2" rtlCol="0">
+            <a:spAutoFit/>
+          </a:bodyPr>
+          <a:lstStyle/>
+          <a:p>
+            <a:pPr lvl="0">
+              <a:spcBef>
+                <a:spcPts val="1000"/>
+              </a:spcBef>
+              <a:spcAft>
+                <a:spcPts val="200"/>
+              </a:spcAft>
+            </a:pPr>
+            <a:r>
+              <a:rPr lang="en-US" sz="1600" dirty="0"/>
+              <a:t>void i2c_write_string(unsigned char *data)</a:t>
+            </a:r>
+          </a:p>
+          <a:p>
+            <a:pPr lvl="0">
+              <a:spcBef>
+                <a:spcPts val="1000"/>
+              </a:spcBef>
+              <a:spcAft>
+                <a:spcPts val="200"/>
+              </a:spcAft>
+            </a:pPr>
+            <a:r>
+              <a:rPr lang="en-US" sz="1600" dirty="0"/>
+              <a:t>{</a:t>
+            </a:r>
+          </a:p>
+          <a:p>
+            <a:pPr lvl="0">
+              <a:spcBef>
+                <a:spcPts val="1000"/>
+              </a:spcBef>
+              <a:spcAft>
+                <a:spcPts val="200"/>
+              </a:spcAft>
+            </a:pPr>
+            <a:r>
+              <a:rPr lang="en-US" sz="1600" dirty="0"/>
+              <a:t>	unsigned char </a:t>
+            </a:r>
+            <a:r>
+              <a:rPr lang="en-US" sz="1600" dirty="0" err="1"/>
+              <a:t>len</a:t>
+            </a:r>
+            <a:r>
+              <a:rPr lang="en-US" sz="1600" dirty="0"/>
+              <a:t>= (unsigned char ) </a:t>
+            </a:r>
+            <a:r>
+              <a:rPr lang="en-US" sz="1600" dirty="0" err="1"/>
+              <a:t>strlen</a:t>
+            </a:r>
+            <a:r>
+              <a:rPr lang="en-US" sz="1600" dirty="0"/>
+              <a:t>((char*)data);	</a:t>
+            </a:r>
+          </a:p>
+          <a:p>
+            <a:pPr lvl="0">
+              <a:spcBef>
+                <a:spcPts val="1000"/>
+              </a:spcBef>
+              <a:spcAft>
+                <a:spcPts val="200"/>
+              </a:spcAft>
+            </a:pPr>
+            <a:r>
+              <a:rPr lang="en-US" sz="1600" dirty="0"/>
+              <a:t>	//3. before i2c master write check </a:t>
+            </a:r>
+            <a:r>
+              <a:rPr lang="en-US" sz="1600" dirty="0" err="1"/>
+              <a:t>txe</a:t>
+            </a:r>
+            <a:r>
+              <a:rPr lang="en-US" sz="1600" dirty="0"/>
+              <a:t> empty</a:t>
+            </a:r>
+          </a:p>
+          <a:p>
+            <a:pPr lvl="0">
+              <a:spcBef>
+                <a:spcPts val="1000"/>
+              </a:spcBef>
+              <a:spcAft>
+                <a:spcPts val="200"/>
+              </a:spcAft>
+            </a:pPr>
+            <a:r>
+              <a:rPr lang="en-US" sz="1600" dirty="0"/>
+              <a:t>	while(</a:t>
+            </a:r>
+            <a:r>
+              <a:rPr lang="en-US" sz="1600" dirty="0" err="1"/>
+              <a:t>len</a:t>
+            </a:r>
+            <a:r>
+              <a:rPr lang="en-US" sz="1600" dirty="0"/>
+              <a:t>&gt;0)</a:t>
+            </a:r>
+          </a:p>
+          <a:p>
+            <a:pPr lvl="0">
+              <a:spcBef>
+                <a:spcPts val="1000"/>
+              </a:spcBef>
+              <a:spcAft>
+                <a:spcPts val="200"/>
+              </a:spcAft>
+            </a:pPr>
+            <a:r>
+              <a:rPr lang="en-US" sz="1600" dirty="0"/>
+              <a:t>	{</a:t>
+            </a:r>
+          </a:p>
+          <a:p>
+            <a:pPr lvl="0">
+              <a:spcBef>
+                <a:spcPts val="1000"/>
+              </a:spcBef>
+              <a:spcAft>
+                <a:spcPts val="200"/>
+              </a:spcAft>
+            </a:pPr>
+            <a:r>
+              <a:rPr lang="en-US" sz="1600" dirty="0"/>
+              <a:t>		while( ! (I2C1-&gt;SR1 &amp; (1&lt;&lt;7)));</a:t>
+            </a:r>
+          </a:p>
+          <a:p>
+            <a:pPr lvl="0">
+              <a:spcBef>
+                <a:spcPts val="1000"/>
+              </a:spcBef>
+              <a:spcAft>
+                <a:spcPts val="200"/>
+              </a:spcAft>
+            </a:pPr>
+            <a:r>
+              <a:rPr lang="en-US" sz="1600" dirty="0"/>
+              <a:t>		I2C1-&gt;DR = *data++; //delay();		</a:t>
+            </a:r>
+          </a:p>
+          <a:p>
+            <a:pPr lvl="0">
+              <a:spcBef>
+                <a:spcPts val="1000"/>
+              </a:spcBef>
+              <a:spcAft>
+                <a:spcPts val="200"/>
+              </a:spcAft>
+            </a:pPr>
+            <a:r>
+              <a:rPr lang="en-US" sz="1600" dirty="0"/>
+              <a:t>		</a:t>
+            </a:r>
+            <a:r>
+              <a:rPr lang="en-US" sz="1600" dirty="0" err="1"/>
+              <a:t>len</a:t>
+            </a:r>
+            <a:r>
+              <a:rPr lang="en-US" sz="1600" dirty="0"/>
+              <a:t>--;</a:t>
+            </a:r>
+          </a:p>
+          <a:p>
+            <a:pPr lvl="0">
+              <a:spcBef>
+                <a:spcPts val="1000"/>
+              </a:spcBef>
+              <a:spcAft>
+                <a:spcPts val="200"/>
+              </a:spcAft>
+            </a:pPr>
+            <a:r>
+              <a:rPr lang="en-US" sz="1600" dirty="0"/>
+              <a:t>	}</a:t>
+            </a:r>
+          </a:p>
+          <a:p>
+            <a:pPr lvl="0">
+              <a:spcBef>
+                <a:spcPts val="1000"/>
+              </a:spcBef>
+              <a:spcAft>
+                <a:spcPts val="200"/>
+              </a:spcAft>
+            </a:pPr>
+            <a:r>
+              <a:rPr lang="en-US" sz="1600" dirty="0"/>
+              <a:t>	</a:t>
+            </a:r>
+          </a:p>
+          <a:p>
+            <a:pPr lvl="0">
+              <a:spcBef>
+                <a:spcPts val="1000"/>
+              </a:spcBef>
+              <a:spcAft>
+                <a:spcPts val="200"/>
+              </a:spcAft>
+            </a:pPr>
+            <a:r>
+              <a:rPr lang="en-US" sz="1600" dirty="0"/>
+              <a:t>}</a:t>
+            </a:r>
+          </a:p>
+          <a:p>
+            <a:pPr lvl="0">
+              <a:spcBef>
+                <a:spcPts val="1000"/>
+              </a:spcBef>
+              <a:spcAft>
+                <a:spcPts val="200"/>
+              </a:spcAft>
+            </a:pPr>
+            <a:endParaRPr lang="en-US" sz="1600" dirty="0"/>
+          </a:p>
+          <a:p>
+            <a:pPr lvl="0">
+              <a:spcBef>
+                <a:spcPts val="1000"/>
+              </a:spcBef>
+              <a:spcAft>
+                <a:spcPts val="200"/>
+              </a:spcAft>
+            </a:pPr>
+            <a:r>
+              <a:rPr lang="en-US" sz="1600" dirty="0"/>
+              <a:t>void i2c_stop()</a:t>
+            </a:r>
+          </a:p>
+          <a:p>
+            <a:pPr lvl="0">
+              <a:spcBef>
+                <a:spcPts val="1000"/>
+              </a:spcBef>
+              <a:spcAft>
+                <a:spcPts val="200"/>
+              </a:spcAft>
+            </a:pPr>
+            <a:r>
+              <a:rPr lang="en-US" sz="1600" dirty="0"/>
+              <a:t>{</a:t>
+            </a:r>
+          </a:p>
+          <a:p>
+            <a:pPr lvl="0">
+              <a:spcBef>
+                <a:spcPts val="1000"/>
+              </a:spcBef>
+              <a:spcAft>
+                <a:spcPts val="200"/>
+              </a:spcAft>
+            </a:pPr>
+            <a:r>
+              <a:rPr lang="en-US" sz="1600" dirty="0"/>
+              <a:t>	//before stop check </a:t>
+            </a:r>
+            <a:r>
+              <a:rPr lang="en-US" sz="1600" dirty="0" err="1"/>
+              <a:t>txe</a:t>
+            </a:r>
+            <a:r>
+              <a:rPr lang="en-US" sz="1600" dirty="0"/>
+              <a:t> and </a:t>
+            </a:r>
+            <a:r>
+              <a:rPr lang="en-US" sz="1600" dirty="0" err="1"/>
+              <a:t>btf</a:t>
+            </a:r>
+            <a:r>
+              <a:rPr lang="en-US" sz="1600" dirty="0"/>
+              <a:t> are set</a:t>
+            </a:r>
+          </a:p>
+          <a:p>
+            <a:pPr lvl="0">
+              <a:spcBef>
+                <a:spcPts val="1000"/>
+              </a:spcBef>
+              <a:spcAft>
+                <a:spcPts val="200"/>
+              </a:spcAft>
+            </a:pPr>
+            <a:r>
+              <a:rPr lang="en-US" sz="1600" dirty="0"/>
+              <a:t>	while( ! (I2C1-&gt;SR1 &amp; (1&lt;&lt;7)));</a:t>
+            </a:r>
+          </a:p>
+          <a:p>
+            <a:pPr lvl="0">
+              <a:spcBef>
+                <a:spcPts val="1000"/>
+              </a:spcBef>
+              <a:spcAft>
+                <a:spcPts val="200"/>
+              </a:spcAft>
+            </a:pPr>
+            <a:r>
+              <a:rPr lang="en-US" sz="1600" dirty="0"/>
+              <a:t>	while( ! (I2C1-&gt;SR1 &amp; (1&lt;&lt;2)));	</a:t>
+            </a:r>
+          </a:p>
+          <a:p>
+            <a:pPr lvl="0">
+              <a:spcBef>
+                <a:spcPts val="1000"/>
+              </a:spcBef>
+              <a:spcAft>
+                <a:spcPts val="200"/>
+              </a:spcAft>
+            </a:pPr>
+            <a:r>
+              <a:rPr lang="en-US" sz="1600" dirty="0"/>
+              <a:t>	//4.i2c stop</a:t>
+            </a:r>
+          </a:p>
+          <a:p>
+            <a:pPr lvl="0">
+              <a:spcBef>
+                <a:spcPts val="1000"/>
+              </a:spcBef>
+              <a:spcAft>
+                <a:spcPts val="200"/>
+              </a:spcAft>
+            </a:pPr>
+            <a:r>
+              <a:rPr lang="en-US" sz="1600" dirty="0"/>
+              <a:t>	I2C1-&gt;CR1 |= (1&lt;&lt;9);	</a:t>
+            </a:r>
+          </a:p>
+          <a:p>
+            <a:pPr lvl="0">
+              <a:spcBef>
+                <a:spcPts val="1000"/>
+              </a:spcBef>
+              <a:spcAft>
+                <a:spcPts val="200"/>
+              </a:spcAft>
+            </a:pPr>
+            <a:r>
+              <a:rPr lang="en-US" sz="1600" dirty="0"/>
+              <a:t>}</a:t>
+            </a:r>
+          </a:p>
+        </p:txBody>
+      </p:sp>
+    </p:spTree>
+    <p:extLst>
+      <p:ext uri="{BB962C8B-B14F-4D97-AF65-F5344CB8AC3E}">
+        <p14:creationId xmlns:p14="http://schemas.microsoft.com/office/powerpoint/2010/main" val="716732621"/>
       </p:ext>
     </p:extLst>
   </p:cSld>
@@ -5850,8 +9967,27 @@
                 </a:solidFill>
                 <a:latin typeface="Facto Bold" panose="00000800000000000000" pitchFamily="50" charset="0"/>
               </a:rPr>
-              <a:t>I2C Buses</a:t>
-            </a:r>
+              <a:t>I2C </a:t>
+            </a:r>
+            <a:r>
+              <a:rPr lang="en-US" sz="2800" b="1" smtClean="0">
+                <a:solidFill>
+                  <a:schemeClr val="accent1">
+                    <a:lumMod val="75000"/>
+                  </a:schemeClr>
+                </a:solidFill>
+                <a:latin typeface="Facto Bold" panose="00000800000000000000" pitchFamily="50" charset="0"/>
+              </a:rPr>
+              <a:t>Buses </a:t>
+            </a:r>
+            <a:endParaRPr lang="en-US" sz="2800" b="1" dirty="0" smtClean="0">
+              <a:solidFill>
+                <a:schemeClr val="accent1">
+                  <a:lumMod val="75000"/>
+                </a:schemeClr>
+              </a:solidFill>
+              <a:latin typeface="Facto Bold" panose="00000800000000000000" pitchFamily="50" charset="0"/>
+            </a:endParaRPr>
           </a:p>
         </p:txBody>
       </p:sp>
@@ -6079,7 +10215,7 @@
         </p:nvSpPr>
         <p:spPr>
           <a:xfrm>
-            <a:off x="318311" y="441143"/>
+            <a:off x="268884" y="257550"/>
             <a:ext cx="6636281" cy="399245"/>
           </a:xfrm>
           <a:prstGeom prst="rect">
@@ -6141,7 +10277,7 @@
         </p:nvSpPr>
         <p:spPr>
           <a:xfrm>
-            <a:off x="711507" y="1659377"/>
+            <a:off x="589430" y="666496"/>
             <a:ext cx="11013140" cy="1938992"/>
           </a:xfrm>
           <a:prstGeom prst="rect">
@@ -6209,11 +10345,46 @@
             </a:r>
             <a:r>
               <a:rPr lang="en-US" sz="2000" dirty="0"/>
-              <a:t>message also includes start and stop conditions, read/write bits, and ACK/NACK bits between each data frame:</a:t>
-            </a:r>
+              <a:t>message also includes start and stop conditions, read/write bits, and ACK/NACK bits between each data </a:t>
+            </a:r>
+            <a:r>
+              <a:rPr lang="en-US" sz="2000" dirty="0" smtClean="0"/>
+              <a:t>frame</a:t>
+            </a:r>
+            <a:endParaRPr lang="en-US" sz="2000" dirty="0"/>
           </a:p>
         </p:txBody>
       </p:sp>
+      <p:pic>
+        <p:nvPicPr>
+          <p:cNvPr id="7" name="Content Placeholder 3"/>
+          <p:cNvPicPr>
+            <a:picLocks noChangeAspect="1"/>
+          </p:cNvPicPr>
+          <p:nvPr/>
+        </p:nvPicPr>
+        <p:blipFill>
+          <a:blip r:embed="rId3">
+            <a:extLst>
+              <a:ext uri="{28A0092B-C50C-407E-A947-70E740481C1C}">
+                <a14:useLocalDpi xmlns:a14="http://schemas.microsoft.com/office/drawing/2010/main" val="0"/>
+              </a:ext>
+            </a:extLst>
+          </a:blip>
+          <a:stretch>
+            <a:fillRect/>
+          </a:stretch>
+        </p:blipFill>
+        <p:spPr>
+          <a:xfrm>
+            <a:off x="3023774" y="2395796"/>
+            <a:ext cx="5660968" cy="4170247"/>
+          </a:xfrm>
+          <a:prstGeom prst="rect">
+            <a:avLst/>
+          </a:prstGeom>
+        </p:spPr>
+      </p:pic>
     </p:spTree>
     <p:extLst>
       <p:ext uri="{BB962C8B-B14F-4D97-AF65-F5344CB8AC3E}">
@@ -6368,6 +10539,1134 @@
               </a:rPr>
               <a:t>I2C Data Frame Format</a:t>
             </a:r>
+          </a:p>
+        </p:txBody>
+      </p:sp>
+      <p:graphicFrame>
+        <p:nvGraphicFramePr>
+          <p:cNvPr id="6" name="Table 5"/>
+          <p:cNvGraphicFramePr>
+            <a:graphicFrameLocks noGrp="1"/>
+          </p:cNvGraphicFramePr>
+          <p:nvPr>
+            <p:extLst>
+              <p:ext uri="{D42A27DB-BD31-4B8C-83A1-F6EECF244321}">
+                <p14:modId xmlns:p14="http://schemas.microsoft.com/office/powerpoint/2010/main" val="1708257972"/>
+              </p:ext>
+            </p:extLst>
+          </p:nvPr>
+        </p:nvGraphicFramePr>
+        <p:xfrm>
+          <a:off x="1470453" y="1839266"/>
+          <a:ext cx="8118390" cy="827903"/>
+        </p:xfrm>
+        <a:graphic>
+          <a:graphicData uri="http://schemas.openxmlformats.org/drawingml/2006/table">
+            <a:tbl>
+              <a:tblPr/>
+              <a:tblGrid>
+                <a:gridCol w="1159770">
+                  <a:extLst>
+                    <a:ext uri="{9D8B030D-6E8A-4147-A177-3AD203B41FA5}">
+                      <a16:colId xmlns:a16="http://schemas.microsoft.com/office/drawing/2014/main" val="3383738738"/>
+                    </a:ext>
+                  </a:extLst>
+                </a:gridCol>
+                <a:gridCol w="1159770">
+                  <a:extLst>
+                    <a:ext uri="{9D8B030D-6E8A-4147-A177-3AD203B41FA5}">
+                      <a16:colId xmlns:a16="http://schemas.microsoft.com/office/drawing/2014/main" val="1296446812"/>
+                    </a:ext>
+                  </a:extLst>
+                </a:gridCol>
+                <a:gridCol w="1159770">
+                  <a:extLst>
+                    <a:ext uri="{9D8B030D-6E8A-4147-A177-3AD203B41FA5}">
+                      <a16:colId xmlns:a16="http://schemas.microsoft.com/office/drawing/2014/main" val="4155492890"/>
+                    </a:ext>
+                  </a:extLst>
+                </a:gridCol>
+                <a:gridCol w="1159770">
+                  <a:extLst>
+                    <a:ext uri="{9D8B030D-6E8A-4147-A177-3AD203B41FA5}">
+                      <a16:colId xmlns:a16="http://schemas.microsoft.com/office/drawing/2014/main" val="88498987"/>
+                    </a:ext>
+                  </a:extLst>
+                </a:gridCol>
+                <a:gridCol w="1159770">
+                  <a:extLst>
+                    <a:ext uri="{9D8B030D-6E8A-4147-A177-3AD203B41FA5}">
+                      <a16:colId xmlns:a16="http://schemas.microsoft.com/office/drawing/2014/main" val="1095289430"/>
+                    </a:ext>
+                  </a:extLst>
+                </a:gridCol>
+                <a:gridCol w="1159770">
+                  <a:extLst>
+                    <a:ext uri="{9D8B030D-6E8A-4147-A177-3AD203B41FA5}">
+                      <a16:colId xmlns:a16="http://schemas.microsoft.com/office/drawing/2014/main" val="3352453702"/>
+                    </a:ext>
+                  </a:extLst>
+                </a:gridCol>
+                <a:gridCol w="1159770">
+                  <a:extLst>
+                    <a:ext uri="{9D8B030D-6E8A-4147-A177-3AD203B41FA5}">
+                      <a16:colId xmlns:a16="http://schemas.microsoft.com/office/drawing/2014/main" val="4041550271"/>
+                    </a:ext>
+                  </a:extLst>
+                </a:gridCol>
+              </a:tblGrid>
+              <a:tr h="827903">
+                <a:tc>
+                  <a:txBody>
+                    <a:bodyPr/>
+                    <a:lstStyle/>
+                    <a:p>
+                      <a:r>
+                        <a:rPr lang="en-US" dirty="0" smtClean="0"/>
+                        <a:t>START</a:t>
+                      </a:r>
+                      <a:endParaRPr lang="en-US" dirty="0"/>
+                    </a:p>
+                  </a:txBody>
+                  <a:tcPr>
+                    <a:lnL w="12700" cmpd="sng">
+                      <a:solidFill>
+                        <a:schemeClr val="tx1"/>
+                      </a:solidFill>
+                      <a:prstDash val="solid"/>
+                    </a:lnL>
+                    <a:lnR w="12700" cap="flat" cmpd="sng" algn="ctr">
+                      <a:solidFill>
+                        <a:schemeClr val="tx1"/>
+                      </a:solidFill>
+                      <a:prstDash val="solid"/>
+                      <a:round/>
+                      <a:headEnd type="none" w="med" len="med"/>
+                      <a:tailEnd type="none" w="med" len="med"/>
+                    </a:lnR>
+                    <a:lnT w="12700" cmpd="sng">
+                      <a:solidFill>
+                        <a:schemeClr val="tx1"/>
+                      </a:solidFill>
+                      <a:prstDash val="solid"/>
+                    </a:lnT>
+                    <a:lnB w="12700" cmpd="sng">
+                      <a:solidFill>
+                        <a:schemeClr val="tx1"/>
+                      </a:solidFill>
+                      <a:prstDash val="solid"/>
+                    </a:lnB>
+                  </a:tcPr>
+                </a:tc>
+                <a:tc>
+                  <a:txBody>
+                    <a:bodyPr/>
+                    <a:lstStyle/>
+                    <a:p>
+                      <a:r>
+                        <a:rPr lang="en-US" dirty="0" smtClean="0"/>
+                        <a:t>SLAVE</a:t>
+                      </a:r>
+                    </a:p>
+                    <a:p>
+                      <a:r>
+                        <a:rPr lang="en-US" dirty="0" smtClean="0"/>
+                        <a:t>ADDRESS</a:t>
+                      </a:r>
+                      <a:endParaRPr lang="en-US" dirty="0"/>
+                    </a:p>
+                  </a:txBody>
+                  <a:tcPr>
+                    <a:lnL w="12700" cap="flat" cmpd="sng" algn="ctr">
+                      <a:solidFill>
+                        <a:schemeClr val="tx1"/>
+                      </a:solidFill>
+                      <a:prstDash val="solid"/>
+                      <a:round/>
+                      <a:headEnd type="none" w="med" len="med"/>
+                      <a:tailEnd type="none" w="med" len="med"/>
+                    </a:lnL>
+                    <a:lnR w="12700" cap="flat" cmpd="sng" algn="ctr">
+                      <a:solidFill>
+                        <a:schemeClr val="tx1"/>
+                      </a:solidFill>
+                      <a:prstDash val="solid"/>
+                      <a:round/>
+                      <a:headEnd type="none" w="med" len="med"/>
+                      <a:tailEnd type="none" w="med" len="med"/>
+                    </a:lnR>
+                    <a:lnT w="12700" cap="flat" cmpd="sng" algn="ctr">
+                      <a:solidFill>
+                        <a:schemeClr val="tx1"/>
+                      </a:solidFill>
+                      <a:prstDash val="solid"/>
+                      <a:round/>
+                      <a:headEnd type="none" w="med" len="med"/>
+                      <a:tailEnd type="none" w="med" len="med"/>
+                    </a:lnT>
+                    <a:lnB w="12700" cap="flat" cmpd="sng" algn="ctr">
+                      <a:solidFill>
+                        <a:schemeClr val="tx1"/>
+                      </a:solidFill>
+                      <a:prstDash val="solid"/>
+                      <a:round/>
+                      <a:headEnd type="none" w="med" len="med"/>
+                      <a:tailEnd type="none" w="med" len="med"/>
+                    </a:lnB>
+                  </a:tcPr>
+                </a:tc>
+                <a:tc>
+                  <a:txBody>
+                    <a:bodyPr/>
+                    <a:lstStyle/>
+                    <a:p>
+                      <a:r>
+                        <a:rPr lang="en-US" dirty="0" smtClean="0"/>
+                        <a:t>Write</a:t>
+                      </a:r>
+                      <a:endParaRPr lang="en-US" dirty="0"/>
+                    </a:p>
+                  </a:txBody>
+                  <a:tcPr>
+                    <a:lnL w="12700" cap="flat" cmpd="sng" algn="ctr">
+                      <a:solidFill>
+                        <a:schemeClr val="tx1"/>
+                      </a:solidFill>
+                      <a:prstDash val="solid"/>
+                      <a:round/>
+                      <a:headEnd type="none" w="med" len="med"/>
+                      <a:tailEnd type="none" w="med" len="med"/>
+                    </a:lnL>
+                    <a:lnR w="12700" cap="flat" cmpd="sng" algn="ctr">
+                      <a:solidFill>
+                        <a:schemeClr val="tx1"/>
+                      </a:solidFill>
+                      <a:prstDash val="solid"/>
+                      <a:round/>
+                      <a:headEnd type="none" w="med" len="med"/>
+                      <a:tailEnd type="none" w="med" len="med"/>
+                    </a:lnR>
+                    <a:lnT w="12700" cap="flat" cmpd="sng" algn="ctr">
+                      <a:solidFill>
+                        <a:schemeClr val="tx1"/>
+                      </a:solidFill>
+                      <a:prstDash val="solid"/>
+                      <a:round/>
+                      <a:headEnd type="none" w="med" len="med"/>
+                      <a:tailEnd type="none" w="med" len="med"/>
+                    </a:lnT>
+                    <a:lnB w="12700" cap="flat" cmpd="sng" algn="ctr">
+                      <a:solidFill>
+                        <a:schemeClr val="tx1"/>
+                      </a:solidFill>
+                      <a:prstDash val="solid"/>
+                      <a:round/>
+                      <a:headEnd type="none" w="med" len="med"/>
+                      <a:tailEnd type="none" w="med" len="med"/>
+                    </a:lnB>
+                  </a:tcPr>
+                </a:tc>
+                <a:tc>
+                  <a:txBody>
+                    <a:bodyPr/>
+                    <a:lstStyle/>
+                    <a:p>
+                      <a:r>
+                        <a:rPr lang="en-US" dirty="0" smtClean="0"/>
+                        <a:t>ACK</a:t>
+                      </a:r>
+                      <a:endParaRPr lang="en-US" dirty="0"/>
+                    </a:p>
+                  </a:txBody>
+                  <a:tcPr>
+                    <a:lnL w="12700" cap="flat" cmpd="sng" algn="ctr">
+                      <a:solidFill>
+                        <a:schemeClr val="tx1"/>
+                      </a:solidFill>
+                      <a:prstDash val="solid"/>
+                      <a:round/>
+                      <a:headEnd type="none" w="med" len="med"/>
+                      <a:tailEnd type="none" w="med" len="med"/>
+                    </a:lnL>
+                    <a:lnR w="12700" cap="flat" cmpd="sng" algn="ctr">
+                      <a:solidFill>
+                        <a:schemeClr val="tx1"/>
+                      </a:solidFill>
+                      <a:prstDash val="solid"/>
+                      <a:round/>
+                      <a:headEnd type="none" w="med" len="med"/>
+                      <a:tailEnd type="none" w="med" len="med"/>
+                    </a:lnR>
+                    <a:lnT w="12700" cap="flat" cmpd="sng" algn="ctr">
+                      <a:solidFill>
+                        <a:schemeClr val="tx1"/>
+                      </a:solidFill>
+                      <a:prstDash val="solid"/>
+                      <a:round/>
+                      <a:headEnd type="none" w="med" len="med"/>
+                      <a:tailEnd type="none" w="med" len="med"/>
+                    </a:lnT>
+                    <a:lnB w="12700" cap="flat" cmpd="sng" algn="ctr">
+                      <a:solidFill>
+                        <a:schemeClr val="tx1"/>
+                      </a:solidFill>
+                      <a:prstDash val="solid"/>
+                      <a:round/>
+                      <a:headEnd type="none" w="med" len="med"/>
+                      <a:tailEnd type="none" w="med" len="med"/>
+                    </a:lnB>
+                  </a:tcPr>
+                </a:tc>
+                <a:tc>
+                  <a:txBody>
+                    <a:bodyPr/>
+                    <a:lstStyle/>
+                    <a:p>
+                      <a:r>
+                        <a:rPr lang="en-US" dirty="0" smtClean="0"/>
+                        <a:t>DATA</a:t>
+                      </a:r>
+                      <a:endParaRPr lang="en-US" dirty="0"/>
+                    </a:p>
+                  </a:txBody>
+                  <a:tcPr>
+                    <a:lnL w="12700" cap="flat" cmpd="sng" algn="ctr">
+                      <a:solidFill>
+                        <a:schemeClr val="tx1"/>
+                      </a:solidFill>
+                      <a:prstDash val="solid"/>
+                      <a:round/>
+                      <a:headEnd type="none" w="med" len="med"/>
+                      <a:tailEnd type="none" w="med" len="med"/>
+                    </a:lnL>
+                    <a:lnR w="12700" cap="flat" cmpd="sng" algn="ctr">
+                      <a:solidFill>
+                        <a:schemeClr val="tx1"/>
+                      </a:solidFill>
+                      <a:prstDash val="solid"/>
+                      <a:round/>
+                      <a:headEnd type="none" w="med" len="med"/>
+                      <a:tailEnd type="none" w="med" len="med"/>
+                    </a:lnR>
+                    <a:lnT w="12700" cap="flat" cmpd="sng" algn="ctr">
+                      <a:solidFill>
+                        <a:schemeClr val="tx1"/>
+                      </a:solidFill>
+                      <a:prstDash val="solid"/>
+                      <a:round/>
+                      <a:headEnd type="none" w="med" len="med"/>
+                      <a:tailEnd type="none" w="med" len="med"/>
+                    </a:lnT>
+                    <a:lnB w="12700" cap="flat" cmpd="sng" algn="ctr">
+                      <a:solidFill>
+                        <a:schemeClr val="tx1"/>
+                      </a:solidFill>
+                      <a:prstDash val="solid"/>
+                      <a:round/>
+                      <a:headEnd type="none" w="med" len="med"/>
+                      <a:tailEnd type="none" w="med" len="med"/>
+                    </a:lnB>
+                  </a:tcPr>
+                </a:tc>
+                <a:tc>
+                  <a:txBody>
+                    <a:bodyPr/>
+                    <a:lstStyle/>
+                    <a:p>
+                      <a:r>
+                        <a:rPr lang="en-US" dirty="0" smtClean="0"/>
+                        <a:t>ACK</a:t>
+                      </a:r>
+                      <a:endParaRPr lang="en-US" dirty="0"/>
+                    </a:p>
+                  </a:txBody>
+                  <a:tcPr>
+                    <a:lnL w="12700" cap="flat" cmpd="sng" algn="ctr">
+                      <a:solidFill>
+                        <a:schemeClr val="tx1"/>
+                      </a:solidFill>
+                      <a:prstDash val="solid"/>
+                      <a:round/>
+                      <a:headEnd type="none" w="med" len="med"/>
+                      <a:tailEnd type="none" w="med" len="med"/>
+                    </a:lnL>
+                    <a:lnR w="12700" cap="flat" cmpd="sng" algn="ctr">
+                      <a:solidFill>
+                        <a:schemeClr val="tx1"/>
+                      </a:solidFill>
+                      <a:prstDash val="solid"/>
+                      <a:round/>
+                      <a:headEnd type="none" w="med" len="med"/>
+                      <a:tailEnd type="none" w="med" len="med"/>
+                    </a:lnR>
+                    <a:lnT w="12700" cap="flat" cmpd="sng" algn="ctr">
+                      <a:solidFill>
+                        <a:schemeClr val="tx1"/>
+                      </a:solidFill>
+                      <a:prstDash val="solid"/>
+                      <a:round/>
+                      <a:headEnd type="none" w="med" len="med"/>
+                      <a:tailEnd type="none" w="med" len="med"/>
+                    </a:lnT>
+                    <a:lnB w="12700" cap="flat" cmpd="sng" algn="ctr">
+                      <a:solidFill>
+                        <a:schemeClr val="tx1"/>
+                      </a:solidFill>
+                      <a:prstDash val="solid"/>
+                      <a:round/>
+                      <a:headEnd type="none" w="med" len="med"/>
+                      <a:tailEnd type="none" w="med" len="med"/>
+                    </a:lnB>
+                  </a:tcPr>
+                </a:tc>
+                <a:tc>
+                  <a:txBody>
+                    <a:bodyPr/>
+                    <a:lstStyle/>
+                    <a:p>
+                      <a:r>
+                        <a:rPr lang="en-US" dirty="0" smtClean="0"/>
+                        <a:t>STOP</a:t>
+                      </a:r>
+                      <a:endParaRPr lang="en-US" dirty="0"/>
+                    </a:p>
+                  </a:txBody>
+                  <a:tcPr>
+                    <a:lnL w="12700" cap="flat" cmpd="sng" algn="ctr">
+                      <a:solidFill>
+                        <a:schemeClr val="tx1"/>
+                      </a:solidFill>
+                      <a:prstDash val="solid"/>
+                      <a:round/>
+                      <a:headEnd type="none" w="med" len="med"/>
+                      <a:tailEnd type="none" w="med" len="med"/>
+                    </a:lnL>
+                    <a:lnR w="12700" cmpd="sng">
+                      <a:solidFill>
+                        <a:schemeClr val="tx1"/>
+                      </a:solidFill>
+                      <a:prstDash val="solid"/>
+                    </a:lnR>
+                    <a:lnT w="12700" cap="flat" cmpd="sng" algn="ctr">
+                      <a:solidFill>
+                        <a:schemeClr val="tx1"/>
+                      </a:solidFill>
+                      <a:prstDash val="solid"/>
+                      <a:round/>
+                      <a:headEnd type="none" w="med" len="med"/>
+                      <a:tailEnd type="none" w="med" len="med"/>
+                    </a:lnT>
+                    <a:lnB w="12700" cap="flat" cmpd="sng" algn="ctr">
+                      <a:solidFill>
+                        <a:schemeClr val="tx1"/>
+                      </a:solidFill>
+                      <a:prstDash val="solid"/>
+                      <a:round/>
+                      <a:headEnd type="none" w="med" len="med"/>
+                      <a:tailEnd type="none" w="med" len="med"/>
+                    </a:lnB>
+                  </a:tcPr>
+                </a:tc>
+                <a:extLst>
+                  <a:ext uri="{0D108BD9-81ED-4DB2-BD59-A6C34878D82A}">
+                    <a16:rowId xmlns:a16="http://schemas.microsoft.com/office/drawing/2014/main" val="1183682739"/>
+                  </a:ext>
+                </a:extLst>
+              </a:tr>
+            </a:tbl>
+          </a:graphicData>
+        </a:graphic>
+      </p:graphicFrame>
+      <p:graphicFrame>
+        <p:nvGraphicFramePr>
+          <p:cNvPr id="7" name="Table 6"/>
+          <p:cNvGraphicFramePr>
+            <a:graphicFrameLocks noGrp="1"/>
+          </p:cNvGraphicFramePr>
+          <p:nvPr>
+            <p:extLst>
+              <p:ext uri="{D42A27DB-BD31-4B8C-83A1-F6EECF244321}">
+                <p14:modId xmlns:p14="http://schemas.microsoft.com/office/powerpoint/2010/main" val="3288369689"/>
+              </p:ext>
+            </p:extLst>
+          </p:nvPr>
+        </p:nvGraphicFramePr>
+        <p:xfrm>
+          <a:off x="1099752" y="4151870"/>
+          <a:ext cx="10503244" cy="914400"/>
+        </p:xfrm>
+        <a:graphic>
+          <a:graphicData uri="http://schemas.openxmlformats.org/drawingml/2006/table">
+            <a:tbl>
+              <a:tblPr/>
+              <a:tblGrid>
+                <a:gridCol w="1050324">
+                  <a:extLst>
+                    <a:ext uri="{9D8B030D-6E8A-4147-A177-3AD203B41FA5}">
+                      <a16:colId xmlns:a16="http://schemas.microsoft.com/office/drawing/2014/main" val="1215976325"/>
+                    </a:ext>
+                  </a:extLst>
+                </a:gridCol>
+                <a:gridCol w="1050325">
+                  <a:extLst>
+                    <a:ext uri="{9D8B030D-6E8A-4147-A177-3AD203B41FA5}">
+                      <a16:colId xmlns:a16="http://schemas.microsoft.com/office/drawing/2014/main" val="1419031998"/>
+                    </a:ext>
+                  </a:extLst>
+                </a:gridCol>
+                <a:gridCol w="1050324">
+                  <a:extLst>
+                    <a:ext uri="{9D8B030D-6E8A-4147-A177-3AD203B41FA5}">
+                      <a16:colId xmlns:a16="http://schemas.microsoft.com/office/drawing/2014/main" val="1813084390"/>
+                    </a:ext>
+                  </a:extLst>
+                </a:gridCol>
+                <a:gridCol w="1050324">
+                  <a:extLst>
+                    <a:ext uri="{9D8B030D-6E8A-4147-A177-3AD203B41FA5}">
+                      <a16:colId xmlns:a16="http://schemas.microsoft.com/office/drawing/2014/main" val="1708114328"/>
+                    </a:ext>
+                  </a:extLst>
+                </a:gridCol>
+                <a:gridCol w="1050325">
+                  <a:extLst>
+                    <a:ext uri="{9D8B030D-6E8A-4147-A177-3AD203B41FA5}">
+                      <a16:colId xmlns:a16="http://schemas.microsoft.com/office/drawing/2014/main" val="1074418915"/>
+                    </a:ext>
+                  </a:extLst>
+                </a:gridCol>
+                <a:gridCol w="1050325">
+                  <a:extLst>
+                    <a:ext uri="{9D8B030D-6E8A-4147-A177-3AD203B41FA5}">
+                      <a16:colId xmlns:a16="http://schemas.microsoft.com/office/drawing/2014/main" val="2702806404"/>
+                    </a:ext>
+                  </a:extLst>
+                </a:gridCol>
+                <a:gridCol w="1050324">
+                  <a:extLst>
+                    <a:ext uri="{9D8B030D-6E8A-4147-A177-3AD203B41FA5}">
+                      <a16:colId xmlns:a16="http://schemas.microsoft.com/office/drawing/2014/main" val="369899340"/>
+                    </a:ext>
+                  </a:extLst>
+                </a:gridCol>
+                <a:gridCol w="1050324">
+                  <a:extLst>
+                    <a:ext uri="{9D8B030D-6E8A-4147-A177-3AD203B41FA5}">
+                      <a16:colId xmlns:a16="http://schemas.microsoft.com/office/drawing/2014/main" val="1923909901"/>
+                    </a:ext>
+                  </a:extLst>
+                </a:gridCol>
+                <a:gridCol w="1050325">
+                  <a:extLst>
+                    <a:ext uri="{9D8B030D-6E8A-4147-A177-3AD203B41FA5}">
+                      <a16:colId xmlns:a16="http://schemas.microsoft.com/office/drawing/2014/main" val="1137614932"/>
+                    </a:ext>
+                  </a:extLst>
+                </a:gridCol>
+                <a:gridCol w="1050324">
+                  <a:extLst>
+                    <a:ext uri="{9D8B030D-6E8A-4147-A177-3AD203B41FA5}">
+                      <a16:colId xmlns:a16="http://schemas.microsoft.com/office/drawing/2014/main" val="2578929240"/>
+                    </a:ext>
+                  </a:extLst>
+                </a:gridCol>
+              </a:tblGrid>
+              <a:tr h="716692">
+                <a:tc>
+                  <a:txBody>
+                    <a:bodyPr/>
+                    <a:lstStyle/>
+                    <a:p>
+                      <a:r>
+                        <a:rPr lang="en-US" dirty="0" smtClean="0"/>
+                        <a:t>START</a:t>
+                      </a:r>
+                      <a:endParaRPr lang="en-US" dirty="0"/>
+                    </a:p>
+                  </a:txBody>
+                  <a:tcPr>
+                    <a:lnL w="12700" cmpd="sng">
+                      <a:solidFill>
+                        <a:schemeClr val="tx1"/>
+                      </a:solidFill>
+                      <a:prstDash val="solid"/>
+                    </a:lnL>
+                    <a:lnR w="12700" cap="flat" cmpd="sng" algn="ctr">
+                      <a:solidFill>
+                        <a:schemeClr val="tx1"/>
+                      </a:solidFill>
+                      <a:prstDash val="solid"/>
+                      <a:round/>
+                      <a:headEnd type="none" w="med" len="med"/>
+                      <a:tailEnd type="none" w="med" len="med"/>
+                    </a:lnR>
+                    <a:lnT w="12700" cmpd="sng">
+                      <a:solidFill>
+                        <a:schemeClr val="tx1"/>
+                      </a:solidFill>
+                      <a:prstDash val="solid"/>
+                    </a:lnT>
+                    <a:lnB w="12700" cmpd="sng">
+                      <a:solidFill>
+                        <a:schemeClr val="tx1"/>
+                      </a:solidFill>
+                      <a:prstDash val="solid"/>
+                    </a:lnB>
+                  </a:tcPr>
+                </a:tc>
+                <a:tc>
+                  <a:txBody>
+                    <a:bodyPr/>
+                    <a:lstStyle/>
+                    <a:p>
+                      <a:r>
+                        <a:rPr lang="en-US" dirty="0" smtClean="0"/>
+                        <a:t>SLAVE</a:t>
+                      </a:r>
+                    </a:p>
+                    <a:p>
+                      <a:r>
+                        <a:rPr lang="en-US" dirty="0" smtClean="0"/>
+                        <a:t>ADDRESS</a:t>
+                      </a:r>
+                      <a:endParaRPr lang="en-US" dirty="0"/>
+                    </a:p>
+                  </a:txBody>
+                  <a:tcPr>
+                    <a:lnL w="12700" cap="flat" cmpd="sng" algn="ctr">
+                      <a:solidFill>
+                        <a:schemeClr val="tx1"/>
+                      </a:solidFill>
+                      <a:prstDash val="solid"/>
+                      <a:round/>
+                      <a:headEnd type="none" w="med" len="med"/>
+                      <a:tailEnd type="none" w="med" len="med"/>
+                    </a:lnL>
+                    <a:lnR w="12700" cap="flat" cmpd="sng" algn="ctr">
+                      <a:solidFill>
+                        <a:schemeClr val="tx1"/>
+                      </a:solidFill>
+                      <a:prstDash val="solid"/>
+                      <a:round/>
+                      <a:headEnd type="none" w="med" len="med"/>
+                      <a:tailEnd type="none" w="med" len="med"/>
+                    </a:lnR>
+                    <a:lnT w="12700" cap="flat" cmpd="sng" algn="ctr">
+                      <a:solidFill>
+                        <a:schemeClr val="tx1"/>
+                      </a:solidFill>
+                      <a:prstDash val="solid"/>
+                      <a:round/>
+                      <a:headEnd type="none" w="med" len="med"/>
+                      <a:tailEnd type="none" w="med" len="med"/>
+                    </a:lnT>
+                    <a:lnB w="12700" cap="flat" cmpd="sng" algn="ctr">
+                      <a:solidFill>
+                        <a:schemeClr val="tx1"/>
+                      </a:solidFill>
+                      <a:prstDash val="solid"/>
+                      <a:round/>
+                      <a:headEnd type="none" w="med" len="med"/>
+                      <a:tailEnd type="none" w="med" len="med"/>
+                    </a:lnB>
+                  </a:tcPr>
+                </a:tc>
+                <a:tc>
+                  <a:txBody>
+                    <a:bodyPr/>
+                    <a:lstStyle/>
+                    <a:p>
+                      <a:r>
+                        <a:rPr lang="en-US" dirty="0" smtClean="0"/>
+                        <a:t>Write</a:t>
+                      </a:r>
+                      <a:endParaRPr lang="en-US" dirty="0"/>
+                    </a:p>
+                  </a:txBody>
+                  <a:tcPr>
+                    <a:lnL w="12700" cap="flat" cmpd="sng" algn="ctr">
+                      <a:solidFill>
+                        <a:schemeClr val="tx1"/>
+                      </a:solidFill>
+                      <a:prstDash val="solid"/>
+                      <a:round/>
+                      <a:headEnd type="none" w="med" len="med"/>
+                      <a:tailEnd type="none" w="med" len="med"/>
+                    </a:lnL>
+                    <a:lnR w="12700" cap="flat" cmpd="sng" algn="ctr">
+                      <a:solidFill>
+                        <a:schemeClr val="tx1"/>
+                      </a:solidFill>
+                      <a:prstDash val="solid"/>
+                      <a:round/>
+                      <a:headEnd type="none" w="med" len="med"/>
+                      <a:tailEnd type="none" w="med" len="med"/>
+                    </a:lnR>
+                    <a:lnT w="12700" cap="flat" cmpd="sng" algn="ctr">
+                      <a:solidFill>
+                        <a:schemeClr val="tx1"/>
+                      </a:solidFill>
+                      <a:prstDash val="solid"/>
+                      <a:round/>
+                      <a:headEnd type="none" w="med" len="med"/>
+                      <a:tailEnd type="none" w="med" len="med"/>
+                    </a:lnT>
+                    <a:lnB w="12700" cap="flat" cmpd="sng" algn="ctr">
+                      <a:solidFill>
+                        <a:schemeClr val="tx1"/>
+                      </a:solidFill>
+                      <a:prstDash val="solid"/>
+                      <a:round/>
+                      <a:headEnd type="none" w="med" len="med"/>
+                      <a:tailEnd type="none" w="med" len="med"/>
+                    </a:lnB>
+                  </a:tcPr>
+                </a:tc>
+                <a:tc>
+                  <a:txBody>
+                    <a:bodyPr/>
+                    <a:lstStyle/>
+                    <a:p>
+                      <a:r>
+                        <a:rPr lang="en-US" dirty="0" smtClean="0"/>
+                        <a:t>ACK</a:t>
+                      </a:r>
+                      <a:endParaRPr lang="en-US" dirty="0"/>
+                    </a:p>
+                  </a:txBody>
+                  <a:tcPr>
+                    <a:lnL w="12700" cap="flat" cmpd="sng" algn="ctr">
+                      <a:solidFill>
+                        <a:schemeClr val="tx1"/>
+                      </a:solidFill>
+                      <a:prstDash val="solid"/>
+                      <a:round/>
+                      <a:headEnd type="none" w="med" len="med"/>
+                      <a:tailEnd type="none" w="med" len="med"/>
+                    </a:lnL>
+                    <a:lnR w="12700" cap="flat" cmpd="sng" algn="ctr">
+                      <a:solidFill>
+                        <a:schemeClr val="tx1"/>
+                      </a:solidFill>
+                      <a:prstDash val="solid"/>
+                      <a:round/>
+                      <a:headEnd type="none" w="med" len="med"/>
+                      <a:tailEnd type="none" w="med" len="med"/>
+                    </a:lnR>
+                    <a:lnT w="12700" cap="flat" cmpd="sng" algn="ctr">
+                      <a:solidFill>
+                        <a:schemeClr val="tx1"/>
+                      </a:solidFill>
+                      <a:prstDash val="solid"/>
+                      <a:round/>
+                      <a:headEnd type="none" w="med" len="med"/>
+                      <a:tailEnd type="none" w="med" len="med"/>
+                    </a:lnT>
+                    <a:lnB w="12700" cap="flat" cmpd="sng" algn="ctr">
+                      <a:solidFill>
+                        <a:schemeClr val="tx1"/>
+                      </a:solidFill>
+                      <a:prstDash val="solid"/>
+                      <a:round/>
+                      <a:headEnd type="none" w="med" len="med"/>
+                      <a:tailEnd type="none" w="med" len="med"/>
+                    </a:lnB>
+                  </a:tcPr>
+                </a:tc>
+                <a:tc>
+                  <a:txBody>
+                    <a:bodyPr/>
+                    <a:lstStyle/>
+                    <a:p>
+                      <a:r>
+                        <a:rPr lang="en-US" dirty="0" smtClean="0"/>
+                        <a:t>RESTART</a:t>
+                      </a:r>
+                      <a:endParaRPr lang="en-US" dirty="0"/>
+                    </a:p>
+                  </a:txBody>
+                  <a:tcPr>
+                    <a:lnL w="12700" cap="flat" cmpd="sng" algn="ctr">
+                      <a:solidFill>
+                        <a:schemeClr val="tx1"/>
+                      </a:solidFill>
+                      <a:prstDash val="solid"/>
+                      <a:round/>
+                      <a:headEnd type="none" w="med" len="med"/>
+                      <a:tailEnd type="none" w="med" len="med"/>
+                    </a:lnL>
+                    <a:lnR w="12700" cap="flat" cmpd="sng" algn="ctr">
+                      <a:solidFill>
+                        <a:schemeClr val="tx1"/>
+                      </a:solidFill>
+                      <a:prstDash val="solid"/>
+                      <a:round/>
+                      <a:headEnd type="none" w="med" len="med"/>
+                      <a:tailEnd type="none" w="med" len="med"/>
+                    </a:lnR>
+                    <a:lnT w="12700" cap="flat" cmpd="sng" algn="ctr">
+                      <a:solidFill>
+                        <a:schemeClr val="tx1"/>
+                      </a:solidFill>
+                      <a:prstDash val="solid"/>
+                      <a:round/>
+                      <a:headEnd type="none" w="med" len="med"/>
+                      <a:tailEnd type="none" w="med" len="med"/>
+                    </a:lnT>
+                    <a:lnB w="12700" cap="flat" cmpd="sng" algn="ctr">
+                      <a:solidFill>
+                        <a:schemeClr val="tx1"/>
+                      </a:solidFill>
+                      <a:prstDash val="solid"/>
+                      <a:round/>
+                      <a:headEnd type="none" w="med" len="med"/>
+                      <a:tailEnd type="none" w="med" len="med"/>
+                    </a:lnB>
+                  </a:tcPr>
+                </a:tc>
+                <a:tc>
+                  <a:txBody>
+                    <a:bodyPr/>
+                    <a:lstStyle/>
+                    <a:p>
+                      <a:r>
+                        <a:rPr lang="en-US" dirty="0" smtClean="0"/>
+                        <a:t>SLAVE</a:t>
+                      </a:r>
+                    </a:p>
+                    <a:p>
+                      <a:r>
+                        <a:rPr lang="en-US" dirty="0" smtClean="0"/>
+                        <a:t>ADDRESS</a:t>
+                      </a:r>
+                    </a:p>
+                    <a:p>
+                      <a:endParaRPr lang="en-US" dirty="0"/>
+                    </a:p>
+                  </a:txBody>
+                  <a:tcPr>
+                    <a:lnL w="12700" cap="flat" cmpd="sng" algn="ctr">
+                      <a:solidFill>
+                        <a:schemeClr val="tx1"/>
+                      </a:solidFill>
+                      <a:prstDash val="solid"/>
+                      <a:round/>
+                      <a:headEnd type="none" w="med" len="med"/>
+                      <a:tailEnd type="none" w="med" len="med"/>
+                    </a:lnL>
+                    <a:lnR w="12700" cap="flat" cmpd="sng" algn="ctr">
+                      <a:solidFill>
+                        <a:schemeClr val="tx1"/>
+                      </a:solidFill>
+                      <a:prstDash val="solid"/>
+                      <a:round/>
+                      <a:headEnd type="none" w="med" len="med"/>
+                      <a:tailEnd type="none" w="med" len="med"/>
+                    </a:lnR>
+                    <a:lnT w="12700" cap="flat" cmpd="sng" algn="ctr">
+                      <a:solidFill>
+                        <a:schemeClr val="tx1"/>
+                      </a:solidFill>
+                      <a:prstDash val="solid"/>
+                      <a:round/>
+                      <a:headEnd type="none" w="med" len="med"/>
+                      <a:tailEnd type="none" w="med" len="med"/>
+                    </a:lnT>
+                    <a:lnB w="12700" cap="flat" cmpd="sng" algn="ctr">
+                      <a:solidFill>
+                        <a:schemeClr val="tx1"/>
+                      </a:solidFill>
+                      <a:prstDash val="solid"/>
+                      <a:round/>
+                      <a:headEnd type="none" w="med" len="med"/>
+                      <a:tailEnd type="none" w="med" len="med"/>
+                    </a:lnB>
+                  </a:tcPr>
+                </a:tc>
+                <a:tc>
+                  <a:txBody>
+                    <a:bodyPr/>
+                    <a:lstStyle/>
+                    <a:p>
+                      <a:r>
+                        <a:rPr lang="en-US" dirty="0" smtClean="0"/>
+                        <a:t>Read</a:t>
+                      </a:r>
+                      <a:endParaRPr lang="en-US" dirty="0"/>
+                    </a:p>
+                  </a:txBody>
+                  <a:tcPr>
+                    <a:lnL w="12700" cap="flat" cmpd="sng" algn="ctr">
+                      <a:solidFill>
+                        <a:schemeClr val="tx1"/>
+                      </a:solidFill>
+                      <a:prstDash val="solid"/>
+                      <a:round/>
+                      <a:headEnd type="none" w="med" len="med"/>
+                      <a:tailEnd type="none" w="med" len="med"/>
+                    </a:lnL>
+                    <a:lnR w="12700" cap="flat" cmpd="sng" algn="ctr">
+                      <a:solidFill>
+                        <a:schemeClr val="tx1"/>
+                      </a:solidFill>
+                      <a:prstDash val="solid"/>
+                      <a:round/>
+                      <a:headEnd type="none" w="med" len="med"/>
+                      <a:tailEnd type="none" w="med" len="med"/>
+                    </a:lnR>
+                    <a:lnT w="12700" cap="flat" cmpd="sng" algn="ctr">
+                      <a:solidFill>
+                        <a:schemeClr val="tx1"/>
+                      </a:solidFill>
+                      <a:prstDash val="solid"/>
+                      <a:round/>
+                      <a:headEnd type="none" w="med" len="med"/>
+                      <a:tailEnd type="none" w="med" len="med"/>
+                    </a:lnT>
+                    <a:lnB w="12700" cap="flat" cmpd="sng" algn="ctr">
+                      <a:solidFill>
+                        <a:schemeClr val="tx1"/>
+                      </a:solidFill>
+                      <a:prstDash val="solid"/>
+                      <a:round/>
+                      <a:headEnd type="none" w="med" len="med"/>
+                      <a:tailEnd type="none" w="med" len="med"/>
+                    </a:lnB>
+                  </a:tcPr>
+                </a:tc>
+                <a:tc>
+                  <a:txBody>
+                    <a:bodyPr/>
+                    <a:lstStyle/>
+                    <a:p>
+                      <a:r>
+                        <a:rPr lang="en-US" dirty="0" smtClean="0"/>
+                        <a:t>DATA</a:t>
+                      </a:r>
+                      <a:endParaRPr lang="en-US" dirty="0"/>
+                    </a:p>
+                  </a:txBody>
+                  <a:tcPr>
+                    <a:lnL w="12700" cap="flat" cmpd="sng" algn="ctr">
+                      <a:solidFill>
+                        <a:schemeClr val="tx1"/>
+                      </a:solidFill>
+                      <a:prstDash val="solid"/>
+                      <a:round/>
+                      <a:headEnd type="none" w="med" len="med"/>
+                      <a:tailEnd type="none" w="med" len="med"/>
+                    </a:lnL>
+                    <a:lnR w="12700" cap="flat" cmpd="sng" algn="ctr">
+                      <a:solidFill>
+                        <a:schemeClr val="tx1"/>
+                      </a:solidFill>
+                      <a:prstDash val="solid"/>
+                      <a:round/>
+                      <a:headEnd type="none" w="med" len="med"/>
+                      <a:tailEnd type="none" w="med" len="med"/>
+                    </a:lnR>
+                    <a:lnT w="12700" cap="flat" cmpd="sng" algn="ctr">
+                      <a:solidFill>
+                        <a:schemeClr val="tx1"/>
+                      </a:solidFill>
+                      <a:prstDash val="solid"/>
+                      <a:round/>
+                      <a:headEnd type="none" w="med" len="med"/>
+                      <a:tailEnd type="none" w="med" len="med"/>
+                    </a:lnT>
+                    <a:lnB w="12700" cap="flat" cmpd="sng" algn="ctr">
+                      <a:solidFill>
+                        <a:schemeClr val="tx1"/>
+                      </a:solidFill>
+                      <a:prstDash val="solid"/>
+                      <a:round/>
+                      <a:headEnd type="none" w="med" len="med"/>
+                      <a:tailEnd type="none" w="med" len="med"/>
+                    </a:lnB>
+                  </a:tcPr>
+                </a:tc>
+                <a:tc>
+                  <a:txBody>
+                    <a:bodyPr/>
+                    <a:lstStyle/>
+                    <a:p>
+                      <a:r>
+                        <a:rPr lang="en-US" dirty="0" smtClean="0"/>
+                        <a:t>NACK</a:t>
+                      </a:r>
+                      <a:endParaRPr lang="en-US" dirty="0"/>
+                    </a:p>
+                  </a:txBody>
+                  <a:tcPr>
+                    <a:lnL w="12700" cap="flat" cmpd="sng" algn="ctr">
+                      <a:solidFill>
+                        <a:schemeClr val="tx1"/>
+                      </a:solidFill>
+                      <a:prstDash val="solid"/>
+                      <a:round/>
+                      <a:headEnd type="none" w="med" len="med"/>
+                      <a:tailEnd type="none" w="med" len="med"/>
+                    </a:lnL>
+                    <a:lnR w="12700" cap="flat" cmpd="sng" algn="ctr">
+                      <a:solidFill>
+                        <a:schemeClr val="tx1"/>
+                      </a:solidFill>
+                      <a:prstDash val="solid"/>
+                      <a:round/>
+                      <a:headEnd type="none" w="med" len="med"/>
+                      <a:tailEnd type="none" w="med" len="med"/>
+                    </a:lnR>
+                    <a:lnT w="12700" cap="flat" cmpd="sng" algn="ctr">
+                      <a:solidFill>
+                        <a:schemeClr val="tx1"/>
+                      </a:solidFill>
+                      <a:prstDash val="solid"/>
+                      <a:round/>
+                      <a:headEnd type="none" w="med" len="med"/>
+                      <a:tailEnd type="none" w="med" len="med"/>
+                    </a:lnT>
+                    <a:lnB w="12700" cap="flat" cmpd="sng" algn="ctr">
+                      <a:solidFill>
+                        <a:schemeClr val="tx1"/>
+                      </a:solidFill>
+                      <a:prstDash val="solid"/>
+                      <a:round/>
+                      <a:headEnd type="none" w="med" len="med"/>
+                      <a:tailEnd type="none" w="med" len="med"/>
+                    </a:lnB>
+                  </a:tcPr>
+                </a:tc>
+                <a:tc>
+                  <a:txBody>
+                    <a:bodyPr/>
+                    <a:lstStyle/>
+                    <a:p>
+                      <a:r>
+                        <a:rPr lang="en-US" dirty="0" smtClean="0"/>
+                        <a:t>STOP</a:t>
+                      </a:r>
+                      <a:endParaRPr lang="en-US" dirty="0"/>
+                    </a:p>
+                  </a:txBody>
+                  <a:tcPr>
+                    <a:lnL w="12700" cap="flat" cmpd="sng" algn="ctr">
+                      <a:solidFill>
+                        <a:schemeClr val="tx1"/>
+                      </a:solidFill>
+                      <a:prstDash val="solid"/>
+                      <a:round/>
+                      <a:headEnd type="none" w="med" len="med"/>
+                      <a:tailEnd type="none" w="med" len="med"/>
+                    </a:lnL>
+                    <a:lnR w="12700" cmpd="sng">
+                      <a:solidFill>
+                        <a:schemeClr val="tx1"/>
+                      </a:solidFill>
+                      <a:prstDash val="solid"/>
+                    </a:lnR>
+                    <a:lnT w="12700" cap="flat" cmpd="sng" algn="ctr">
+                      <a:solidFill>
+                        <a:schemeClr val="tx1"/>
+                      </a:solidFill>
+                      <a:prstDash val="solid"/>
+                      <a:round/>
+                      <a:headEnd type="none" w="med" len="med"/>
+                      <a:tailEnd type="none" w="med" len="med"/>
+                    </a:lnT>
+                    <a:lnB w="12700" cap="flat" cmpd="sng" algn="ctr">
+                      <a:solidFill>
+                        <a:schemeClr val="tx1"/>
+                      </a:solidFill>
+                      <a:prstDash val="solid"/>
+                      <a:round/>
+                      <a:headEnd type="none" w="med" len="med"/>
+                      <a:tailEnd type="none" w="med" len="med"/>
+                    </a:lnB>
+                  </a:tcPr>
+                </a:tc>
+                <a:extLst>
+                  <a:ext uri="{0D108BD9-81ED-4DB2-BD59-A6C34878D82A}">
+                    <a16:rowId xmlns:a16="http://schemas.microsoft.com/office/drawing/2014/main" val="1437942290"/>
+                  </a:ext>
+                </a:extLst>
+              </a:tr>
+            </a:tbl>
+          </a:graphicData>
+        </a:graphic>
+      </p:graphicFrame>
+      <p:sp>
+        <p:nvSpPr>
+          <p:cNvPr id="8" name="TextBox 7"/>
+          <p:cNvSpPr txBox="1"/>
+          <p:nvPr/>
+        </p:nvSpPr>
+        <p:spPr>
+          <a:xfrm>
+            <a:off x="992659" y="1238846"/>
+            <a:ext cx="2160373" cy="369332"/>
+          </a:xfrm>
+          <a:prstGeom prst="rect">
+            <a:avLst/>
+          </a:prstGeom>
+          <a:noFill/>
+        </p:spPr>
+        <p:txBody>
+          <a:bodyPr wrap="square" rtlCol="0">
+            <a:spAutoFit/>
+          </a:bodyPr>
+          <a:lstStyle/>
+          <a:p>
+            <a:r>
+              <a:rPr lang="en-US" dirty="0" smtClean="0">
+                <a:solidFill>
+                  <a:srgbClr val="FF0000"/>
+                </a:solidFill>
+              </a:rPr>
+              <a:t>WRITE</a:t>
+            </a:r>
+            <a:endParaRPr lang="en-US" dirty="0">
+              <a:solidFill>
+                <a:srgbClr val="FF0000"/>
+              </a:solidFill>
+            </a:endParaRPr>
+          </a:p>
+        </p:txBody>
+      </p:sp>
+      <p:sp>
+        <p:nvSpPr>
+          <p:cNvPr id="9" name="TextBox 8"/>
+          <p:cNvSpPr txBox="1"/>
+          <p:nvPr/>
+        </p:nvSpPr>
+        <p:spPr>
+          <a:xfrm>
+            <a:off x="992658" y="3481381"/>
+            <a:ext cx="2160373" cy="369332"/>
+          </a:xfrm>
+          <a:prstGeom prst="rect">
+            <a:avLst/>
+          </a:prstGeom>
+          <a:noFill/>
+        </p:spPr>
+        <p:txBody>
+          <a:bodyPr wrap="square" rtlCol="0">
+            <a:spAutoFit/>
+          </a:bodyPr>
+          <a:lstStyle/>
+          <a:p>
+            <a:r>
+              <a:rPr lang="en-US" dirty="0" smtClean="0">
+                <a:solidFill>
+                  <a:srgbClr val="FF0000"/>
+                </a:solidFill>
+              </a:rPr>
+              <a:t>READ</a:t>
+            </a:r>
+            <a:endParaRPr lang="en-US" dirty="0">
+              <a:solidFill>
+                <a:srgbClr val="FF0000"/>
+              </a:solidFill>
+            </a:endParaRPr>
           </a:p>
         </p:txBody>
       </p:sp>
@@ -6523,7 +11822,7 @@
                 </a:solidFill>
                 <a:latin typeface="Facto Bold" panose="00000800000000000000" pitchFamily="50" charset="0"/>
               </a:rPr>
-              <a:t>Heading</a:t>
+              <a:t>DATA FRAMES</a:t>
             </a:r>
           </a:p>
         </p:txBody>
@@ -6652,7 +11951,7 @@
     </p:spTree>
     <p:extLst>
       <p:ext uri="{BB962C8B-B14F-4D97-AF65-F5344CB8AC3E}">
-        <p14:creationId xmlns:p14="http://schemas.microsoft.com/office/powerpoint/2010/main" val="1867588625"/>
+        <p14:creationId xmlns:p14="http://schemas.microsoft.com/office/powerpoint/2010/main" val="1291580331"/>
       </p:ext>
     </p:extLst>
   </p:cSld>
@@ -6801,7 +12100,7 @@
                 </a:solidFill>
                 <a:latin typeface="Facto Bold" panose="00000800000000000000" pitchFamily="50" charset="0"/>
               </a:rPr>
-              <a:t>Clock Frame</a:t>
+              <a:t>I2C Clock Diagram</a:t>
             </a:r>
           </a:p>
         </p:txBody>
@@ -6999,7 +12298,7 @@
                 </a:solidFill>
                 <a:latin typeface="Facto Bold" panose="00000800000000000000" pitchFamily="50" charset="0"/>
               </a:rPr>
-              <a:t>I2C in STM32</a:t>
+              <a:t>I2C Features</a:t>
             </a:r>
           </a:p>
         </p:txBody>
@@ -7012,8 +12311,8 @@
         </p:nvSpPr>
         <p:spPr>
           <a:xfrm>
-            <a:off x="801660" y="1185704"/>
-            <a:ext cx="11013140" cy="3323987"/>
+            <a:off x="679622" y="1185704"/>
+            <a:ext cx="11121081" cy="3970318"/>
           </a:xfrm>
           <a:prstGeom prst="rect">
             <a:avLst/>
@@ -7026,185 +12325,98 @@
           </a:bodyPr>
           <a:lstStyle/>
           <a:p>
-            <a:pPr marL="384048" lvl="0" indent="-384048">
-              <a:spcBef>
-                <a:spcPts val="1000"/>
-              </a:spcBef>
-              <a:spcAft>
-                <a:spcPts val="200"/>
-              </a:spcAft>
+            <a:pPr marL="342900" indent="-342900">
               <a:buFont typeface="Wingdings" panose="05000000000000000000" pitchFamily="2" charset="2"/>
               <a:buChar char="v"/>
             </a:pPr>
             <a:r>
-              <a:rPr lang="en-US" sz="2000" dirty="0"/>
-              <a:t>I2C (inter-integrated circuit) bus Interface serves as an interface between the microcontroller</a:t>
-            </a:r>
-            <a:br>
-              <a:rPr lang="en-US" sz="2000" dirty="0"/>
-            </a:br>
-            <a:r>
-              <a:rPr lang="en-US" sz="2000" dirty="0"/>
-              <a:t>and the serial I2C bus. </a:t>
-            </a:r>
-            <a:endParaRPr lang="en-US" sz="2000" dirty="0" smtClean="0"/>
-          </a:p>
-          <a:p>
-            <a:pPr marL="384048" lvl="0" indent="-384048">
-              <a:spcBef>
-                <a:spcPts val="1000"/>
-              </a:spcBef>
-              <a:spcAft>
-                <a:spcPts val="200"/>
-              </a:spcAft>
+              <a:rPr lang="en-US" sz="2800" dirty="0">
+                <a:solidFill>
+                  <a:srgbClr val="FF0000"/>
+                </a:solidFill>
+              </a:rPr>
+              <a:t>Clock stretch </a:t>
+            </a:r>
+            <a:r>
+              <a:rPr lang="en-US" sz="2800" dirty="0">
+                <a:sym typeface="Wingdings" panose="05000000000000000000" pitchFamily="2" charset="2"/>
+              </a:rPr>
+              <a:t>slave hold master clock line by low ,on that stage master cant send data further</a:t>
+            </a:r>
+          </a:p>
+          <a:p>
+            <a:pPr marL="342900" indent="-342900">
               <a:buFont typeface="Wingdings" panose="05000000000000000000" pitchFamily="2" charset="2"/>
               <a:buChar char="v"/>
             </a:pPr>
-            <a:r>
-              <a:rPr lang="en-US" sz="2000" dirty="0" smtClean="0"/>
-              <a:t>It </a:t>
-            </a:r>
-            <a:r>
-              <a:rPr lang="en-US" sz="2000" dirty="0"/>
-              <a:t>provides </a:t>
-            </a:r>
-            <a:r>
-              <a:rPr lang="en-US" sz="2000" dirty="0" err="1"/>
-              <a:t>multimaster</a:t>
-            </a:r>
-            <a:r>
-              <a:rPr lang="en-US" sz="2000" dirty="0"/>
-              <a:t> capability, and controls all I2C </a:t>
-            </a:r>
-            <a:r>
-              <a:rPr lang="en-US" sz="2000" dirty="0" smtClean="0"/>
-              <a:t>bus-specific sequencing</a:t>
-            </a:r>
-            <a:r>
-              <a:rPr lang="en-US" sz="2000" dirty="0"/>
-              <a:t>, protocol, arbitration and timing. It supports the standard mode (</a:t>
-            </a:r>
-            <a:r>
-              <a:rPr lang="en-US" sz="2000" dirty="0" err="1"/>
-              <a:t>Sm</a:t>
-            </a:r>
-            <a:r>
-              <a:rPr lang="en-US" sz="2000" dirty="0"/>
-              <a:t>, up </a:t>
-            </a:r>
-            <a:r>
-              <a:rPr lang="en-US" sz="2000" dirty="0" smtClean="0"/>
-              <a:t>to 100 </a:t>
-            </a:r>
-            <a:r>
-              <a:rPr lang="en-US" sz="2000" dirty="0"/>
-              <a:t>kHz) and </a:t>
-            </a:r>
-            <a:r>
-              <a:rPr lang="en-US" sz="2000" dirty="0" err="1"/>
-              <a:t>Fm</a:t>
-            </a:r>
-            <a:r>
-              <a:rPr lang="en-US" sz="2000" dirty="0"/>
-              <a:t> mode (</a:t>
-            </a:r>
-            <a:r>
-              <a:rPr lang="en-US" sz="2000" dirty="0" err="1"/>
-              <a:t>Fm</a:t>
-            </a:r>
-            <a:r>
-              <a:rPr lang="en-US" sz="2000" dirty="0"/>
-              <a:t>, up to 400 kHz</a:t>
-            </a:r>
-            <a:r>
-              <a:rPr lang="en-US" sz="2000" dirty="0" smtClean="0"/>
-              <a:t>).</a:t>
-            </a:r>
-          </a:p>
-          <a:p>
-            <a:pPr marL="384048" lvl="0" indent="-384048">
-              <a:spcBef>
-                <a:spcPts val="1000"/>
-              </a:spcBef>
-              <a:spcAft>
-                <a:spcPts val="200"/>
-              </a:spcAft>
+            <a:endParaRPr lang="en-US" sz="2800" dirty="0">
+              <a:sym typeface="Wingdings" panose="05000000000000000000" pitchFamily="2" charset="2"/>
+            </a:endParaRPr>
+          </a:p>
+          <a:p>
+            <a:pPr marL="342900" indent="-342900">
               <a:buFont typeface="Wingdings" panose="05000000000000000000" pitchFamily="2" charset="2"/>
               <a:buChar char="v"/>
             </a:pPr>
             <a:r>
-              <a:rPr lang="en-US" sz="2000" dirty="0" smtClean="0"/>
-              <a:t>It </a:t>
-            </a:r>
-            <a:r>
-              <a:rPr lang="en-US" sz="2000" dirty="0"/>
-              <a:t>may be used for a variety of purposes, including CRC generation and verification, </a:t>
-            </a:r>
-            <a:r>
-              <a:rPr lang="en-US" sz="2000" dirty="0" err="1"/>
-              <a:t>SMBus</a:t>
-            </a:r>
-            <a:r>
-              <a:rPr lang="en-US" sz="2000" dirty="0"/>
-              <a:t/>
-            </a:r>
-            <a:br>
-              <a:rPr lang="en-US" sz="2000" dirty="0"/>
-            </a:br>
-            <a:r>
-              <a:rPr lang="en-US" sz="2000" dirty="0"/>
-              <a:t>(system management bus) and </a:t>
-            </a:r>
-            <a:r>
-              <a:rPr lang="en-US" sz="2000" dirty="0" err="1"/>
-              <a:t>PMBus</a:t>
-            </a:r>
-            <a:r>
-              <a:rPr lang="en-US" sz="2000" dirty="0"/>
-              <a:t> (power management bus</a:t>
-            </a:r>
-            <a:r>
-              <a:rPr lang="en-US" sz="2000" dirty="0" smtClean="0"/>
-              <a:t>).</a:t>
-            </a:r>
-          </a:p>
-          <a:p>
-            <a:pPr marL="384048" lvl="0" indent="-384048">
-              <a:spcBef>
-                <a:spcPts val="1000"/>
-              </a:spcBef>
-              <a:spcAft>
-                <a:spcPts val="200"/>
-              </a:spcAft>
+              <a:rPr lang="en-US" sz="2800" dirty="0" err="1">
+                <a:solidFill>
+                  <a:srgbClr val="FF0000"/>
+                </a:solidFill>
+                <a:sym typeface="Wingdings" panose="05000000000000000000" pitchFamily="2" charset="2"/>
+              </a:rPr>
+              <a:t>Arbitration</a:t>
+            </a:r>
+            <a:r>
+              <a:rPr lang="en-US" sz="2800" dirty="0" err="1">
+                <a:sym typeface="Wingdings" panose="05000000000000000000" pitchFamily="2" charset="2"/>
+              </a:rPr>
+              <a:t>if</a:t>
+            </a:r>
+            <a:r>
+              <a:rPr lang="en-US" sz="2800" dirty="0">
+                <a:sym typeface="Wingdings" panose="05000000000000000000" pitchFamily="2" charset="2"/>
+              </a:rPr>
+              <a:t> two master send data at same time ,which master has more low bit in their data which will win arbitration .</a:t>
+            </a:r>
+          </a:p>
+          <a:p>
+            <a:pPr marL="342900" indent="-342900">
               <a:buFont typeface="Wingdings" panose="05000000000000000000" pitchFamily="2" charset="2"/>
               <a:buChar char="v"/>
             </a:pPr>
-            <a:r>
-              <a:rPr lang="en-US" sz="2000" dirty="0" smtClean="0"/>
-              <a:t>Depending </a:t>
-            </a:r>
-            <a:r>
-              <a:rPr lang="en-US" sz="2000" dirty="0"/>
-              <a:t>on specific device implementation DMA capability can be available for reduced</a:t>
-            </a:r>
-            <a:br>
-              <a:rPr lang="en-US" sz="2000" dirty="0"/>
-            </a:br>
-            <a:r>
-              <a:rPr lang="en-US" sz="2000" dirty="0"/>
-              <a:t>CPU overload. </a:t>
-            </a:r>
-            <a:br>
-              <a:rPr lang="en-US" sz="2000" dirty="0"/>
-            </a:br>
-            <a:endParaRPr lang="en-US" sz="2000" dirty="0"/>
+            <a:endParaRPr lang="en-US" sz="2800" dirty="0">
+              <a:sym typeface="Wingdings" panose="05000000000000000000" pitchFamily="2" charset="2"/>
+            </a:endParaRPr>
+          </a:p>
+          <a:p>
+            <a:pPr marL="342900" indent="-342900">
+              <a:buFont typeface="Wingdings" panose="05000000000000000000" pitchFamily="2" charset="2"/>
+              <a:buChar char="v"/>
+            </a:pPr>
+            <a:r>
+              <a:rPr lang="en-US" sz="2800" dirty="0">
+                <a:solidFill>
+                  <a:srgbClr val="FF0000"/>
+                </a:solidFill>
+                <a:sym typeface="Wingdings" panose="05000000000000000000" pitchFamily="2" charset="2"/>
+              </a:rPr>
+              <a:t>Broadcast</a:t>
+            </a:r>
+            <a:r>
+              <a:rPr lang="en-US" sz="2800" dirty="0">
+                <a:sym typeface="Wingdings" panose="05000000000000000000" pitchFamily="2" charset="2"/>
+              </a:rPr>
+              <a:t> all slave communicate with master at same time by general call bit which only applicable if slaves are controller and it should have general call bit </a:t>
+            </a:r>
+            <a:endParaRPr lang="en-US" sz="2800" dirty="0"/>
           </a:p>
         </p:txBody>
       </p:sp>
     </p:spTree>
     <p:extLst>
       <p:ext uri="{BB962C8B-B14F-4D97-AF65-F5344CB8AC3E}">
-        <p14:creationId xmlns:p14="http://schemas.microsoft.com/office/powerpoint/2010/main" val="619045846"/>
+        <p14:creationId xmlns:p14="http://schemas.microsoft.com/office/powerpoint/2010/main" val="1876490591"/>
       </p:ext>
     </p:extLst>
   </p:cSld>

--- a/STM32_DOCS/I2C_in_STM32.pptx
+++ b/STM32_DOCS/I2C_in_STM32.pptx
@@ -5,10 +5,10 @@
     <p:sldMasterId id="2147483648" r:id="rId1"/>
   </p:sldMasterIdLst>
   <p:notesMasterIdLst>
-    <p:notesMasterId r:id="rId23"/>
+    <p:notesMasterId r:id="rId25"/>
   </p:notesMasterIdLst>
   <p:handoutMasterIdLst>
-    <p:handoutMasterId r:id="rId24"/>
+    <p:handoutMasterId r:id="rId26"/>
   </p:handoutMasterIdLst>
   <p:sldIdLst>
     <p:sldId id="324" r:id="rId2"/>
@@ -26,12 +26,14 @@
     <p:sldId id="367" r:id="rId14"/>
     <p:sldId id="355" r:id="rId15"/>
     <p:sldId id="356" r:id="rId16"/>
-    <p:sldId id="359" r:id="rId17"/>
-    <p:sldId id="364" r:id="rId18"/>
-    <p:sldId id="360" r:id="rId19"/>
-    <p:sldId id="361" r:id="rId20"/>
-    <p:sldId id="362" r:id="rId21"/>
-    <p:sldId id="363" r:id="rId22"/>
+    <p:sldId id="371" r:id="rId17"/>
+    <p:sldId id="359" r:id="rId18"/>
+    <p:sldId id="364" r:id="rId19"/>
+    <p:sldId id="370" r:id="rId20"/>
+    <p:sldId id="360" r:id="rId21"/>
+    <p:sldId id="361" r:id="rId22"/>
+    <p:sldId id="362" r:id="rId23"/>
+    <p:sldId id="363" r:id="rId24"/>
   </p:sldIdLst>
   <p:sldSz cx="12192000" cy="6858000"/>
   <p:notesSz cx="6858000" cy="9144000"/>
@@ -132,7 +134,7 @@
   </p:defaultTextStyle>
   <p:extLst>
     <p:ext uri="{EFAFB233-063F-42B5-8137-9DF3F51BA10A}">
-      <p15:sldGuideLst xmlns:p15="http://schemas.microsoft.com/office/powerpoint/2012/main"/>
+      <p15:sldGuideLst xmlns:p15="http://schemas.microsoft.com/office/powerpoint/2012/main" xmlns=""/>
     </p:ext>
   </p:extLst>
 </p:presentation>
@@ -220,7 +222,7 @@
           <a:p>
             <a:fld id="{FA960776-DD9C-4CA1-B52F-F69555253B23}" type="datetimeFigureOut">
               <a:rPr lang="en-US" smtClean="0"/>
-              <a:t>7/17/2021</a:t>
+              <a:t>17-Jul-21</a:t>
             </a:fld>
             <a:endParaRPr lang="en-US"/>
           </a:p>
@@ -385,7 +387,7 @@
           <a:p>
             <a:fld id="{117B28C9-C092-4B93-8C1C-CCC07276BB7E}" type="datetimeFigureOut">
               <a:rPr lang="en-US" smtClean="0"/>
-              <a:t>7/17/2021</a:t>
+              <a:t>17-Jul-21</a:t>
             </a:fld>
             <a:endParaRPr lang="en-US"/>
           </a:p>
@@ -784,7 +786,7 @@
           <a:p>
             <a:fld id="{2A5E2251-59F4-40B9-B589-7FD156F73A80}" type="datetime1">
               <a:rPr lang="en-US" smtClean="0"/>
-              <a:t>7/17/2021</a:t>
+              <a:t>17-Jul-21</a:t>
             </a:fld>
             <a:endParaRPr lang="en-US"/>
           </a:p>
@@ -958,7 +960,7 @@
           <a:p>
             <a:fld id="{89CF80C3-0E08-48A5-B726-C01769596925}" type="datetime1">
               <a:rPr lang="en-US" smtClean="0"/>
-              <a:t>7/17/2021</a:t>
+              <a:t>17-Jul-21</a:t>
             </a:fld>
             <a:endParaRPr lang="en-US"/>
           </a:p>
@@ -1142,7 +1144,7 @@
           <a:p>
             <a:fld id="{892E424D-94F6-4CEC-A81F-5E779D7413CC}" type="datetime1">
               <a:rPr lang="en-US" smtClean="0"/>
-              <a:t>7/17/2021</a:t>
+              <a:t>17-Jul-21</a:t>
             </a:fld>
             <a:endParaRPr lang="en-US"/>
           </a:p>
@@ -1316,7 +1318,7 @@
           <a:p>
             <a:fld id="{97D9D462-B0B7-4ABA-96C7-E930E507E961}" type="datetime1">
               <a:rPr lang="en-US" smtClean="0"/>
-              <a:t>7/17/2021</a:t>
+              <a:t>17-Jul-21</a:t>
             </a:fld>
             <a:endParaRPr lang="en-US"/>
           </a:p>
@@ -1566,7 +1568,7 @@
           <a:p>
             <a:fld id="{3918557C-03DF-4711-B723-5E38B3E9A1E7}" type="datetime1">
               <a:rPr lang="en-US" smtClean="0"/>
-              <a:t>7/17/2021</a:t>
+              <a:t>17-Jul-21</a:t>
             </a:fld>
             <a:endParaRPr lang="en-US"/>
           </a:p>
@@ -1802,7 +1804,7 @@
           <a:p>
             <a:fld id="{88336EB4-A409-4FAD-9C75-0FDA2532A29E}" type="datetime1">
               <a:rPr lang="en-US" smtClean="0"/>
-              <a:t>7/17/2021</a:t>
+              <a:t>17-Jul-21</a:t>
             </a:fld>
             <a:endParaRPr lang="en-US"/>
           </a:p>
@@ -2173,7 +2175,7 @@
           <a:p>
             <a:fld id="{DEDC10B9-38CE-47F4-A584-8AB9D88C77B6}" type="datetime1">
               <a:rPr lang="en-US" smtClean="0"/>
-              <a:t>7/17/2021</a:t>
+              <a:t>17-Jul-21</a:t>
             </a:fld>
             <a:endParaRPr lang="en-US"/>
           </a:p>
@@ -2295,7 +2297,7 @@
           <a:p>
             <a:fld id="{3555007C-9379-46F8-979B-5F3BF56E7AAF}" type="datetime1">
               <a:rPr lang="en-US" smtClean="0"/>
-              <a:t>7/17/2021</a:t>
+              <a:t>17-Jul-21</a:t>
             </a:fld>
             <a:endParaRPr lang="en-US"/>
           </a:p>
@@ -2394,7 +2396,7 @@
           <a:p>
             <a:fld id="{DF2E3600-6EBA-4BF3-A90C-7AAC98EC2961}" type="datetime1">
               <a:rPr lang="en-US" smtClean="0"/>
-              <a:t>7/17/2021</a:t>
+              <a:t>17-Jul-21</a:t>
             </a:fld>
             <a:endParaRPr lang="en-US"/>
           </a:p>
@@ -2675,7 +2677,7 @@
           <a:p>
             <a:fld id="{58C74F0D-A1EF-4991-AA34-322619835400}" type="datetime1">
               <a:rPr lang="en-US" smtClean="0"/>
-              <a:t>7/17/2021</a:t>
+              <a:t>17-Jul-21</a:t>
             </a:fld>
             <a:endParaRPr lang="en-US"/>
           </a:p>
@@ -2932,7 +2934,7 @@
           <a:p>
             <a:fld id="{B940BCD2-4171-4350-A35E-E8DC82A10A4D}" type="datetime1">
               <a:rPr lang="en-US" smtClean="0"/>
-              <a:t>7/17/2021</a:t>
+              <a:t>17-Jul-21</a:t>
             </a:fld>
             <a:endParaRPr lang="en-US"/>
           </a:p>
@@ -3149,7 +3151,7 @@
           <a:p>
             <a:fld id="{ABA45DF3-9160-4E03-9CC3-848E1257BAC3}" type="datetime1">
               <a:rPr lang="en-US" smtClean="0"/>
-              <a:t>7/17/2021</a:t>
+              <a:t>17-Jul-21</a:t>
             </a:fld>
             <a:endParaRPr lang="en-US"/>
           </a:p>
@@ -3833,7 +3835,7 @@
         </p:nvSpPr>
         <p:spPr>
           <a:xfrm>
-            <a:off x="801660" y="1185704"/>
+            <a:off x="863907" y="5026164"/>
             <a:ext cx="11013140" cy="707886"/>
           </a:xfrm>
           <a:prstGeom prst="rect">
@@ -3867,7 +3869,19 @@
             </a:r>
             <a:r>
               <a:rPr lang="en-US" sz="2000" dirty="0" smtClean="0"/>
-              <a:t>,depends upon its data logic bits one master will win arbitration (logic low bit have high priority than logic high)</a:t>
+              <a:t>,depends upon its data logic bits </a:t>
+            </a:r>
+            <a:r>
+              <a:rPr lang="en-US" sz="2000" dirty="0" smtClean="0"/>
+              <a:t>master </a:t>
+            </a:r>
+            <a:r>
+              <a:rPr lang="en-US" sz="2000" dirty="0" smtClean="0"/>
+              <a:t>will win arbitration (logic low bit have high priority than logic </a:t>
+            </a:r>
+            <a:r>
+              <a:rPr lang="en-US" sz="2000" dirty="0" smtClean="0"/>
+              <a:t>high in I2C communication)</a:t>
             </a:r>
             <a:endParaRPr lang="en-US" sz="2000" dirty="0"/>
           </a:p>
@@ -3895,8 +3909,8 @@
         </p:blipFill>
         <p:spPr>
           <a:xfrm>
-            <a:off x="1250391" y="2238906"/>
-            <a:ext cx="9685338" cy="3482272"/>
+            <a:off x="1057274" y="1264807"/>
+            <a:ext cx="9506979" cy="3418145"/>
           </a:xfrm>
           <a:prstGeom prst="rect">
             <a:avLst/>
@@ -4157,12 +4171,12 @@
               <a:t>kHz) and </a:t>
             </a:r>
             <a:r>
-              <a:rPr lang="en-US" sz="2000" dirty="0" err="1"/>
-              <a:t>Fm</a:t>
+              <a:rPr lang="en-US" sz="2000" dirty="0" smtClean="0"/>
+              <a:t>Fast </a:t>
             </a:r>
             <a:r>
               <a:rPr lang="en-US" sz="2000" dirty="0"/>
-              <a:t> mode (</a:t>
+              <a:t>mode (</a:t>
             </a:r>
             <a:r>
               <a:rPr lang="en-US" sz="2000" dirty="0" err="1"/>
@@ -4411,14 +4425,6 @@
               </a:rPr>
               <a:t>Master Transmitter</a:t>
             </a:r>
-            <a:endParaRPr lang="en-US" sz="2800" b="1" dirty="0" smtClean="0">
-              <a:solidFill>
-                <a:schemeClr val="accent1">
-                  <a:lumMod val="75000"/>
-                </a:schemeClr>
-              </a:solidFill>
-              <a:latin typeface="Facto Bold" panose="00000800000000000000" pitchFamily="50" charset="0"/>
-            </a:endParaRPr>
           </a:p>
         </p:txBody>
       </p:sp>
@@ -4606,14 +4612,6 @@
               </a:rPr>
               <a:t>Master receiver</a:t>
             </a:r>
-            <a:endParaRPr lang="en-US" sz="2800" b="1" dirty="0" smtClean="0">
-              <a:solidFill>
-                <a:schemeClr val="accent1">
-                  <a:lumMod val="75000"/>
-                </a:schemeClr>
-              </a:solidFill>
-              <a:latin typeface="Facto Bold" panose="00000800000000000000" pitchFamily="50" charset="0"/>
-            </a:endParaRPr>
           </a:p>
         </p:txBody>
       </p:sp>
@@ -5000,7 +4998,7 @@
         <p:spPr>
           <a:xfrm>
             <a:off x="711507" y="938577"/>
-            <a:ext cx="11013140" cy="6494085"/>
+            <a:ext cx="11013140" cy="6217087"/>
           </a:xfrm>
           <a:prstGeom prst="rect">
             <a:avLst/>
@@ -5118,21 +5116,33 @@
             </a:br>
             <a:r>
               <a:rPr lang="en-US" dirty="0" smtClean="0"/>
-              <a:t>If DUTY = 0:</a:t>
+              <a:t> If </a:t>
+            </a:r>
+            <a:r>
+              <a:rPr lang="en-US" dirty="0" smtClean="0"/>
+              <a:t>DUTY = 0:</a:t>
             </a:r>
             <a:br>
               <a:rPr lang="en-US" dirty="0" smtClean="0"/>
             </a:br>
             <a:r>
               <a:rPr lang="en-US" dirty="0" smtClean="0"/>
-              <a:t>T-high = CCR * TPCLK1</a:t>
+              <a:t> T-high </a:t>
+            </a:r>
+            <a:r>
+              <a:rPr lang="en-US" dirty="0" smtClean="0"/>
+              <a:t>= CCR * TPCLK1</a:t>
             </a:r>
             <a:br>
               <a:rPr lang="en-US" dirty="0" smtClean="0"/>
             </a:br>
             <a:r>
               <a:rPr lang="en-US" dirty="0" smtClean="0"/>
-              <a:t>T-low = 2 * CCR * TPCLK1</a:t>
+              <a:t> T-low </a:t>
+            </a:r>
+            <a:r>
+              <a:rPr lang="en-US" dirty="0" smtClean="0"/>
+              <a:t>= 2 * CCR * TPCLK1</a:t>
             </a:r>
           </a:p>
           <a:p>
@@ -5211,20 +5221,12 @@
             </a:br>
             <a:r>
               <a:rPr lang="en-US" dirty="0"/>
-              <a:t>If FREQR = 08, TPCLK1 = 125 ns so CCR must be programmed with 0x28</a:t>
-            </a:r>
-            <a:br>
-              <a:rPr lang="en-US" dirty="0"/>
-            </a:br>
-            <a:r>
-              <a:rPr lang="en-US" dirty="0"/>
-              <a:t>(0x28 &lt;=&gt; 40d x 125 ns = 5000 ns</a:t>
+              <a:t>If FREQR = 08, TPCLK1 = 125 ns so CCR must be programmed with </a:t>
             </a:r>
             <a:r>
               <a:rPr lang="en-US" dirty="0" smtClean="0"/>
-              <a:t>.)</a:t>
-            </a:r>
-            <a:endParaRPr lang="en-US" i="1" dirty="0" smtClean="0"/>
+              <a:t>0x28</a:t>
+            </a:r>
           </a:p>
           <a:p>
             <a:pPr marL="384048" lvl="0" indent="-384048">
@@ -5415,7 +5417,7 @@
         </p:nvSpPr>
         <p:spPr>
           <a:xfrm>
-            <a:off x="318311" y="441143"/>
+            <a:off x="318311" y="816528"/>
             <a:ext cx="6636281" cy="399245"/>
           </a:xfrm>
           <a:prstGeom prst="rect">
@@ -5456,7 +5458,7 @@
                 </a:solidFill>
                 <a:latin typeface="Facto Bold" panose="00000800000000000000" pitchFamily="50" charset="0"/>
               </a:rPr>
-              <a:t>I2C Registers</a:t>
+              <a:t>I2C Master Clock Calculation</a:t>
             </a:r>
           </a:p>
         </p:txBody>
@@ -5469,8 +5471,8 @@
         </p:nvSpPr>
         <p:spPr>
           <a:xfrm>
-            <a:off x="801660" y="1185704"/>
-            <a:ext cx="11013140" cy="5786199"/>
+            <a:off x="882957" y="1729152"/>
+            <a:ext cx="11013140" cy="3693319"/>
           </a:xfrm>
           <a:prstGeom prst="rect">
             <a:avLst/>
@@ -5494,259 +5496,174 @@
               <a:buChar char="v"/>
             </a:pPr>
             <a:r>
-              <a:rPr lang="it-IT" dirty="0"/>
-              <a:t>I2C Control register 1 (</a:t>
-            </a:r>
-            <a:r>
-              <a:rPr lang="it-IT" dirty="0">
+              <a:rPr lang="en-US" dirty="0" smtClean="0"/>
+              <a:t>If </a:t>
+            </a:r>
+            <a:r>
+              <a:rPr lang="en-US" dirty="0"/>
+              <a:t>required </a:t>
+            </a:r>
+            <a:r>
+              <a:rPr lang="en-US" dirty="0" smtClean="0"/>
+              <a:t> master clock 100khz,sysclk 8mhz</a:t>
+            </a:r>
+          </a:p>
+          <a:p>
+            <a:pPr lvl="1">
+              <a:spcBef>
+                <a:spcPts val="1000"/>
+              </a:spcBef>
+              <a:spcAft>
+                <a:spcPts val="200"/>
+              </a:spcAft>
+            </a:pPr>
+            <a:r>
+              <a:rPr lang="en-US" dirty="0" smtClean="0"/>
+              <a:t/>
+            </a:r>
+            <a:br>
+              <a:rPr lang="en-US" dirty="0" smtClean="0"/>
+            </a:br>
+            <a:r>
+              <a:rPr lang="en-US" dirty="0" err="1" smtClean="0">
                 <a:solidFill>
                   <a:srgbClr val="FF0000"/>
                 </a:solidFill>
-              </a:rPr>
-              <a:t>I2C_CR1</a:t>
-            </a:r>
-            <a:r>
-              <a:rPr lang="it-IT" dirty="0" smtClean="0"/>
-              <a:t>)</a:t>
-            </a:r>
-          </a:p>
-          <a:p>
-            <a:pPr marL="384048" lvl="0" indent="-384048">
-              <a:spcBef>
-                <a:spcPts val="1000"/>
-              </a:spcBef>
-              <a:spcAft>
-                <a:spcPts val="200"/>
-              </a:spcAft>
-              <a:buFont typeface="Wingdings" panose="05000000000000000000" pitchFamily="2" charset="2"/>
-              <a:buChar char="v"/>
-            </a:pPr>
-            <a:r>
-              <a:rPr lang="it-IT" dirty="0"/>
-              <a:t>I2C Control register </a:t>
-            </a:r>
-            <a:r>
-              <a:rPr lang="it-IT" dirty="0" smtClean="0"/>
-              <a:t>2 </a:t>
-            </a:r>
-            <a:r>
-              <a:rPr lang="it-IT" dirty="0"/>
-              <a:t>(</a:t>
-            </a:r>
-            <a:r>
-              <a:rPr lang="it-IT" dirty="0" smtClean="0">
-                <a:solidFill>
-                  <a:srgbClr val="FF0000"/>
-                </a:solidFill>
-              </a:rPr>
-              <a:t>I2C_CR2</a:t>
-            </a:r>
-            <a:r>
-              <a:rPr lang="it-IT" dirty="0" smtClean="0"/>
-              <a:t>)</a:t>
-            </a:r>
-          </a:p>
-          <a:p>
-            <a:pPr marL="384048" lvl="0" indent="-384048">
-              <a:spcBef>
-                <a:spcPts val="1000"/>
-              </a:spcBef>
-              <a:spcAft>
-                <a:spcPts val="200"/>
-              </a:spcAft>
-              <a:buFont typeface="Wingdings" panose="05000000000000000000" pitchFamily="2" charset="2"/>
-              <a:buChar char="v"/>
-            </a:pPr>
-            <a:r>
-              <a:rPr lang="it-IT" sz="2000" dirty="0" smtClean="0"/>
-              <a:t> </a:t>
-            </a:r>
-            <a:r>
-              <a:rPr lang="en-US" dirty="0"/>
-              <a:t>I2C Own address register 1 (</a:t>
+                <a:latin typeface="Consolas" pitchFamily="49" charset="0"/>
+              </a:rPr>
+              <a:t>Master_Clock</a:t>
             </a:r>
             <a:r>
               <a:rPr lang="en-US" dirty="0" smtClean="0">
                 <a:solidFill>
                   <a:srgbClr val="FF0000"/>
                 </a:solidFill>
-              </a:rPr>
-              <a:t>I2C_OAR1</a:t>
-            </a:r>
-            <a:r>
-              <a:rPr lang="en-US" dirty="0" smtClean="0"/>
-              <a:t>)</a:t>
-            </a:r>
-          </a:p>
-          <a:p>
-            <a:pPr marL="384048" lvl="0" indent="-384048">
-              <a:spcBef>
-                <a:spcPts val="1000"/>
-              </a:spcBef>
-              <a:spcAft>
-                <a:spcPts val="200"/>
-              </a:spcAft>
-              <a:buFont typeface="Wingdings" panose="05000000000000000000" pitchFamily="2" charset="2"/>
-              <a:buChar char="v"/>
-            </a:pPr>
-            <a:r>
-              <a:rPr lang="en-US" dirty="0"/>
-              <a:t>I2C Data register (</a:t>
-            </a:r>
-            <a:r>
-              <a:rPr lang="en-US" dirty="0">
+                <a:latin typeface="Consolas" pitchFamily="49" charset="0"/>
+              </a:rPr>
+              <a:t> = </a:t>
+            </a:r>
+            <a:r>
+              <a:rPr lang="en-US" dirty="0" err="1" smtClean="0">
                 <a:solidFill>
                   <a:srgbClr val="FF0000"/>
                 </a:solidFill>
-              </a:rPr>
-              <a:t>I2C_DR</a:t>
-            </a:r>
-            <a:r>
-              <a:rPr lang="en-US" dirty="0"/>
-              <a:t>) </a:t>
-            </a:r>
-            <a:endParaRPr lang="en-US" dirty="0" smtClean="0"/>
-          </a:p>
-          <a:p>
-            <a:pPr marL="384048" lvl="0" indent="-384048">
-              <a:spcBef>
-                <a:spcPts val="1000"/>
-              </a:spcBef>
-              <a:spcAft>
-                <a:spcPts val="200"/>
-              </a:spcAft>
-              <a:buFont typeface="Wingdings" panose="05000000000000000000" pitchFamily="2" charset="2"/>
-              <a:buChar char="v"/>
-            </a:pPr>
-            <a:r>
-              <a:rPr lang="en-US" dirty="0" smtClean="0"/>
-              <a:t>I2C Status Register 1 (</a:t>
+                <a:latin typeface="Consolas" pitchFamily="49" charset="0"/>
+              </a:rPr>
+              <a:t>Sysclk</a:t>
             </a:r>
             <a:r>
               <a:rPr lang="en-US" dirty="0" smtClean="0">
                 <a:solidFill>
                   <a:srgbClr val="FF0000"/>
                 </a:solidFill>
-              </a:rPr>
-              <a:t>I2C_SR2</a:t>
-            </a:r>
-            <a:r>
-              <a:rPr lang="en-US" dirty="0" smtClean="0"/>
-              <a:t>)</a:t>
-            </a:r>
-          </a:p>
-          <a:p>
-            <a:pPr marL="384048" indent="-384048">
-              <a:spcBef>
-                <a:spcPts val="1000"/>
-              </a:spcBef>
-              <a:spcAft>
-                <a:spcPts val="200"/>
-              </a:spcAft>
-              <a:buFont typeface="Wingdings" panose="05000000000000000000" pitchFamily="2" charset="2"/>
-              <a:buChar char="v"/>
-            </a:pPr>
-            <a:r>
-              <a:rPr lang="en-US" dirty="0"/>
-              <a:t>I2C Status Register </a:t>
-            </a:r>
-            <a:r>
-              <a:rPr lang="en-US" dirty="0" smtClean="0"/>
-              <a:t>2 (</a:t>
-            </a:r>
-            <a:r>
-              <a:rPr lang="en-US" dirty="0" smtClean="0">
-                <a:solidFill>
-                  <a:srgbClr val="FF0000"/>
-                </a:solidFill>
-              </a:rPr>
-              <a:t>I2C_SR2</a:t>
-            </a:r>
-            <a:r>
-              <a:rPr lang="en-US" dirty="0" smtClean="0"/>
-              <a:t>)</a:t>
-            </a:r>
-            <a:endParaRPr lang="en-US" dirty="0"/>
-          </a:p>
-          <a:p>
-            <a:pPr marL="384048" lvl="0" indent="-384048">
-              <a:spcBef>
-                <a:spcPts val="1000"/>
-              </a:spcBef>
-              <a:spcAft>
-                <a:spcPts val="200"/>
-              </a:spcAft>
-              <a:buFont typeface="Wingdings" panose="05000000000000000000" pitchFamily="2" charset="2"/>
-              <a:buChar char="v"/>
-            </a:pPr>
-            <a:r>
-              <a:rPr lang="en-US" dirty="0" smtClean="0"/>
-              <a:t>I2C Clock Control Register (</a:t>
-            </a:r>
-            <a:r>
-              <a:rPr lang="en-US" dirty="0" smtClean="0">
-                <a:solidFill>
-                  <a:srgbClr val="FF0000"/>
-                </a:solidFill>
-              </a:rPr>
-              <a:t>I2C_CCR</a:t>
-            </a:r>
-            <a:r>
-              <a:rPr lang="en-US" dirty="0" smtClean="0"/>
-              <a:t>)</a:t>
-            </a:r>
-          </a:p>
-          <a:p>
-            <a:pPr marL="384048" lvl="0" indent="-384048">
-              <a:spcBef>
-                <a:spcPts val="1000"/>
-              </a:spcBef>
-              <a:spcAft>
-                <a:spcPts val="200"/>
-              </a:spcAft>
-              <a:buFont typeface="Wingdings" panose="05000000000000000000" pitchFamily="2" charset="2"/>
-              <a:buChar char="v"/>
-            </a:pPr>
-            <a:r>
-              <a:rPr lang="en-US" dirty="0"/>
-              <a:t>I2C TRISE register (</a:t>
-            </a:r>
-            <a:r>
-              <a:rPr lang="en-US" dirty="0">
-                <a:solidFill>
-                  <a:srgbClr val="FF0000"/>
-                </a:solidFill>
-              </a:rPr>
-              <a:t>I2C_TRISE</a:t>
-            </a:r>
-            <a:r>
-              <a:rPr lang="en-US" dirty="0"/>
-              <a:t>) </a:t>
-            </a:r>
-            <a:br>
-              <a:rPr lang="en-US" dirty="0"/>
-            </a:br>
-            <a:r>
-              <a:rPr lang="en-US" dirty="0"/>
-              <a:t/>
-            </a:r>
-            <a:br>
-              <a:rPr lang="en-US" dirty="0"/>
-            </a:br>
-            <a:r>
-              <a:rPr lang="en-US" dirty="0"/>
-              <a:t/>
-            </a:r>
-            <a:br>
-              <a:rPr lang="en-US" dirty="0"/>
-            </a:br>
-            <a:r>
-              <a:rPr lang="en-US" dirty="0"/>
-              <a:t/>
-            </a:r>
-            <a:br>
-              <a:rPr lang="en-US" dirty="0"/>
-            </a:br>
+                <a:latin typeface="Consolas" pitchFamily="49" charset="0"/>
+              </a:rPr>
+              <a:t> / 2*CCR</a:t>
+            </a:r>
+          </a:p>
+          <a:p>
+            <a:pPr lvl="1">
+              <a:spcBef>
+                <a:spcPts val="1000"/>
+              </a:spcBef>
+              <a:spcAft>
+                <a:spcPts val="200"/>
+              </a:spcAft>
+            </a:pPr>
+            <a:r>
+              <a:rPr lang="en-US" sz="2000" dirty="0" smtClean="0">
+                <a:latin typeface="Consolas" pitchFamily="49" charset="0"/>
+              </a:rPr>
+              <a:t>CCR =</a:t>
+            </a:r>
+            <a:r>
+              <a:rPr lang="en-US" sz="2000" dirty="0" err="1" smtClean="0">
+                <a:latin typeface="Consolas" pitchFamily="49" charset="0"/>
+              </a:rPr>
+              <a:t>sysclk</a:t>
+            </a:r>
+            <a:r>
+              <a:rPr lang="en-US" sz="2000" dirty="0" smtClean="0">
+                <a:latin typeface="Consolas" pitchFamily="49" charset="0"/>
+              </a:rPr>
+              <a:t> /(</a:t>
+            </a:r>
+            <a:r>
+              <a:rPr lang="en-US" sz="2000" dirty="0" err="1" smtClean="0">
+                <a:latin typeface="Consolas" pitchFamily="49" charset="0"/>
+              </a:rPr>
+              <a:t>Master_Clk</a:t>
+            </a:r>
+            <a:r>
+              <a:rPr lang="en-US" sz="2000" dirty="0" smtClean="0">
+                <a:latin typeface="Consolas" pitchFamily="49" charset="0"/>
+              </a:rPr>
+              <a:t> *2)</a:t>
+            </a:r>
+          </a:p>
+          <a:p>
+            <a:pPr lvl="1">
+              <a:spcBef>
+                <a:spcPts val="1000"/>
+              </a:spcBef>
+              <a:spcAft>
+                <a:spcPts val="200"/>
+              </a:spcAft>
+            </a:pPr>
+            <a:r>
+              <a:rPr lang="en-US" sz="2000" dirty="0" smtClean="0">
+                <a:latin typeface="Consolas" pitchFamily="49" charset="0"/>
+              </a:rPr>
+              <a:t>CCR = 8mhz/(100khz*2)</a:t>
+            </a:r>
+          </a:p>
+          <a:p>
+            <a:pPr lvl="1">
+              <a:spcBef>
+                <a:spcPts val="1000"/>
+              </a:spcBef>
+              <a:spcAft>
+                <a:spcPts val="200"/>
+              </a:spcAft>
+            </a:pPr>
+            <a:r>
+              <a:rPr lang="en-US" sz="2000" dirty="0" smtClean="0">
+                <a:latin typeface="Consolas" pitchFamily="49" charset="0"/>
+              </a:rPr>
+              <a:t>CCR =8mhz/200khz</a:t>
+            </a:r>
+          </a:p>
+          <a:p>
+            <a:pPr lvl="1">
+              <a:spcBef>
+                <a:spcPts val="1000"/>
+              </a:spcBef>
+              <a:spcAft>
+                <a:spcPts val="200"/>
+              </a:spcAft>
+            </a:pPr>
+            <a:r>
+              <a:rPr lang="en-US" sz="2000" dirty="0" smtClean="0">
+                <a:latin typeface="Consolas" pitchFamily="49" charset="0"/>
+              </a:rPr>
+              <a:t>CCR=8000000/200000</a:t>
+            </a:r>
+          </a:p>
+          <a:p>
+            <a:pPr lvl="1">
+              <a:spcBef>
+                <a:spcPts val="1000"/>
+              </a:spcBef>
+              <a:spcAft>
+                <a:spcPts val="200"/>
+              </a:spcAft>
+            </a:pPr>
+            <a:r>
+              <a:rPr lang="en-US" sz="2000" dirty="0" smtClean="0">
+                <a:latin typeface="Consolas" pitchFamily="49" charset="0"/>
+              </a:rPr>
+              <a:t>CCR=0d40 </a:t>
+            </a:r>
             <a:r>
               <a:rPr lang="en-US" sz="2000" dirty="0"/>
               <a:t/>
@@ -5754,148 +5671,14 @@
             <a:br>
               <a:rPr lang="en-US" sz="2000" dirty="0"/>
             </a:br>
-            <a:r>
-              <a:rPr lang="en-US" sz="2000" dirty="0"/>
-              <a:t> </a:t>
-            </a:r>
-            <a:br>
-              <a:rPr lang="en-US" sz="2000" dirty="0"/>
-            </a:br>
-            <a:r>
-              <a:rPr lang="it-IT" sz="2000" dirty="0"/>
-              <a:t/>
-            </a:r>
-            <a:br>
-              <a:rPr lang="it-IT" sz="2000" dirty="0"/>
-            </a:br>
-            <a:r>
-              <a:rPr lang="it-IT" sz="2000" dirty="0"/>
-              <a:t> </a:t>
-            </a:r>
-            <a:br>
-              <a:rPr lang="it-IT" sz="2000" dirty="0"/>
-            </a:br>
             <a:endParaRPr lang="en-US" sz="2000" dirty="0"/>
-          </a:p>
-        </p:txBody>
-      </p:sp>
-      <p:sp>
-        <p:nvSpPr>
-          <p:cNvPr id="21" name="Rectangle 8"/>
-          <p:cNvSpPr>
-            <a:spLocks noChangeArrowheads="1"/>
-          </p:cNvSpPr>
-          <p:nvPr/>
-        </p:nvSpPr>
-        <p:spPr bwMode="auto">
-          <a:xfrm>
-            <a:off x="3543300" y="3863975"/>
-            <a:ext cx="12192000" cy="0"/>
-          </a:xfrm>
-          <a:prstGeom prst="rect">
-            <a:avLst/>
-          </a:prstGeom>
-          <a:noFill/>
-          <a:ln>
-            <a:noFill/>
-          </a:ln>
-          <a:effectLst/>
-          <a:extLst>
-            <a:ext uri="{909E8E84-426E-40DD-AFC4-6F175D3DCCD1}">
-              <a14:hiddenFill xmlns:a14="http://schemas.microsoft.com/office/drawing/2010/main">
-                <a:solidFill>
-                  <a:schemeClr val="accent1"/>
-                </a:solidFill>
-              </a14:hiddenFill>
-            </a:ext>
-            <a:ext uri="{91240B29-F687-4F45-9708-019B960494DF}">
-              <a14:hiddenLine xmlns:a14="http://schemas.microsoft.com/office/drawing/2010/main" w="9525">
-                <a:solidFill>
-                  <a:schemeClr val="tx1"/>
-                </a:solidFill>
-                <a:miter lim="800000"/>
-                <a:headEnd/>
-                <a:tailEnd/>
-              </a14:hiddenLine>
-            </a:ext>
-            <a:ext uri="{AF507438-7753-43E0-B8FC-AC1667EBCBE1}">
-              <a14:hiddenEffects xmlns:a14="http://schemas.microsoft.com/office/drawing/2010/main">
-                <a:effectLst>
-                  <a:outerShdw dist="35921" dir="2700000" algn="ctr" rotWithShape="0">
-                    <a:schemeClr val="bg2"/>
-                  </a:outerShdw>
-                </a:effectLst>
-              </a14:hiddenEffects>
-            </a:ext>
-          </a:extLst>
-        </p:spPr>
-        <p:txBody>
-          <a:bodyPr vert="horz" wrap="none" lIns="91440" tIns="45720" rIns="91440" bIns="45720" numCol="1" anchor="ctr" anchorCtr="0" compatLnSpc="1">
-            <a:prstTxWarp prst="textNoShape">
-              <a:avLst/>
-            </a:prstTxWarp>
-            <a:spAutoFit/>
-          </a:bodyPr>
-          <a:lstStyle/>
-          <a:p>
-            <a:pPr marL="0" marR="0" lvl="0" indent="0" algn="l" defTabSz="914400" rtl="0" eaLnBrk="0" fontAlgn="base" latinLnBrk="0" hangingPunct="0">
-              <a:lnSpc>
-                <a:spcPct val="100000"/>
-              </a:lnSpc>
-              <a:spcBef>
-                <a:spcPct val="0"/>
-              </a:spcBef>
-              <a:spcAft>
-                <a:spcPct val="0"/>
-              </a:spcAft>
-              <a:buClrTx/>
-              <a:buSzTx/>
-              <a:buFontTx/>
-              <a:buNone/>
-              <a:tabLst/>
-            </a:pPr>
-            <a:r>
-              <a:rPr kumimoji="0" lang="en-US" altLang="en-US" sz="1800" b="0" i="0" u="none" strike="noStrike" cap="none" normalizeH="0" baseline="0" smtClean="0">
-                <a:ln>
-                  <a:noFill/>
-                </a:ln>
-                <a:solidFill>
-                  <a:schemeClr val="tx1"/>
-                </a:solidFill>
-                <a:effectLst/>
-                <a:latin typeface="Arial" panose="020B0604020202020204" pitchFamily="34" charset="0"/>
-              </a:rPr>
-              <a:t/>
-            </a:r>
-            <a:br>
-              <a:rPr kumimoji="0" lang="en-US" altLang="en-US" sz="1800" b="0" i="0" u="none" strike="noStrike" cap="none" normalizeH="0" baseline="0" smtClean="0">
-                <a:ln>
-                  <a:noFill/>
-                </a:ln>
-                <a:solidFill>
-                  <a:schemeClr val="tx1"/>
-                </a:solidFill>
-                <a:effectLst/>
-                <a:latin typeface="Arial" panose="020B0604020202020204" pitchFamily="34" charset="0"/>
-              </a:rPr>
-            </a:br>
-            <a:endParaRPr kumimoji="0" lang="en-US" altLang="en-US" sz="1800" b="0" i="0" u="none" strike="noStrike" cap="none" normalizeH="0" baseline="0" smtClean="0">
-              <a:ln>
-                <a:noFill/>
-              </a:ln>
-              <a:solidFill>
-                <a:schemeClr val="tx1"/>
-              </a:solidFill>
-              <a:effectLst/>
-              <a:latin typeface="Arial" panose="020B0604020202020204" pitchFamily="34" charset="0"/>
-            </a:endParaRPr>
           </a:p>
         </p:txBody>
       </p:sp>
     </p:spTree>
     <p:extLst>
       <p:ext uri="{BB962C8B-B14F-4D97-AF65-F5344CB8AC3E}">
-        <p14:creationId xmlns:p14="http://schemas.microsoft.com/office/powerpoint/2010/main" val="1234156618"/>
+        <p14:creationId xmlns:p14="http://schemas.microsoft.com/office/powerpoint/2010/main" val="1134865586"/>
       </p:ext>
     </p:extLst>
   </p:cSld>
@@ -6044,7 +5827,7 @@
                 </a:solidFill>
                 <a:latin typeface="Facto Bold" panose="00000800000000000000" pitchFamily="50" charset="0"/>
               </a:rPr>
-              <a:t>I2C interface</a:t>
+              <a:t>I2C Registers</a:t>
             </a:r>
           </a:p>
         </p:txBody>
@@ -6058,7 +5841,7 @@
         <p:spPr>
           <a:xfrm>
             <a:off x="801660" y="1185704"/>
-            <a:ext cx="11013140" cy="2739211"/>
+            <a:ext cx="11013140" cy="5786199"/>
           </a:xfrm>
           <a:prstGeom prst="rect">
             <a:avLst/>
@@ -6082,12 +5865,234 @@
               <a:buChar char="v"/>
             </a:pPr>
             <a:r>
+              <a:rPr lang="it-IT" dirty="0"/>
+              <a:t>I2C Control register 1 (</a:t>
+            </a:r>
+            <a:r>
+              <a:rPr lang="it-IT" dirty="0">
+                <a:solidFill>
+                  <a:srgbClr val="FF0000"/>
+                </a:solidFill>
+              </a:rPr>
+              <a:t>I2C_CR1</a:t>
+            </a:r>
+            <a:r>
+              <a:rPr lang="it-IT" dirty="0" smtClean="0"/>
+              <a:t>)</a:t>
+            </a:r>
+          </a:p>
+          <a:p>
+            <a:pPr marL="384048" lvl="0" indent="-384048">
+              <a:spcBef>
+                <a:spcPts val="1000"/>
+              </a:spcBef>
+              <a:spcAft>
+                <a:spcPts val="200"/>
+              </a:spcAft>
+              <a:buFont typeface="Wingdings" panose="05000000000000000000" pitchFamily="2" charset="2"/>
+              <a:buChar char="v"/>
+            </a:pPr>
+            <a:r>
+              <a:rPr lang="it-IT" dirty="0"/>
+              <a:t>I2C Control register </a:t>
+            </a:r>
+            <a:r>
+              <a:rPr lang="it-IT" dirty="0" smtClean="0"/>
+              <a:t>2 </a:t>
+            </a:r>
+            <a:r>
+              <a:rPr lang="it-IT" dirty="0"/>
+              <a:t>(</a:t>
+            </a:r>
+            <a:r>
+              <a:rPr lang="it-IT" dirty="0" smtClean="0">
+                <a:solidFill>
+                  <a:srgbClr val="FF0000"/>
+                </a:solidFill>
+              </a:rPr>
+              <a:t>I2C_CR2</a:t>
+            </a:r>
+            <a:r>
+              <a:rPr lang="it-IT" dirty="0" smtClean="0"/>
+              <a:t>)</a:t>
+            </a:r>
+          </a:p>
+          <a:p>
+            <a:pPr marL="384048" lvl="0" indent="-384048">
+              <a:spcBef>
+                <a:spcPts val="1000"/>
+              </a:spcBef>
+              <a:spcAft>
+                <a:spcPts val="200"/>
+              </a:spcAft>
+              <a:buFont typeface="Wingdings" panose="05000000000000000000" pitchFamily="2" charset="2"/>
+              <a:buChar char="v"/>
+            </a:pPr>
+            <a:r>
+              <a:rPr lang="it-IT" sz="2000" dirty="0" smtClean="0"/>
+              <a:t> </a:t>
+            </a:r>
+            <a:r>
+              <a:rPr lang="en-US" dirty="0"/>
+              <a:t>I2C Own address register 1 (</a:t>
+            </a:r>
+            <a:r>
+              <a:rPr lang="en-US" dirty="0" smtClean="0">
+                <a:solidFill>
+                  <a:srgbClr val="FF0000"/>
+                </a:solidFill>
+              </a:rPr>
+              <a:t>I2C_OAR1</a:t>
+            </a:r>
+            <a:r>
               <a:rPr lang="en-US" dirty="0" smtClean="0"/>
-              <a:t>content</a:t>
-            </a:r>
+              <a:t>)</a:t>
+            </a:r>
+          </a:p>
+          <a:p>
+            <a:pPr marL="384048" lvl="0" indent="-384048">
+              <a:spcBef>
+                <a:spcPts val="1000"/>
+              </a:spcBef>
+              <a:spcAft>
+                <a:spcPts val="200"/>
+              </a:spcAft>
+              <a:buFont typeface="Wingdings" panose="05000000000000000000" pitchFamily="2" charset="2"/>
+              <a:buChar char="v"/>
+            </a:pPr>
             <a:r>
               <a:rPr lang="en-US" dirty="0"/>
-              <a:t/>
+              <a:t>I2C Data register (</a:t>
+            </a:r>
+            <a:r>
+              <a:rPr lang="en-US" dirty="0">
+                <a:solidFill>
+                  <a:srgbClr val="FF0000"/>
+                </a:solidFill>
+              </a:rPr>
+              <a:t>I2C_DR</a:t>
+            </a:r>
+            <a:r>
+              <a:rPr lang="en-US" dirty="0"/>
+              <a:t>) </a:t>
+            </a:r>
+            <a:endParaRPr lang="en-US" dirty="0" smtClean="0"/>
+          </a:p>
+          <a:p>
+            <a:pPr marL="384048" lvl="0" indent="-384048">
+              <a:spcBef>
+                <a:spcPts val="1000"/>
+              </a:spcBef>
+              <a:spcAft>
+                <a:spcPts val="200"/>
+              </a:spcAft>
+              <a:buFont typeface="Wingdings" panose="05000000000000000000" pitchFamily="2" charset="2"/>
+              <a:buChar char="v"/>
+            </a:pPr>
+            <a:r>
+              <a:rPr lang="en-US" dirty="0" smtClean="0"/>
+              <a:t>I2C Status Register 1 (</a:t>
+            </a:r>
+            <a:r>
+              <a:rPr lang="en-US" dirty="0" smtClean="0">
+                <a:solidFill>
+                  <a:srgbClr val="FF0000"/>
+                </a:solidFill>
+              </a:rPr>
+              <a:t>I2C_SR2</a:t>
+            </a:r>
+            <a:r>
+              <a:rPr lang="en-US" dirty="0" smtClean="0"/>
+              <a:t>)</a:t>
+            </a:r>
+          </a:p>
+          <a:p>
+            <a:pPr marL="384048" indent="-384048">
+              <a:spcBef>
+                <a:spcPts val="1000"/>
+              </a:spcBef>
+              <a:spcAft>
+                <a:spcPts val="200"/>
+              </a:spcAft>
+              <a:buFont typeface="Wingdings" panose="05000000000000000000" pitchFamily="2" charset="2"/>
+              <a:buChar char="v"/>
+            </a:pPr>
+            <a:r>
+              <a:rPr lang="en-US" dirty="0"/>
+              <a:t>I2C Status Register </a:t>
+            </a:r>
+            <a:r>
+              <a:rPr lang="en-US" dirty="0" smtClean="0"/>
+              <a:t>2 (</a:t>
+            </a:r>
+            <a:r>
+              <a:rPr lang="en-US" dirty="0" smtClean="0">
+                <a:solidFill>
+                  <a:srgbClr val="FF0000"/>
+                </a:solidFill>
+              </a:rPr>
+              <a:t>I2C_SR2</a:t>
+            </a:r>
+            <a:r>
+              <a:rPr lang="en-US" dirty="0" smtClean="0"/>
+              <a:t>)</a:t>
+            </a:r>
+            <a:endParaRPr lang="en-US" dirty="0"/>
+          </a:p>
+          <a:p>
+            <a:pPr marL="384048" lvl="0" indent="-384048">
+              <a:spcBef>
+                <a:spcPts val="1000"/>
+              </a:spcBef>
+              <a:spcAft>
+                <a:spcPts val="200"/>
+              </a:spcAft>
+              <a:buFont typeface="Wingdings" panose="05000000000000000000" pitchFamily="2" charset="2"/>
+              <a:buChar char="v"/>
+            </a:pPr>
+            <a:r>
+              <a:rPr lang="en-US" dirty="0" smtClean="0"/>
+              <a:t>I2C Clock Control Register (</a:t>
+            </a:r>
+            <a:r>
+              <a:rPr lang="en-US" dirty="0" smtClean="0">
+                <a:solidFill>
+                  <a:srgbClr val="FF0000"/>
+                </a:solidFill>
+              </a:rPr>
+              <a:t>I2C_CCR</a:t>
+            </a:r>
+            <a:r>
+              <a:rPr lang="en-US" dirty="0" smtClean="0"/>
+              <a:t>)</a:t>
+            </a:r>
+          </a:p>
+          <a:p>
+            <a:pPr marL="384048" lvl="0" indent="-384048">
+              <a:spcBef>
+                <a:spcPts val="1000"/>
+              </a:spcBef>
+              <a:spcAft>
+                <a:spcPts val="200"/>
+              </a:spcAft>
+              <a:buFont typeface="Wingdings" panose="05000000000000000000" pitchFamily="2" charset="2"/>
+              <a:buChar char="v"/>
+            </a:pPr>
+            <a:r>
+              <a:rPr lang="en-US" dirty="0"/>
+              <a:t>I2C TRISE register (</a:t>
+            </a:r>
+            <a:r>
+              <a:rPr lang="en-US" dirty="0">
+                <a:solidFill>
+                  <a:srgbClr val="FF0000"/>
+                </a:solidFill>
+              </a:rPr>
+              <a:t>I2C_TRISE</a:t>
+            </a:r>
+            <a:r>
+              <a:rPr lang="en-US" dirty="0"/>
+              <a:t>) </a:t>
             </a:r>
             <a:br>
               <a:rPr lang="en-US" dirty="0"/>
@@ -6261,7 +6266,7 @@
     </p:spTree>
     <p:extLst>
       <p:ext uri="{BB962C8B-B14F-4D97-AF65-F5344CB8AC3E}">
-        <p14:creationId xmlns:p14="http://schemas.microsoft.com/office/powerpoint/2010/main" val="4128785564"/>
+        <p14:creationId xmlns:p14="http://schemas.microsoft.com/office/powerpoint/2010/main" val="1234156618"/>
       </p:ext>
     </p:extLst>
   </p:cSld>
@@ -6369,7 +6374,7 @@
         </p:nvSpPr>
         <p:spPr>
           <a:xfrm>
-            <a:off x="231813" y="129648"/>
+            <a:off x="318311" y="441143"/>
             <a:ext cx="6636281" cy="399245"/>
           </a:xfrm>
           <a:prstGeom prst="rect">
@@ -6410,8 +6415,27 @@
                 </a:solidFill>
                 <a:latin typeface="Facto Bold" panose="00000800000000000000" pitchFamily="50" charset="0"/>
               </a:rPr>
-              <a:t>I2C Program</a:t>
-            </a:r>
+              <a:t>I2C </a:t>
+            </a:r>
+            <a:r>
+              <a:rPr lang="en-US" sz="2800" b="1" dirty="0" smtClean="0">
+                <a:solidFill>
+                  <a:schemeClr val="accent1">
+                    <a:lumMod val="75000"/>
+                  </a:schemeClr>
+                </a:solidFill>
+                <a:latin typeface="Facto Bold" panose="00000800000000000000" pitchFamily="50" charset="0"/>
+              </a:rPr>
+              <a:t>Transmitter</a:t>
+            </a:r>
+            <a:endParaRPr lang="en-US" sz="2800" b="1" dirty="0" smtClean="0">
+              <a:solidFill>
+                <a:schemeClr val="accent1">
+                  <a:lumMod val="75000"/>
+                </a:schemeClr>
+              </a:solidFill>
+              <a:latin typeface="Facto Bold" panose="00000800000000000000" pitchFamily="50" charset="0"/>
+            </a:endParaRPr>
           </a:p>
         </p:txBody>
       </p:sp>
@@ -6423,8 +6447,8 @@
         </p:nvSpPr>
         <p:spPr>
           <a:xfrm>
-            <a:off x="589430" y="666496"/>
-            <a:ext cx="11013140" cy="7104509"/>
+            <a:off x="801660" y="1185704"/>
+            <a:ext cx="11013140" cy="2739211"/>
           </a:xfrm>
           <a:prstGeom prst="rect">
             <a:avLst/>
@@ -6432,7 +6456,7 @@
           <a:noFill/>
         </p:spPr>
         <p:txBody>
-          <a:bodyPr wrap="square" numCol="2" rtlCol="0">
+          <a:bodyPr wrap="square" rtlCol="0">
             <a:spAutoFit/>
           </a:bodyPr>
           <a:lstStyle/>
@@ -6446,539 +6470,212 @@
               </a:spcAft>
             </a:pPr>
             <a:r>
-              <a:rPr lang="en-US" sz="1400" dirty="0">
-                <a:latin typeface="Consolas" panose="020B0609020204030204" pitchFamily="49" charset="0"/>
-              </a:rPr>
-              <a:t>#include "stm32f10x.h"   </a:t>
-            </a:r>
-            <a:r>
-              <a:rPr lang="en-US" sz="1400" dirty="0" smtClean="0">
-                <a:latin typeface="Consolas" panose="020B0609020204030204" pitchFamily="49" charset="0"/>
-              </a:rPr>
-              <a:t>// </a:t>
-            </a:r>
-            <a:r>
-              <a:rPr lang="en-US" sz="1400" dirty="0">
-                <a:latin typeface="Consolas" panose="020B0609020204030204" pitchFamily="49" charset="0"/>
-              </a:rPr>
-              <a:t>Device header</a:t>
-            </a:r>
-          </a:p>
-          <a:p>
-            <a:pPr lvl="0">
-              <a:spcBef>
-                <a:spcPts val="1000"/>
-              </a:spcBef>
-              <a:spcAft>
-                <a:spcPts val="200"/>
-              </a:spcAft>
-            </a:pPr>
-            <a:r>
-              <a:rPr lang="en-US" sz="1400" dirty="0">
-                <a:latin typeface="Consolas" panose="020B0609020204030204" pitchFamily="49" charset="0"/>
-              </a:rPr>
-              <a:t>#include&lt;</a:t>
-            </a:r>
-            <a:r>
-              <a:rPr lang="en-US" sz="1400" dirty="0" err="1">
-                <a:latin typeface="Consolas" panose="020B0609020204030204" pitchFamily="49" charset="0"/>
-              </a:rPr>
-              <a:t>string.h</a:t>
-            </a:r>
-            <a:r>
-              <a:rPr lang="en-US" sz="1400" dirty="0">
-                <a:latin typeface="Consolas" panose="020B0609020204030204" pitchFamily="49" charset="0"/>
-              </a:rPr>
-              <a:t>&gt;</a:t>
-            </a:r>
-          </a:p>
-          <a:p>
-            <a:pPr lvl="0">
-              <a:spcBef>
-                <a:spcPts val="1000"/>
-              </a:spcBef>
-              <a:spcAft>
-                <a:spcPts val="200"/>
-              </a:spcAft>
-            </a:pPr>
-            <a:endParaRPr lang="en-US" sz="1400" dirty="0">
-              <a:latin typeface="Consolas" panose="020B0609020204030204" pitchFamily="49" charset="0"/>
-            </a:endParaRPr>
-          </a:p>
-          <a:p>
-            <a:pPr lvl="0">
-              <a:spcBef>
-                <a:spcPts val="1000"/>
-              </a:spcBef>
-              <a:spcAft>
-                <a:spcPts val="200"/>
-              </a:spcAft>
-            </a:pPr>
-            <a:r>
-              <a:rPr lang="en-US" sz="1400" dirty="0">
-                <a:latin typeface="Consolas" panose="020B0609020204030204" pitchFamily="49" charset="0"/>
-              </a:rPr>
-              <a:t>void i2c_gpio_init(void);</a:t>
-            </a:r>
-          </a:p>
-          <a:p>
-            <a:pPr lvl="0">
-              <a:spcBef>
-                <a:spcPts val="1000"/>
-              </a:spcBef>
-              <a:spcAft>
-                <a:spcPts val="200"/>
-              </a:spcAft>
-            </a:pPr>
-            <a:r>
-              <a:rPr lang="en-US" sz="1400" dirty="0">
-                <a:latin typeface="Consolas" panose="020B0609020204030204" pitchFamily="49" charset="0"/>
-              </a:rPr>
-              <a:t>void i2c_init(void);</a:t>
-            </a:r>
-          </a:p>
-          <a:p>
-            <a:pPr lvl="0">
-              <a:spcBef>
-                <a:spcPts val="1000"/>
-              </a:spcBef>
-              <a:spcAft>
-                <a:spcPts val="200"/>
-              </a:spcAft>
-            </a:pPr>
-            <a:r>
-              <a:rPr lang="en-US" sz="1400" dirty="0">
-                <a:latin typeface="Consolas" panose="020B0609020204030204" pitchFamily="49" charset="0"/>
-              </a:rPr>
-              <a:t>void i2c_start(void);</a:t>
-            </a:r>
-          </a:p>
-          <a:p>
-            <a:pPr lvl="0">
-              <a:spcBef>
-                <a:spcPts val="1000"/>
-              </a:spcBef>
-              <a:spcAft>
-                <a:spcPts val="200"/>
-              </a:spcAft>
-            </a:pPr>
-            <a:r>
-              <a:rPr lang="en-US" sz="1400" dirty="0">
-                <a:latin typeface="Consolas" panose="020B0609020204030204" pitchFamily="49" charset="0"/>
-              </a:rPr>
-              <a:t>void i2c_slave_address(unsigned char data);</a:t>
-            </a:r>
-          </a:p>
-          <a:p>
-            <a:pPr lvl="0">
-              <a:spcBef>
-                <a:spcPts val="1000"/>
-              </a:spcBef>
-              <a:spcAft>
-                <a:spcPts val="200"/>
-              </a:spcAft>
-            </a:pPr>
-            <a:r>
-              <a:rPr lang="en-US" sz="1400" dirty="0">
-                <a:latin typeface="Consolas" panose="020B0609020204030204" pitchFamily="49" charset="0"/>
-              </a:rPr>
-              <a:t>void i2c_write(unsigned char data);</a:t>
-            </a:r>
-          </a:p>
-          <a:p>
-            <a:pPr lvl="0">
-              <a:spcBef>
-                <a:spcPts val="1000"/>
-              </a:spcBef>
-              <a:spcAft>
-                <a:spcPts val="200"/>
-              </a:spcAft>
-            </a:pPr>
-            <a:r>
-              <a:rPr lang="en-US" sz="1400" dirty="0">
-                <a:latin typeface="Consolas" panose="020B0609020204030204" pitchFamily="49" charset="0"/>
-              </a:rPr>
-              <a:t>void i2c_clearAddr(void);</a:t>
-            </a:r>
-          </a:p>
-          <a:p>
-            <a:pPr lvl="0">
-              <a:spcBef>
-                <a:spcPts val="1000"/>
-              </a:spcBef>
-              <a:spcAft>
-                <a:spcPts val="200"/>
-              </a:spcAft>
-            </a:pPr>
-            <a:r>
-              <a:rPr lang="en-US" sz="1400" dirty="0">
-                <a:latin typeface="Consolas" panose="020B0609020204030204" pitchFamily="49" charset="0"/>
-              </a:rPr>
-              <a:t>void i2c_write_string(unsigned char *data);</a:t>
-            </a:r>
-          </a:p>
-          <a:p>
-            <a:pPr lvl="0">
-              <a:spcBef>
-                <a:spcPts val="1000"/>
-              </a:spcBef>
-              <a:spcAft>
-                <a:spcPts val="200"/>
-              </a:spcAft>
-            </a:pPr>
-            <a:r>
-              <a:rPr lang="en-US" sz="1400" dirty="0">
-                <a:latin typeface="Consolas" panose="020B0609020204030204" pitchFamily="49" charset="0"/>
-              </a:rPr>
-              <a:t>void i2c_stop(void);</a:t>
-            </a:r>
-          </a:p>
-          <a:p>
-            <a:pPr lvl="0">
-              <a:spcBef>
-                <a:spcPts val="1000"/>
-              </a:spcBef>
-              <a:spcAft>
-                <a:spcPts val="200"/>
-              </a:spcAft>
-            </a:pPr>
-            <a:r>
-              <a:rPr lang="en-US" sz="1400" dirty="0">
-                <a:latin typeface="Consolas" panose="020B0609020204030204" pitchFamily="49" charset="0"/>
-              </a:rPr>
-              <a:t>void delay(void);</a:t>
-            </a:r>
-          </a:p>
-          <a:p>
-            <a:pPr lvl="0">
-              <a:spcBef>
-                <a:spcPts val="1000"/>
-              </a:spcBef>
-              <a:spcAft>
-                <a:spcPts val="200"/>
-              </a:spcAft>
-            </a:pPr>
-            <a:endParaRPr lang="en-US" sz="1400" dirty="0">
-              <a:latin typeface="Consolas" panose="020B0609020204030204" pitchFamily="49" charset="0"/>
-            </a:endParaRPr>
-          </a:p>
-          <a:p>
-            <a:pPr lvl="0">
-              <a:spcBef>
-                <a:spcPts val="1000"/>
-              </a:spcBef>
-              <a:spcAft>
-                <a:spcPts val="200"/>
-              </a:spcAft>
-            </a:pPr>
-            <a:r>
-              <a:rPr lang="en-US" sz="1400" dirty="0">
-                <a:latin typeface="Consolas" panose="020B0609020204030204" pitchFamily="49" charset="0"/>
-              </a:rPr>
-              <a:t>unsigned char * </a:t>
-            </a:r>
-            <a:r>
-              <a:rPr lang="en-US" sz="1400" dirty="0" err="1">
-                <a:latin typeface="Consolas" panose="020B0609020204030204" pitchFamily="49" charset="0"/>
-              </a:rPr>
-              <a:t>msg</a:t>
-            </a:r>
-            <a:r>
-              <a:rPr lang="en-US" sz="1400" dirty="0">
-                <a:latin typeface="Consolas" panose="020B0609020204030204" pitchFamily="49" charset="0"/>
-              </a:rPr>
-              <a:t>=(unsigned char *) "hello embedded world";</a:t>
-            </a:r>
-          </a:p>
-          <a:p>
-            <a:pPr lvl="0">
-              <a:spcBef>
-                <a:spcPts val="1000"/>
-              </a:spcBef>
-              <a:spcAft>
-                <a:spcPts val="200"/>
-              </a:spcAft>
-            </a:pPr>
-            <a:r>
-              <a:rPr lang="en-US" sz="1400" dirty="0">
-                <a:latin typeface="Consolas" panose="020B0609020204030204" pitchFamily="49" charset="0"/>
-              </a:rPr>
-              <a:t>unsigned short </a:t>
-            </a:r>
-            <a:r>
-              <a:rPr lang="en-US" sz="1400" dirty="0" err="1">
-                <a:latin typeface="Consolas" panose="020B0609020204030204" pitchFamily="49" charset="0"/>
-              </a:rPr>
-              <a:t>int</a:t>
-            </a:r>
-            <a:r>
-              <a:rPr lang="en-US" sz="1400" dirty="0">
-                <a:latin typeface="Consolas" panose="020B0609020204030204" pitchFamily="49" charset="0"/>
-              </a:rPr>
+              <a:rPr lang="en-US" dirty="0"/>
+              <a:t/>
+            </a:r>
+            <a:br>
+              <a:rPr lang="en-US" dirty="0"/>
+            </a:br>
+            <a:r>
+              <a:rPr lang="en-US" dirty="0"/>
+              <a:t/>
+            </a:r>
+            <a:br>
+              <a:rPr lang="en-US" dirty="0"/>
+            </a:br>
+            <a:r>
+              <a:rPr lang="en-US" dirty="0"/>
+              <a:t/>
+            </a:r>
+            <a:br>
+              <a:rPr lang="en-US" dirty="0"/>
+            </a:br>
+            <a:r>
+              <a:rPr lang="en-US" dirty="0"/>
+              <a:t/>
+            </a:r>
+            <a:br>
+              <a:rPr lang="en-US" dirty="0"/>
+            </a:br>
+            <a:r>
+              <a:rPr lang="en-US" sz="2000" dirty="0"/>
+              <a:t/>
+            </a:r>
+            <a:br>
+              <a:rPr lang="en-US" sz="2000" dirty="0"/>
+            </a:br>
+            <a:r>
+              <a:rPr lang="en-US" sz="2000" dirty="0"/>
               <a:t> </a:t>
             </a:r>
-            <a:r>
-              <a:rPr lang="en-US" sz="1400" dirty="0" err="1">
-                <a:latin typeface="Consolas" panose="020B0609020204030204" pitchFamily="49" charset="0"/>
-              </a:rPr>
-              <a:t>dummy_read</a:t>
-            </a:r>
-            <a:r>
-              <a:rPr lang="en-US" sz="1400" dirty="0">
-                <a:latin typeface="Consolas" panose="020B0609020204030204" pitchFamily="49" charset="0"/>
-              </a:rPr>
-              <a:t>=0x0000;</a:t>
-            </a:r>
-          </a:p>
-          <a:p>
-            <a:pPr lvl="0">
-              <a:spcBef>
-                <a:spcPts val="1000"/>
-              </a:spcBef>
-              <a:spcAft>
-                <a:spcPts val="200"/>
-              </a:spcAft>
-            </a:pPr>
-            <a:endParaRPr lang="en-US" sz="1400" dirty="0" smtClean="0">
-              <a:latin typeface="Consolas" panose="020B0609020204030204" pitchFamily="49" charset="0"/>
-            </a:endParaRPr>
-          </a:p>
-          <a:p>
-            <a:pPr lvl="0">
-              <a:spcBef>
-                <a:spcPts val="1000"/>
-              </a:spcBef>
-              <a:spcAft>
-                <a:spcPts val="200"/>
-              </a:spcAft>
-            </a:pPr>
-            <a:endParaRPr lang="en-US" sz="1400" dirty="0">
-              <a:latin typeface="Consolas" panose="020B0609020204030204" pitchFamily="49" charset="0"/>
-            </a:endParaRPr>
-          </a:p>
-          <a:p>
-            <a:pPr lvl="0">
-              <a:spcBef>
-                <a:spcPts val="1000"/>
-              </a:spcBef>
-              <a:spcAft>
-                <a:spcPts val="200"/>
-              </a:spcAft>
-            </a:pPr>
-            <a:endParaRPr lang="en-US" sz="1400" dirty="0" smtClean="0">
-              <a:latin typeface="Consolas" panose="020B0609020204030204" pitchFamily="49" charset="0"/>
-            </a:endParaRPr>
-          </a:p>
-          <a:p>
-            <a:pPr lvl="0">
-              <a:spcBef>
-                <a:spcPts val="1000"/>
-              </a:spcBef>
-              <a:spcAft>
-                <a:spcPts val="200"/>
-              </a:spcAft>
-            </a:pPr>
-            <a:endParaRPr lang="en-US" sz="1400" dirty="0">
-              <a:latin typeface="Consolas" panose="020B0609020204030204" pitchFamily="49" charset="0"/>
-            </a:endParaRPr>
-          </a:p>
-          <a:p>
-            <a:pPr lvl="0">
-              <a:spcBef>
-                <a:spcPts val="1000"/>
-              </a:spcBef>
-              <a:spcAft>
-                <a:spcPts val="200"/>
-              </a:spcAft>
-            </a:pPr>
-            <a:r>
-              <a:rPr lang="en-US" sz="1400" dirty="0" err="1">
-                <a:latin typeface="Consolas" panose="020B0609020204030204" pitchFamily="49" charset="0"/>
-              </a:rPr>
-              <a:t>int</a:t>
-            </a:r>
-            <a:r>
-              <a:rPr lang="en-US" sz="1400" dirty="0">
-                <a:latin typeface="Consolas" panose="020B0609020204030204" pitchFamily="49" charset="0"/>
-              </a:rPr>
-              <a:t> main(void)</a:t>
-            </a:r>
-          </a:p>
-          <a:p>
-            <a:pPr lvl="0">
-              <a:spcBef>
-                <a:spcPts val="1000"/>
-              </a:spcBef>
-              <a:spcAft>
-                <a:spcPts val="200"/>
-              </a:spcAft>
-            </a:pPr>
-            <a:r>
-              <a:rPr lang="en-US" sz="1400" dirty="0">
-                <a:latin typeface="Consolas" panose="020B0609020204030204" pitchFamily="49" charset="0"/>
-              </a:rPr>
-              <a:t>{</a:t>
-            </a:r>
-          </a:p>
-          <a:p>
-            <a:pPr lvl="0">
-              <a:spcBef>
-                <a:spcPts val="1000"/>
-              </a:spcBef>
-              <a:spcAft>
-                <a:spcPts val="200"/>
-              </a:spcAft>
-            </a:pPr>
-            <a:r>
-              <a:rPr lang="en-US" sz="1400" dirty="0">
-                <a:latin typeface="Consolas" panose="020B0609020204030204" pitchFamily="49" charset="0"/>
-              </a:rPr>
-              <a:t>	i2c_gpio_init();//delay();			</a:t>
-            </a:r>
-          </a:p>
-          <a:p>
-            <a:pPr lvl="0">
-              <a:spcBef>
-                <a:spcPts val="1000"/>
-              </a:spcBef>
-              <a:spcAft>
-                <a:spcPts val="200"/>
-              </a:spcAft>
-            </a:pPr>
-            <a:r>
-              <a:rPr lang="en-US" sz="1400" dirty="0">
-                <a:latin typeface="Consolas" panose="020B0609020204030204" pitchFamily="49" charset="0"/>
-              </a:rPr>
-              <a:t>	i2c_init();//delay();			</a:t>
-            </a:r>
-          </a:p>
-          <a:p>
-            <a:pPr lvl="0">
-              <a:spcBef>
-                <a:spcPts val="1000"/>
-              </a:spcBef>
-              <a:spcAft>
-                <a:spcPts val="200"/>
-              </a:spcAft>
-            </a:pPr>
-            <a:r>
-              <a:rPr lang="en-US" sz="1400" dirty="0">
-                <a:latin typeface="Consolas" panose="020B0609020204030204" pitchFamily="49" charset="0"/>
-              </a:rPr>
-              <a:t>	i2c_start();</a:t>
-            </a:r>
-          </a:p>
-          <a:p>
-            <a:pPr lvl="0">
-              <a:spcBef>
-                <a:spcPts val="1000"/>
-              </a:spcBef>
-              <a:spcAft>
-                <a:spcPts val="200"/>
-              </a:spcAft>
-            </a:pPr>
-            <a:r>
-              <a:rPr lang="en-US" sz="1400" dirty="0">
-                <a:latin typeface="Consolas" panose="020B0609020204030204" pitchFamily="49" charset="0"/>
-              </a:rPr>
-              <a:t>	i2c_slave_address(0xA0);	</a:t>
-            </a:r>
-          </a:p>
-          <a:p>
-            <a:pPr lvl="0">
-              <a:spcBef>
-                <a:spcPts val="1000"/>
-              </a:spcBef>
-              <a:spcAft>
-                <a:spcPts val="200"/>
-              </a:spcAft>
-            </a:pPr>
-            <a:r>
-              <a:rPr lang="en-US" sz="1400" dirty="0">
-                <a:latin typeface="Consolas" panose="020B0609020204030204" pitchFamily="49" charset="0"/>
-              </a:rPr>
-              <a:t>	i2c_write_string(</a:t>
-            </a:r>
-            <a:r>
-              <a:rPr lang="en-US" sz="1400" dirty="0" err="1">
-                <a:latin typeface="Consolas" panose="020B0609020204030204" pitchFamily="49" charset="0"/>
-              </a:rPr>
-              <a:t>msg</a:t>
-            </a:r>
-            <a:r>
-              <a:rPr lang="en-US" sz="1400" dirty="0">
-                <a:latin typeface="Consolas" panose="020B0609020204030204" pitchFamily="49" charset="0"/>
-              </a:rPr>
-              <a:t>);</a:t>
-            </a:r>
-          </a:p>
-          <a:p>
-            <a:pPr lvl="0">
-              <a:spcBef>
-                <a:spcPts val="1000"/>
-              </a:spcBef>
-              <a:spcAft>
-                <a:spcPts val="200"/>
-              </a:spcAft>
-            </a:pPr>
-            <a:r>
-              <a:rPr lang="en-US" sz="1400" dirty="0">
-                <a:latin typeface="Consolas" panose="020B0609020204030204" pitchFamily="49" charset="0"/>
-              </a:rPr>
-              <a:t>	i2c_stop();</a:t>
-            </a:r>
-          </a:p>
-          <a:p>
-            <a:pPr lvl="0">
-              <a:spcBef>
-                <a:spcPts val="1000"/>
-              </a:spcBef>
-              <a:spcAft>
-                <a:spcPts val="200"/>
-              </a:spcAft>
-            </a:pPr>
-            <a:r>
-              <a:rPr lang="en-US" sz="1400" dirty="0">
-                <a:latin typeface="Consolas" panose="020B0609020204030204" pitchFamily="49" charset="0"/>
-              </a:rPr>
-              <a:t>	return 0;</a:t>
-            </a:r>
-          </a:p>
-          <a:p>
-            <a:pPr lvl="0">
-              <a:spcBef>
-                <a:spcPts val="1000"/>
-              </a:spcBef>
-              <a:spcAft>
-                <a:spcPts val="200"/>
-              </a:spcAft>
-            </a:pPr>
-            <a:r>
-              <a:rPr lang="en-US" sz="1400" dirty="0">
-                <a:latin typeface="Consolas" panose="020B0609020204030204" pitchFamily="49" charset="0"/>
-              </a:rPr>
-              <a:t>}</a:t>
-            </a:r>
-          </a:p>
-          <a:p>
-            <a:pPr lvl="0">
-              <a:spcBef>
-                <a:spcPts val="1000"/>
-              </a:spcBef>
-              <a:spcAft>
-                <a:spcPts val="200"/>
-              </a:spcAft>
-            </a:pPr>
-            <a:endParaRPr lang="en-US" sz="1400" dirty="0">
-              <a:latin typeface="Consolas" panose="020B0609020204030204" pitchFamily="49" charset="0"/>
-            </a:endParaRPr>
+            <a:br>
+              <a:rPr lang="en-US" sz="2000" dirty="0"/>
+            </a:br>
+            <a:r>
+              <a:rPr lang="it-IT" sz="2000" dirty="0"/>
+              <a:t/>
+            </a:r>
+            <a:br>
+              <a:rPr lang="it-IT" sz="2000" dirty="0"/>
+            </a:br>
+            <a:r>
+              <a:rPr lang="it-IT" sz="2000" dirty="0"/>
+              <a:t> </a:t>
+            </a:r>
+            <a:br>
+              <a:rPr lang="it-IT" sz="2000" dirty="0"/>
+            </a:br>
+            <a:endParaRPr lang="en-US" sz="2000" dirty="0"/>
           </a:p>
         </p:txBody>
       </p:sp>
+      <p:sp>
+        <p:nvSpPr>
+          <p:cNvPr id="21" name="Rectangle 8"/>
+          <p:cNvSpPr>
+            <a:spLocks noChangeArrowheads="1"/>
+          </p:cNvSpPr>
+          <p:nvPr/>
+        </p:nvSpPr>
+        <p:spPr bwMode="auto">
+          <a:xfrm>
+            <a:off x="3543300" y="3863975"/>
+            <a:ext cx="12192000" cy="0"/>
+          </a:xfrm>
+          <a:prstGeom prst="rect">
+            <a:avLst/>
+          </a:prstGeom>
+          <a:noFill/>
+          <a:ln>
+            <a:noFill/>
+          </a:ln>
+          <a:effectLst/>
+          <a:extLst>
+            <a:ext uri="{909E8E84-426E-40DD-AFC4-6F175D3DCCD1}">
+              <a14:hiddenFill xmlns:a14="http://schemas.microsoft.com/office/drawing/2010/main">
+                <a:solidFill>
+                  <a:schemeClr val="accent1"/>
+                </a:solidFill>
+              </a14:hiddenFill>
+            </a:ext>
+            <a:ext uri="{91240B29-F687-4F45-9708-019B960494DF}">
+              <a14:hiddenLine xmlns:a14="http://schemas.microsoft.com/office/drawing/2010/main" w="9525">
+                <a:solidFill>
+                  <a:schemeClr val="tx1"/>
+                </a:solidFill>
+                <a:miter lim="800000"/>
+                <a:headEnd/>
+                <a:tailEnd/>
+              </a14:hiddenLine>
+            </a:ext>
+            <a:ext uri="{AF507438-7753-43E0-B8FC-AC1667EBCBE1}">
+              <a14:hiddenEffects xmlns:a14="http://schemas.microsoft.com/office/drawing/2010/main">
+                <a:effectLst>
+                  <a:outerShdw dist="35921" dir="2700000" algn="ctr" rotWithShape="0">
+                    <a:schemeClr val="bg2"/>
+                  </a:outerShdw>
+                </a:effectLst>
+              </a14:hiddenEffects>
+            </a:ext>
+          </a:extLst>
+        </p:spPr>
+        <p:txBody>
+          <a:bodyPr vert="horz" wrap="none" lIns="91440" tIns="45720" rIns="91440" bIns="45720" numCol="1" anchor="ctr" anchorCtr="0" compatLnSpc="1">
+            <a:prstTxWarp prst="textNoShape">
+              <a:avLst/>
+            </a:prstTxWarp>
+            <a:spAutoFit/>
+          </a:bodyPr>
+          <a:lstStyle/>
+          <a:p>
+            <a:pPr marL="0" marR="0" lvl="0" indent="0" algn="l" defTabSz="914400" rtl="0" eaLnBrk="0" fontAlgn="base" latinLnBrk="0" hangingPunct="0">
+              <a:lnSpc>
+                <a:spcPct val="100000"/>
+              </a:lnSpc>
+              <a:spcBef>
+                <a:spcPct val="0"/>
+              </a:spcBef>
+              <a:spcAft>
+                <a:spcPct val="0"/>
+              </a:spcAft>
+              <a:buClrTx/>
+              <a:buSzTx/>
+              <a:buFontTx/>
+              <a:buNone/>
+              <a:tabLst/>
+            </a:pPr>
+            <a:r>
+              <a:rPr kumimoji="0" lang="en-US" altLang="en-US" sz="1800" b="0" i="0" u="none" strike="noStrike" cap="none" normalizeH="0" baseline="0" smtClean="0">
+                <a:ln>
+                  <a:noFill/>
+                </a:ln>
+                <a:solidFill>
+                  <a:schemeClr val="tx1"/>
+                </a:solidFill>
+                <a:effectLst/>
+                <a:latin typeface="Arial" panose="020B0604020202020204" pitchFamily="34" charset="0"/>
+              </a:rPr>
+              <a:t/>
+            </a:r>
+            <a:br>
+              <a:rPr kumimoji="0" lang="en-US" altLang="en-US" sz="1800" b="0" i="0" u="none" strike="noStrike" cap="none" normalizeH="0" baseline="0" smtClean="0">
+                <a:ln>
+                  <a:noFill/>
+                </a:ln>
+                <a:solidFill>
+                  <a:schemeClr val="tx1"/>
+                </a:solidFill>
+                <a:effectLst/>
+                <a:latin typeface="Arial" panose="020B0604020202020204" pitchFamily="34" charset="0"/>
+              </a:rPr>
+            </a:br>
+            <a:endParaRPr kumimoji="0" lang="en-US" altLang="en-US" sz="1800" b="0" i="0" u="none" strike="noStrike" cap="none" normalizeH="0" baseline="0" smtClean="0">
+              <a:ln>
+                <a:noFill/>
+              </a:ln>
+              <a:solidFill>
+                <a:schemeClr val="tx1"/>
+              </a:solidFill>
+              <a:effectLst/>
+              <a:latin typeface="Arial" panose="020B0604020202020204" pitchFamily="34" charset="0"/>
+            </a:endParaRPr>
+          </a:p>
+        </p:txBody>
+      </p:sp>
+      <p:pic>
+        <p:nvPicPr>
+          <p:cNvPr id="4" name="Picture 3"/>
+          <p:cNvPicPr>
+            <a:picLocks noChangeAspect="1"/>
+          </p:cNvPicPr>
+          <p:nvPr/>
+        </p:nvPicPr>
+        <p:blipFill>
+          <a:blip r:embed="rId3">
+            <a:extLst>
+              <a:ext uri="{28A0092B-C50C-407E-A947-70E740481C1C}">
+                <a14:useLocalDpi xmlns:a14="http://schemas.microsoft.com/office/drawing/2010/main" val="0"/>
+              </a:ext>
+            </a:extLst>
+          </a:blip>
+          <a:stretch>
+            <a:fillRect/>
+          </a:stretch>
+        </p:blipFill>
+        <p:spPr>
+          <a:xfrm>
+            <a:off x="2572164" y="1297057"/>
+            <a:ext cx="6153150" cy="4800600"/>
+          </a:xfrm>
+          <a:prstGeom prst="rect">
+            <a:avLst/>
+          </a:prstGeom>
+        </p:spPr>
+      </p:pic>
     </p:spTree>
     <p:extLst>
       <p:ext uri="{BB962C8B-B14F-4D97-AF65-F5344CB8AC3E}">
-        <p14:creationId xmlns:p14="http://schemas.microsoft.com/office/powerpoint/2010/main" val="2676600501"/>
+        <p14:creationId xmlns:p14="http://schemas.microsoft.com/office/powerpoint/2010/main" val="4128785564"/>
       </p:ext>
     </p:extLst>
   </p:cSld>
@@ -7118,6 +6815,28 @@
           </a:lstStyle>
           <a:p>
             <a:pPr algn="l"/>
+            <a:r>
+              <a:rPr lang="en-US" sz="2800" b="1" dirty="0" smtClean="0">
+                <a:solidFill>
+                  <a:schemeClr val="accent1">
+                    <a:lumMod val="75000"/>
+                  </a:schemeClr>
+                </a:solidFill>
+                <a:latin typeface="Facto Bold" panose="00000800000000000000" pitchFamily="50" charset="0"/>
+              </a:rPr>
+              <a:t>I2C </a:t>
+            </a:r>
+            <a:r>
+              <a:rPr lang="en-US" sz="2800" b="1" dirty="0" smtClean="0">
+                <a:solidFill>
+                  <a:schemeClr val="accent1">
+                    <a:lumMod val="75000"/>
+                  </a:schemeClr>
+                </a:solidFill>
+                <a:latin typeface="Facto Bold" panose="00000800000000000000" pitchFamily="50" charset="0"/>
+              </a:rPr>
+              <a:t>Receiver</a:t>
+            </a:r>
             <a:endParaRPr lang="en-US" sz="2800" b="1" dirty="0" smtClean="0">
               <a:solidFill>
                 <a:schemeClr val="accent1">
@@ -7137,8 +6856,8 @@
         </p:nvSpPr>
         <p:spPr>
           <a:xfrm>
-            <a:off x="443083" y="198017"/>
-            <a:ext cx="11013140" cy="7781617"/>
+            <a:off x="801660" y="1185704"/>
+            <a:ext cx="11013140" cy="2739211"/>
           </a:xfrm>
           <a:prstGeom prst="rect">
             <a:avLst/>
@@ -7146,7 +6865,7 @@
           <a:noFill/>
         </p:spPr>
         <p:txBody>
-          <a:bodyPr wrap="square" numCol="2" rtlCol="0">
+          <a:bodyPr wrap="square" rtlCol="0">
             <a:spAutoFit/>
           </a:bodyPr>
           <a:lstStyle/>
@@ -7160,879 +6879,212 @@
               </a:spcAft>
             </a:pPr>
             <a:r>
-              <a:rPr lang="en-US" sz="1200" dirty="0">
-                <a:latin typeface="Consolas" panose="020B0609020204030204" pitchFamily="49" charset="0"/>
-              </a:rPr>
-              <a:t>void delay(void)</a:t>
-            </a:r>
-          </a:p>
-          <a:p>
-            <a:pPr lvl="0">
-              <a:spcBef>
-                <a:spcPts val="1000"/>
-              </a:spcBef>
-              <a:spcAft>
-                <a:spcPts val="200"/>
-              </a:spcAft>
-            </a:pPr>
-            <a:r>
-              <a:rPr lang="en-US" sz="1200" dirty="0">
-                <a:latin typeface="Consolas" panose="020B0609020204030204" pitchFamily="49" charset="0"/>
-              </a:rPr>
-              <a:t>{</a:t>
-            </a:r>
-          </a:p>
-          <a:p>
-            <a:pPr lvl="0">
-              <a:spcBef>
-                <a:spcPts val="1000"/>
-              </a:spcBef>
-              <a:spcAft>
-                <a:spcPts val="200"/>
-              </a:spcAft>
-            </a:pPr>
-            <a:r>
-              <a:rPr lang="en-US" sz="1200" dirty="0">
-                <a:latin typeface="Consolas" panose="020B0609020204030204" pitchFamily="49" charset="0"/>
-              </a:rPr>
-              <a:t>	unsigned </a:t>
-            </a:r>
-            <a:r>
-              <a:rPr lang="en-US" sz="1200" dirty="0" err="1">
-                <a:latin typeface="Consolas" panose="020B0609020204030204" pitchFamily="49" charset="0"/>
-              </a:rPr>
-              <a:t>int</a:t>
-            </a:r>
-            <a:r>
-              <a:rPr lang="en-US" sz="1200" dirty="0">
-                <a:latin typeface="Consolas" panose="020B0609020204030204" pitchFamily="49" charset="0"/>
-              </a:rPr>
+              <a:rPr lang="en-US" dirty="0"/>
+              <a:t/>
+            </a:r>
+            <a:br>
+              <a:rPr lang="en-US" dirty="0"/>
+            </a:br>
+            <a:r>
+              <a:rPr lang="en-US" dirty="0"/>
+              <a:t/>
+            </a:r>
+            <a:br>
+              <a:rPr lang="en-US" dirty="0"/>
+            </a:br>
+            <a:r>
+              <a:rPr lang="en-US" dirty="0"/>
+              <a:t/>
+            </a:r>
+            <a:br>
+              <a:rPr lang="en-US" dirty="0"/>
+            </a:br>
+            <a:r>
+              <a:rPr lang="en-US" dirty="0"/>
+              <a:t/>
+            </a:r>
+            <a:br>
+              <a:rPr lang="en-US" dirty="0"/>
+            </a:br>
+            <a:r>
+              <a:rPr lang="en-US" sz="2000" dirty="0"/>
+              <a:t/>
+            </a:r>
+            <a:br>
+              <a:rPr lang="en-US" sz="2000" dirty="0"/>
+            </a:br>
+            <a:r>
+              <a:rPr lang="en-US" sz="2000" dirty="0"/>
               <a:t> </a:t>
             </a:r>
-            <a:r>
-              <a:rPr lang="en-US" sz="1200" dirty="0" err="1">
-                <a:latin typeface="Consolas" panose="020B0609020204030204" pitchFamily="49" charset="0"/>
-              </a:rPr>
-              <a:t>i</a:t>
-            </a:r>
-            <a:r>
-              <a:rPr lang="en-US" sz="1200" dirty="0">
-                <a:latin typeface="Consolas" panose="020B0609020204030204" pitchFamily="49" charset="0"/>
-              </a:rPr>
-              <a:t>;</a:t>
-            </a:r>
-          </a:p>
-          <a:p>
-            <a:pPr lvl="0">
-              <a:spcBef>
-                <a:spcPts val="1000"/>
-              </a:spcBef>
-              <a:spcAft>
-                <a:spcPts val="200"/>
-              </a:spcAft>
-            </a:pPr>
-            <a:r>
-              <a:rPr lang="en-US" sz="1200" dirty="0">
-                <a:latin typeface="Consolas" panose="020B0609020204030204" pitchFamily="49" charset="0"/>
-              </a:rPr>
-              <a:t>	for(</a:t>
-            </a:r>
-            <a:r>
-              <a:rPr lang="en-US" sz="1200" dirty="0" err="1">
-                <a:latin typeface="Consolas" panose="020B0609020204030204" pitchFamily="49" charset="0"/>
-              </a:rPr>
-              <a:t>i</a:t>
-            </a:r>
-            <a:r>
-              <a:rPr lang="en-US" sz="1200" dirty="0">
-                <a:latin typeface="Consolas" panose="020B0609020204030204" pitchFamily="49" charset="0"/>
-              </a:rPr>
-              <a:t>=0;i&lt;1000;i++);</a:t>
-            </a:r>
-          </a:p>
-          <a:p>
-            <a:pPr lvl="0">
-              <a:spcBef>
-                <a:spcPts val="1000"/>
-              </a:spcBef>
-              <a:spcAft>
-                <a:spcPts val="200"/>
-              </a:spcAft>
-            </a:pPr>
-            <a:r>
-              <a:rPr lang="en-US" sz="1200" dirty="0">
-                <a:latin typeface="Consolas" panose="020B0609020204030204" pitchFamily="49" charset="0"/>
-              </a:rPr>
-              <a:t>	for(</a:t>
-            </a:r>
-            <a:r>
-              <a:rPr lang="en-US" sz="1200" dirty="0" err="1">
-                <a:latin typeface="Consolas" panose="020B0609020204030204" pitchFamily="49" charset="0"/>
-              </a:rPr>
-              <a:t>i</a:t>
-            </a:r>
-            <a:r>
-              <a:rPr lang="en-US" sz="1200" dirty="0">
-                <a:latin typeface="Consolas" panose="020B0609020204030204" pitchFamily="49" charset="0"/>
-              </a:rPr>
-              <a:t>=0;i&lt;1000;i++);</a:t>
-            </a:r>
-          </a:p>
-          <a:p>
-            <a:pPr lvl="0">
-              <a:spcBef>
-                <a:spcPts val="1000"/>
-              </a:spcBef>
-              <a:spcAft>
-                <a:spcPts val="200"/>
-              </a:spcAft>
-            </a:pPr>
-            <a:r>
-              <a:rPr lang="en-US" sz="1200" dirty="0" smtClean="0">
-                <a:latin typeface="Consolas" panose="020B0609020204030204" pitchFamily="49" charset="0"/>
-              </a:rPr>
-              <a:t>}</a:t>
-            </a:r>
-            <a:endParaRPr lang="en-US" sz="1200" dirty="0">
-              <a:latin typeface="Consolas" panose="020B0609020204030204" pitchFamily="49" charset="0"/>
-            </a:endParaRPr>
-          </a:p>
-          <a:p>
-            <a:pPr lvl="0">
-              <a:spcBef>
-                <a:spcPts val="1000"/>
-              </a:spcBef>
-              <a:spcAft>
-                <a:spcPts val="200"/>
-              </a:spcAft>
-            </a:pPr>
-            <a:r>
-              <a:rPr lang="en-US" sz="1200" dirty="0">
-                <a:latin typeface="Consolas" panose="020B0609020204030204" pitchFamily="49" charset="0"/>
-              </a:rPr>
-              <a:t>void i2c_gpio_init(void)</a:t>
-            </a:r>
-          </a:p>
-          <a:p>
-            <a:pPr lvl="0">
-              <a:spcBef>
-                <a:spcPts val="1000"/>
-              </a:spcBef>
-              <a:spcAft>
-                <a:spcPts val="200"/>
-              </a:spcAft>
-            </a:pPr>
-            <a:r>
-              <a:rPr lang="en-US" sz="1200" dirty="0">
-                <a:latin typeface="Consolas" panose="020B0609020204030204" pitchFamily="49" charset="0"/>
-              </a:rPr>
-              <a:t>{</a:t>
-            </a:r>
-          </a:p>
-          <a:p>
-            <a:pPr lvl="0">
-              <a:spcBef>
-                <a:spcPts val="1000"/>
-              </a:spcBef>
-              <a:spcAft>
-                <a:spcPts val="200"/>
-              </a:spcAft>
-            </a:pPr>
-            <a:r>
-              <a:rPr lang="en-US" sz="1200" dirty="0">
-                <a:latin typeface="Consolas" panose="020B0609020204030204" pitchFamily="49" charset="0"/>
-              </a:rPr>
-              <a:t>	//i2c and port </a:t>
-            </a:r>
-            <a:r>
-              <a:rPr lang="en-US" sz="1200" dirty="0" err="1">
-                <a:latin typeface="Consolas" panose="020B0609020204030204" pitchFamily="49" charset="0"/>
-              </a:rPr>
-              <a:t>clk</a:t>
-            </a:r>
-            <a:r>
-              <a:rPr lang="en-US" sz="1200" dirty="0">
-                <a:latin typeface="Consolas" panose="020B0609020204030204" pitchFamily="49" charset="0"/>
-              </a:rPr>
-              <a:t> enable</a:t>
-            </a:r>
-          </a:p>
-          <a:p>
-            <a:pPr lvl="0">
-              <a:spcBef>
-                <a:spcPts val="1000"/>
-              </a:spcBef>
-              <a:spcAft>
-                <a:spcPts val="200"/>
-              </a:spcAft>
-            </a:pPr>
-            <a:r>
-              <a:rPr lang="en-US" sz="1200" dirty="0">
-                <a:latin typeface="Consolas" panose="020B0609020204030204" pitchFamily="49" charset="0"/>
-              </a:rPr>
-              <a:t>	RCC-&gt;APB1ENR &amp;= 0x00000000;</a:t>
-            </a:r>
-          </a:p>
-          <a:p>
-            <a:pPr lvl="0">
-              <a:spcBef>
-                <a:spcPts val="1000"/>
-              </a:spcBef>
-              <a:spcAft>
-                <a:spcPts val="200"/>
-              </a:spcAft>
-            </a:pPr>
-            <a:r>
-              <a:rPr lang="en-US" sz="1200" dirty="0">
-                <a:latin typeface="Consolas" panose="020B0609020204030204" pitchFamily="49" charset="0"/>
-              </a:rPr>
-              <a:t>	RCC-&gt;APB2ENR &amp;= 0x00000000;	</a:t>
-            </a:r>
-          </a:p>
-          <a:p>
-            <a:pPr lvl="0">
-              <a:spcBef>
-                <a:spcPts val="1000"/>
-              </a:spcBef>
-              <a:spcAft>
-                <a:spcPts val="200"/>
-              </a:spcAft>
-            </a:pPr>
-            <a:r>
-              <a:rPr lang="en-US" sz="1200" dirty="0">
-                <a:latin typeface="Consolas" panose="020B0609020204030204" pitchFamily="49" charset="0"/>
-              </a:rPr>
-              <a:t>	RCC-&gt;APB1ENR |= (1&lt;&lt;21); //enable i2c </a:t>
-            </a:r>
-            <a:r>
-              <a:rPr lang="en-US" sz="1200" dirty="0" err="1">
-                <a:latin typeface="Consolas" panose="020B0609020204030204" pitchFamily="49" charset="0"/>
-              </a:rPr>
-              <a:t>clk</a:t>
-            </a:r>
-            <a:endParaRPr lang="en-US" sz="1200" dirty="0">
-              <a:latin typeface="Consolas" panose="020B0609020204030204" pitchFamily="49" charset="0"/>
-            </a:endParaRPr>
-          </a:p>
-          <a:p>
-            <a:pPr lvl="0">
-              <a:spcBef>
-                <a:spcPts val="1000"/>
-              </a:spcBef>
-              <a:spcAft>
-                <a:spcPts val="200"/>
-              </a:spcAft>
-            </a:pPr>
-            <a:r>
-              <a:rPr lang="en-US" sz="1200" dirty="0">
-                <a:latin typeface="Consolas" panose="020B0609020204030204" pitchFamily="49" charset="0"/>
-              </a:rPr>
-              <a:t>	RCC-&gt;APB2ENR |= (1&lt;&lt;3);  //enable </a:t>
-            </a:r>
-            <a:r>
-              <a:rPr lang="en-US" sz="1200" dirty="0" err="1">
-                <a:latin typeface="Consolas" panose="020B0609020204030204" pitchFamily="49" charset="0"/>
-              </a:rPr>
-              <a:t>portb</a:t>
-            </a:r>
-            <a:r>
-              <a:rPr lang="en-US" sz="1200" dirty="0">
-                <a:latin typeface="Consolas" panose="020B0609020204030204" pitchFamily="49" charset="0"/>
-              </a:rPr>
+            <a:br>
+              <a:rPr lang="en-US" sz="2000" dirty="0"/>
+            </a:br>
+            <a:r>
+              <a:rPr lang="it-IT" sz="2000" dirty="0"/>
+              <a:t/>
+            </a:r>
+            <a:br>
+              <a:rPr lang="it-IT" sz="2000" dirty="0"/>
+            </a:br>
+            <a:r>
+              <a:rPr lang="it-IT" sz="2000" dirty="0"/>
               <a:t> </a:t>
             </a:r>
-            <a:r>
-              <a:rPr lang="en-US" sz="1200" dirty="0" err="1">
-                <a:latin typeface="Consolas" panose="020B0609020204030204" pitchFamily="49" charset="0"/>
-              </a:rPr>
-              <a:t>clk</a:t>
-            </a:r>
-            <a:endParaRPr lang="en-US" sz="1200" dirty="0">
-              <a:latin typeface="Consolas" panose="020B0609020204030204" pitchFamily="49" charset="0"/>
-            </a:endParaRPr>
-          </a:p>
-          <a:p>
-            <a:pPr lvl="0">
-              <a:spcBef>
-                <a:spcPts val="1000"/>
-              </a:spcBef>
-              <a:spcAft>
-                <a:spcPts val="200"/>
-              </a:spcAft>
-            </a:pPr>
-            <a:r>
-              <a:rPr lang="en-US" sz="1200" dirty="0">
-                <a:latin typeface="Consolas" panose="020B0609020204030204" pitchFamily="49" charset="0"/>
-              </a:rPr>
-              <a:t>	//alternate function </a:t>
-            </a:r>
-            <a:r>
-              <a:rPr lang="en-US" sz="1200" dirty="0" err="1">
-                <a:latin typeface="Consolas" panose="020B0609020204030204" pitchFamily="49" charset="0"/>
-              </a:rPr>
-              <a:t>clk</a:t>
-            </a:r>
-            <a:r>
-              <a:rPr lang="en-US" sz="1200" dirty="0">
-                <a:latin typeface="Consolas" panose="020B0609020204030204" pitchFamily="49" charset="0"/>
-              </a:rPr>
-              <a:t> enable	</a:t>
-            </a:r>
-            <a:endParaRPr lang="en-US" sz="1200" dirty="0" smtClean="0">
-              <a:latin typeface="Consolas" panose="020B0609020204030204" pitchFamily="49" charset="0"/>
-            </a:endParaRPr>
-          </a:p>
-          <a:p>
-            <a:pPr lvl="0">
-              <a:spcBef>
-                <a:spcPts val="1000"/>
-              </a:spcBef>
-              <a:spcAft>
-                <a:spcPts val="200"/>
-              </a:spcAft>
-            </a:pPr>
-            <a:r>
-              <a:rPr lang="en-US" sz="1200" dirty="0">
-                <a:latin typeface="Consolas" panose="020B0609020204030204" pitchFamily="49" charset="0"/>
-              </a:rPr>
-              <a:t>	</a:t>
-            </a:r>
-            <a:r>
-              <a:rPr lang="en-US" sz="1200" dirty="0" smtClean="0">
-                <a:latin typeface="Consolas" panose="020B0609020204030204" pitchFamily="49" charset="0"/>
-              </a:rPr>
-              <a:t>//</a:t>
-            </a:r>
-            <a:r>
-              <a:rPr lang="en-US" sz="1200" dirty="0">
-                <a:latin typeface="Consolas" panose="020B0609020204030204" pitchFamily="49" charset="0"/>
-              </a:rPr>
-              <a:t>RCC-&gt;APB2ENR |=(1&lt;&lt;0);  </a:t>
-            </a:r>
-          </a:p>
-          <a:p>
-            <a:pPr lvl="0">
-              <a:spcBef>
-                <a:spcPts val="1000"/>
-              </a:spcBef>
-              <a:spcAft>
-                <a:spcPts val="200"/>
-              </a:spcAft>
-            </a:pPr>
-            <a:r>
-              <a:rPr lang="en-US" sz="1200" dirty="0">
-                <a:latin typeface="Consolas" panose="020B0609020204030204" pitchFamily="49" charset="0"/>
-              </a:rPr>
-              <a:t>	GPIOB-&gt;CRL &amp;=0x00000000;	</a:t>
-            </a:r>
-          </a:p>
-          <a:p>
-            <a:pPr lvl="0">
-              <a:spcBef>
-                <a:spcPts val="1000"/>
-              </a:spcBef>
-              <a:spcAft>
-                <a:spcPts val="200"/>
-              </a:spcAft>
-            </a:pPr>
-            <a:r>
-              <a:rPr lang="en-US" sz="1200" dirty="0">
-                <a:latin typeface="Consolas" panose="020B0609020204030204" pitchFamily="49" charset="0"/>
-              </a:rPr>
-              <a:t>	//</a:t>
-            </a:r>
-            <a:r>
-              <a:rPr lang="en-US" sz="1200" dirty="0" err="1">
-                <a:latin typeface="Consolas" panose="020B0609020204030204" pitchFamily="49" charset="0"/>
-              </a:rPr>
-              <a:t>scl</a:t>
-            </a:r>
-            <a:r>
-              <a:rPr lang="en-US" sz="1200" dirty="0">
-                <a:latin typeface="Consolas" panose="020B0609020204030204" pitchFamily="49" charset="0"/>
-              </a:rPr>
-              <a:t>	</a:t>
-            </a:r>
-          </a:p>
-          <a:p>
-            <a:pPr lvl="0">
-              <a:spcBef>
-                <a:spcPts val="1000"/>
-              </a:spcBef>
-              <a:spcAft>
-                <a:spcPts val="200"/>
-              </a:spcAft>
-            </a:pPr>
-            <a:r>
-              <a:rPr lang="en-US" sz="1200" dirty="0">
-                <a:latin typeface="Consolas" panose="020B0609020204030204" pitchFamily="49" charset="0"/>
-              </a:rPr>
-              <a:t>	GPIOB-&gt;CRL |= (3&lt;&lt;24);  //pb6-output</a:t>
-            </a:r>
-          </a:p>
-          <a:p>
-            <a:pPr lvl="0">
-              <a:spcBef>
-                <a:spcPts val="1000"/>
-              </a:spcBef>
-              <a:spcAft>
-                <a:spcPts val="200"/>
-              </a:spcAft>
-            </a:pPr>
-            <a:r>
-              <a:rPr lang="en-US" sz="1200" dirty="0">
-                <a:latin typeface="Consolas" panose="020B0609020204030204" pitchFamily="49" charset="0"/>
-              </a:rPr>
-              <a:t>	GPIOB-&gt;CRL |= (3&lt;&lt;26);  //pb6-alterante open </a:t>
-            </a:r>
-            <a:r>
-              <a:rPr lang="en-US" sz="1200" dirty="0" smtClean="0">
-                <a:latin typeface="Consolas" panose="020B0609020204030204" pitchFamily="49" charset="0"/>
-              </a:rPr>
-              <a:t>drain</a:t>
-            </a:r>
-          </a:p>
-          <a:p>
-            <a:pPr lvl="0">
-              <a:spcBef>
-                <a:spcPts val="1000"/>
-              </a:spcBef>
-              <a:spcAft>
-                <a:spcPts val="200"/>
-              </a:spcAft>
-            </a:pPr>
-            <a:endParaRPr lang="en-US" sz="1200" dirty="0">
-              <a:latin typeface="Consolas" panose="020B0609020204030204" pitchFamily="49" charset="0"/>
-            </a:endParaRPr>
-          </a:p>
-          <a:p>
-            <a:pPr lvl="0">
-              <a:spcBef>
-                <a:spcPts val="1000"/>
-              </a:spcBef>
-              <a:spcAft>
-                <a:spcPts val="200"/>
-              </a:spcAft>
-            </a:pPr>
-            <a:endParaRPr lang="en-US" sz="1200" dirty="0" smtClean="0">
-              <a:latin typeface="Consolas" panose="020B0609020204030204" pitchFamily="49" charset="0"/>
-            </a:endParaRPr>
-          </a:p>
-          <a:p>
-            <a:pPr lvl="0">
-              <a:spcBef>
-                <a:spcPts val="1000"/>
-              </a:spcBef>
-              <a:spcAft>
-                <a:spcPts val="200"/>
-              </a:spcAft>
-            </a:pPr>
-            <a:endParaRPr lang="en-US" sz="1200" dirty="0">
-              <a:latin typeface="Consolas" panose="020B0609020204030204" pitchFamily="49" charset="0"/>
-            </a:endParaRPr>
-          </a:p>
-          <a:p>
-            <a:pPr lvl="0">
-              <a:spcBef>
-                <a:spcPts val="1000"/>
-              </a:spcBef>
-              <a:spcAft>
-                <a:spcPts val="200"/>
-              </a:spcAft>
-            </a:pPr>
-            <a:endParaRPr lang="en-US" sz="1200" dirty="0" smtClean="0">
-              <a:latin typeface="Consolas" panose="020B0609020204030204" pitchFamily="49" charset="0"/>
-            </a:endParaRPr>
-          </a:p>
-          <a:p>
-            <a:pPr lvl="0">
-              <a:spcBef>
-                <a:spcPts val="1000"/>
-              </a:spcBef>
-              <a:spcAft>
-                <a:spcPts val="200"/>
-              </a:spcAft>
-            </a:pPr>
-            <a:endParaRPr lang="en-US" sz="1200" dirty="0">
-              <a:latin typeface="Consolas" panose="020B0609020204030204" pitchFamily="49" charset="0"/>
-            </a:endParaRPr>
-          </a:p>
-          <a:p>
-            <a:pPr lvl="0">
-              <a:spcBef>
-                <a:spcPts val="1000"/>
-              </a:spcBef>
-              <a:spcAft>
-                <a:spcPts val="200"/>
-              </a:spcAft>
-            </a:pPr>
-            <a:r>
-              <a:rPr lang="en-US" sz="1200" dirty="0">
-                <a:latin typeface="Consolas" panose="020B0609020204030204" pitchFamily="49" charset="0"/>
-              </a:rPr>
-              <a:t>	//</a:t>
-            </a:r>
-            <a:r>
-              <a:rPr lang="en-US" sz="1200" dirty="0" err="1">
-                <a:latin typeface="Consolas" panose="020B0609020204030204" pitchFamily="49" charset="0"/>
-              </a:rPr>
-              <a:t>sda</a:t>
-            </a:r>
-            <a:endParaRPr lang="en-US" sz="1200" dirty="0">
-              <a:latin typeface="Consolas" panose="020B0609020204030204" pitchFamily="49" charset="0"/>
-            </a:endParaRPr>
-          </a:p>
-          <a:p>
-            <a:pPr lvl="0">
-              <a:spcBef>
-                <a:spcPts val="1000"/>
-              </a:spcBef>
-              <a:spcAft>
-                <a:spcPts val="200"/>
-              </a:spcAft>
-            </a:pPr>
-            <a:r>
-              <a:rPr lang="en-US" sz="1200" dirty="0">
-                <a:latin typeface="Consolas" panose="020B0609020204030204" pitchFamily="49" charset="0"/>
-              </a:rPr>
-              <a:t>	GPIOB-&gt;CRL |= (3&lt;&lt;28);  //pb7-output</a:t>
-            </a:r>
-          </a:p>
-          <a:p>
-            <a:pPr lvl="0">
-              <a:spcBef>
-                <a:spcPts val="1000"/>
-              </a:spcBef>
-              <a:spcAft>
-                <a:spcPts val="200"/>
-              </a:spcAft>
-            </a:pPr>
-            <a:r>
-              <a:rPr lang="en-US" sz="1200" dirty="0">
-                <a:latin typeface="Consolas" panose="020B0609020204030204" pitchFamily="49" charset="0"/>
-              </a:rPr>
-              <a:t>	GPIOB-&gt;CRL |= (3&lt;&lt;30);  //pb7-alterante open drain</a:t>
-            </a:r>
-          </a:p>
-          <a:p>
-            <a:pPr lvl="0">
-              <a:spcBef>
-                <a:spcPts val="1000"/>
-              </a:spcBef>
-              <a:spcAft>
-                <a:spcPts val="200"/>
-              </a:spcAft>
-            </a:pPr>
-            <a:r>
-              <a:rPr lang="en-US" sz="1200" dirty="0">
-                <a:latin typeface="Consolas" panose="020B0609020204030204" pitchFamily="49" charset="0"/>
-              </a:rPr>
-              <a:t>	</a:t>
-            </a:r>
-          </a:p>
-          <a:p>
-            <a:pPr lvl="0">
-              <a:spcBef>
-                <a:spcPts val="1000"/>
-              </a:spcBef>
-              <a:spcAft>
-                <a:spcPts val="200"/>
-              </a:spcAft>
-            </a:pPr>
-            <a:r>
-              <a:rPr lang="en-US" sz="1200" dirty="0" smtClean="0">
-                <a:latin typeface="Consolas" panose="020B0609020204030204" pitchFamily="49" charset="0"/>
-              </a:rPr>
-              <a:t>}</a:t>
-            </a:r>
-            <a:endParaRPr lang="en-US" sz="1200" dirty="0">
-              <a:latin typeface="Consolas" panose="020B0609020204030204" pitchFamily="49" charset="0"/>
-            </a:endParaRPr>
-          </a:p>
-          <a:p>
-            <a:pPr lvl="0">
-              <a:spcBef>
-                <a:spcPts val="1000"/>
-              </a:spcBef>
-              <a:spcAft>
-                <a:spcPts val="200"/>
-              </a:spcAft>
-            </a:pPr>
-            <a:r>
-              <a:rPr lang="en-US" sz="1200" dirty="0">
-                <a:latin typeface="Consolas" panose="020B0609020204030204" pitchFamily="49" charset="0"/>
-              </a:rPr>
-              <a:t>void i2c_init(void)</a:t>
-            </a:r>
-          </a:p>
-          <a:p>
-            <a:pPr lvl="0">
-              <a:spcBef>
-                <a:spcPts val="1000"/>
-              </a:spcBef>
-              <a:spcAft>
-                <a:spcPts val="200"/>
-              </a:spcAft>
-            </a:pPr>
-            <a:r>
-              <a:rPr lang="en-US" sz="1200" dirty="0">
-                <a:latin typeface="Consolas" panose="020B0609020204030204" pitchFamily="49" charset="0"/>
-              </a:rPr>
-              <a:t>{</a:t>
-            </a:r>
-          </a:p>
-          <a:p>
-            <a:pPr lvl="0">
-              <a:spcBef>
-                <a:spcPts val="1000"/>
-              </a:spcBef>
-              <a:spcAft>
-                <a:spcPts val="200"/>
-              </a:spcAft>
-            </a:pPr>
-            <a:r>
-              <a:rPr lang="en-US" sz="1200" dirty="0">
-                <a:latin typeface="Consolas" panose="020B0609020204030204" pitchFamily="49" charset="0"/>
-              </a:rPr>
-              <a:t>	//i2c master mode</a:t>
-            </a:r>
-          </a:p>
-          <a:p>
-            <a:pPr lvl="0">
-              <a:spcBef>
-                <a:spcPts val="1000"/>
-              </a:spcBef>
-              <a:spcAft>
-                <a:spcPts val="200"/>
-              </a:spcAft>
-            </a:pPr>
-            <a:r>
-              <a:rPr lang="en-US" sz="1200" dirty="0">
-                <a:latin typeface="Consolas" panose="020B0609020204030204" pitchFamily="49" charset="0"/>
-              </a:rPr>
-              <a:t>	I2C1-&gt;CR1 &amp;=0x0000;</a:t>
-            </a:r>
-          </a:p>
-          <a:p>
-            <a:pPr lvl="0">
-              <a:spcBef>
-                <a:spcPts val="1000"/>
-              </a:spcBef>
-              <a:spcAft>
-                <a:spcPts val="200"/>
-              </a:spcAft>
-            </a:pPr>
-            <a:r>
-              <a:rPr lang="en-US" sz="1200" dirty="0">
-                <a:latin typeface="Consolas" panose="020B0609020204030204" pitchFamily="49" charset="0"/>
-              </a:rPr>
-              <a:t>	I2C1-&gt;CR2 &amp;=0x0000</a:t>
-            </a:r>
-            <a:r>
-              <a:rPr lang="en-US" sz="1200" dirty="0" smtClean="0">
-                <a:latin typeface="Consolas" panose="020B0609020204030204" pitchFamily="49" charset="0"/>
-              </a:rPr>
-              <a:t>;</a:t>
-            </a:r>
-            <a:r>
-              <a:rPr lang="en-US" sz="1200" dirty="0">
-                <a:latin typeface="Consolas" panose="020B0609020204030204" pitchFamily="49" charset="0"/>
-              </a:rPr>
-              <a:t>	</a:t>
-            </a:r>
-          </a:p>
-          <a:p>
-            <a:pPr lvl="0">
-              <a:spcBef>
-                <a:spcPts val="1000"/>
-              </a:spcBef>
-              <a:spcAft>
-                <a:spcPts val="200"/>
-              </a:spcAft>
-            </a:pPr>
-            <a:r>
-              <a:rPr lang="en-US" sz="1200" dirty="0">
-                <a:latin typeface="Consolas" panose="020B0609020204030204" pitchFamily="49" charset="0"/>
-              </a:rPr>
-              <a:t>	I2C1-&gt;CR1 |= (1&lt;&lt;10);  //</a:t>
-            </a:r>
-            <a:r>
-              <a:rPr lang="en-US" sz="1200" dirty="0" err="1">
-                <a:latin typeface="Consolas" panose="020B0609020204030204" pitchFamily="49" charset="0"/>
-              </a:rPr>
-              <a:t>ack</a:t>
-            </a:r>
-            <a:r>
-              <a:rPr lang="en-US" sz="1200" dirty="0">
-                <a:latin typeface="Consolas" panose="020B0609020204030204" pitchFamily="49" charset="0"/>
-              </a:rPr>
-              <a:t> enable	</a:t>
-            </a:r>
-          </a:p>
-          <a:p>
-            <a:pPr lvl="0">
-              <a:spcBef>
-                <a:spcPts val="1000"/>
-              </a:spcBef>
-              <a:spcAft>
-                <a:spcPts val="200"/>
-              </a:spcAft>
-            </a:pPr>
-            <a:r>
-              <a:rPr lang="en-US" sz="1200" dirty="0">
-                <a:latin typeface="Consolas" panose="020B0609020204030204" pitchFamily="49" charset="0"/>
-              </a:rPr>
-              <a:t>	I2C1-&gt;CR2 |= 8&lt;&lt;0;  //</a:t>
-            </a:r>
-            <a:r>
-              <a:rPr lang="en-US" sz="1200" dirty="0" err="1">
-                <a:latin typeface="Consolas" panose="020B0609020204030204" pitchFamily="49" charset="0"/>
-              </a:rPr>
-              <a:t>freq</a:t>
-            </a:r>
-            <a:r>
-              <a:rPr lang="en-US" sz="1200" dirty="0">
-                <a:latin typeface="Consolas" panose="020B0609020204030204" pitchFamily="49" charset="0"/>
-              </a:rPr>
-              <a:t> :8mhz	</a:t>
-            </a:r>
-          </a:p>
-          <a:p>
-            <a:pPr lvl="0">
-              <a:spcBef>
-                <a:spcPts val="1000"/>
-              </a:spcBef>
-              <a:spcAft>
-                <a:spcPts val="200"/>
-              </a:spcAft>
-            </a:pPr>
-            <a:r>
-              <a:rPr lang="en-US" sz="1200" dirty="0">
-                <a:latin typeface="Consolas" panose="020B0609020204030204" pitchFamily="49" charset="0"/>
-              </a:rPr>
-              <a:t>	I2C1-&gt;CCR =0x28;  //100khz	</a:t>
-            </a:r>
-          </a:p>
-          <a:p>
-            <a:pPr lvl="0">
-              <a:spcBef>
-                <a:spcPts val="1000"/>
-              </a:spcBef>
-              <a:spcAft>
-                <a:spcPts val="200"/>
-              </a:spcAft>
-            </a:pPr>
-            <a:r>
-              <a:rPr lang="en-US" sz="1200" dirty="0">
-                <a:latin typeface="Consolas" panose="020B0609020204030204" pitchFamily="49" charset="0"/>
-              </a:rPr>
-              <a:t>	I2C1-&gt;TRISE &amp;=0x0000;</a:t>
-            </a:r>
-          </a:p>
-          <a:p>
-            <a:pPr lvl="0">
-              <a:spcBef>
-                <a:spcPts val="1000"/>
-              </a:spcBef>
-              <a:spcAft>
-                <a:spcPts val="200"/>
-              </a:spcAft>
-            </a:pPr>
-            <a:r>
-              <a:rPr lang="en-US" sz="1200" dirty="0">
-                <a:latin typeface="Consolas" panose="020B0609020204030204" pitchFamily="49" charset="0"/>
-              </a:rPr>
-              <a:t>	I2C1-&gt;TRISE |=9;  //</a:t>
-            </a:r>
-            <a:r>
-              <a:rPr lang="en-US" sz="1200" dirty="0" err="1">
-                <a:latin typeface="Consolas" panose="020B0609020204030204" pitchFamily="49" charset="0"/>
-              </a:rPr>
-              <a:t>scal</a:t>
-            </a:r>
-            <a:r>
-              <a:rPr lang="en-US" sz="1200" dirty="0">
-                <a:latin typeface="Consolas" panose="020B0609020204030204" pitchFamily="49" charset="0"/>
-              </a:rPr>
-              <a:t> rise time </a:t>
-            </a:r>
-            <a:r>
-              <a:rPr lang="en-US" sz="1200" dirty="0" err="1">
-                <a:latin typeface="Consolas" panose="020B0609020204030204" pitchFamily="49" charset="0"/>
-              </a:rPr>
-              <a:t>config</a:t>
-            </a:r>
-            <a:r>
-              <a:rPr lang="en-US" sz="1200" dirty="0">
-                <a:latin typeface="Consolas" panose="020B0609020204030204" pitchFamily="49" charset="0"/>
-              </a:rPr>
-              <a:t>	</a:t>
-            </a:r>
-          </a:p>
-          <a:p>
-            <a:pPr lvl="0">
-              <a:spcBef>
-                <a:spcPts val="1000"/>
-              </a:spcBef>
-              <a:spcAft>
-                <a:spcPts val="200"/>
-              </a:spcAft>
-            </a:pPr>
-            <a:r>
-              <a:rPr lang="en-US" sz="1200" dirty="0">
-                <a:latin typeface="Consolas" panose="020B0609020204030204" pitchFamily="49" charset="0"/>
-              </a:rPr>
-              <a:t>	I2C1-&gt;CR1 |= (1&lt;&lt;0); //i2c peripheral enable</a:t>
-            </a:r>
-          </a:p>
-          <a:p>
-            <a:pPr lvl="0">
-              <a:spcBef>
-                <a:spcPts val="1000"/>
-              </a:spcBef>
-              <a:spcAft>
-                <a:spcPts val="200"/>
-              </a:spcAft>
-            </a:pPr>
-            <a:r>
-              <a:rPr lang="en-US" sz="1200" dirty="0">
-                <a:latin typeface="Consolas" panose="020B0609020204030204" pitchFamily="49" charset="0"/>
-              </a:rPr>
-              <a:t>}</a:t>
-            </a:r>
-          </a:p>
-          <a:p>
-            <a:pPr lvl="0">
-              <a:spcBef>
-                <a:spcPts val="1000"/>
-              </a:spcBef>
-              <a:spcAft>
-                <a:spcPts val="200"/>
-              </a:spcAft>
-            </a:pPr>
-            <a:endParaRPr lang="en-US" sz="1200" dirty="0">
-              <a:latin typeface="Consolas" panose="020B0609020204030204" pitchFamily="49" charset="0"/>
-            </a:endParaRPr>
-          </a:p>
-          <a:p>
-            <a:pPr lvl="0">
-              <a:spcBef>
-                <a:spcPts val="1000"/>
-              </a:spcBef>
-              <a:spcAft>
-                <a:spcPts val="200"/>
-              </a:spcAft>
-            </a:pPr>
-            <a:endParaRPr lang="en-US" sz="1200" dirty="0">
-              <a:latin typeface="Consolas" panose="020B0609020204030204" pitchFamily="49" charset="0"/>
-            </a:endParaRPr>
+            <a:br>
+              <a:rPr lang="it-IT" sz="2000" dirty="0"/>
+            </a:br>
+            <a:endParaRPr lang="en-US" sz="2000" dirty="0"/>
           </a:p>
         </p:txBody>
       </p:sp>
+      <p:sp>
+        <p:nvSpPr>
+          <p:cNvPr id="21" name="Rectangle 8"/>
+          <p:cNvSpPr>
+            <a:spLocks noChangeArrowheads="1"/>
+          </p:cNvSpPr>
+          <p:nvPr/>
+        </p:nvSpPr>
+        <p:spPr bwMode="auto">
+          <a:xfrm>
+            <a:off x="3543300" y="3863975"/>
+            <a:ext cx="12192000" cy="0"/>
+          </a:xfrm>
+          <a:prstGeom prst="rect">
+            <a:avLst/>
+          </a:prstGeom>
+          <a:noFill/>
+          <a:ln>
+            <a:noFill/>
+          </a:ln>
+          <a:effectLst/>
+          <a:extLst>
+            <a:ext uri="{909E8E84-426E-40DD-AFC4-6F175D3DCCD1}">
+              <a14:hiddenFill xmlns:a14="http://schemas.microsoft.com/office/drawing/2010/main">
+                <a:solidFill>
+                  <a:schemeClr val="accent1"/>
+                </a:solidFill>
+              </a14:hiddenFill>
+            </a:ext>
+            <a:ext uri="{91240B29-F687-4F45-9708-019B960494DF}">
+              <a14:hiddenLine xmlns:a14="http://schemas.microsoft.com/office/drawing/2010/main" w="9525">
+                <a:solidFill>
+                  <a:schemeClr val="tx1"/>
+                </a:solidFill>
+                <a:miter lim="800000"/>
+                <a:headEnd/>
+                <a:tailEnd/>
+              </a14:hiddenLine>
+            </a:ext>
+            <a:ext uri="{AF507438-7753-43E0-B8FC-AC1667EBCBE1}">
+              <a14:hiddenEffects xmlns:a14="http://schemas.microsoft.com/office/drawing/2010/main">
+                <a:effectLst>
+                  <a:outerShdw dist="35921" dir="2700000" algn="ctr" rotWithShape="0">
+                    <a:schemeClr val="bg2"/>
+                  </a:outerShdw>
+                </a:effectLst>
+              </a14:hiddenEffects>
+            </a:ext>
+          </a:extLst>
+        </p:spPr>
+        <p:txBody>
+          <a:bodyPr vert="horz" wrap="none" lIns="91440" tIns="45720" rIns="91440" bIns="45720" numCol="1" anchor="ctr" anchorCtr="0" compatLnSpc="1">
+            <a:prstTxWarp prst="textNoShape">
+              <a:avLst/>
+            </a:prstTxWarp>
+            <a:spAutoFit/>
+          </a:bodyPr>
+          <a:lstStyle/>
+          <a:p>
+            <a:pPr marL="0" marR="0" lvl="0" indent="0" algn="l" defTabSz="914400" rtl="0" eaLnBrk="0" fontAlgn="base" latinLnBrk="0" hangingPunct="0">
+              <a:lnSpc>
+                <a:spcPct val="100000"/>
+              </a:lnSpc>
+              <a:spcBef>
+                <a:spcPct val="0"/>
+              </a:spcBef>
+              <a:spcAft>
+                <a:spcPct val="0"/>
+              </a:spcAft>
+              <a:buClrTx/>
+              <a:buSzTx/>
+              <a:buFontTx/>
+              <a:buNone/>
+              <a:tabLst/>
+            </a:pPr>
+            <a:r>
+              <a:rPr kumimoji="0" lang="en-US" altLang="en-US" sz="1800" b="0" i="0" u="none" strike="noStrike" cap="none" normalizeH="0" baseline="0" smtClean="0">
+                <a:ln>
+                  <a:noFill/>
+                </a:ln>
+                <a:solidFill>
+                  <a:schemeClr val="tx1"/>
+                </a:solidFill>
+                <a:effectLst/>
+                <a:latin typeface="Arial" panose="020B0604020202020204" pitchFamily="34" charset="0"/>
+              </a:rPr>
+              <a:t/>
+            </a:r>
+            <a:br>
+              <a:rPr kumimoji="0" lang="en-US" altLang="en-US" sz="1800" b="0" i="0" u="none" strike="noStrike" cap="none" normalizeH="0" baseline="0" smtClean="0">
+                <a:ln>
+                  <a:noFill/>
+                </a:ln>
+                <a:solidFill>
+                  <a:schemeClr val="tx1"/>
+                </a:solidFill>
+                <a:effectLst/>
+                <a:latin typeface="Arial" panose="020B0604020202020204" pitchFamily="34" charset="0"/>
+              </a:rPr>
+            </a:br>
+            <a:endParaRPr kumimoji="0" lang="en-US" altLang="en-US" sz="1800" b="0" i="0" u="none" strike="noStrike" cap="none" normalizeH="0" baseline="0" smtClean="0">
+              <a:ln>
+                <a:noFill/>
+              </a:ln>
+              <a:solidFill>
+                <a:schemeClr val="tx1"/>
+              </a:solidFill>
+              <a:effectLst/>
+              <a:latin typeface="Arial" panose="020B0604020202020204" pitchFamily="34" charset="0"/>
+            </a:endParaRPr>
+          </a:p>
+        </p:txBody>
+      </p:sp>
+      <p:pic>
+        <p:nvPicPr>
+          <p:cNvPr id="4" name="Picture 3"/>
+          <p:cNvPicPr>
+            <a:picLocks noChangeAspect="1"/>
+          </p:cNvPicPr>
+          <p:nvPr/>
+        </p:nvPicPr>
+        <p:blipFill>
+          <a:blip r:embed="rId3">
+            <a:extLst>
+              <a:ext uri="{28A0092B-C50C-407E-A947-70E740481C1C}">
+                <a14:useLocalDpi xmlns:a14="http://schemas.microsoft.com/office/drawing/2010/main" val="0"/>
+              </a:ext>
+            </a:extLst>
+          </a:blip>
+          <a:stretch>
+            <a:fillRect/>
+          </a:stretch>
+        </p:blipFill>
+        <p:spPr>
+          <a:xfrm>
+            <a:off x="2508594" y="1405765"/>
+            <a:ext cx="6657975" cy="4543425"/>
+          </a:xfrm>
+          <a:prstGeom prst="rect">
+            <a:avLst/>
+          </a:prstGeom>
+        </p:spPr>
+      </p:pic>
     </p:spTree>
     <p:extLst>
       <p:ext uri="{BB962C8B-B14F-4D97-AF65-F5344CB8AC3E}">
-        <p14:creationId xmlns:p14="http://schemas.microsoft.com/office/powerpoint/2010/main" val="584231199"/>
+        <p14:creationId xmlns:p14="http://schemas.microsoft.com/office/powerpoint/2010/main" val="2625685743"/>
       </p:ext>
     </p:extLst>
   </p:cSld>
@@ -8404,6 +7456,1777 @@
       </p:sp>
       <p:sp>
         <p:nvSpPr>
+          <p:cNvPr id="5" name="Title 4"/>
+          <p:cNvSpPr txBox="1">
+            <a:spLocks/>
+          </p:cNvSpPr>
+          <p:nvPr/>
+        </p:nvSpPr>
+        <p:spPr>
+          <a:xfrm>
+            <a:off x="231813" y="129648"/>
+            <a:ext cx="6636281" cy="399245"/>
+          </a:xfrm>
+          <a:prstGeom prst="rect">
+            <a:avLst/>
+          </a:prstGeom>
+        </p:spPr>
+        <p:txBody>
+          <a:bodyPr vert="horz" lIns="91440" tIns="45720" rIns="91440" bIns="45720" rtlCol="0" anchor="b">
+            <a:noAutofit/>
+          </a:bodyPr>
+          <a:lstStyle>
+            <a:lvl1pPr algn="ctr" defTabSz="914400" rtl="0" eaLnBrk="1" latinLnBrk="0" hangingPunct="1">
+              <a:lnSpc>
+                <a:spcPct val="90000"/>
+              </a:lnSpc>
+              <a:spcBef>
+                <a:spcPct val="0"/>
+              </a:spcBef>
+              <a:buNone/>
+              <a:defRPr sz="6000" kern="1200">
+                <a:solidFill>
+                  <a:schemeClr val="tx1"/>
+                </a:solidFill>
+                <a:latin typeface="+mj-lt"/>
+                <a:ea typeface="+mj-ea"/>
+                <a:cs typeface="+mj-cs"/>
+              </a:defRPr>
+            </a:lvl1pPr>
+          </a:lstStyle>
+          <a:p>
+            <a:pPr algn="l"/>
+            <a:r>
+              <a:rPr lang="en-US" sz="2800" b="1" dirty="0" smtClean="0">
+                <a:solidFill>
+                  <a:schemeClr val="accent1">
+                    <a:lumMod val="75000"/>
+                  </a:schemeClr>
+                </a:solidFill>
+                <a:latin typeface="Facto Bold" panose="00000800000000000000" pitchFamily="50" charset="0"/>
+              </a:rPr>
+              <a:t>I2C Program</a:t>
+            </a:r>
+          </a:p>
+        </p:txBody>
+      </p:sp>
+      <p:sp>
+        <p:nvSpPr>
+          <p:cNvPr id="6" name="TextBox 5"/>
+          <p:cNvSpPr txBox="1"/>
+          <p:nvPr/>
+        </p:nvSpPr>
+        <p:spPr>
+          <a:xfrm>
+            <a:off x="589430" y="666496"/>
+            <a:ext cx="11013140" cy="7104509"/>
+          </a:xfrm>
+          <a:prstGeom prst="rect">
+            <a:avLst/>
+          </a:prstGeom>
+          <a:noFill/>
+        </p:spPr>
+        <p:txBody>
+          <a:bodyPr wrap="square" numCol="2" rtlCol="0">
+            <a:spAutoFit/>
+          </a:bodyPr>
+          <a:lstStyle/>
+          <a:p>
+            <a:pPr lvl="0">
+              <a:spcBef>
+                <a:spcPts val="1000"/>
+              </a:spcBef>
+              <a:spcAft>
+                <a:spcPts val="200"/>
+              </a:spcAft>
+            </a:pPr>
+            <a:r>
+              <a:rPr lang="en-US" sz="1400" dirty="0">
+                <a:latin typeface="Consolas" panose="020B0609020204030204" pitchFamily="49" charset="0"/>
+              </a:rPr>
+              <a:t>#include "stm32f10x.h"   </a:t>
+            </a:r>
+            <a:r>
+              <a:rPr lang="en-US" sz="1400" dirty="0" smtClean="0">
+                <a:latin typeface="Consolas" panose="020B0609020204030204" pitchFamily="49" charset="0"/>
+              </a:rPr>
+              <a:t>// </a:t>
+            </a:r>
+            <a:r>
+              <a:rPr lang="en-US" sz="1400" dirty="0">
+                <a:latin typeface="Consolas" panose="020B0609020204030204" pitchFamily="49" charset="0"/>
+              </a:rPr>
+              <a:t>Device header</a:t>
+            </a:r>
+          </a:p>
+          <a:p>
+            <a:pPr lvl="0">
+              <a:spcBef>
+                <a:spcPts val="1000"/>
+              </a:spcBef>
+              <a:spcAft>
+                <a:spcPts val="200"/>
+              </a:spcAft>
+            </a:pPr>
+            <a:r>
+              <a:rPr lang="en-US" sz="1400" dirty="0">
+                <a:latin typeface="Consolas" panose="020B0609020204030204" pitchFamily="49" charset="0"/>
+              </a:rPr>
+              <a:t>#include&lt;</a:t>
+            </a:r>
+            <a:r>
+              <a:rPr lang="en-US" sz="1400" dirty="0" err="1">
+                <a:latin typeface="Consolas" panose="020B0609020204030204" pitchFamily="49" charset="0"/>
+              </a:rPr>
+              <a:t>string.h</a:t>
+            </a:r>
+            <a:r>
+              <a:rPr lang="en-US" sz="1400" dirty="0">
+                <a:latin typeface="Consolas" panose="020B0609020204030204" pitchFamily="49" charset="0"/>
+              </a:rPr>
+              <a:t>&gt;</a:t>
+            </a:r>
+          </a:p>
+          <a:p>
+            <a:pPr lvl="0">
+              <a:spcBef>
+                <a:spcPts val="1000"/>
+              </a:spcBef>
+              <a:spcAft>
+                <a:spcPts val="200"/>
+              </a:spcAft>
+            </a:pPr>
+            <a:endParaRPr lang="en-US" sz="1400" dirty="0">
+              <a:latin typeface="Consolas" panose="020B0609020204030204" pitchFamily="49" charset="0"/>
+            </a:endParaRPr>
+          </a:p>
+          <a:p>
+            <a:pPr lvl="0">
+              <a:spcBef>
+                <a:spcPts val="1000"/>
+              </a:spcBef>
+              <a:spcAft>
+                <a:spcPts val="200"/>
+              </a:spcAft>
+            </a:pPr>
+            <a:r>
+              <a:rPr lang="en-US" sz="1400" dirty="0">
+                <a:latin typeface="Consolas" panose="020B0609020204030204" pitchFamily="49" charset="0"/>
+              </a:rPr>
+              <a:t>void i2c_gpio_init(void);</a:t>
+            </a:r>
+          </a:p>
+          <a:p>
+            <a:pPr lvl="0">
+              <a:spcBef>
+                <a:spcPts val="1000"/>
+              </a:spcBef>
+              <a:spcAft>
+                <a:spcPts val="200"/>
+              </a:spcAft>
+            </a:pPr>
+            <a:r>
+              <a:rPr lang="en-US" sz="1400" dirty="0">
+                <a:latin typeface="Consolas" panose="020B0609020204030204" pitchFamily="49" charset="0"/>
+              </a:rPr>
+              <a:t>void i2c_init(void);</a:t>
+            </a:r>
+          </a:p>
+          <a:p>
+            <a:pPr lvl="0">
+              <a:spcBef>
+                <a:spcPts val="1000"/>
+              </a:spcBef>
+              <a:spcAft>
+                <a:spcPts val="200"/>
+              </a:spcAft>
+            </a:pPr>
+            <a:r>
+              <a:rPr lang="en-US" sz="1400" dirty="0">
+                <a:latin typeface="Consolas" panose="020B0609020204030204" pitchFamily="49" charset="0"/>
+              </a:rPr>
+              <a:t>void i2c_start(void);</a:t>
+            </a:r>
+          </a:p>
+          <a:p>
+            <a:pPr lvl="0">
+              <a:spcBef>
+                <a:spcPts val="1000"/>
+              </a:spcBef>
+              <a:spcAft>
+                <a:spcPts val="200"/>
+              </a:spcAft>
+            </a:pPr>
+            <a:r>
+              <a:rPr lang="en-US" sz="1400" dirty="0">
+                <a:latin typeface="Consolas" panose="020B0609020204030204" pitchFamily="49" charset="0"/>
+              </a:rPr>
+              <a:t>void i2c_slave_address(unsigned char data);</a:t>
+            </a:r>
+          </a:p>
+          <a:p>
+            <a:pPr lvl="0">
+              <a:spcBef>
+                <a:spcPts val="1000"/>
+              </a:spcBef>
+              <a:spcAft>
+                <a:spcPts val="200"/>
+              </a:spcAft>
+            </a:pPr>
+            <a:r>
+              <a:rPr lang="en-US" sz="1400" dirty="0">
+                <a:latin typeface="Consolas" panose="020B0609020204030204" pitchFamily="49" charset="0"/>
+              </a:rPr>
+              <a:t>void i2c_write(unsigned char data);</a:t>
+            </a:r>
+          </a:p>
+          <a:p>
+            <a:pPr lvl="0">
+              <a:spcBef>
+                <a:spcPts val="1000"/>
+              </a:spcBef>
+              <a:spcAft>
+                <a:spcPts val="200"/>
+              </a:spcAft>
+            </a:pPr>
+            <a:r>
+              <a:rPr lang="en-US" sz="1400" dirty="0">
+                <a:latin typeface="Consolas" panose="020B0609020204030204" pitchFamily="49" charset="0"/>
+              </a:rPr>
+              <a:t>void i2c_clearAddr(void);</a:t>
+            </a:r>
+          </a:p>
+          <a:p>
+            <a:pPr lvl="0">
+              <a:spcBef>
+                <a:spcPts val="1000"/>
+              </a:spcBef>
+              <a:spcAft>
+                <a:spcPts val="200"/>
+              </a:spcAft>
+            </a:pPr>
+            <a:r>
+              <a:rPr lang="en-US" sz="1400" dirty="0">
+                <a:latin typeface="Consolas" panose="020B0609020204030204" pitchFamily="49" charset="0"/>
+              </a:rPr>
+              <a:t>void i2c_write_string(unsigned char *data);</a:t>
+            </a:r>
+          </a:p>
+          <a:p>
+            <a:pPr lvl="0">
+              <a:spcBef>
+                <a:spcPts val="1000"/>
+              </a:spcBef>
+              <a:spcAft>
+                <a:spcPts val="200"/>
+              </a:spcAft>
+            </a:pPr>
+            <a:r>
+              <a:rPr lang="en-US" sz="1400" dirty="0">
+                <a:latin typeface="Consolas" panose="020B0609020204030204" pitchFamily="49" charset="0"/>
+              </a:rPr>
+              <a:t>void i2c_stop(void);</a:t>
+            </a:r>
+          </a:p>
+          <a:p>
+            <a:pPr lvl="0">
+              <a:spcBef>
+                <a:spcPts val="1000"/>
+              </a:spcBef>
+              <a:spcAft>
+                <a:spcPts val="200"/>
+              </a:spcAft>
+            </a:pPr>
+            <a:r>
+              <a:rPr lang="en-US" sz="1400" dirty="0">
+                <a:latin typeface="Consolas" panose="020B0609020204030204" pitchFamily="49" charset="0"/>
+              </a:rPr>
+              <a:t>void delay(void);</a:t>
+            </a:r>
+          </a:p>
+          <a:p>
+            <a:pPr lvl="0">
+              <a:spcBef>
+                <a:spcPts val="1000"/>
+              </a:spcBef>
+              <a:spcAft>
+                <a:spcPts val="200"/>
+              </a:spcAft>
+            </a:pPr>
+            <a:endParaRPr lang="en-US" sz="1400" dirty="0">
+              <a:latin typeface="Consolas" panose="020B0609020204030204" pitchFamily="49" charset="0"/>
+            </a:endParaRPr>
+          </a:p>
+          <a:p>
+            <a:pPr lvl="0">
+              <a:spcBef>
+                <a:spcPts val="1000"/>
+              </a:spcBef>
+              <a:spcAft>
+                <a:spcPts val="200"/>
+              </a:spcAft>
+            </a:pPr>
+            <a:r>
+              <a:rPr lang="en-US" sz="1400" dirty="0">
+                <a:latin typeface="Consolas" panose="020B0609020204030204" pitchFamily="49" charset="0"/>
+              </a:rPr>
+              <a:t>unsigned char * </a:t>
+            </a:r>
+            <a:r>
+              <a:rPr lang="en-US" sz="1400" dirty="0" err="1">
+                <a:latin typeface="Consolas" panose="020B0609020204030204" pitchFamily="49" charset="0"/>
+              </a:rPr>
+              <a:t>msg</a:t>
+            </a:r>
+            <a:r>
+              <a:rPr lang="en-US" sz="1400" dirty="0">
+                <a:latin typeface="Consolas" panose="020B0609020204030204" pitchFamily="49" charset="0"/>
+              </a:rPr>
+              <a:t>=(unsigned char *) "hello embedded world";</a:t>
+            </a:r>
+          </a:p>
+          <a:p>
+            <a:pPr lvl="0">
+              <a:spcBef>
+                <a:spcPts val="1000"/>
+              </a:spcBef>
+              <a:spcAft>
+                <a:spcPts val="200"/>
+              </a:spcAft>
+            </a:pPr>
+            <a:r>
+              <a:rPr lang="en-US" sz="1400" dirty="0">
+                <a:latin typeface="Consolas" panose="020B0609020204030204" pitchFamily="49" charset="0"/>
+              </a:rPr>
+              <a:t>unsigned short </a:t>
+            </a:r>
+            <a:r>
+              <a:rPr lang="en-US" sz="1400" dirty="0" err="1">
+                <a:latin typeface="Consolas" panose="020B0609020204030204" pitchFamily="49" charset="0"/>
+              </a:rPr>
+              <a:t>int</a:t>
+            </a:r>
+            <a:r>
+              <a:rPr lang="en-US" sz="1400" dirty="0">
+                <a:latin typeface="Consolas" panose="020B0609020204030204" pitchFamily="49" charset="0"/>
+              </a:rPr>
+              <a:t> </a:t>
+            </a:r>
+            <a:r>
+              <a:rPr lang="en-US" sz="1400" dirty="0" err="1">
+                <a:latin typeface="Consolas" panose="020B0609020204030204" pitchFamily="49" charset="0"/>
+              </a:rPr>
+              <a:t>dummy_read</a:t>
+            </a:r>
+            <a:r>
+              <a:rPr lang="en-US" sz="1400" dirty="0">
+                <a:latin typeface="Consolas" panose="020B0609020204030204" pitchFamily="49" charset="0"/>
+              </a:rPr>
+              <a:t>=0x0000;</a:t>
+            </a:r>
+          </a:p>
+          <a:p>
+            <a:pPr lvl="0">
+              <a:spcBef>
+                <a:spcPts val="1000"/>
+              </a:spcBef>
+              <a:spcAft>
+                <a:spcPts val="200"/>
+              </a:spcAft>
+            </a:pPr>
+            <a:endParaRPr lang="en-US" sz="1400" dirty="0" smtClean="0">
+              <a:latin typeface="Consolas" panose="020B0609020204030204" pitchFamily="49" charset="0"/>
+            </a:endParaRPr>
+          </a:p>
+          <a:p>
+            <a:pPr lvl="0">
+              <a:spcBef>
+                <a:spcPts val="1000"/>
+              </a:spcBef>
+              <a:spcAft>
+                <a:spcPts val="200"/>
+              </a:spcAft>
+            </a:pPr>
+            <a:endParaRPr lang="en-US" sz="1400" dirty="0">
+              <a:latin typeface="Consolas" panose="020B0609020204030204" pitchFamily="49" charset="0"/>
+            </a:endParaRPr>
+          </a:p>
+          <a:p>
+            <a:pPr lvl="0">
+              <a:spcBef>
+                <a:spcPts val="1000"/>
+              </a:spcBef>
+              <a:spcAft>
+                <a:spcPts val="200"/>
+              </a:spcAft>
+            </a:pPr>
+            <a:endParaRPr lang="en-US" sz="1400" dirty="0" smtClean="0">
+              <a:latin typeface="Consolas" panose="020B0609020204030204" pitchFamily="49" charset="0"/>
+            </a:endParaRPr>
+          </a:p>
+          <a:p>
+            <a:pPr lvl="0">
+              <a:spcBef>
+                <a:spcPts val="1000"/>
+              </a:spcBef>
+              <a:spcAft>
+                <a:spcPts val="200"/>
+              </a:spcAft>
+            </a:pPr>
+            <a:endParaRPr lang="en-US" sz="1400" dirty="0">
+              <a:latin typeface="Consolas" panose="020B0609020204030204" pitchFamily="49" charset="0"/>
+            </a:endParaRPr>
+          </a:p>
+          <a:p>
+            <a:pPr lvl="0">
+              <a:spcBef>
+                <a:spcPts val="1000"/>
+              </a:spcBef>
+              <a:spcAft>
+                <a:spcPts val="200"/>
+              </a:spcAft>
+            </a:pPr>
+            <a:r>
+              <a:rPr lang="en-US" sz="1400" dirty="0" err="1">
+                <a:latin typeface="Consolas" panose="020B0609020204030204" pitchFamily="49" charset="0"/>
+              </a:rPr>
+              <a:t>int</a:t>
+            </a:r>
+            <a:r>
+              <a:rPr lang="en-US" sz="1400" dirty="0">
+                <a:latin typeface="Consolas" panose="020B0609020204030204" pitchFamily="49" charset="0"/>
+              </a:rPr>
+              <a:t> main(void)</a:t>
+            </a:r>
+          </a:p>
+          <a:p>
+            <a:pPr lvl="0">
+              <a:spcBef>
+                <a:spcPts val="1000"/>
+              </a:spcBef>
+              <a:spcAft>
+                <a:spcPts val="200"/>
+              </a:spcAft>
+            </a:pPr>
+            <a:r>
+              <a:rPr lang="en-US" sz="1400" dirty="0">
+                <a:latin typeface="Consolas" panose="020B0609020204030204" pitchFamily="49" charset="0"/>
+              </a:rPr>
+              <a:t>{</a:t>
+            </a:r>
+          </a:p>
+          <a:p>
+            <a:pPr lvl="0">
+              <a:spcBef>
+                <a:spcPts val="1000"/>
+              </a:spcBef>
+              <a:spcAft>
+                <a:spcPts val="200"/>
+              </a:spcAft>
+            </a:pPr>
+            <a:r>
+              <a:rPr lang="en-US" sz="1400" dirty="0">
+                <a:latin typeface="Consolas" panose="020B0609020204030204" pitchFamily="49" charset="0"/>
+              </a:rPr>
+              <a:t>	i2c_gpio_init();//delay();			</a:t>
+            </a:r>
+          </a:p>
+          <a:p>
+            <a:pPr lvl="0">
+              <a:spcBef>
+                <a:spcPts val="1000"/>
+              </a:spcBef>
+              <a:spcAft>
+                <a:spcPts val="200"/>
+              </a:spcAft>
+            </a:pPr>
+            <a:r>
+              <a:rPr lang="en-US" sz="1400" dirty="0">
+                <a:latin typeface="Consolas" panose="020B0609020204030204" pitchFamily="49" charset="0"/>
+              </a:rPr>
+              <a:t>	i2c_init();//delay();			</a:t>
+            </a:r>
+          </a:p>
+          <a:p>
+            <a:pPr lvl="0">
+              <a:spcBef>
+                <a:spcPts val="1000"/>
+              </a:spcBef>
+              <a:spcAft>
+                <a:spcPts val="200"/>
+              </a:spcAft>
+            </a:pPr>
+            <a:r>
+              <a:rPr lang="en-US" sz="1400" dirty="0">
+                <a:latin typeface="Consolas" panose="020B0609020204030204" pitchFamily="49" charset="0"/>
+              </a:rPr>
+              <a:t>	i2c_start();</a:t>
+            </a:r>
+          </a:p>
+          <a:p>
+            <a:pPr lvl="0">
+              <a:spcBef>
+                <a:spcPts val="1000"/>
+              </a:spcBef>
+              <a:spcAft>
+                <a:spcPts val="200"/>
+              </a:spcAft>
+            </a:pPr>
+            <a:r>
+              <a:rPr lang="en-US" sz="1400" dirty="0">
+                <a:latin typeface="Consolas" panose="020B0609020204030204" pitchFamily="49" charset="0"/>
+              </a:rPr>
+              <a:t>	i2c_slave_address(0xA0);	</a:t>
+            </a:r>
+          </a:p>
+          <a:p>
+            <a:pPr lvl="0">
+              <a:spcBef>
+                <a:spcPts val="1000"/>
+              </a:spcBef>
+              <a:spcAft>
+                <a:spcPts val="200"/>
+              </a:spcAft>
+            </a:pPr>
+            <a:r>
+              <a:rPr lang="en-US" sz="1400" dirty="0">
+                <a:latin typeface="Consolas" panose="020B0609020204030204" pitchFamily="49" charset="0"/>
+              </a:rPr>
+              <a:t>	i2c_write_string(</a:t>
+            </a:r>
+            <a:r>
+              <a:rPr lang="en-US" sz="1400" dirty="0" err="1">
+                <a:latin typeface="Consolas" panose="020B0609020204030204" pitchFamily="49" charset="0"/>
+              </a:rPr>
+              <a:t>msg</a:t>
+            </a:r>
+            <a:r>
+              <a:rPr lang="en-US" sz="1400" dirty="0">
+                <a:latin typeface="Consolas" panose="020B0609020204030204" pitchFamily="49" charset="0"/>
+              </a:rPr>
+              <a:t>);</a:t>
+            </a:r>
+          </a:p>
+          <a:p>
+            <a:pPr lvl="0">
+              <a:spcBef>
+                <a:spcPts val="1000"/>
+              </a:spcBef>
+              <a:spcAft>
+                <a:spcPts val="200"/>
+              </a:spcAft>
+            </a:pPr>
+            <a:r>
+              <a:rPr lang="en-US" sz="1400" dirty="0">
+                <a:latin typeface="Consolas" panose="020B0609020204030204" pitchFamily="49" charset="0"/>
+              </a:rPr>
+              <a:t>	i2c_stop();</a:t>
+            </a:r>
+          </a:p>
+          <a:p>
+            <a:pPr lvl="0">
+              <a:spcBef>
+                <a:spcPts val="1000"/>
+              </a:spcBef>
+              <a:spcAft>
+                <a:spcPts val="200"/>
+              </a:spcAft>
+            </a:pPr>
+            <a:r>
+              <a:rPr lang="en-US" sz="1400" dirty="0">
+                <a:latin typeface="Consolas" panose="020B0609020204030204" pitchFamily="49" charset="0"/>
+              </a:rPr>
+              <a:t>	return 0;</a:t>
+            </a:r>
+          </a:p>
+          <a:p>
+            <a:pPr lvl="0">
+              <a:spcBef>
+                <a:spcPts val="1000"/>
+              </a:spcBef>
+              <a:spcAft>
+                <a:spcPts val="200"/>
+              </a:spcAft>
+            </a:pPr>
+            <a:r>
+              <a:rPr lang="en-US" sz="1400" dirty="0">
+                <a:latin typeface="Consolas" panose="020B0609020204030204" pitchFamily="49" charset="0"/>
+              </a:rPr>
+              <a:t>}</a:t>
+            </a:r>
+          </a:p>
+          <a:p>
+            <a:pPr lvl="0">
+              <a:spcBef>
+                <a:spcPts val="1000"/>
+              </a:spcBef>
+              <a:spcAft>
+                <a:spcPts val="200"/>
+              </a:spcAft>
+            </a:pPr>
+            <a:endParaRPr lang="en-US" sz="1400" dirty="0">
+              <a:latin typeface="Consolas" panose="020B0609020204030204" pitchFamily="49" charset="0"/>
+            </a:endParaRPr>
+          </a:p>
+        </p:txBody>
+      </p:sp>
+    </p:spTree>
+    <p:extLst>
+      <p:ext uri="{BB962C8B-B14F-4D97-AF65-F5344CB8AC3E}">
+        <p14:creationId xmlns:p14="http://schemas.microsoft.com/office/powerpoint/2010/main" val="2676600501"/>
+      </p:ext>
+    </p:extLst>
+  </p:cSld>
+  <p:clrMapOvr>
+    <a:masterClrMapping/>
+  </p:clrMapOvr>
+  <p:timing>
+    <p:tnLst>
+      <p:par>
+        <p:cTn id="1" dur="indefinite" restart="never" nodeType="tmRoot"/>
+      </p:par>
+    </p:tnLst>
+  </p:timing>
+</p:sld>
+</file>
+
+<file path=ppt/slides/slide21.xml><?xml version="1.0" encoding="utf-8"?>
+<p:sld xmlns:a="http://schemas.openxmlformats.org/drawingml/2006/main" xmlns:r="http://schemas.openxmlformats.org/officeDocument/2006/relationships" xmlns:p="http://schemas.openxmlformats.org/presentationml/2006/main">
+  <p:cSld>
+    <p:spTree>
+      <p:nvGrpSpPr>
+        <p:cNvPr id="1" name=""/>
+        <p:cNvGrpSpPr/>
+        <p:nvPr/>
+      </p:nvGrpSpPr>
+      <p:grpSpPr>
+        <a:xfrm>
+          <a:off x="0" y="0"/>
+          <a:ext cx="0" cy="0"/>
+          <a:chOff x="0" y="0"/>
+          <a:chExt cx="0" cy="0"/>
+        </a:xfrm>
+      </p:grpSpPr>
+      <p:pic>
+        <p:nvPicPr>
+          <p:cNvPr id="2" name="Picture 2" descr="Azetech Solutions | LinkedIn"/>
+          <p:cNvPicPr>
+            <a:picLocks noChangeAspect="1" noChangeArrowheads="1"/>
+          </p:cNvPicPr>
+          <p:nvPr/>
+        </p:nvPicPr>
+        <p:blipFill>
+          <a:blip r:embed="rId2" cstate="print">
+            <a:extLst>
+              <a:ext uri="{28A0092B-C50C-407E-A947-70E740481C1C}">
+                <a14:useLocalDpi xmlns:a14="http://schemas.microsoft.com/office/drawing/2010/main" val="0"/>
+              </a:ext>
+            </a:extLst>
+          </a:blip>
+          <a:srcRect/>
+          <a:stretch>
+            <a:fillRect/>
+          </a:stretch>
+        </p:blipFill>
+        <p:spPr bwMode="auto">
+          <a:xfrm>
+            <a:off x="11456223" y="129648"/>
+            <a:ext cx="536848" cy="536848"/>
+          </a:xfrm>
+          <a:prstGeom prst="rect">
+            <a:avLst/>
+          </a:prstGeom>
+          <a:noFill/>
+          <a:extLst>
+            <a:ext uri="{909E8E84-426E-40DD-AFC4-6F175D3DCCD1}">
+              <a14:hiddenFill xmlns:a14="http://schemas.microsoft.com/office/drawing/2010/main">
+                <a:solidFill>
+                  <a:srgbClr val="FFFFFF"/>
+                </a:solidFill>
+              </a14:hiddenFill>
+            </a:ext>
+          </a:extLst>
+        </p:spPr>
+      </p:pic>
+      <p:sp>
+        <p:nvSpPr>
+          <p:cNvPr id="3" name="Footer Placeholder 2"/>
+          <p:cNvSpPr>
+            <a:spLocks noGrp="1"/>
+          </p:cNvSpPr>
+          <p:nvPr>
+            <p:ph type="ftr" sz="quarter" idx="11"/>
+          </p:nvPr>
+        </p:nvSpPr>
+        <p:spPr/>
+        <p:txBody>
+          <a:bodyPr/>
+          <a:lstStyle/>
+          <a:p>
+            <a:r>
+              <a:rPr lang="en-US" smtClean="0"/>
+              <a:t>Azetech Solution, Coimbatore</a:t>
+            </a:r>
+            <a:endParaRPr lang="en-US"/>
+          </a:p>
+        </p:txBody>
+      </p:sp>
+      <p:sp>
+        <p:nvSpPr>
+          <p:cNvPr id="5" name="Title 4"/>
+          <p:cNvSpPr txBox="1">
+            <a:spLocks/>
+          </p:cNvSpPr>
+          <p:nvPr/>
+        </p:nvSpPr>
+        <p:spPr>
+          <a:xfrm>
+            <a:off x="318311" y="441143"/>
+            <a:ext cx="6636281" cy="399245"/>
+          </a:xfrm>
+          <a:prstGeom prst="rect">
+            <a:avLst/>
+          </a:prstGeom>
+        </p:spPr>
+        <p:txBody>
+          <a:bodyPr vert="horz" lIns="91440" tIns="45720" rIns="91440" bIns="45720" rtlCol="0" anchor="b">
+            <a:noAutofit/>
+          </a:bodyPr>
+          <a:lstStyle>
+            <a:lvl1pPr algn="ctr" defTabSz="914400" rtl="0" eaLnBrk="1" latinLnBrk="0" hangingPunct="1">
+              <a:lnSpc>
+                <a:spcPct val="90000"/>
+              </a:lnSpc>
+              <a:spcBef>
+                <a:spcPct val="0"/>
+              </a:spcBef>
+              <a:buNone/>
+              <a:defRPr sz="6000" kern="1200">
+                <a:solidFill>
+                  <a:schemeClr val="tx1"/>
+                </a:solidFill>
+                <a:latin typeface="+mj-lt"/>
+                <a:ea typeface="+mj-ea"/>
+                <a:cs typeface="+mj-cs"/>
+              </a:defRPr>
+            </a:lvl1pPr>
+          </a:lstStyle>
+          <a:p>
+            <a:pPr algn="l"/>
+            <a:endParaRPr lang="en-US" sz="2800" b="1" dirty="0" smtClean="0">
+              <a:solidFill>
+                <a:schemeClr val="accent1">
+                  <a:lumMod val="75000"/>
+                </a:schemeClr>
+              </a:solidFill>
+              <a:latin typeface="Facto Bold" panose="00000800000000000000" pitchFamily="50" charset="0"/>
+            </a:endParaRPr>
+          </a:p>
+        </p:txBody>
+      </p:sp>
+      <p:sp>
+        <p:nvSpPr>
+          <p:cNvPr id="6" name="TextBox 5"/>
+          <p:cNvSpPr txBox="1"/>
+          <p:nvPr/>
+        </p:nvSpPr>
+        <p:spPr>
+          <a:xfrm>
+            <a:off x="443083" y="198017"/>
+            <a:ext cx="11013140" cy="7781617"/>
+          </a:xfrm>
+          <a:prstGeom prst="rect">
+            <a:avLst/>
+          </a:prstGeom>
+          <a:noFill/>
+        </p:spPr>
+        <p:txBody>
+          <a:bodyPr wrap="square" numCol="2" rtlCol="0">
+            <a:spAutoFit/>
+          </a:bodyPr>
+          <a:lstStyle/>
+          <a:p>
+            <a:pPr lvl="0">
+              <a:spcBef>
+                <a:spcPts val="1000"/>
+              </a:spcBef>
+              <a:spcAft>
+                <a:spcPts val="200"/>
+              </a:spcAft>
+            </a:pPr>
+            <a:r>
+              <a:rPr lang="en-US" sz="1200" dirty="0">
+                <a:latin typeface="Consolas" panose="020B0609020204030204" pitchFamily="49" charset="0"/>
+              </a:rPr>
+              <a:t>void delay(void)</a:t>
+            </a:r>
+          </a:p>
+          <a:p>
+            <a:pPr lvl="0">
+              <a:spcBef>
+                <a:spcPts val="1000"/>
+              </a:spcBef>
+              <a:spcAft>
+                <a:spcPts val="200"/>
+              </a:spcAft>
+            </a:pPr>
+            <a:r>
+              <a:rPr lang="en-US" sz="1200" dirty="0">
+                <a:latin typeface="Consolas" panose="020B0609020204030204" pitchFamily="49" charset="0"/>
+              </a:rPr>
+              <a:t>{</a:t>
+            </a:r>
+          </a:p>
+          <a:p>
+            <a:pPr lvl="0">
+              <a:spcBef>
+                <a:spcPts val="1000"/>
+              </a:spcBef>
+              <a:spcAft>
+                <a:spcPts val="200"/>
+              </a:spcAft>
+            </a:pPr>
+            <a:r>
+              <a:rPr lang="en-US" sz="1200" dirty="0">
+                <a:latin typeface="Consolas" panose="020B0609020204030204" pitchFamily="49" charset="0"/>
+              </a:rPr>
+              <a:t>	unsigned </a:t>
+            </a:r>
+            <a:r>
+              <a:rPr lang="en-US" sz="1200" dirty="0" err="1">
+                <a:latin typeface="Consolas" panose="020B0609020204030204" pitchFamily="49" charset="0"/>
+              </a:rPr>
+              <a:t>int</a:t>
+            </a:r>
+            <a:r>
+              <a:rPr lang="en-US" sz="1200" dirty="0">
+                <a:latin typeface="Consolas" panose="020B0609020204030204" pitchFamily="49" charset="0"/>
+              </a:rPr>
+              <a:t> </a:t>
+            </a:r>
+            <a:r>
+              <a:rPr lang="en-US" sz="1200" dirty="0" err="1">
+                <a:latin typeface="Consolas" panose="020B0609020204030204" pitchFamily="49" charset="0"/>
+              </a:rPr>
+              <a:t>i</a:t>
+            </a:r>
+            <a:r>
+              <a:rPr lang="en-US" sz="1200" dirty="0">
+                <a:latin typeface="Consolas" panose="020B0609020204030204" pitchFamily="49" charset="0"/>
+              </a:rPr>
+              <a:t>;</a:t>
+            </a:r>
+          </a:p>
+          <a:p>
+            <a:pPr lvl="0">
+              <a:spcBef>
+                <a:spcPts val="1000"/>
+              </a:spcBef>
+              <a:spcAft>
+                <a:spcPts val="200"/>
+              </a:spcAft>
+            </a:pPr>
+            <a:r>
+              <a:rPr lang="en-US" sz="1200" dirty="0">
+                <a:latin typeface="Consolas" panose="020B0609020204030204" pitchFamily="49" charset="0"/>
+              </a:rPr>
+              <a:t>	for(</a:t>
+            </a:r>
+            <a:r>
+              <a:rPr lang="en-US" sz="1200" dirty="0" err="1">
+                <a:latin typeface="Consolas" panose="020B0609020204030204" pitchFamily="49" charset="0"/>
+              </a:rPr>
+              <a:t>i</a:t>
+            </a:r>
+            <a:r>
+              <a:rPr lang="en-US" sz="1200" dirty="0">
+                <a:latin typeface="Consolas" panose="020B0609020204030204" pitchFamily="49" charset="0"/>
+              </a:rPr>
+              <a:t>=0;i&lt;1000;i++);</a:t>
+            </a:r>
+          </a:p>
+          <a:p>
+            <a:pPr lvl="0">
+              <a:spcBef>
+                <a:spcPts val="1000"/>
+              </a:spcBef>
+              <a:spcAft>
+                <a:spcPts val="200"/>
+              </a:spcAft>
+            </a:pPr>
+            <a:r>
+              <a:rPr lang="en-US" sz="1200" dirty="0">
+                <a:latin typeface="Consolas" panose="020B0609020204030204" pitchFamily="49" charset="0"/>
+              </a:rPr>
+              <a:t>	for(</a:t>
+            </a:r>
+            <a:r>
+              <a:rPr lang="en-US" sz="1200" dirty="0" err="1">
+                <a:latin typeface="Consolas" panose="020B0609020204030204" pitchFamily="49" charset="0"/>
+              </a:rPr>
+              <a:t>i</a:t>
+            </a:r>
+            <a:r>
+              <a:rPr lang="en-US" sz="1200" dirty="0">
+                <a:latin typeface="Consolas" panose="020B0609020204030204" pitchFamily="49" charset="0"/>
+              </a:rPr>
+              <a:t>=0;i&lt;1000;i++);</a:t>
+            </a:r>
+          </a:p>
+          <a:p>
+            <a:pPr lvl="0">
+              <a:spcBef>
+                <a:spcPts val="1000"/>
+              </a:spcBef>
+              <a:spcAft>
+                <a:spcPts val="200"/>
+              </a:spcAft>
+            </a:pPr>
+            <a:r>
+              <a:rPr lang="en-US" sz="1200" dirty="0" smtClean="0">
+                <a:latin typeface="Consolas" panose="020B0609020204030204" pitchFamily="49" charset="0"/>
+              </a:rPr>
+              <a:t>}</a:t>
+            </a:r>
+            <a:endParaRPr lang="en-US" sz="1200" dirty="0">
+              <a:latin typeface="Consolas" panose="020B0609020204030204" pitchFamily="49" charset="0"/>
+            </a:endParaRPr>
+          </a:p>
+          <a:p>
+            <a:pPr lvl="0">
+              <a:spcBef>
+                <a:spcPts val="1000"/>
+              </a:spcBef>
+              <a:spcAft>
+                <a:spcPts val="200"/>
+              </a:spcAft>
+            </a:pPr>
+            <a:r>
+              <a:rPr lang="en-US" sz="1200" dirty="0">
+                <a:latin typeface="Consolas" panose="020B0609020204030204" pitchFamily="49" charset="0"/>
+              </a:rPr>
+              <a:t>void i2c_gpio_init(void)</a:t>
+            </a:r>
+          </a:p>
+          <a:p>
+            <a:pPr lvl="0">
+              <a:spcBef>
+                <a:spcPts val="1000"/>
+              </a:spcBef>
+              <a:spcAft>
+                <a:spcPts val="200"/>
+              </a:spcAft>
+            </a:pPr>
+            <a:r>
+              <a:rPr lang="en-US" sz="1200" dirty="0">
+                <a:latin typeface="Consolas" panose="020B0609020204030204" pitchFamily="49" charset="0"/>
+              </a:rPr>
+              <a:t>{</a:t>
+            </a:r>
+          </a:p>
+          <a:p>
+            <a:pPr lvl="0">
+              <a:spcBef>
+                <a:spcPts val="1000"/>
+              </a:spcBef>
+              <a:spcAft>
+                <a:spcPts val="200"/>
+              </a:spcAft>
+            </a:pPr>
+            <a:r>
+              <a:rPr lang="en-US" sz="1200" dirty="0">
+                <a:latin typeface="Consolas" panose="020B0609020204030204" pitchFamily="49" charset="0"/>
+              </a:rPr>
+              <a:t>	//i2c and port </a:t>
+            </a:r>
+            <a:r>
+              <a:rPr lang="en-US" sz="1200" dirty="0" err="1">
+                <a:latin typeface="Consolas" panose="020B0609020204030204" pitchFamily="49" charset="0"/>
+              </a:rPr>
+              <a:t>clk</a:t>
+            </a:r>
+            <a:r>
+              <a:rPr lang="en-US" sz="1200" dirty="0">
+                <a:latin typeface="Consolas" panose="020B0609020204030204" pitchFamily="49" charset="0"/>
+              </a:rPr>
+              <a:t> enable</a:t>
+            </a:r>
+          </a:p>
+          <a:p>
+            <a:pPr lvl="0">
+              <a:spcBef>
+                <a:spcPts val="1000"/>
+              </a:spcBef>
+              <a:spcAft>
+                <a:spcPts val="200"/>
+              </a:spcAft>
+            </a:pPr>
+            <a:r>
+              <a:rPr lang="en-US" sz="1200" dirty="0">
+                <a:latin typeface="Consolas" panose="020B0609020204030204" pitchFamily="49" charset="0"/>
+              </a:rPr>
+              <a:t>	RCC-&gt;APB1ENR &amp;= 0x00000000;</a:t>
+            </a:r>
+          </a:p>
+          <a:p>
+            <a:pPr lvl="0">
+              <a:spcBef>
+                <a:spcPts val="1000"/>
+              </a:spcBef>
+              <a:spcAft>
+                <a:spcPts val="200"/>
+              </a:spcAft>
+            </a:pPr>
+            <a:r>
+              <a:rPr lang="en-US" sz="1200" dirty="0">
+                <a:latin typeface="Consolas" panose="020B0609020204030204" pitchFamily="49" charset="0"/>
+              </a:rPr>
+              <a:t>	RCC-&gt;APB2ENR &amp;= 0x00000000;	</a:t>
+            </a:r>
+          </a:p>
+          <a:p>
+            <a:pPr lvl="0">
+              <a:spcBef>
+                <a:spcPts val="1000"/>
+              </a:spcBef>
+              <a:spcAft>
+                <a:spcPts val="200"/>
+              </a:spcAft>
+            </a:pPr>
+            <a:r>
+              <a:rPr lang="en-US" sz="1200" dirty="0">
+                <a:latin typeface="Consolas" panose="020B0609020204030204" pitchFamily="49" charset="0"/>
+              </a:rPr>
+              <a:t>	RCC-&gt;APB1ENR |= (1&lt;&lt;21); //enable i2c </a:t>
+            </a:r>
+            <a:r>
+              <a:rPr lang="en-US" sz="1200" dirty="0" err="1">
+                <a:latin typeface="Consolas" panose="020B0609020204030204" pitchFamily="49" charset="0"/>
+              </a:rPr>
+              <a:t>clk</a:t>
+            </a:r>
+            <a:endParaRPr lang="en-US" sz="1200" dirty="0">
+              <a:latin typeface="Consolas" panose="020B0609020204030204" pitchFamily="49" charset="0"/>
+            </a:endParaRPr>
+          </a:p>
+          <a:p>
+            <a:pPr lvl="0">
+              <a:spcBef>
+                <a:spcPts val="1000"/>
+              </a:spcBef>
+              <a:spcAft>
+                <a:spcPts val="200"/>
+              </a:spcAft>
+            </a:pPr>
+            <a:r>
+              <a:rPr lang="en-US" sz="1200" dirty="0">
+                <a:latin typeface="Consolas" panose="020B0609020204030204" pitchFamily="49" charset="0"/>
+              </a:rPr>
+              <a:t>	RCC-&gt;APB2ENR |= (1&lt;&lt;3);  //enable </a:t>
+            </a:r>
+            <a:r>
+              <a:rPr lang="en-US" sz="1200" dirty="0" err="1">
+                <a:latin typeface="Consolas" panose="020B0609020204030204" pitchFamily="49" charset="0"/>
+              </a:rPr>
+              <a:t>portb</a:t>
+            </a:r>
+            <a:r>
+              <a:rPr lang="en-US" sz="1200" dirty="0">
+                <a:latin typeface="Consolas" panose="020B0609020204030204" pitchFamily="49" charset="0"/>
+              </a:rPr>
+              <a:t> </a:t>
+            </a:r>
+            <a:r>
+              <a:rPr lang="en-US" sz="1200" dirty="0" err="1">
+                <a:latin typeface="Consolas" panose="020B0609020204030204" pitchFamily="49" charset="0"/>
+              </a:rPr>
+              <a:t>clk</a:t>
+            </a:r>
+            <a:endParaRPr lang="en-US" sz="1200" dirty="0">
+              <a:latin typeface="Consolas" panose="020B0609020204030204" pitchFamily="49" charset="0"/>
+            </a:endParaRPr>
+          </a:p>
+          <a:p>
+            <a:pPr lvl="0">
+              <a:spcBef>
+                <a:spcPts val="1000"/>
+              </a:spcBef>
+              <a:spcAft>
+                <a:spcPts val="200"/>
+              </a:spcAft>
+            </a:pPr>
+            <a:r>
+              <a:rPr lang="en-US" sz="1200" dirty="0">
+                <a:latin typeface="Consolas" panose="020B0609020204030204" pitchFamily="49" charset="0"/>
+              </a:rPr>
+              <a:t>	//alternate function </a:t>
+            </a:r>
+            <a:r>
+              <a:rPr lang="en-US" sz="1200" dirty="0" err="1">
+                <a:latin typeface="Consolas" panose="020B0609020204030204" pitchFamily="49" charset="0"/>
+              </a:rPr>
+              <a:t>clk</a:t>
+            </a:r>
+            <a:r>
+              <a:rPr lang="en-US" sz="1200" dirty="0">
+                <a:latin typeface="Consolas" panose="020B0609020204030204" pitchFamily="49" charset="0"/>
+              </a:rPr>
+              <a:t> enable	</a:t>
+            </a:r>
+            <a:endParaRPr lang="en-US" sz="1200" dirty="0" smtClean="0">
+              <a:latin typeface="Consolas" panose="020B0609020204030204" pitchFamily="49" charset="0"/>
+            </a:endParaRPr>
+          </a:p>
+          <a:p>
+            <a:pPr lvl="0">
+              <a:spcBef>
+                <a:spcPts val="1000"/>
+              </a:spcBef>
+              <a:spcAft>
+                <a:spcPts val="200"/>
+              </a:spcAft>
+            </a:pPr>
+            <a:r>
+              <a:rPr lang="en-US" sz="1200" dirty="0">
+                <a:latin typeface="Consolas" panose="020B0609020204030204" pitchFamily="49" charset="0"/>
+              </a:rPr>
+              <a:t>	</a:t>
+            </a:r>
+            <a:r>
+              <a:rPr lang="en-US" sz="1200" dirty="0" smtClean="0">
+                <a:latin typeface="Consolas" panose="020B0609020204030204" pitchFamily="49" charset="0"/>
+              </a:rPr>
+              <a:t>//</a:t>
+            </a:r>
+            <a:r>
+              <a:rPr lang="en-US" sz="1200" dirty="0">
+                <a:latin typeface="Consolas" panose="020B0609020204030204" pitchFamily="49" charset="0"/>
+              </a:rPr>
+              <a:t>RCC-&gt;APB2ENR |=(1&lt;&lt;0);  </a:t>
+            </a:r>
+          </a:p>
+          <a:p>
+            <a:pPr lvl="0">
+              <a:spcBef>
+                <a:spcPts val="1000"/>
+              </a:spcBef>
+              <a:spcAft>
+                <a:spcPts val="200"/>
+              </a:spcAft>
+            </a:pPr>
+            <a:r>
+              <a:rPr lang="en-US" sz="1200" dirty="0">
+                <a:latin typeface="Consolas" panose="020B0609020204030204" pitchFamily="49" charset="0"/>
+              </a:rPr>
+              <a:t>	GPIOB-&gt;CRL &amp;=0x00000000;	</a:t>
+            </a:r>
+          </a:p>
+          <a:p>
+            <a:pPr lvl="0">
+              <a:spcBef>
+                <a:spcPts val="1000"/>
+              </a:spcBef>
+              <a:spcAft>
+                <a:spcPts val="200"/>
+              </a:spcAft>
+            </a:pPr>
+            <a:r>
+              <a:rPr lang="en-US" sz="1200" dirty="0">
+                <a:latin typeface="Consolas" panose="020B0609020204030204" pitchFamily="49" charset="0"/>
+              </a:rPr>
+              <a:t>	//</a:t>
+            </a:r>
+            <a:r>
+              <a:rPr lang="en-US" sz="1200" dirty="0" err="1">
+                <a:latin typeface="Consolas" panose="020B0609020204030204" pitchFamily="49" charset="0"/>
+              </a:rPr>
+              <a:t>scl</a:t>
+            </a:r>
+            <a:r>
+              <a:rPr lang="en-US" sz="1200" dirty="0">
+                <a:latin typeface="Consolas" panose="020B0609020204030204" pitchFamily="49" charset="0"/>
+              </a:rPr>
+              <a:t>	</a:t>
+            </a:r>
+          </a:p>
+          <a:p>
+            <a:pPr lvl="0">
+              <a:spcBef>
+                <a:spcPts val="1000"/>
+              </a:spcBef>
+              <a:spcAft>
+                <a:spcPts val="200"/>
+              </a:spcAft>
+            </a:pPr>
+            <a:r>
+              <a:rPr lang="en-US" sz="1200" dirty="0">
+                <a:latin typeface="Consolas" panose="020B0609020204030204" pitchFamily="49" charset="0"/>
+              </a:rPr>
+              <a:t>	GPIOB-&gt;CRL |= (3&lt;&lt;24);  //pb6-output</a:t>
+            </a:r>
+          </a:p>
+          <a:p>
+            <a:pPr lvl="0">
+              <a:spcBef>
+                <a:spcPts val="1000"/>
+              </a:spcBef>
+              <a:spcAft>
+                <a:spcPts val="200"/>
+              </a:spcAft>
+            </a:pPr>
+            <a:r>
+              <a:rPr lang="en-US" sz="1200" dirty="0">
+                <a:latin typeface="Consolas" panose="020B0609020204030204" pitchFamily="49" charset="0"/>
+              </a:rPr>
+              <a:t>	GPIOB-&gt;CRL |= (3&lt;&lt;26);  //pb6-alterante open </a:t>
+            </a:r>
+            <a:r>
+              <a:rPr lang="en-US" sz="1200" dirty="0" smtClean="0">
+                <a:latin typeface="Consolas" panose="020B0609020204030204" pitchFamily="49" charset="0"/>
+              </a:rPr>
+              <a:t>drain</a:t>
+            </a:r>
+          </a:p>
+          <a:p>
+            <a:pPr lvl="0">
+              <a:spcBef>
+                <a:spcPts val="1000"/>
+              </a:spcBef>
+              <a:spcAft>
+                <a:spcPts val="200"/>
+              </a:spcAft>
+            </a:pPr>
+            <a:endParaRPr lang="en-US" sz="1200" dirty="0">
+              <a:latin typeface="Consolas" panose="020B0609020204030204" pitchFamily="49" charset="0"/>
+            </a:endParaRPr>
+          </a:p>
+          <a:p>
+            <a:pPr lvl="0">
+              <a:spcBef>
+                <a:spcPts val="1000"/>
+              </a:spcBef>
+              <a:spcAft>
+                <a:spcPts val="200"/>
+              </a:spcAft>
+            </a:pPr>
+            <a:endParaRPr lang="en-US" sz="1200" dirty="0" smtClean="0">
+              <a:latin typeface="Consolas" panose="020B0609020204030204" pitchFamily="49" charset="0"/>
+            </a:endParaRPr>
+          </a:p>
+          <a:p>
+            <a:pPr lvl="0">
+              <a:spcBef>
+                <a:spcPts val="1000"/>
+              </a:spcBef>
+              <a:spcAft>
+                <a:spcPts val="200"/>
+              </a:spcAft>
+            </a:pPr>
+            <a:endParaRPr lang="en-US" sz="1200" dirty="0">
+              <a:latin typeface="Consolas" panose="020B0609020204030204" pitchFamily="49" charset="0"/>
+            </a:endParaRPr>
+          </a:p>
+          <a:p>
+            <a:pPr lvl="0">
+              <a:spcBef>
+                <a:spcPts val="1000"/>
+              </a:spcBef>
+              <a:spcAft>
+                <a:spcPts val="200"/>
+              </a:spcAft>
+            </a:pPr>
+            <a:endParaRPr lang="en-US" sz="1200" dirty="0" smtClean="0">
+              <a:latin typeface="Consolas" panose="020B0609020204030204" pitchFamily="49" charset="0"/>
+            </a:endParaRPr>
+          </a:p>
+          <a:p>
+            <a:pPr lvl="0">
+              <a:spcBef>
+                <a:spcPts val="1000"/>
+              </a:spcBef>
+              <a:spcAft>
+                <a:spcPts val="200"/>
+              </a:spcAft>
+            </a:pPr>
+            <a:endParaRPr lang="en-US" sz="1200" dirty="0">
+              <a:latin typeface="Consolas" panose="020B0609020204030204" pitchFamily="49" charset="0"/>
+            </a:endParaRPr>
+          </a:p>
+          <a:p>
+            <a:pPr lvl="0">
+              <a:spcBef>
+                <a:spcPts val="1000"/>
+              </a:spcBef>
+              <a:spcAft>
+                <a:spcPts val="200"/>
+              </a:spcAft>
+            </a:pPr>
+            <a:r>
+              <a:rPr lang="en-US" sz="1200" dirty="0">
+                <a:latin typeface="Consolas" panose="020B0609020204030204" pitchFamily="49" charset="0"/>
+              </a:rPr>
+              <a:t>	//</a:t>
+            </a:r>
+            <a:r>
+              <a:rPr lang="en-US" sz="1200" dirty="0" err="1">
+                <a:latin typeface="Consolas" panose="020B0609020204030204" pitchFamily="49" charset="0"/>
+              </a:rPr>
+              <a:t>sda</a:t>
+            </a:r>
+            <a:endParaRPr lang="en-US" sz="1200" dirty="0">
+              <a:latin typeface="Consolas" panose="020B0609020204030204" pitchFamily="49" charset="0"/>
+            </a:endParaRPr>
+          </a:p>
+          <a:p>
+            <a:pPr lvl="0">
+              <a:spcBef>
+                <a:spcPts val="1000"/>
+              </a:spcBef>
+              <a:spcAft>
+                <a:spcPts val="200"/>
+              </a:spcAft>
+            </a:pPr>
+            <a:r>
+              <a:rPr lang="en-US" sz="1200" dirty="0">
+                <a:latin typeface="Consolas" panose="020B0609020204030204" pitchFamily="49" charset="0"/>
+              </a:rPr>
+              <a:t>	GPIOB-&gt;CRL |= (3&lt;&lt;28);  //pb7-output</a:t>
+            </a:r>
+          </a:p>
+          <a:p>
+            <a:pPr lvl="0">
+              <a:spcBef>
+                <a:spcPts val="1000"/>
+              </a:spcBef>
+              <a:spcAft>
+                <a:spcPts val="200"/>
+              </a:spcAft>
+            </a:pPr>
+            <a:r>
+              <a:rPr lang="en-US" sz="1200" dirty="0">
+                <a:latin typeface="Consolas" panose="020B0609020204030204" pitchFamily="49" charset="0"/>
+              </a:rPr>
+              <a:t>	GPIOB-&gt;CRL |= (3&lt;&lt;30);  //pb7-alterante open drain</a:t>
+            </a:r>
+          </a:p>
+          <a:p>
+            <a:pPr lvl="0">
+              <a:spcBef>
+                <a:spcPts val="1000"/>
+              </a:spcBef>
+              <a:spcAft>
+                <a:spcPts val="200"/>
+              </a:spcAft>
+            </a:pPr>
+            <a:r>
+              <a:rPr lang="en-US" sz="1200" dirty="0">
+                <a:latin typeface="Consolas" panose="020B0609020204030204" pitchFamily="49" charset="0"/>
+              </a:rPr>
+              <a:t>	</a:t>
+            </a:r>
+          </a:p>
+          <a:p>
+            <a:pPr lvl="0">
+              <a:spcBef>
+                <a:spcPts val="1000"/>
+              </a:spcBef>
+              <a:spcAft>
+                <a:spcPts val="200"/>
+              </a:spcAft>
+            </a:pPr>
+            <a:r>
+              <a:rPr lang="en-US" sz="1200" dirty="0" smtClean="0">
+                <a:latin typeface="Consolas" panose="020B0609020204030204" pitchFamily="49" charset="0"/>
+              </a:rPr>
+              <a:t>}</a:t>
+            </a:r>
+            <a:endParaRPr lang="en-US" sz="1200" dirty="0">
+              <a:latin typeface="Consolas" panose="020B0609020204030204" pitchFamily="49" charset="0"/>
+            </a:endParaRPr>
+          </a:p>
+          <a:p>
+            <a:pPr lvl="0">
+              <a:spcBef>
+                <a:spcPts val="1000"/>
+              </a:spcBef>
+              <a:spcAft>
+                <a:spcPts val="200"/>
+              </a:spcAft>
+            </a:pPr>
+            <a:r>
+              <a:rPr lang="en-US" sz="1200" dirty="0">
+                <a:latin typeface="Consolas" panose="020B0609020204030204" pitchFamily="49" charset="0"/>
+              </a:rPr>
+              <a:t>void i2c_init(void)</a:t>
+            </a:r>
+          </a:p>
+          <a:p>
+            <a:pPr lvl="0">
+              <a:spcBef>
+                <a:spcPts val="1000"/>
+              </a:spcBef>
+              <a:spcAft>
+                <a:spcPts val="200"/>
+              </a:spcAft>
+            </a:pPr>
+            <a:r>
+              <a:rPr lang="en-US" sz="1200" dirty="0">
+                <a:latin typeface="Consolas" panose="020B0609020204030204" pitchFamily="49" charset="0"/>
+              </a:rPr>
+              <a:t>{</a:t>
+            </a:r>
+          </a:p>
+          <a:p>
+            <a:pPr lvl="0">
+              <a:spcBef>
+                <a:spcPts val="1000"/>
+              </a:spcBef>
+              <a:spcAft>
+                <a:spcPts val="200"/>
+              </a:spcAft>
+            </a:pPr>
+            <a:r>
+              <a:rPr lang="en-US" sz="1200" dirty="0">
+                <a:latin typeface="Consolas" panose="020B0609020204030204" pitchFamily="49" charset="0"/>
+              </a:rPr>
+              <a:t>	//i2c master mode</a:t>
+            </a:r>
+          </a:p>
+          <a:p>
+            <a:pPr lvl="0">
+              <a:spcBef>
+                <a:spcPts val="1000"/>
+              </a:spcBef>
+              <a:spcAft>
+                <a:spcPts val="200"/>
+              </a:spcAft>
+            </a:pPr>
+            <a:r>
+              <a:rPr lang="en-US" sz="1200" dirty="0">
+                <a:latin typeface="Consolas" panose="020B0609020204030204" pitchFamily="49" charset="0"/>
+              </a:rPr>
+              <a:t>	I2C1-&gt;CR1 &amp;=0x0000;</a:t>
+            </a:r>
+          </a:p>
+          <a:p>
+            <a:pPr lvl="0">
+              <a:spcBef>
+                <a:spcPts val="1000"/>
+              </a:spcBef>
+              <a:spcAft>
+                <a:spcPts val="200"/>
+              </a:spcAft>
+            </a:pPr>
+            <a:r>
+              <a:rPr lang="en-US" sz="1200" dirty="0">
+                <a:latin typeface="Consolas" panose="020B0609020204030204" pitchFamily="49" charset="0"/>
+              </a:rPr>
+              <a:t>	I2C1-&gt;CR2 &amp;=0x0000</a:t>
+            </a:r>
+            <a:r>
+              <a:rPr lang="en-US" sz="1200" dirty="0" smtClean="0">
+                <a:latin typeface="Consolas" panose="020B0609020204030204" pitchFamily="49" charset="0"/>
+              </a:rPr>
+              <a:t>;</a:t>
+            </a:r>
+            <a:r>
+              <a:rPr lang="en-US" sz="1200" dirty="0">
+                <a:latin typeface="Consolas" panose="020B0609020204030204" pitchFamily="49" charset="0"/>
+              </a:rPr>
+              <a:t>	</a:t>
+            </a:r>
+          </a:p>
+          <a:p>
+            <a:pPr lvl="0">
+              <a:spcBef>
+                <a:spcPts val="1000"/>
+              </a:spcBef>
+              <a:spcAft>
+                <a:spcPts val="200"/>
+              </a:spcAft>
+            </a:pPr>
+            <a:r>
+              <a:rPr lang="en-US" sz="1200" dirty="0">
+                <a:latin typeface="Consolas" panose="020B0609020204030204" pitchFamily="49" charset="0"/>
+              </a:rPr>
+              <a:t>	I2C1-&gt;CR1 |= (1&lt;&lt;10);  //</a:t>
+            </a:r>
+            <a:r>
+              <a:rPr lang="en-US" sz="1200" dirty="0" err="1">
+                <a:latin typeface="Consolas" panose="020B0609020204030204" pitchFamily="49" charset="0"/>
+              </a:rPr>
+              <a:t>ack</a:t>
+            </a:r>
+            <a:r>
+              <a:rPr lang="en-US" sz="1200" dirty="0">
+                <a:latin typeface="Consolas" panose="020B0609020204030204" pitchFamily="49" charset="0"/>
+              </a:rPr>
+              <a:t> enable	</a:t>
+            </a:r>
+          </a:p>
+          <a:p>
+            <a:pPr lvl="0">
+              <a:spcBef>
+                <a:spcPts val="1000"/>
+              </a:spcBef>
+              <a:spcAft>
+                <a:spcPts val="200"/>
+              </a:spcAft>
+            </a:pPr>
+            <a:r>
+              <a:rPr lang="en-US" sz="1200" dirty="0">
+                <a:latin typeface="Consolas" panose="020B0609020204030204" pitchFamily="49" charset="0"/>
+              </a:rPr>
+              <a:t>	I2C1-&gt;CR2 |= 8&lt;&lt;0;  //</a:t>
+            </a:r>
+            <a:r>
+              <a:rPr lang="en-US" sz="1200" dirty="0" err="1">
+                <a:latin typeface="Consolas" panose="020B0609020204030204" pitchFamily="49" charset="0"/>
+              </a:rPr>
+              <a:t>freq</a:t>
+            </a:r>
+            <a:r>
+              <a:rPr lang="en-US" sz="1200" dirty="0">
+                <a:latin typeface="Consolas" panose="020B0609020204030204" pitchFamily="49" charset="0"/>
+              </a:rPr>
+              <a:t> :8mhz	</a:t>
+            </a:r>
+          </a:p>
+          <a:p>
+            <a:pPr lvl="0">
+              <a:spcBef>
+                <a:spcPts val="1000"/>
+              </a:spcBef>
+              <a:spcAft>
+                <a:spcPts val="200"/>
+              </a:spcAft>
+            </a:pPr>
+            <a:r>
+              <a:rPr lang="en-US" sz="1200" dirty="0">
+                <a:latin typeface="Consolas" panose="020B0609020204030204" pitchFamily="49" charset="0"/>
+              </a:rPr>
+              <a:t>	I2C1-&gt;CCR =0x28;  //100khz	</a:t>
+            </a:r>
+          </a:p>
+          <a:p>
+            <a:pPr lvl="0">
+              <a:spcBef>
+                <a:spcPts val="1000"/>
+              </a:spcBef>
+              <a:spcAft>
+                <a:spcPts val="200"/>
+              </a:spcAft>
+            </a:pPr>
+            <a:r>
+              <a:rPr lang="en-US" sz="1200" dirty="0">
+                <a:latin typeface="Consolas" panose="020B0609020204030204" pitchFamily="49" charset="0"/>
+              </a:rPr>
+              <a:t>	I2C1-&gt;TRISE &amp;=0x0000;</a:t>
+            </a:r>
+          </a:p>
+          <a:p>
+            <a:pPr lvl="0">
+              <a:spcBef>
+                <a:spcPts val="1000"/>
+              </a:spcBef>
+              <a:spcAft>
+                <a:spcPts val="200"/>
+              </a:spcAft>
+            </a:pPr>
+            <a:r>
+              <a:rPr lang="en-US" sz="1200" dirty="0">
+                <a:latin typeface="Consolas" panose="020B0609020204030204" pitchFamily="49" charset="0"/>
+              </a:rPr>
+              <a:t>	I2C1-&gt;TRISE |=9;  //</a:t>
+            </a:r>
+            <a:r>
+              <a:rPr lang="en-US" sz="1200" dirty="0" err="1">
+                <a:latin typeface="Consolas" panose="020B0609020204030204" pitchFamily="49" charset="0"/>
+              </a:rPr>
+              <a:t>scal</a:t>
+            </a:r>
+            <a:r>
+              <a:rPr lang="en-US" sz="1200" dirty="0">
+                <a:latin typeface="Consolas" panose="020B0609020204030204" pitchFamily="49" charset="0"/>
+              </a:rPr>
+              <a:t> rise time </a:t>
+            </a:r>
+            <a:r>
+              <a:rPr lang="en-US" sz="1200" dirty="0" err="1">
+                <a:latin typeface="Consolas" panose="020B0609020204030204" pitchFamily="49" charset="0"/>
+              </a:rPr>
+              <a:t>config</a:t>
+            </a:r>
+            <a:r>
+              <a:rPr lang="en-US" sz="1200" dirty="0">
+                <a:latin typeface="Consolas" panose="020B0609020204030204" pitchFamily="49" charset="0"/>
+              </a:rPr>
+              <a:t>	</a:t>
+            </a:r>
+          </a:p>
+          <a:p>
+            <a:pPr lvl="0">
+              <a:spcBef>
+                <a:spcPts val="1000"/>
+              </a:spcBef>
+              <a:spcAft>
+                <a:spcPts val="200"/>
+              </a:spcAft>
+            </a:pPr>
+            <a:r>
+              <a:rPr lang="en-US" sz="1200" dirty="0">
+                <a:latin typeface="Consolas" panose="020B0609020204030204" pitchFamily="49" charset="0"/>
+              </a:rPr>
+              <a:t>	I2C1-&gt;CR1 |= (1&lt;&lt;0); //i2c peripheral enable</a:t>
+            </a:r>
+          </a:p>
+          <a:p>
+            <a:pPr lvl="0">
+              <a:spcBef>
+                <a:spcPts val="1000"/>
+              </a:spcBef>
+              <a:spcAft>
+                <a:spcPts val="200"/>
+              </a:spcAft>
+            </a:pPr>
+            <a:r>
+              <a:rPr lang="en-US" sz="1200" dirty="0">
+                <a:latin typeface="Consolas" panose="020B0609020204030204" pitchFamily="49" charset="0"/>
+              </a:rPr>
+              <a:t>}</a:t>
+            </a:r>
+          </a:p>
+          <a:p>
+            <a:pPr lvl="0">
+              <a:spcBef>
+                <a:spcPts val="1000"/>
+              </a:spcBef>
+              <a:spcAft>
+                <a:spcPts val="200"/>
+              </a:spcAft>
+            </a:pPr>
+            <a:endParaRPr lang="en-US" sz="1200" dirty="0">
+              <a:latin typeface="Consolas" panose="020B0609020204030204" pitchFamily="49" charset="0"/>
+            </a:endParaRPr>
+          </a:p>
+          <a:p>
+            <a:pPr lvl="0">
+              <a:spcBef>
+                <a:spcPts val="1000"/>
+              </a:spcBef>
+              <a:spcAft>
+                <a:spcPts val="200"/>
+              </a:spcAft>
+            </a:pPr>
+            <a:endParaRPr lang="en-US" sz="1200" dirty="0">
+              <a:latin typeface="Consolas" panose="020B0609020204030204" pitchFamily="49" charset="0"/>
+            </a:endParaRPr>
+          </a:p>
+        </p:txBody>
+      </p:sp>
+    </p:spTree>
+    <p:extLst>
+      <p:ext uri="{BB962C8B-B14F-4D97-AF65-F5344CB8AC3E}">
+        <p14:creationId xmlns:p14="http://schemas.microsoft.com/office/powerpoint/2010/main" val="584231199"/>
+      </p:ext>
+    </p:extLst>
+  </p:cSld>
+  <p:clrMapOvr>
+    <a:masterClrMapping/>
+  </p:clrMapOvr>
+  <p:timing>
+    <p:tnLst>
+      <p:par>
+        <p:cTn id="1" dur="indefinite" restart="never" nodeType="tmRoot"/>
+      </p:par>
+    </p:tnLst>
+  </p:timing>
+</p:sld>
+</file>
+
+<file path=ppt/slides/slide22.xml><?xml version="1.0" encoding="utf-8"?>
+<p:sld xmlns:a="http://schemas.openxmlformats.org/drawingml/2006/main" xmlns:r="http://schemas.openxmlformats.org/officeDocument/2006/relationships" xmlns:p="http://schemas.openxmlformats.org/presentationml/2006/main">
+  <p:cSld>
+    <p:spTree>
+      <p:nvGrpSpPr>
+        <p:cNvPr id="1" name=""/>
+        <p:cNvGrpSpPr/>
+        <p:nvPr/>
+      </p:nvGrpSpPr>
+      <p:grpSpPr>
+        <a:xfrm>
+          <a:off x="0" y="0"/>
+          <a:ext cx="0" cy="0"/>
+          <a:chOff x="0" y="0"/>
+          <a:chExt cx="0" cy="0"/>
+        </a:xfrm>
+      </p:grpSpPr>
+      <p:pic>
+        <p:nvPicPr>
+          <p:cNvPr id="2" name="Picture 2" descr="Azetech Solutions | LinkedIn"/>
+          <p:cNvPicPr>
+            <a:picLocks noChangeAspect="1" noChangeArrowheads="1"/>
+          </p:cNvPicPr>
+          <p:nvPr/>
+        </p:nvPicPr>
+        <p:blipFill>
+          <a:blip r:embed="rId2" cstate="print">
+            <a:extLst>
+              <a:ext uri="{28A0092B-C50C-407E-A947-70E740481C1C}">
+                <a14:useLocalDpi xmlns:a14="http://schemas.microsoft.com/office/drawing/2010/main" val="0"/>
+              </a:ext>
+            </a:extLst>
+          </a:blip>
+          <a:srcRect/>
+          <a:stretch>
+            <a:fillRect/>
+          </a:stretch>
+        </p:blipFill>
+        <p:spPr bwMode="auto">
+          <a:xfrm>
+            <a:off x="11456223" y="129648"/>
+            <a:ext cx="536848" cy="536848"/>
+          </a:xfrm>
+          <a:prstGeom prst="rect">
+            <a:avLst/>
+          </a:prstGeom>
+          <a:noFill/>
+          <a:extLst>
+            <a:ext uri="{909E8E84-426E-40DD-AFC4-6F175D3DCCD1}">
+              <a14:hiddenFill xmlns:a14="http://schemas.microsoft.com/office/drawing/2010/main">
+                <a:solidFill>
+                  <a:srgbClr val="FFFFFF"/>
+                </a:solidFill>
+              </a14:hiddenFill>
+            </a:ext>
+          </a:extLst>
+        </p:spPr>
+      </p:pic>
+      <p:sp>
+        <p:nvSpPr>
+          <p:cNvPr id="3" name="Footer Placeholder 2"/>
+          <p:cNvSpPr>
+            <a:spLocks noGrp="1"/>
+          </p:cNvSpPr>
+          <p:nvPr>
+            <p:ph type="ftr" sz="quarter" idx="11"/>
+          </p:nvPr>
+        </p:nvSpPr>
+        <p:spPr/>
+        <p:txBody>
+          <a:bodyPr/>
+          <a:lstStyle/>
+          <a:p>
+            <a:r>
+              <a:rPr lang="en-US" smtClean="0"/>
+              <a:t>Azetech Solution, Coimbatore</a:t>
+            </a:r>
+            <a:endParaRPr lang="en-US"/>
+          </a:p>
+        </p:txBody>
+      </p:sp>
+      <p:sp>
+        <p:nvSpPr>
           <p:cNvPr id="6" name="TextBox 5"/>
           <p:cNvSpPr txBox="1"/>
           <p:nvPr/>
@@ -8433,7 +9256,7 @@
               </a:spcAft>
             </a:pPr>
             <a:r>
-              <a:rPr lang="en-US" sz="1600" dirty="0">
+              <a:rPr lang="en-US" sz="1400" dirty="0">
                 <a:latin typeface="Consolas" panose="020B0609020204030204" pitchFamily="49" charset="0"/>
               </a:rPr>
               <a:t>void i2c_start()</a:t>
@@ -8449,7 +9272,7 @@
               </a:spcAft>
             </a:pPr>
             <a:r>
-              <a:rPr lang="en-US" sz="1600" dirty="0">
+              <a:rPr lang="en-US" sz="1400" dirty="0">
                 <a:latin typeface="Consolas" panose="020B0609020204030204" pitchFamily="49" charset="0"/>
               </a:rPr>
               <a:t>{</a:t>
@@ -8465,7 +9288,7 @@
               </a:spcAft>
             </a:pPr>
             <a:r>
-              <a:rPr lang="en-US" sz="1600" dirty="0">
+              <a:rPr lang="en-US" sz="1400" dirty="0">
                 <a:latin typeface="Consolas" panose="020B0609020204030204" pitchFamily="49" charset="0"/>
               </a:rPr>
               <a:t>	//1.i2c start</a:t>
@@ -8481,7 +9304,7 @@
               </a:spcAft>
             </a:pPr>
             <a:r>
-              <a:rPr lang="en-US" sz="1600" dirty="0">
+              <a:rPr lang="en-US" sz="1400" dirty="0">
                 <a:latin typeface="Consolas" panose="020B0609020204030204" pitchFamily="49" charset="0"/>
               </a:rPr>
               <a:t>	I2C1-&gt;CR1 |= (1&lt;&lt;8); 	</a:t>
@@ -8497,7 +9320,7 @@
               </a:spcAft>
             </a:pPr>
             <a:r>
-              <a:rPr lang="en-US" sz="1600" dirty="0">
+              <a:rPr lang="en-US" sz="1400" dirty="0">
                 <a:latin typeface="Consolas" panose="020B0609020204030204" pitchFamily="49" charset="0"/>
               </a:rPr>
               <a:t>	while( ! (I2C1-&gt;SR1 &amp; (1&lt;&lt;0)));</a:t>
@@ -8513,19 +9336,19 @@
               </a:spcAft>
             </a:pPr>
             <a:r>
-              <a:rPr lang="en-US" sz="1600" dirty="0">
+              <a:rPr lang="en-US" sz="1400" dirty="0">
                 <a:latin typeface="Consolas" panose="020B0609020204030204" pitchFamily="49" charset="0"/>
               </a:rPr>
               <a:t>	</a:t>
             </a:r>
             <a:r>
-              <a:rPr lang="en-US" sz="1600" dirty="0" err="1">
+              <a:rPr lang="en-US" sz="1400" dirty="0" err="1">
                 <a:latin typeface="Consolas" panose="020B0609020204030204" pitchFamily="49" charset="0"/>
               </a:rPr>
               <a:t>dummy_read</a:t>
             </a:r>
             <a:r>
-              <a:rPr lang="en-US" sz="1600" dirty="0">
+              <a:rPr lang="en-US" sz="1400" dirty="0">
                 <a:latin typeface="Consolas" panose="020B0609020204030204" pitchFamily="49" charset="0"/>
               </a:rPr>
               <a:t>=I2C1-&gt;SR1;</a:t>
@@ -8541,19 +9364,19 @@
               </a:spcAft>
             </a:pPr>
             <a:r>
-              <a:rPr lang="en-US" sz="1600" dirty="0">
+              <a:rPr lang="en-US" sz="1400" dirty="0">
                 <a:latin typeface="Consolas" panose="020B0609020204030204" pitchFamily="49" charset="0"/>
               </a:rPr>
               <a:t>	(void)</a:t>
             </a:r>
             <a:r>
-              <a:rPr lang="en-US" sz="1600" dirty="0" err="1">
+              <a:rPr lang="en-US" sz="1400" dirty="0" err="1">
                 <a:latin typeface="Consolas" panose="020B0609020204030204" pitchFamily="49" charset="0"/>
               </a:rPr>
               <a:t>dummy_read</a:t>
             </a:r>
             <a:r>
-              <a:rPr lang="en-US" sz="1600" dirty="0">
+              <a:rPr lang="en-US" sz="1400" dirty="0">
                 <a:latin typeface="Consolas" panose="020B0609020204030204" pitchFamily="49" charset="0"/>
               </a:rPr>
               <a:t>;</a:t>
@@ -8569,7 +9392,7 @@
               </a:spcAft>
             </a:pPr>
             <a:r>
-              <a:rPr lang="en-US" sz="1600" dirty="0">
+              <a:rPr lang="en-US" sz="1400" dirty="0">
                 <a:latin typeface="Consolas" panose="020B0609020204030204" pitchFamily="49" charset="0"/>
               </a:rPr>
               <a:t>	</a:t>
@@ -8585,7 +9408,7 @@
               </a:spcAft>
             </a:pPr>
             <a:r>
-              <a:rPr lang="en-US" sz="1600" dirty="0">
+              <a:rPr lang="en-US" sz="1400" dirty="0">
                 <a:latin typeface="Consolas" panose="020B0609020204030204" pitchFamily="49" charset="0"/>
               </a:rPr>
               <a:t>}</a:t>
@@ -8600,7 +9423,7 @@
                 <a:spcPts val="200"/>
               </a:spcAft>
             </a:pPr>
-            <a:endParaRPr lang="en-US" sz="1600" dirty="0">
+            <a:endParaRPr lang="en-US" sz="1400" dirty="0">
               <a:latin typeface="Consolas" panose="020B0609020204030204" pitchFamily="49" charset="0"/>
             </a:endParaRPr>
           </a:p>
@@ -8614,7 +9437,7 @@
               </a:spcAft>
             </a:pPr>
             <a:r>
-              <a:rPr lang="en-US" sz="1600" dirty="0">
+              <a:rPr lang="en-US" sz="1400" dirty="0">
                 <a:latin typeface="Consolas" panose="020B0609020204030204" pitchFamily="49" charset="0"/>
               </a:rPr>
               <a:t>void i2c_slave_address(unsigned char data)</a:t>
@@ -8630,7 +9453,7 @@
               </a:spcAft>
             </a:pPr>
             <a:r>
-              <a:rPr lang="en-US" sz="1600" dirty="0">
+              <a:rPr lang="en-US" sz="1400" dirty="0">
                 <a:latin typeface="Consolas" panose="020B0609020204030204" pitchFamily="49" charset="0"/>
               </a:rPr>
               <a:t>{</a:t>
@@ -8646,18 +9469,18 @@
               </a:spcAft>
             </a:pPr>
             <a:r>
-              <a:rPr lang="en-US" sz="1600" dirty="0">
+              <a:rPr lang="en-US" sz="1400" dirty="0">
                 <a:latin typeface="Consolas" panose="020B0609020204030204" pitchFamily="49" charset="0"/>
               </a:rPr>
               <a:t>	//2.i2c slave </a:t>
             </a:r>
             <a:r>
-              <a:rPr lang="en-US" sz="1600" dirty="0" err="1">
+              <a:rPr lang="en-US" sz="1400" dirty="0" err="1">
                 <a:latin typeface="Consolas" panose="020B0609020204030204" pitchFamily="49" charset="0"/>
               </a:rPr>
               <a:t>address+write</a:t>
             </a:r>
-            <a:endParaRPr lang="en-US" sz="1600" dirty="0">
+            <a:endParaRPr lang="en-US" sz="1400" dirty="0">
               <a:latin typeface="Consolas" panose="020B0609020204030204" pitchFamily="49" charset="0"/>
             </a:endParaRPr>
           </a:p>
@@ -8671,7 +9494,7 @@
               </a:spcAft>
             </a:pPr>
             <a:r>
-              <a:rPr lang="en-US" sz="1600" dirty="0">
+              <a:rPr lang="en-US" sz="1400" dirty="0">
                 <a:latin typeface="Consolas" panose="020B0609020204030204" pitchFamily="49" charset="0"/>
               </a:rPr>
               <a:t>	I2C1-&gt;DR = data;//delay();		</a:t>
@@ -8687,7 +9510,7 @@
               </a:spcAft>
             </a:pPr>
             <a:r>
-              <a:rPr lang="en-US" sz="1600" dirty="0">
+              <a:rPr lang="en-US" sz="1400" dirty="0">
                 <a:latin typeface="Consolas" panose="020B0609020204030204" pitchFamily="49" charset="0"/>
               </a:rPr>
               <a:t>	i2c_clearAddr();</a:t>
@@ -8703,7 +9526,7 @@
               </a:spcAft>
             </a:pPr>
             <a:r>
-              <a:rPr lang="en-US" sz="1600" dirty="0">
+              <a:rPr lang="en-US" sz="1400" dirty="0">
                 <a:latin typeface="Consolas" panose="020B0609020204030204" pitchFamily="49" charset="0"/>
               </a:rPr>
               <a:t>}</a:t>
@@ -8718,7 +9541,7 @@
                 <a:spcPts val="200"/>
               </a:spcAft>
             </a:pPr>
-            <a:endParaRPr lang="en-US" sz="1600" dirty="0">
+            <a:endParaRPr lang="en-US" sz="1400" dirty="0">
               <a:latin typeface="Consolas" panose="020B0609020204030204" pitchFamily="49" charset="0"/>
             </a:endParaRPr>
           </a:p>
@@ -8732,7 +9555,7 @@
               </a:spcAft>
             </a:pPr>
             <a:r>
-              <a:rPr lang="en-US" sz="1600" dirty="0">
+              <a:rPr lang="en-US" sz="1400" dirty="0">
                 <a:latin typeface="Consolas" panose="020B0609020204030204" pitchFamily="49" charset="0"/>
               </a:rPr>
               <a:t>void i2c_clearAddr()</a:t>
@@ -8748,7 +9571,7 @@
               </a:spcAft>
             </a:pPr>
             <a:r>
-              <a:rPr lang="en-US" sz="1600" dirty="0">
+              <a:rPr lang="en-US" sz="1400" dirty="0">
                 <a:latin typeface="Consolas" panose="020B0609020204030204" pitchFamily="49" charset="0"/>
               </a:rPr>
               <a:t>{		</a:t>
@@ -8764,19 +9587,19 @@
               </a:spcAft>
             </a:pPr>
             <a:r>
-              <a:rPr lang="en-US" sz="1600" dirty="0">
+              <a:rPr lang="en-US" sz="1400" dirty="0">
                 <a:latin typeface="Consolas" panose="020B0609020204030204" pitchFamily="49" charset="0"/>
               </a:rPr>
               <a:t>	//2.a) check </a:t>
             </a:r>
             <a:r>
-              <a:rPr lang="en-US" sz="1600" dirty="0" err="1">
+              <a:rPr lang="en-US" sz="1400" dirty="0" err="1">
                 <a:latin typeface="Consolas" panose="020B0609020204030204" pitchFamily="49" charset="0"/>
               </a:rPr>
               <a:t>addr</a:t>
             </a:r>
             <a:r>
-              <a:rPr lang="en-US" sz="1600" dirty="0">
+              <a:rPr lang="en-US" sz="1400" dirty="0">
                 <a:latin typeface="Consolas" panose="020B0609020204030204" pitchFamily="49" charset="0"/>
               </a:rPr>
               <a:t> clear</a:t>
@@ -8792,7 +9615,7 @@
               </a:spcAft>
             </a:pPr>
             <a:r>
-              <a:rPr lang="en-US" sz="1600" dirty="0">
+              <a:rPr lang="en-US" sz="1400" dirty="0">
                 <a:latin typeface="Consolas" panose="020B0609020204030204" pitchFamily="49" charset="0"/>
               </a:rPr>
               <a:t>	while( ! (I2C1-&gt;SR1 &amp; (1&lt;&lt;1)));</a:t>
@@ -8808,19 +9631,19 @@
               </a:spcAft>
             </a:pPr>
             <a:r>
-              <a:rPr lang="en-US" sz="1600" dirty="0">
+              <a:rPr lang="en-US" sz="1400" dirty="0">
                 <a:latin typeface="Consolas" panose="020B0609020204030204" pitchFamily="49" charset="0"/>
               </a:rPr>
               <a:t>	</a:t>
             </a:r>
             <a:r>
-              <a:rPr lang="en-US" sz="1600" dirty="0" err="1">
+              <a:rPr lang="en-US" sz="1400" dirty="0" err="1">
                 <a:latin typeface="Consolas" panose="020B0609020204030204" pitchFamily="49" charset="0"/>
               </a:rPr>
               <a:t>dummy_read</a:t>
             </a:r>
             <a:r>
-              <a:rPr lang="en-US" sz="1600" dirty="0">
+              <a:rPr lang="en-US" sz="1400" dirty="0">
                 <a:latin typeface="Consolas" panose="020B0609020204030204" pitchFamily="49" charset="0"/>
               </a:rPr>
               <a:t>=I2C1-&gt;SR1;</a:t>
@@ -8836,19 +9659,19 @@
               </a:spcAft>
             </a:pPr>
             <a:r>
-              <a:rPr lang="en-US" sz="1600" dirty="0">
+              <a:rPr lang="en-US" sz="1400" dirty="0">
                 <a:latin typeface="Consolas" panose="020B0609020204030204" pitchFamily="49" charset="0"/>
               </a:rPr>
               <a:t>	</a:t>
             </a:r>
             <a:r>
-              <a:rPr lang="en-US" sz="1600" dirty="0" err="1">
+              <a:rPr lang="en-US" sz="1400" dirty="0" err="1">
                 <a:latin typeface="Consolas" panose="020B0609020204030204" pitchFamily="49" charset="0"/>
               </a:rPr>
               <a:t>dummy_read</a:t>
             </a:r>
             <a:r>
-              <a:rPr lang="en-US" sz="1600" dirty="0">
+              <a:rPr lang="en-US" sz="1400" dirty="0">
                 <a:latin typeface="Consolas" panose="020B0609020204030204" pitchFamily="49" charset="0"/>
               </a:rPr>
               <a:t>=I2C1-&gt;SR2;</a:t>
@@ -8864,19 +9687,19 @@
               </a:spcAft>
             </a:pPr>
             <a:r>
-              <a:rPr lang="en-US" sz="1600" dirty="0">
+              <a:rPr lang="en-US" sz="1400" dirty="0">
                 <a:latin typeface="Consolas" panose="020B0609020204030204" pitchFamily="49" charset="0"/>
               </a:rPr>
               <a:t>	(void)</a:t>
             </a:r>
             <a:r>
-              <a:rPr lang="en-US" sz="1600" dirty="0" err="1">
+              <a:rPr lang="en-US" sz="1400" dirty="0" err="1">
                 <a:latin typeface="Consolas" panose="020B0609020204030204" pitchFamily="49" charset="0"/>
               </a:rPr>
               <a:t>dummy_read</a:t>
             </a:r>
             <a:r>
-              <a:rPr lang="en-US" sz="1600" dirty="0">
+              <a:rPr lang="en-US" sz="1400" dirty="0">
                 <a:latin typeface="Consolas" panose="020B0609020204030204" pitchFamily="49" charset="0"/>
               </a:rPr>
               <a:t>;</a:t>
@@ -8892,7 +9715,7 @@
               </a:spcAft>
             </a:pPr>
             <a:r>
-              <a:rPr lang="en-US" sz="1600" dirty="0">
+              <a:rPr lang="en-US" sz="1400" dirty="0">
                 <a:latin typeface="Consolas" panose="020B0609020204030204" pitchFamily="49" charset="0"/>
               </a:rPr>
               <a:t>	</a:t>
@@ -8908,7 +9731,7 @@
               </a:spcAft>
             </a:pPr>
             <a:r>
-              <a:rPr lang="en-US" sz="1600" dirty="0">
+              <a:rPr lang="en-US" sz="1400" dirty="0">
                 <a:latin typeface="Consolas" panose="020B0609020204030204" pitchFamily="49" charset="0"/>
               </a:rPr>
               <a:t>}</a:t>
@@ -8923,7 +9746,7 @@
                 <a:spcPts val="200"/>
               </a:spcAft>
             </a:pPr>
-            <a:endParaRPr lang="en-US" sz="1600" dirty="0">
+            <a:endParaRPr lang="en-US" sz="1400" dirty="0">
               <a:latin typeface="Consolas" panose="020B0609020204030204" pitchFamily="49" charset="0"/>
             </a:endParaRPr>
           </a:p>
@@ -8949,7 +9772,7 @@
 </p:sld>
 </file>
 
-<file path=ppt/slides/slide21.xml><?xml version="1.0" encoding="utf-8"?>
+<file path=ppt/slides/slide23.xml><?xml version="1.0" encoding="utf-8"?>
 <p:sld xmlns:a="http://schemas.openxmlformats.org/drawingml/2006/main" xmlns:r="http://schemas.openxmlformats.org/officeDocument/2006/relationships" xmlns:p="http://schemas.openxmlformats.org/presentationml/2006/main">
   <p:cSld>
     <p:spTree>
@@ -10568,49 +11391,49 @@
                 <a:gridCol w="1159770">
                   <a:extLst>
                     <a:ext uri="{9D8B030D-6E8A-4147-A177-3AD203B41FA5}">
-                      <a16:colId xmlns:a16="http://schemas.microsoft.com/office/drawing/2014/main" val="3383738738"/>
+                      <a16:colId xmlns:a16="http://schemas.microsoft.com/office/drawing/2014/main" xmlns="" val="3383738738"/>
                     </a:ext>
                   </a:extLst>
                 </a:gridCol>
                 <a:gridCol w="1159770">
                   <a:extLst>
                     <a:ext uri="{9D8B030D-6E8A-4147-A177-3AD203B41FA5}">
-                      <a16:colId xmlns:a16="http://schemas.microsoft.com/office/drawing/2014/main" val="1296446812"/>
+                      <a16:colId xmlns:a16="http://schemas.microsoft.com/office/drawing/2014/main" xmlns="" val="1296446812"/>
                     </a:ext>
                   </a:extLst>
                 </a:gridCol>
                 <a:gridCol w="1159770">
                   <a:extLst>
                     <a:ext uri="{9D8B030D-6E8A-4147-A177-3AD203B41FA5}">
-                      <a16:colId xmlns:a16="http://schemas.microsoft.com/office/drawing/2014/main" val="4155492890"/>
+                      <a16:colId xmlns:a16="http://schemas.microsoft.com/office/drawing/2014/main" xmlns="" val="4155492890"/>
                     </a:ext>
                   </a:extLst>
                 </a:gridCol>
                 <a:gridCol w="1159770">
                   <a:extLst>
                     <a:ext uri="{9D8B030D-6E8A-4147-A177-3AD203B41FA5}">
-                      <a16:colId xmlns:a16="http://schemas.microsoft.com/office/drawing/2014/main" val="88498987"/>
+                      <a16:colId xmlns:a16="http://schemas.microsoft.com/office/drawing/2014/main" xmlns="" val="88498987"/>
                     </a:ext>
                   </a:extLst>
                 </a:gridCol>
                 <a:gridCol w="1159770">
                   <a:extLst>
                     <a:ext uri="{9D8B030D-6E8A-4147-A177-3AD203B41FA5}">
-                      <a16:colId xmlns:a16="http://schemas.microsoft.com/office/drawing/2014/main" val="1095289430"/>
+                      <a16:colId xmlns:a16="http://schemas.microsoft.com/office/drawing/2014/main" xmlns="" val="1095289430"/>
                     </a:ext>
                   </a:extLst>
                 </a:gridCol>
                 <a:gridCol w="1159770">
                   <a:extLst>
                     <a:ext uri="{9D8B030D-6E8A-4147-A177-3AD203B41FA5}">
-                      <a16:colId xmlns:a16="http://schemas.microsoft.com/office/drawing/2014/main" val="3352453702"/>
+                      <a16:colId xmlns:a16="http://schemas.microsoft.com/office/drawing/2014/main" xmlns="" val="3352453702"/>
                     </a:ext>
                   </a:extLst>
                 </a:gridCol>
                 <a:gridCol w="1159770">
                   <a:extLst>
                     <a:ext uri="{9D8B030D-6E8A-4147-A177-3AD203B41FA5}">
-                      <a16:colId xmlns:a16="http://schemas.microsoft.com/office/drawing/2014/main" val="4041550271"/>
+                      <a16:colId xmlns:a16="http://schemas.microsoft.com/office/drawing/2014/main" xmlns="" val="4041550271"/>
                     </a:ext>
                   </a:extLst>
                 </a:gridCol>
@@ -10969,7 +11792,7 @@
                 </a:tc>
                 <a:extLst>
                   <a:ext uri="{0D108BD9-81ED-4DB2-BD59-A6C34878D82A}">
-                    <a16:rowId xmlns:a16="http://schemas.microsoft.com/office/drawing/2014/main" val="1183682739"/>
+                    <a16:rowId xmlns:a16="http://schemas.microsoft.com/office/drawing/2014/main" xmlns="" val="1183682739"/>
                   </a:ext>
                 </a:extLst>
               </a:tr>
@@ -11003,70 +11826,70 @@
                 <a:gridCol w="1050324">
                   <a:extLst>
                     <a:ext uri="{9D8B030D-6E8A-4147-A177-3AD203B41FA5}">
-                      <a16:colId xmlns:a16="http://schemas.microsoft.com/office/drawing/2014/main" val="1215976325"/>
+                      <a16:colId xmlns:a16="http://schemas.microsoft.com/office/drawing/2014/main" xmlns="" val="1215976325"/>
                     </a:ext>
                   </a:extLst>
                 </a:gridCol>
                 <a:gridCol w="1050325">
                   <a:extLst>
                     <a:ext uri="{9D8B030D-6E8A-4147-A177-3AD203B41FA5}">
-                      <a16:colId xmlns:a16="http://schemas.microsoft.com/office/drawing/2014/main" val="1419031998"/>
+                      <a16:colId xmlns:a16="http://schemas.microsoft.com/office/drawing/2014/main" xmlns="" val="1419031998"/>
                     </a:ext>
                   </a:extLst>
                 </a:gridCol>
                 <a:gridCol w="1050324">
                   <a:extLst>
                     <a:ext uri="{9D8B030D-6E8A-4147-A177-3AD203B41FA5}">
-                      <a16:colId xmlns:a16="http://schemas.microsoft.com/office/drawing/2014/main" val="1813084390"/>
+                      <a16:colId xmlns:a16="http://schemas.microsoft.com/office/drawing/2014/main" xmlns="" val="1813084390"/>
                     </a:ext>
                   </a:extLst>
                 </a:gridCol>
                 <a:gridCol w="1050324">
                   <a:extLst>
                     <a:ext uri="{9D8B030D-6E8A-4147-A177-3AD203B41FA5}">
-                      <a16:colId xmlns:a16="http://schemas.microsoft.com/office/drawing/2014/main" val="1708114328"/>
+                      <a16:colId xmlns:a16="http://schemas.microsoft.com/office/drawing/2014/main" xmlns="" val="1708114328"/>
                     </a:ext>
                   </a:extLst>
                 </a:gridCol>
                 <a:gridCol w="1050325">
                   <a:extLst>
                     <a:ext uri="{9D8B030D-6E8A-4147-A177-3AD203B41FA5}">
-                      <a16:colId xmlns:a16="http://schemas.microsoft.com/office/drawing/2014/main" val="1074418915"/>
+                      <a16:colId xmlns:a16="http://schemas.microsoft.com/office/drawing/2014/main" xmlns="" val="1074418915"/>
                     </a:ext>
                   </a:extLst>
                 </a:gridCol>
                 <a:gridCol w="1050325">
                   <a:extLst>
                     <a:ext uri="{9D8B030D-6E8A-4147-A177-3AD203B41FA5}">
-                      <a16:colId xmlns:a16="http://schemas.microsoft.com/office/drawing/2014/main" val="2702806404"/>
+                      <a16:colId xmlns:a16="http://schemas.microsoft.com/office/drawing/2014/main" xmlns="" val="2702806404"/>
                     </a:ext>
                   </a:extLst>
                 </a:gridCol>
                 <a:gridCol w="1050324">
                   <a:extLst>
                     <a:ext uri="{9D8B030D-6E8A-4147-A177-3AD203B41FA5}">
-                      <a16:colId xmlns:a16="http://schemas.microsoft.com/office/drawing/2014/main" val="369899340"/>
+                      <a16:colId xmlns:a16="http://schemas.microsoft.com/office/drawing/2014/main" xmlns="" val="369899340"/>
                     </a:ext>
                   </a:extLst>
                 </a:gridCol>
                 <a:gridCol w="1050324">
                   <a:extLst>
                     <a:ext uri="{9D8B030D-6E8A-4147-A177-3AD203B41FA5}">
-                      <a16:colId xmlns:a16="http://schemas.microsoft.com/office/drawing/2014/main" val="1923909901"/>
+                      <a16:colId xmlns:a16="http://schemas.microsoft.com/office/drawing/2014/main" xmlns="" val="1923909901"/>
                     </a:ext>
                   </a:extLst>
                 </a:gridCol>
                 <a:gridCol w="1050325">
                   <a:extLst>
                     <a:ext uri="{9D8B030D-6E8A-4147-A177-3AD203B41FA5}">
-                      <a16:colId xmlns:a16="http://schemas.microsoft.com/office/drawing/2014/main" val="1137614932"/>
+                      <a16:colId xmlns:a16="http://schemas.microsoft.com/office/drawing/2014/main" xmlns="" val="1137614932"/>
                     </a:ext>
                   </a:extLst>
                 </a:gridCol>
                 <a:gridCol w="1050324">
                   <a:extLst>
                     <a:ext uri="{9D8B030D-6E8A-4147-A177-3AD203B41FA5}">
-                      <a16:colId xmlns:a16="http://schemas.microsoft.com/office/drawing/2014/main" val="2578929240"/>
+                      <a16:colId xmlns:a16="http://schemas.microsoft.com/office/drawing/2014/main" xmlns="" val="2578929240"/>
                     </a:ext>
                   </a:extLst>
                 </a:gridCol>
@@ -11586,7 +12409,7 @@
                 </a:tc>
                 <a:extLst>
                   <a:ext uri="{0D108BD9-81ED-4DB2-BD59-A6C34878D82A}">
-                    <a16:rowId xmlns:a16="http://schemas.microsoft.com/office/drawing/2014/main" val="1437942290"/>
+                    <a16:rowId xmlns:a16="http://schemas.microsoft.com/office/drawing/2014/main" xmlns="" val="1437942290"/>
                   </a:ext>
                 </a:extLst>
               </a:tr>
@@ -12146,6 +12969,218 @@
           </a:extLst>
         </p:spPr>
       </p:pic>
+      <p:cxnSp>
+        <p:nvCxnSpPr>
+          <p:cNvPr id="8" name="Straight Connector 7"/>
+          <p:cNvCxnSpPr/>
+          <p:nvPr/>
+        </p:nvCxnSpPr>
+        <p:spPr>
+          <a:xfrm>
+            <a:off x="3458817" y="1918252"/>
+            <a:ext cx="0" cy="1073426"/>
+          </a:xfrm>
+          <a:prstGeom prst="line">
+            <a:avLst/>
+          </a:prstGeom>
+          <a:ln>
+            <a:solidFill>
+              <a:schemeClr val="tx1"/>
+            </a:solidFill>
+          </a:ln>
+        </p:spPr>
+        <p:style>
+          <a:lnRef idx="1">
+            <a:schemeClr val="accent1"/>
+          </a:lnRef>
+          <a:fillRef idx="0">
+            <a:schemeClr val="accent1"/>
+          </a:fillRef>
+          <a:effectRef idx="0">
+            <a:schemeClr val="accent1"/>
+          </a:effectRef>
+          <a:fontRef idx="minor">
+            <a:schemeClr val="tx1"/>
+          </a:fontRef>
+        </p:style>
+      </p:cxnSp>
+      <p:cxnSp>
+        <p:nvCxnSpPr>
+          <p:cNvPr id="10" name="Straight Connector 9"/>
+          <p:cNvCxnSpPr/>
+          <p:nvPr/>
+        </p:nvCxnSpPr>
+        <p:spPr>
+          <a:xfrm>
+            <a:off x="3839817" y="1918252"/>
+            <a:ext cx="0" cy="1073426"/>
+          </a:xfrm>
+          <a:prstGeom prst="line">
+            <a:avLst/>
+          </a:prstGeom>
+          <a:ln>
+            <a:solidFill>
+              <a:schemeClr val="tx1"/>
+            </a:solidFill>
+          </a:ln>
+        </p:spPr>
+        <p:style>
+          <a:lnRef idx="1">
+            <a:schemeClr val="accent1"/>
+          </a:lnRef>
+          <a:fillRef idx="0">
+            <a:schemeClr val="accent1"/>
+          </a:fillRef>
+          <a:effectRef idx="0">
+            <a:schemeClr val="accent1"/>
+          </a:effectRef>
+          <a:fontRef idx="minor">
+            <a:schemeClr val="tx1"/>
+          </a:fontRef>
+        </p:style>
+      </p:cxnSp>
+      <p:cxnSp>
+        <p:nvCxnSpPr>
+          <p:cNvPr id="11" name="Straight Connector 10"/>
+          <p:cNvCxnSpPr/>
+          <p:nvPr/>
+        </p:nvCxnSpPr>
+        <p:spPr>
+          <a:xfrm>
+            <a:off x="3458817" y="1918252"/>
+            <a:ext cx="381000" cy="0"/>
+          </a:xfrm>
+          <a:prstGeom prst="line">
+            <a:avLst/>
+          </a:prstGeom>
+          <a:ln>
+            <a:solidFill>
+              <a:schemeClr val="tx1"/>
+            </a:solidFill>
+          </a:ln>
+        </p:spPr>
+        <p:style>
+          <a:lnRef idx="1">
+            <a:schemeClr val="accent1"/>
+          </a:lnRef>
+          <a:fillRef idx="0">
+            <a:schemeClr val="accent1"/>
+          </a:fillRef>
+          <a:effectRef idx="0">
+            <a:schemeClr val="accent1"/>
+          </a:effectRef>
+          <a:fontRef idx="minor">
+            <a:schemeClr val="tx1"/>
+          </a:fontRef>
+        </p:style>
+      </p:cxnSp>
+      <p:cxnSp>
+        <p:nvCxnSpPr>
+          <p:cNvPr id="13" name="Straight Connector 12"/>
+          <p:cNvCxnSpPr/>
+          <p:nvPr/>
+        </p:nvCxnSpPr>
+        <p:spPr>
+          <a:xfrm>
+            <a:off x="3458817" y="2991678"/>
+            <a:ext cx="381000" cy="0"/>
+          </a:xfrm>
+          <a:prstGeom prst="line">
+            <a:avLst/>
+          </a:prstGeom>
+          <a:ln>
+            <a:solidFill>
+              <a:schemeClr val="tx1"/>
+            </a:solidFill>
+          </a:ln>
+        </p:spPr>
+        <p:style>
+          <a:lnRef idx="1">
+            <a:schemeClr val="accent1"/>
+          </a:lnRef>
+          <a:fillRef idx="0">
+            <a:schemeClr val="accent1"/>
+          </a:fillRef>
+          <a:effectRef idx="0">
+            <a:schemeClr val="accent1"/>
+          </a:effectRef>
+          <a:fontRef idx="minor">
+            <a:schemeClr val="tx1"/>
+          </a:fontRef>
+        </p:style>
+      </p:cxnSp>
+      <p:sp>
+        <p:nvSpPr>
+          <p:cNvPr id="14" name="TextBox 13"/>
+          <p:cNvSpPr txBox="1"/>
+          <p:nvPr/>
+        </p:nvSpPr>
+        <p:spPr>
+          <a:xfrm>
+            <a:off x="3210339" y="1401148"/>
+            <a:ext cx="1361661" cy="369332"/>
+          </a:xfrm>
+          <a:prstGeom prst="rect">
+            <a:avLst/>
+          </a:prstGeom>
+          <a:noFill/>
+        </p:spPr>
+        <p:txBody>
+          <a:bodyPr wrap="square" rtlCol="0">
+            <a:spAutoFit/>
+          </a:bodyPr>
+          <a:lstStyle/>
+          <a:p>
+            <a:r>
+              <a:rPr lang="en-US" dirty="0" smtClean="0">
+                <a:solidFill>
+                  <a:srgbClr val="FF0000"/>
+                </a:solidFill>
+              </a:rPr>
+              <a:t>SLEW RATE</a:t>
+            </a:r>
+            <a:endParaRPr lang="en-US" dirty="0">
+              <a:solidFill>
+                <a:srgbClr val="FF0000"/>
+              </a:solidFill>
+            </a:endParaRPr>
+          </a:p>
+        </p:txBody>
+      </p:sp>
+      <p:sp>
+        <p:nvSpPr>
+          <p:cNvPr id="15" name="TextBox 14"/>
+          <p:cNvSpPr txBox="1"/>
+          <p:nvPr/>
+        </p:nvSpPr>
+        <p:spPr>
+          <a:xfrm>
+            <a:off x="1073426" y="5546035"/>
+            <a:ext cx="9939131" cy="369332"/>
+          </a:xfrm>
+          <a:prstGeom prst="rect">
+            <a:avLst/>
+          </a:prstGeom>
+          <a:noFill/>
+        </p:spPr>
+        <p:txBody>
+          <a:bodyPr wrap="square" rtlCol="0">
+            <a:spAutoFit/>
+          </a:bodyPr>
+          <a:lstStyle/>
+          <a:p>
+            <a:pPr marL="285750" indent="-285750">
+              <a:buFont typeface="Arial" pitchFamily="34" charset="0"/>
+              <a:buChar char="•"/>
+            </a:pPr>
+            <a:r>
+              <a:rPr lang="en-US" dirty="0" smtClean="0"/>
+              <a:t>Slew rate is transition time to change from low to high or high to low</a:t>
+            </a:r>
+            <a:endParaRPr lang="en-US" dirty="0"/>
+          </a:p>
+        </p:txBody>
+      </p:sp>
     </p:spTree>
     <p:extLst>
       <p:ext uri="{BB962C8B-B14F-4D97-AF65-F5344CB8AC3E}">
@@ -12377,7 +13412,31 @@
               <a:rPr lang="en-US" sz="2800" dirty="0">
                 <a:sym typeface="Wingdings" panose="05000000000000000000" pitchFamily="2" charset="2"/>
               </a:rPr>
-              <a:t> two master send data at same time ,which master has more low bit in their data which will win arbitration .</a:t>
+              <a:t> two master send data at same time ,which master has </a:t>
+            </a:r>
+            <a:r>
+              <a:rPr lang="en-US" sz="2800" dirty="0" smtClean="0">
+                <a:sym typeface="Wingdings" panose="05000000000000000000" pitchFamily="2" charset="2"/>
+              </a:rPr>
+              <a:t>logic low </a:t>
+            </a:r>
+            <a:r>
+              <a:rPr lang="en-US" sz="2800" dirty="0">
+                <a:sym typeface="Wingdings" panose="05000000000000000000" pitchFamily="2" charset="2"/>
+              </a:rPr>
+              <a:t>bit in their data </a:t>
+            </a:r>
+            <a:r>
+              <a:rPr lang="en-US" sz="2800" dirty="0" smtClean="0">
+                <a:sym typeface="Wingdings" panose="05000000000000000000" pitchFamily="2" charset="2"/>
+              </a:rPr>
+              <a:t>bits which </a:t>
+            </a:r>
+            <a:r>
+              <a:rPr lang="en-US" sz="2800" dirty="0">
+                <a:sym typeface="Wingdings" panose="05000000000000000000" pitchFamily="2" charset="2"/>
+              </a:rPr>
+              <a:t>will win arbitration .</a:t>
             </a:r>
           </a:p>
           <a:p>
@@ -12476,7 +13535,7 @@
     </a:clrScheme>
     <a:fontScheme name="Office">
       <a:majorFont>
-        <a:latin typeface="Calibri Light" panose="020F0302020204030204"/>
+        <a:latin typeface="Calibri Light"/>
         <a:ea typeface=""/>
         <a:cs typeface=""/>
         <a:font script="Jpan" typeface="游ゴシック Light"/>
@@ -12511,7 +13570,7 @@
         <a:font script="Geor" typeface="Sylfaen"/>
       </a:majorFont>
       <a:minorFont>
-        <a:latin typeface="Calibri" panose="020F0502020204030204"/>
+        <a:latin typeface="Calibri"/>
         <a:ea typeface=""/>
         <a:cs typeface=""/>
         <a:font script="Jpan" typeface="游ゴシック"/>
@@ -12688,7 +13747,7 @@
   <a:extraClrSchemeLst/>
   <a:extLst>
     <a:ext uri="{05A4C25C-085E-4340-85A3-A5531E510DB2}">
-      <thm15:themeFamily xmlns:thm15="http://schemas.microsoft.com/office/thememl/2012/main" name="Office Theme" id="{62F939B6-93AF-4DB8-9C6B-D6C7DFDC589F}" vid="{4A3C46E8-61CC-4603-A589-7422A47A8E4A}"/>
+      <thm15:themeFamily xmlns:thm15="http://schemas.microsoft.com/office/thememl/2012/main" xmlns="" name="Office Theme" id="{62F939B6-93AF-4DB8-9C6B-D6C7DFDC589F}" vid="{4A3C46E8-61CC-4603-A589-7422A47A8E4A}"/>
     </a:ext>
   </a:extLst>
 </a:theme>
@@ -12737,7 +13796,7 @@
     </a:clrScheme>
     <a:fontScheme name="Office">
       <a:majorFont>
-        <a:latin typeface="Calibri Light" panose="020F0302020204030204"/>
+        <a:latin typeface="Calibri Light"/>
         <a:ea typeface=""/>
         <a:cs typeface=""/>
         <a:font script="Jpan" typeface="游ゴシック Light"/>
@@ -12772,7 +13831,7 @@
         <a:font script="Geor" typeface="Sylfaen"/>
       </a:majorFont>
       <a:minorFont>
-        <a:latin typeface="Calibri" panose="020F0502020204030204"/>
+        <a:latin typeface="Calibri"/>
         <a:ea typeface=""/>
         <a:cs typeface=""/>
         <a:font script="Jpan" typeface="游ゴシック"/>
@@ -12949,7 +14008,7 @@
   <a:extraClrSchemeLst/>
   <a:extLst>
     <a:ext uri="{05A4C25C-085E-4340-85A3-A5531E510DB2}">
-      <thm15:themeFamily xmlns:thm15="http://schemas.microsoft.com/office/thememl/2012/main" name="Office Theme" id="{62F939B6-93AF-4DB8-9C6B-D6C7DFDC589F}" vid="{4A3C46E8-61CC-4603-A589-7422A47A8E4A}"/>
+      <thm15:themeFamily xmlns:thm15="http://schemas.microsoft.com/office/thememl/2012/main" xmlns="" name="Office Theme" id="{62F939B6-93AF-4DB8-9C6B-D6C7DFDC589F}" vid="{4A3C46E8-61CC-4603-A589-7422A47A8E4A}"/>
     </a:ext>
   </a:extLst>
 </a:theme>
@@ -12998,7 +14057,7 @@
     </a:clrScheme>
     <a:fontScheme name="Office">
       <a:majorFont>
-        <a:latin typeface="Calibri Light" panose="020F0302020204030204"/>
+        <a:latin typeface="Calibri Light"/>
         <a:ea typeface=""/>
         <a:cs typeface=""/>
         <a:font script="Jpan" typeface="游ゴシック Light"/>
@@ -13033,7 +14092,7 @@
         <a:font script="Geor" typeface="Sylfaen"/>
       </a:majorFont>
       <a:minorFont>
-        <a:latin typeface="Calibri" panose="020F0502020204030204"/>
+        <a:latin typeface="Calibri"/>
         <a:ea typeface=""/>
         <a:cs typeface=""/>
         <a:font script="Jpan" typeface="游ゴシック"/>
@@ -13210,7 +14269,7 @@
   <a:extraClrSchemeLst/>
   <a:extLst>
     <a:ext uri="{05A4C25C-085E-4340-85A3-A5531E510DB2}">
-      <thm15:themeFamily xmlns:thm15="http://schemas.microsoft.com/office/thememl/2012/main" name="Office Theme" id="{62F939B6-93AF-4DB8-9C6B-D6C7DFDC589F}" vid="{4A3C46E8-61CC-4603-A589-7422A47A8E4A}"/>
+      <thm15:themeFamily xmlns:thm15="http://schemas.microsoft.com/office/thememl/2012/main" xmlns="" name="Office Theme" id="{62F939B6-93AF-4DB8-9C6B-D6C7DFDC589F}" vid="{4A3C46E8-61CC-4603-A589-7422A47A8E4A}"/>
     </a:ext>
   </a:extLst>
 </a:theme>
